--- a/demo_day_deck.pptx
+++ b/demo_day_deck.pptx
@@ -11,12 +11,12 @@
     <p:sldId id="256" r:id="rId2"/>
     <p:sldId id="258" r:id="rId3"/>
     <p:sldId id="271" r:id="rId4"/>
-    <p:sldId id="272" r:id="rId5"/>
-    <p:sldId id="259" r:id="rId6"/>
-    <p:sldId id="260" r:id="rId7"/>
-    <p:sldId id="262" r:id="rId8"/>
-    <p:sldId id="263" r:id="rId9"/>
-    <p:sldId id="264" r:id="rId10"/>
+    <p:sldId id="276" r:id="rId5"/>
+    <p:sldId id="260" r:id="rId6"/>
+    <p:sldId id="262" r:id="rId7"/>
+    <p:sldId id="263" r:id="rId8"/>
+    <p:sldId id="264" r:id="rId9"/>
+    <p:sldId id="275" r:id="rId10"/>
     <p:sldId id="273" r:id="rId11"/>
     <p:sldId id="266" r:id="rId12"/>
     <p:sldId id="270" r:id="rId13"/>
@@ -1079,6 +1079,788 @@
 </file>
 
 <file path=ppt/diagrams/colors2.xml><?xml version="1.0" encoding="utf-8"?>
+<dgm:colorsDef xmlns:dgm="http://schemas.openxmlformats.org/drawingml/2006/diagram" xmlns:a="http://schemas.openxmlformats.org/drawingml/2006/main" uniqueId="urn:microsoft.com/office/officeart/2005/8/colors/colorful5">
+  <dgm:title val=""/>
+  <dgm:desc val=""/>
+  <dgm:catLst>
+    <dgm:cat type="colorful" pri="10500"/>
+  </dgm:catLst>
+  <dgm:styleLbl name="node0">
+    <dgm:fillClrLst meth="repeat">
+      <a:schemeClr val="accent4"/>
+    </dgm:fillClrLst>
+    <dgm:linClrLst meth="repeat">
+      <a:schemeClr val="lt1"/>
+    </dgm:linClrLst>
+    <dgm:effectClrLst/>
+    <dgm:txLinClrLst/>
+    <dgm:txFillClrLst/>
+    <dgm:txEffectClrLst/>
+  </dgm:styleLbl>
+  <dgm:styleLbl name="node1">
+    <dgm:fillClrLst>
+      <a:schemeClr val="accent5"/>
+      <a:schemeClr val="accent6"/>
+    </dgm:fillClrLst>
+    <dgm:linClrLst meth="repeat">
+      <a:schemeClr val="lt1"/>
+    </dgm:linClrLst>
+    <dgm:effectClrLst/>
+    <dgm:txLinClrLst/>
+    <dgm:txFillClrLst/>
+    <dgm:txEffectClrLst/>
+  </dgm:styleLbl>
+  <dgm:styleLbl name="alignNode1">
+    <dgm:fillClrLst>
+      <a:schemeClr val="accent5"/>
+      <a:schemeClr val="accent6"/>
+    </dgm:fillClrLst>
+    <dgm:linClrLst>
+      <a:schemeClr val="accent5"/>
+      <a:schemeClr val="accent6"/>
+    </dgm:linClrLst>
+    <dgm:effectClrLst/>
+    <dgm:txLinClrLst/>
+    <dgm:txFillClrLst/>
+    <dgm:txEffectClrLst/>
+  </dgm:styleLbl>
+  <dgm:styleLbl name="lnNode1">
+    <dgm:fillClrLst>
+      <a:schemeClr val="accent5"/>
+      <a:schemeClr val="accent6"/>
+    </dgm:fillClrLst>
+    <dgm:linClrLst meth="repeat">
+      <a:schemeClr val="lt1"/>
+    </dgm:linClrLst>
+    <dgm:effectClrLst/>
+    <dgm:txLinClrLst/>
+    <dgm:txFillClrLst/>
+    <dgm:txEffectClrLst/>
+  </dgm:styleLbl>
+  <dgm:styleLbl name="vennNode1">
+    <dgm:fillClrLst>
+      <a:schemeClr val="accent5">
+        <a:alpha val="50000"/>
+      </a:schemeClr>
+      <a:schemeClr val="accent6">
+        <a:alpha val="50000"/>
+      </a:schemeClr>
+    </dgm:fillClrLst>
+    <dgm:linClrLst meth="repeat">
+      <a:schemeClr val="lt1"/>
+    </dgm:linClrLst>
+    <dgm:effectClrLst/>
+    <dgm:txLinClrLst/>
+    <dgm:txFillClrLst/>
+    <dgm:txEffectClrLst/>
+  </dgm:styleLbl>
+  <dgm:styleLbl name="node2">
+    <dgm:fillClrLst>
+      <a:schemeClr val="accent6"/>
+    </dgm:fillClrLst>
+    <dgm:linClrLst meth="repeat">
+      <a:schemeClr val="lt1"/>
+    </dgm:linClrLst>
+    <dgm:effectClrLst/>
+    <dgm:txLinClrLst/>
+    <dgm:txFillClrLst/>
+    <dgm:txEffectClrLst/>
+  </dgm:styleLbl>
+  <dgm:styleLbl name="node3">
+    <dgm:fillClrLst>
+      <a:schemeClr val="accent1"/>
+    </dgm:fillClrLst>
+    <dgm:linClrLst meth="repeat">
+      <a:schemeClr val="lt1"/>
+    </dgm:linClrLst>
+    <dgm:effectClrLst/>
+    <dgm:txLinClrLst/>
+    <dgm:txFillClrLst/>
+    <dgm:txEffectClrLst/>
+  </dgm:styleLbl>
+  <dgm:styleLbl name="node4">
+    <dgm:fillClrLst>
+      <a:schemeClr val="accent2"/>
+    </dgm:fillClrLst>
+    <dgm:linClrLst meth="repeat">
+      <a:schemeClr val="lt1"/>
+    </dgm:linClrLst>
+    <dgm:effectClrLst/>
+    <dgm:txLinClrLst/>
+    <dgm:txFillClrLst/>
+    <dgm:txEffectClrLst/>
+  </dgm:styleLbl>
+  <dgm:styleLbl name="fgImgPlace1">
+    <dgm:fillClrLst>
+      <a:schemeClr val="accent5">
+        <a:tint val="50000"/>
+      </a:schemeClr>
+      <a:schemeClr val="accent6">
+        <a:tint val="50000"/>
+      </a:schemeClr>
+    </dgm:fillClrLst>
+    <dgm:linClrLst meth="repeat">
+      <a:schemeClr val="lt1"/>
+    </dgm:linClrLst>
+    <dgm:effectClrLst/>
+    <dgm:txLinClrLst/>
+    <dgm:txFillClrLst meth="repeat">
+      <a:schemeClr val="lt1"/>
+    </dgm:txFillClrLst>
+    <dgm:txEffectClrLst/>
+  </dgm:styleLbl>
+  <dgm:styleLbl name="alignImgPlace1">
+    <dgm:fillClrLst>
+      <a:schemeClr val="accent5">
+        <a:tint val="50000"/>
+      </a:schemeClr>
+      <a:schemeClr val="accent6">
+        <a:tint val="20000"/>
+      </a:schemeClr>
+    </dgm:fillClrLst>
+    <dgm:linClrLst meth="repeat">
+      <a:schemeClr val="lt1"/>
+    </dgm:linClrLst>
+    <dgm:effectClrLst/>
+    <dgm:txLinClrLst/>
+    <dgm:txFillClrLst meth="repeat">
+      <a:schemeClr val="lt1"/>
+    </dgm:txFillClrLst>
+    <dgm:txEffectClrLst/>
+  </dgm:styleLbl>
+  <dgm:styleLbl name="bgImgPlace1">
+    <dgm:fillClrLst>
+      <a:schemeClr val="accent5">
+        <a:tint val="50000"/>
+      </a:schemeClr>
+      <a:schemeClr val="accent6">
+        <a:tint val="20000"/>
+      </a:schemeClr>
+    </dgm:fillClrLst>
+    <dgm:linClrLst meth="repeat">
+      <a:schemeClr val="lt1"/>
+    </dgm:linClrLst>
+    <dgm:effectClrLst/>
+    <dgm:txLinClrLst/>
+    <dgm:txFillClrLst meth="repeat">
+      <a:schemeClr val="lt1"/>
+    </dgm:txFillClrLst>
+    <dgm:txEffectClrLst/>
+  </dgm:styleLbl>
+  <dgm:styleLbl name="sibTrans2D1">
+    <dgm:fillClrLst>
+      <a:schemeClr val="accent5"/>
+      <a:schemeClr val="accent6"/>
+    </dgm:fillClrLst>
+    <dgm:linClrLst meth="repeat">
+      <a:schemeClr val="lt1"/>
+    </dgm:linClrLst>
+    <dgm:effectClrLst/>
+    <dgm:txLinClrLst/>
+    <dgm:txFillClrLst/>
+    <dgm:txEffectClrLst/>
+  </dgm:styleLbl>
+  <dgm:styleLbl name="fgSibTrans2D1">
+    <dgm:fillClrLst>
+      <a:schemeClr val="accent5"/>
+      <a:schemeClr val="accent6"/>
+    </dgm:fillClrLst>
+    <dgm:linClrLst meth="repeat">
+      <a:schemeClr val="lt1"/>
+    </dgm:linClrLst>
+    <dgm:effectClrLst/>
+    <dgm:txLinClrLst/>
+    <dgm:txFillClrLst meth="repeat">
+      <a:schemeClr val="lt1"/>
+    </dgm:txFillClrLst>
+    <dgm:txEffectClrLst/>
+  </dgm:styleLbl>
+  <dgm:styleLbl name="bgSibTrans2D1">
+    <dgm:fillClrLst>
+      <a:schemeClr val="accent5"/>
+      <a:schemeClr val="accent6"/>
+    </dgm:fillClrLst>
+    <dgm:linClrLst meth="repeat">
+      <a:schemeClr val="lt1"/>
+    </dgm:linClrLst>
+    <dgm:effectClrLst/>
+    <dgm:txLinClrLst/>
+    <dgm:txFillClrLst meth="repeat">
+      <a:schemeClr val="lt1"/>
+    </dgm:txFillClrLst>
+    <dgm:txEffectClrLst/>
+  </dgm:styleLbl>
+  <dgm:styleLbl name="sibTrans1D1">
+    <dgm:fillClrLst/>
+    <dgm:linClrLst>
+      <a:schemeClr val="accent5"/>
+      <a:schemeClr val="accent6"/>
+    </dgm:linClrLst>
+    <dgm:effectClrLst/>
+    <dgm:txLinClrLst/>
+    <dgm:txFillClrLst meth="repeat">
+      <a:schemeClr val="tx1"/>
+    </dgm:txFillClrLst>
+    <dgm:txEffectClrLst/>
+  </dgm:styleLbl>
+  <dgm:styleLbl name="callout">
+    <dgm:fillClrLst meth="repeat">
+      <a:schemeClr val="accent5"/>
+    </dgm:fillClrLst>
+    <dgm:linClrLst meth="repeat">
+      <a:schemeClr val="accent5">
+        <a:tint val="50000"/>
+      </a:schemeClr>
+    </dgm:linClrLst>
+    <dgm:effectClrLst/>
+    <dgm:txLinClrLst/>
+    <dgm:txFillClrLst meth="repeat">
+      <a:schemeClr val="tx1"/>
+    </dgm:txFillClrLst>
+    <dgm:txEffectClrLst/>
+  </dgm:styleLbl>
+  <dgm:styleLbl name="asst0">
+    <dgm:fillClrLst meth="repeat">
+      <a:schemeClr val="accent5"/>
+    </dgm:fillClrLst>
+    <dgm:linClrLst meth="repeat">
+      <a:schemeClr val="lt1">
+        <a:shade val="80000"/>
+      </a:schemeClr>
+    </dgm:linClrLst>
+    <dgm:effectClrLst/>
+    <dgm:txLinClrLst/>
+    <dgm:txFillClrLst/>
+    <dgm:txEffectClrLst/>
+  </dgm:styleLbl>
+  <dgm:styleLbl name="asst1">
+    <dgm:fillClrLst meth="repeat">
+      <a:schemeClr val="accent6"/>
+    </dgm:fillClrLst>
+    <dgm:linClrLst meth="repeat">
+      <a:schemeClr val="lt1">
+        <a:shade val="80000"/>
+      </a:schemeClr>
+    </dgm:linClrLst>
+    <dgm:effectClrLst/>
+    <dgm:txLinClrLst/>
+    <dgm:txFillClrLst/>
+    <dgm:txEffectClrLst/>
+  </dgm:styleLbl>
+  <dgm:styleLbl name="asst2">
+    <dgm:fillClrLst>
+      <a:schemeClr val="accent1"/>
+    </dgm:fillClrLst>
+    <dgm:linClrLst meth="repeat">
+      <a:schemeClr val="lt1"/>
+    </dgm:linClrLst>
+    <dgm:effectClrLst/>
+    <dgm:txLinClrLst/>
+    <dgm:txFillClrLst/>
+    <dgm:txEffectClrLst/>
+  </dgm:styleLbl>
+  <dgm:styleLbl name="asst3">
+    <dgm:fillClrLst>
+      <a:schemeClr val="accent2"/>
+    </dgm:fillClrLst>
+    <dgm:linClrLst meth="repeat">
+      <a:schemeClr val="lt1"/>
+    </dgm:linClrLst>
+    <dgm:effectClrLst/>
+    <dgm:txLinClrLst/>
+    <dgm:txFillClrLst/>
+    <dgm:txEffectClrLst/>
+  </dgm:styleLbl>
+  <dgm:styleLbl name="asst4">
+    <dgm:fillClrLst>
+      <a:schemeClr val="accent3"/>
+    </dgm:fillClrLst>
+    <dgm:linClrLst meth="repeat">
+      <a:schemeClr val="lt1"/>
+    </dgm:linClrLst>
+    <dgm:effectClrLst/>
+    <dgm:txLinClrLst/>
+    <dgm:txFillClrLst/>
+    <dgm:txEffectClrLst/>
+  </dgm:styleLbl>
+  <dgm:styleLbl name="parChTrans2D1">
+    <dgm:fillClrLst meth="repeat">
+      <a:schemeClr val="accent5"/>
+    </dgm:fillClrLst>
+    <dgm:linClrLst meth="repeat">
+      <a:schemeClr val="lt1"/>
+    </dgm:linClrLst>
+    <dgm:effectClrLst/>
+    <dgm:txLinClrLst/>
+    <dgm:txFillClrLst meth="repeat">
+      <a:schemeClr val="lt1"/>
+    </dgm:txFillClrLst>
+    <dgm:txEffectClrLst/>
+  </dgm:styleLbl>
+  <dgm:styleLbl name="parChTrans2D2">
+    <dgm:fillClrLst meth="repeat">
+      <a:schemeClr val="accent6"/>
+    </dgm:fillClrLst>
+    <dgm:linClrLst meth="repeat">
+      <a:schemeClr val="lt1"/>
+    </dgm:linClrLst>
+    <dgm:effectClrLst/>
+    <dgm:txLinClrLst/>
+    <dgm:txFillClrLst/>
+    <dgm:txEffectClrLst/>
+  </dgm:styleLbl>
+  <dgm:styleLbl name="parChTrans2D3">
+    <dgm:fillClrLst meth="repeat">
+      <a:schemeClr val="accent6"/>
+    </dgm:fillClrLst>
+    <dgm:linClrLst meth="repeat">
+      <a:schemeClr val="lt1"/>
+    </dgm:linClrLst>
+    <dgm:effectClrLst/>
+    <dgm:txLinClrLst/>
+    <dgm:txFillClrLst/>
+    <dgm:txEffectClrLst/>
+  </dgm:styleLbl>
+  <dgm:styleLbl name="parChTrans2D4">
+    <dgm:fillClrLst meth="repeat">
+      <a:schemeClr val="accent1"/>
+    </dgm:fillClrLst>
+    <dgm:linClrLst meth="repeat">
+      <a:schemeClr val="lt1"/>
+    </dgm:linClrLst>
+    <dgm:effectClrLst/>
+    <dgm:txLinClrLst/>
+    <dgm:txFillClrLst meth="repeat">
+      <a:schemeClr val="lt1"/>
+    </dgm:txFillClrLst>
+    <dgm:txEffectClrLst/>
+  </dgm:styleLbl>
+  <dgm:styleLbl name="parChTrans1D1">
+    <dgm:fillClrLst meth="repeat">
+      <a:schemeClr val="accent5"/>
+    </dgm:fillClrLst>
+    <dgm:linClrLst meth="repeat">
+      <a:schemeClr val="accent5"/>
+    </dgm:linClrLst>
+    <dgm:effectClrLst/>
+    <dgm:txLinClrLst/>
+    <dgm:txFillClrLst meth="repeat">
+      <a:schemeClr val="tx1"/>
+    </dgm:txFillClrLst>
+    <dgm:txEffectClrLst/>
+  </dgm:styleLbl>
+  <dgm:styleLbl name="parChTrans1D2">
+    <dgm:fillClrLst meth="repeat">
+      <a:schemeClr val="accent6">
+        <a:tint val="90000"/>
+      </a:schemeClr>
+    </dgm:fillClrLst>
+    <dgm:linClrLst meth="repeat">
+      <a:schemeClr val="accent6"/>
+    </dgm:linClrLst>
+    <dgm:effectClrLst/>
+    <dgm:txLinClrLst/>
+    <dgm:txFillClrLst meth="repeat">
+      <a:schemeClr val="tx1"/>
+    </dgm:txFillClrLst>
+    <dgm:txEffectClrLst/>
+  </dgm:styleLbl>
+  <dgm:styleLbl name="parChTrans1D3">
+    <dgm:fillClrLst meth="repeat">
+      <a:schemeClr val="accent6">
+        <a:tint val="70000"/>
+      </a:schemeClr>
+    </dgm:fillClrLst>
+    <dgm:linClrLst meth="repeat">
+      <a:schemeClr val="accent1"/>
+    </dgm:linClrLst>
+    <dgm:effectClrLst/>
+    <dgm:txLinClrLst/>
+    <dgm:txFillClrLst meth="repeat">
+      <a:schemeClr val="tx1"/>
+    </dgm:txFillClrLst>
+    <dgm:txEffectClrLst/>
+  </dgm:styleLbl>
+  <dgm:styleLbl name="parChTrans1D4">
+    <dgm:fillClrLst meth="repeat">
+      <a:schemeClr val="accent6">
+        <a:tint val="50000"/>
+      </a:schemeClr>
+    </dgm:fillClrLst>
+    <dgm:linClrLst meth="repeat">
+      <a:schemeClr val="accent2"/>
+    </dgm:linClrLst>
+    <dgm:effectClrLst/>
+    <dgm:txLinClrLst/>
+    <dgm:txFillClrLst meth="repeat">
+      <a:schemeClr val="tx1"/>
+    </dgm:txFillClrLst>
+    <dgm:txEffectClrLst/>
+  </dgm:styleLbl>
+  <dgm:styleLbl name="fgAcc1">
+    <dgm:fillClrLst meth="repeat">
+      <a:schemeClr val="lt1">
+        <a:alpha val="90000"/>
+      </a:schemeClr>
+    </dgm:fillClrLst>
+    <dgm:linClrLst>
+      <a:schemeClr val="accent5"/>
+      <a:schemeClr val="accent6"/>
+    </dgm:linClrLst>
+    <dgm:effectClrLst/>
+    <dgm:txLinClrLst/>
+    <dgm:txFillClrLst meth="repeat">
+      <a:schemeClr val="dk1"/>
+    </dgm:txFillClrLst>
+    <dgm:txEffectClrLst/>
+  </dgm:styleLbl>
+  <dgm:styleLbl name="conFgAcc1">
+    <dgm:fillClrLst meth="repeat">
+      <a:schemeClr val="lt1">
+        <a:alpha val="90000"/>
+      </a:schemeClr>
+    </dgm:fillClrLst>
+    <dgm:linClrLst>
+      <a:schemeClr val="accent5"/>
+      <a:schemeClr val="accent6"/>
+    </dgm:linClrLst>
+    <dgm:effectClrLst/>
+    <dgm:txLinClrLst/>
+    <dgm:txFillClrLst meth="repeat">
+      <a:schemeClr val="dk1"/>
+    </dgm:txFillClrLst>
+    <dgm:txEffectClrLst/>
+  </dgm:styleLbl>
+  <dgm:styleLbl name="alignAcc1">
+    <dgm:fillClrLst meth="repeat">
+      <a:schemeClr val="lt1">
+        <a:alpha val="90000"/>
+      </a:schemeClr>
+    </dgm:fillClrLst>
+    <dgm:linClrLst>
+      <a:schemeClr val="accent5"/>
+      <a:schemeClr val="accent6"/>
+    </dgm:linClrLst>
+    <dgm:effectClrLst/>
+    <dgm:txLinClrLst/>
+    <dgm:txFillClrLst meth="repeat">
+      <a:schemeClr val="dk1"/>
+    </dgm:txFillClrLst>
+    <dgm:txEffectClrLst/>
+  </dgm:styleLbl>
+  <dgm:styleLbl name="trAlignAcc1">
+    <dgm:fillClrLst meth="repeat">
+      <a:schemeClr val="lt1">
+        <a:alpha val="40000"/>
+      </a:schemeClr>
+    </dgm:fillClrLst>
+    <dgm:linClrLst meth="repeat">
+      <a:schemeClr val="accent5"/>
+    </dgm:linClrLst>
+    <dgm:effectClrLst/>
+    <dgm:txLinClrLst/>
+    <dgm:txFillClrLst meth="repeat">
+      <a:schemeClr val="dk1"/>
+    </dgm:txFillClrLst>
+    <dgm:txEffectClrLst/>
+  </dgm:styleLbl>
+  <dgm:styleLbl name="bgAcc1">
+    <dgm:fillClrLst meth="repeat">
+      <a:schemeClr val="lt1">
+        <a:alpha val="90000"/>
+      </a:schemeClr>
+    </dgm:fillClrLst>
+    <dgm:linClrLst>
+      <a:schemeClr val="accent5"/>
+      <a:schemeClr val="accent6"/>
+    </dgm:linClrLst>
+    <dgm:effectClrLst/>
+    <dgm:txLinClrLst/>
+    <dgm:txFillClrLst meth="repeat">
+      <a:schemeClr val="dk1"/>
+    </dgm:txFillClrLst>
+    <dgm:txEffectClrLst/>
+  </dgm:styleLbl>
+  <dgm:styleLbl name="solidFgAcc1">
+    <dgm:fillClrLst meth="repeat">
+      <a:schemeClr val="lt1"/>
+    </dgm:fillClrLst>
+    <dgm:linClrLst>
+      <a:schemeClr val="accent5"/>
+      <a:schemeClr val="accent6"/>
+    </dgm:linClrLst>
+    <dgm:effectClrLst/>
+    <dgm:txLinClrLst/>
+    <dgm:txFillClrLst meth="repeat">
+      <a:schemeClr val="dk1"/>
+    </dgm:txFillClrLst>
+    <dgm:txEffectClrLst/>
+  </dgm:styleLbl>
+  <dgm:styleLbl name="solidAlignAcc1">
+    <dgm:fillClrLst meth="repeat">
+      <a:schemeClr val="lt1"/>
+    </dgm:fillClrLst>
+    <dgm:linClrLst>
+      <a:schemeClr val="accent5"/>
+      <a:schemeClr val="accent6"/>
+    </dgm:linClrLst>
+    <dgm:effectClrLst/>
+    <dgm:txLinClrLst/>
+    <dgm:txFillClrLst meth="repeat">
+      <a:schemeClr val="dk1"/>
+    </dgm:txFillClrLst>
+    <dgm:txEffectClrLst/>
+  </dgm:styleLbl>
+  <dgm:styleLbl name="solidBgAcc1">
+    <dgm:fillClrLst meth="repeat">
+      <a:schemeClr val="lt1"/>
+    </dgm:fillClrLst>
+    <dgm:linClrLst>
+      <a:schemeClr val="accent5"/>
+      <a:schemeClr val="accent6"/>
+    </dgm:linClrLst>
+    <dgm:effectClrLst/>
+    <dgm:txLinClrLst/>
+    <dgm:txFillClrLst meth="repeat">
+      <a:schemeClr val="dk1"/>
+    </dgm:txFillClrLst>
+    <dgm:txEffectClrLst/>
+  </dgm:styleLbl>
+  <dgm:styleLbl name="fgAccFollowNode1">
+    <dgm:fillClrLst>
+      <a:schemeClr val="accent5">
+        <a:tint val="40000"/>
+        <a:alpha val="90000"/>
+      </a:schemeClr>
+      <a:schemeClr val="accent6">
+        <a:tint val="40000"/>
+        <a:alpha val="90000"/>
+      </a:schemeClr>
+    </dgm:fillClrLst>
+    <dgm:linClrLst>
+      <a:schemeClr val="accent5">
+        <a:tint val="40000"/>
+        <a:alpha val="90000"/>
+      </a:schemeClr>
+      <a:schemeClr val="accent5">
+        <a:tint val="40000"/>
+        <a:alpha val="90000"/>
+      </a:schemeClr>
+    </dgm:linClrLst>
+    <dgm:effectClrLst/>
+    <dgm:txLinClrLst/>
+    <dgm:txFillClrLst meth="repeat">
+      <a:schemeClr val="dk1"/>
+    </dgm:txFillClrLst>
+    <dgm:txEffectClrLst/>
+  </dgm:styleLbl>
+  <dgm:styleLbl name="alignAccFollowNode1">
+    <dgm:fillClrLst>
+      <a:schemeClr val="accent5">
+        <a:tint val="40000"/>
+        <a:alpha val="90000"/>
+      </a:schemeClr>
+      <a:schemeClr val="accent6">
+        <a:tint val="40000"/>
+        <a:alpha val="90000"/>
+      </a:schemeClr>
+    </dgm:fillClrLst>
+    <dgm:linClrLst>
+      <a:schemeClr val="accent5">
+        <a:tint val="40000"/>
+        <a:alpha val="90000"/>
+      </a:schemeClr>
+      <a:schemeClr val="accent6">
+        <a:tint val="40000"/>
+        <a:alpha val="90000"/>
+      </a:schemeClr>
+    </dgm:linClrLst>
+    <dgm:effectClrLst/>
+    <dgm:txLinClrLst/>
+    <dgm:txFillClrLst meth="repeat">
+      <a:schemeClr val="dk1"/>
+    </dgm:txFillClrLst>
+    <dgm:txEffectClrLst/>
+  </dgm:styleLbl>
+  <dgm:styleLbl name="bgAccFollowNode1">
+    <dgm:fillClrLst>
+      <a:schemeClr val="accent5">
+        <a:tint val="40000"/>
+        <a:alpha val="90000"/>
+      </a:schemeClr>
+      <a:schemeClr val="accent6">
+        <a:tint val="40000"/>
+        <a:alpha val="90000"/>
+      </a:schemeClr>
+    </dgm:fillClrLst>
+    <dgm:linClrLst>
+      <a:schemeClr val="accent5">
+        <a:tint val="40000"/>
+        <a:alpha val="90000"/>
+      </a:schemeClr>
+      <a:schemeClr val="accent6">
+        <a:tint val="40000"/>
+        <a:alpha val="90000"/>
+      </a:schemeClr>
+    </dgm:linClrLst>
+    <dgm:effectClrLst/>
+    <dgm:txLinClrLst/>
+    <dgm:txFillClrLst meth="repeat">
+      <a:schemeClr val="dk1"/>
+    </dgm:txFillClrLst>
+    <dgm:txEffectClrLst/>
+  </dgm:styleLbl>
+  <dgm:styleLbl name="fgAcc0">
+    <dgm:fillClrLst meth="repeat">
+      <a:schemeClr val="lt1">
+        <a:alpha val="90000"/>
+      </a:schemeClr>
+    </dgm:fillClrLst>
+    <dgm:linClrLst>
+      <a:schemeClr val="accent4"/>
+    </dgm:linClrLst>
+    <dgm:effectClrLst/>
+    <dgm:txLinClrLst/>
+    <dgm:txFillClrLst meth="repeat">
+      <a:schemeClr val="dk1"/>
+    </dgm:txFillClrLst>
+    <dgm:txEffectClrLst/>
+  </dgm:styleLbl>
+  <dgm:styleLbl name="fgAcc2">
+    <dgm:fillClrLst meth="repeat">
+      <a:schemeClr val="lt1">
+        <a:alpha val="90000"/>
+      </a:schemeClr>
+    </dgm:fillClrLst>
+    <dgm:linClrLst>
+      <a:schemeClr val="accent6"/>
+    </dgm:linClrLst>
+    <dgm:effectClrLst/>
+    <dgm:txLinClrLst/>
+    <dgm:txFillClrLst meth="repeat">
+      <a:schemeClr val="dk1"/>
+    </dgm:txFillClrLst>
+    <dgm:txEffectClrLst/>
+  </dgm:styleLbl>
+  <dgm:styleLbl name="fgAcc3">
+    <dgm:fillClrLst meth="repeat">
+      <a:schemeClr val="lt1">
+        <a:alpha val="90000"/>
+      </a:schemeClr>
+    </dgm:fillClrLst>
+    <dgm:linClrLst>
+      <a:schemeClr val="accent1"/>
+    </dgm:linClrLst>
+    <dgm:effectClrLst/>
+    <dgm:txLinClrLst/>
+    <dgm:txFillClrLst meth="repeat">
+      <a:schemeClr val="dk1"/>
+    </dgm:txFillClrLst>
+    <dgm:txEffectClrLst/>
+  </dgm:styleLbl>
+  <dgm:styleLbl name="fgAcc4">
+    <dgm:fillClrLst meth="repeat">
+      <a:schemeClr val="lt1">
+        <a:alpha val="90000"/>
+      </a:schemeClr>
+    </dgm:fillClrLst>
+    <dgm:linClrLst>
+      <a:schemeClr val="accent2"/>
+    </dgm:linClrLst>
+    <dgm:effectClrLst/>
+    <dgm:txLinClrLst/>
+    <dgm:txFillClrLst meth="repeat">
+      <a:schemeClr val="dk1"/>
+    </dgm:txFillClrLst>
+    <dgm:txEffectClrLst/>
+  </dgm:styleLbl>
+  <dgm:styleLbl name="bgShp">
+    <dgm:fillClrLst meth="repeat">
+      <a:schemeClr val="accent5">
+        <a:tint val="40000"/>
+      </a:schemeClr>
+    </dgm:fillClrLst>
+    <dgm:linClrLst meth="repeat">
+      <a:schemeClr val="dk1"/>
+    </dgm:linClrLst>
+    <dgm:effectClrLst/>
+    <dgm:txLinClrLst/>
+    <dgm:txFillClrLst meth="repeat">
+      <a:schemeClr val="dk1"/>
+    </dgm:txFillClrLst>
+    <dgm:txEffectClrLst/>
+  </dgm:styleLbl>
+  <dgm:styleLbl name="dkBgShp">
+    <dgm:fillClrLst meth="repeat">
+      <a:schemeClr val="accent5">
+        <a:shade val="90000"/>
+      </a:schemeClr>
+    </dgm:fillClrLst>
+    <dgm:linClrLst meth="repeat">
+      <a:schemeClr val="dk1"/>
+    </dgm:linClrLst>
+    <dgm:effectClrLst/>
+    <dgm:txLinClrLst/>
+    <dgm:txFillClrLst meth="repeat">
+      <a:schemeClr val="lt1"/>
+    </dgm:txFillClrLst>
+    <dgm:txEffectClrLst/>
+  </dgm:styleLbl>
+  <dgm:styleLbl name="trBgShp">
+    <dgm:fillClrLst meth="repeat">
+      <a:schemeClr val="accent5">
+        <a:tint val="50000"/>
+        <a:alpha val="40000"/>
+      </a:schemeClr>
+    </dgm:fillClrLst>
+    <dgm:linClrLst meth="repeat">
+      <a:schemeClr val="accent5"/>
+    </dgm:linClrLst>
+    <dgm:effectClrLst/>
+    <dgm:txLinClrLst/>
+    <dgm:txFillClrLst meth="repeat">
+      <a:schemeClr val="lt1"/>
+    </dgm:txFillClrLst>
+    <dgm:txEffectClrLst/>
+  </dgm:styleLbl>
+  <dgm:styleLbl name="fgShp">
+    <dgm:fillClrLst meth="repeat">
+      <a:schemeClr val="accent5">
+        <a:tint val="40000"/>
+      </a:schemeClr>
+    </dgm:fillClrLst>
+    <dgm:linClrLst meth="repeat">
+      <a:schemeClr val="lt1"/>
+    </dgm:linClrLst>
+    <dgm:effectClrLst/>
+    <dgm:txLinClrLst/>
+    <dgm:txFillClrLst meth="repeat">
+      <a:schemeClr val="dk1"/>
+    </dgm:txFillClrLst>
+    <dgm:txEffectClrLst/>
+  </dgm:styleLbl>
+  <dgm:styleLbl name="revTx">
+    <dgm:fillClrLst meth="repeat">
+      <a:schemeClr val="lt1">
+        <a:alpha val="0"/>
+      </a:schemeClr>
+    </dgm:fillClrLst>
+    <dgm:linClrLst meth="repeat">
+      <a:schemeClr val="dk1">
+        <a:alpha val="0"/>
+      </a:schemeClr>
+    </dgm:linClrLst>
+    <dgm:effectClrLst/>
+    <dgm:txLinClrLst/>
+    <dgm:txFillClrLst meth="repeat">
+      <a:schemeClr val="tx1"/>
+    </dgm:txFillClrLst>
+    <dgm:txEffectClrLst/>
+  </dgm:styleLbl>
+</dgm:colorsDef>
+</file>
+
+<file path=ppt/diagrams/colors3.xml><?xml version="1.0" encoding="utf-8"?>
 <dgm:colorsDef xmlns:dgm="http://schemas.openxmlformats.org/drawingml/2006/diagram" xmlns:a="http://schemas.openxmlformats.org/drawingml/2006/main" uniqueId="urn:microsoft.com/office/officeart/2005/8/colors/colorful5">
   <dgm:title val=""/>
   <dgm:desc val=""/>
@@ -2335,6 +3117,13 @@
         </dgm:presLayoutVars>
       </dgm:prSet>
       <dgm:spPr/>
+      <dgm:t>
+        <a:bodyPr/>
+        <a:lstStyle/>
+        <a:p>
+          <a:endParaRPr lang="en-US"/>
+        </a:p>
+      </dgm:t>
     </dgm:pt>
     <dgm:pt modelId="{43EB6279-8569-4D53-8C51-2A0CB31870F0}" type="pres">
       <dgm:prSet presAssocID="{685A2AB2-E35E-4E1C-9475-AFB5439CAE02}" presName="linNode" presStyleCnt="0"/>
@@ -2348,6 +3137,13 @@
         </dgm:presLayoutVars>
       </dgm:prSet>
       <dgm:spPr/>
+      <dgm:t>
+        <a:bodyPr/>
+        <a:lstStyle/>
+        <a:p>
+          <a:endParaRPr lang="en-US"/>
+        </a:p>
+      </dgm:t>
     </dgm:pt>
     <dgm:pt modelId="{BD960022-7EAF-49B0-B6F5-41F6C2F5EBEE}" type="pres">
       <dgm:prSet presAssocID="{685A2AB2-E35E-4E1C-9475-AFB5439CAE02}" presName="descendantText" presStyleLbl="alignAccFollowNode1" presStyleIdx="0" presStyleCnt="4">
@@ -2380,6 +3176,13 @@
         </dgm:presLayoutVars>
       </dgm:prSet>
       <dgm:spPr/>
+      <dgm:t>
+        <a:bodyPr/>
+        <a:lstStyle/>
+        <a:p>
+          <a:endParaRPr lang="en-US"/>
+        </a:p>
+      </dgm:t>
     </dgm:pt>
     <dgm:pt modelId="{BCFB47A8-0FC1-4402-9BD0-D45E776E24B1}" type="pres">
       <dgm:prSet presAssocID="{76A4E6C1-6A9A-4105-9764-E2CF24F79F0F}" presName="descendantText" presStyleLbl="alignAccFollowNode1" presStyleIdx="1" presStyleCnt="4">
@@ -2451,6 +3254,13 @@
         </dgm:presLayoutVars>
       </dgm:prSet>
       <dgm:spPr/>
+      <dgm:t>
+        <a:bodyPr/>
+        <a:lstStyle/>
+        <a:p>
+          <a:endParaRPr lang="en-US"/>
+        </a:p>
+      </dgm:t>
     </dgm:pt>
     <dgm:pt modelId="{DDF25E57-EFB0-4320-AEFD-161FB41C4342}" type="pres">
       <dgm:prSet presAssocID="{213D49E0-3C3D-41D4-ACC1-459D29722406}" presName="descendantText" presStyleLbl="alignAccFollowNode1" presStyleIdx="3" presStyleCnt="4">
@@ -2469,31 +3279,31 @@
     </dgm:pt>
   </dgm:ptLst>
   <dgm:cxnLst>
+    <dgm:cxn modelId="{E139F909-E0A5-4BF7-B2AA-45F0C274A64D}" srcId="{C625F94C-0C14-4A9E-B782-62F8BAF8C592}" destId="{213D49E0-3C3D-41D4-ACC1-459D29722406}" srcOrd="3" destOrd="0" parTransId="{FFC47885-4CA5-4618-982C-FE4C8DC18630}" sibTransId="{C8F4920F-EA96-4C56-ADD9-92921881CFF1}"/>
+    <dgm:cxn modelId="{0198336D-AC95-4B8C-BD9D-20FD4202488A}" type="presOf" srcId="{213D49E0-3C3D-41D4-ACC1-459D29722406}" destId="{3295F40B-F4A2-4A7E-9832-DC7CF5CA53A6}" srcOrd="0" destOrd="0" presId="urn:microsoft.com/office/officeart/2005/8/layout/vList5"/>
     <dgm:cxn modelId="{3B4AABE0-123B-4B6B-A1C7-F2B1A5E257F9}" type="presOf" srcId="{5C646E0F-8375-4171-84C4-BED83EAB439F}" destId="{BD960022-7EAF-49B0-B6F5-41F6C2F5EBEE}" srcOrd="0" destOrd="1" presId="urn:microsoft.com/office/officeart/2005/8/layout/vList5"/>
+    <dgm:cxn modelId="{4A359555-CD18-4CCC-A5DE-8F38B5A751AC}" srcId="{C625F94C-0C14-4A9E-B782-62F8BAF8C592}" destId="{685A2AB2-E35E-4E1C-9475-AFB5439CAE02}" srcOrd="0" destOrd="0" parTransId="{8A4AFAE1-B4D4-4C37-9D62-BF4E8031290E}" sibTransId="{E234BB3E-3BDC-486C-983B-D1DC5374A48C}"/>
+    <dgm:cxn modelId="{5203F2EA-B380-468B-BA21-BF7DCF2CA025}" type="presOf" srcId="{FEC1FADE-16F1-43F9-B9AB-9D8C30919319}" destId="{BCFB47A8-0FC1-4402-9BD0-D45E776E24B1}" srcOrd="0" destOrd="1" presId="urn:microsoft.com/office/officeart/2005/8/layout/vList5"/>
+    <dgm:cxn modelId="{08671737-2EC7-4587-A0C1-D6D8849389F0}" srcId="{213D49E0-3C3D-41D4-ACC1-459D29722406}" destId="{84B8FDB1-3E02-40EA-A094-DED831CE4441}" srcOrd="0" destOrd="0" parTransId="{1B7BB8FD-F98A-41E0-BE7D-1DA9F119C077}" sibTransId="{5607D354-A65E-426F-AC2E-3AFF03354F04}"/>
     <dgm:cxn modelId="{34EFB22F-D1CC-43F5-8BF8-A5CBA0113939}" type="presOf" srcId="{1869434C-B24F-4139-8B5C-A42F16810745}" destId="{BCFB47A8-0FC1-4402-9BD0-D45E776E24B1}" srcOrd="0" destOrd="0" presId="urn:microsoft.com/office/officeart/2005/8/layout/vList5"/>
+    <dgm:cxn modelId="{ED34A5BC-9825-46D5-979A-2E62A26B2B2F}" srcId="{CFA803F1-A34D-4A68-9D74-077E570D1764}" destId="{3333DA91-EB24-4230-80EC-578FDC52B619}" srcOrd="0" destOrd="0" parTransId="{3DFD7956-0082-4003-ACF5-CD62C132EFC7}" sibTransId="{4C9A5844-618C-4EA7-84F6-17A89C207827}"/>
+    <dgm:cxn modelId="{732A6092-A828-43DB-8CCB-5793BA0EB1D3}" srcId="{76A4E6C1-6A9A-4105-9764-E2CF24F79F0F}" destId="{1869434C-B24F-4139-8B5C-A42F16810745}" srcOrd="0" destOrd="0" parTransId="{FA75D358-9E08-4C05-9A16-DC82B5B3C2E3}" sibTransId="{D339BB34-2DD7-41BC-A99E-CE01AA5560B8}"/>
+    <dgm:cxn modelId="{EDE922EB-63BF-4BF4-896D-B88AE5740A91}" srcId="{76A4E6C1-6A9A-4105-9764-E2CF24F79F0F}" destId="{FEC1FADE-16F1-43F9-B9AB-9D8C30919319}" srcOrd="1" destOrd="0" parTransId="{6555F5A4-8ACC-4999-974E-A3171044E313}" sibTransId="{B1F6A1F2-00FD-4D69-BC58-38C18D07C15E}"/>
+    <dgm:cxn modelId="{6F546AE2-C18D-496C-99E4-C5E251CA4BB6}" type="presOf" srcId="{CFA803F1-A34D-4A68-9D74-077E570D1764}" destId="{FA1A3237-2E7A-43EB-AF73-35F3E7859B34}" srcOrd="0" destOrd="0" presId="urn:microsoft.com/office/officeart/2005/8/layout/vList5"/>
     <dgm:cxn modelId="{2ED0FC94-E06F-4858-A7E6-7FD70E81F0A8}" type="presOf" srcId="{3333DA91-EB24-4230-80EC-578FDC52B619}" destId="{E4496C8F-EDBE-465A-9DCB-0E971D5100DC}" srcOrd="0" destOrd="0" presId="urn:microsoft.com/office/officeart/2005/8/layout/vList5"/>
+    <dgm:cxn modelId="{8A9C7D97-5B9A-41CD-860E-5F5EDFC94D45}" srcId="{685A2AB2-E35E-4E1C-9475-AFB5439CAE02}" destId="{5C646E0F-8375-4171-84C4-BED83EAB439F}" srcOrd="1" destOrd="0" parTransId="{38F3FD38-343D-4074-A155-4363166D44AA}" sibTransId="{986561E0-AA1C-4104-8803-772903F4A5E2}"/>
+    <dgm:cxn modelId="{54ED4EA1-3BB3-45AE-90FB-8752FDA96296}" srcId="{685A2AB2-E35E-4E1C-9475-AFB5439CAE02}" destId="{276BEC33-1C26-4BC3-A7DB-8F745356225B}" srcOrd="0" destOrd="0" parTransId="{11222BB7-0C0F-4630-9A4C-23E87E577E68}" sibTransId="{46C4B6C1-04AA-4F1A-997D-1251E3B20E44}"/>
+    <dgm:cxn modelId="{18F18F3B-94A5-4F35-BECA-0D82CB71D3E5}" srcId="{213D49E0-3C3D-41D4-ACC1-459D29722406}" destId="{01745FCE-7E91-4589-A792-AE19DEF55245}" srcOrd="1" destOrd="0" parTransId="{62C79F6C-F8A5-4398-BF2E-0693B1CF15C8}" sibTransId="{ECDE2740-4FE7-4541-BAC2-D7AC429FC0E2}"/>
+    <dgm:cxn modelId="{EADB75B8-1662-4BD2-8E18-AD0009E5AD9A}" srcId="{C625F94C-0C14-4A9E-B782-62F8BAF8C592}" destId="{CFA803F1-A34D-4A68-9D74-077E570D1764}" srcOrd="2" destOrd="0" parTransId="{F198F8E6-5A3F-4546-88F3-7605D6826A65}" sibTransId="{CF291C21-D8AF-4C60-A1B6-AFA5EF7DBC3D}"/>
+    <dgm:cxn modelId="{87210EE9-FB5E-497C-A7E8-9FE3478B35E5}" type="presOf" srcId="{84B8FDB1-3E02-40EA-A094-DED831CE4441}" destId="{DDF25E57-EFB0-4320-AEFD-161FB41C4342}" srcOrd="0" destOrd="0" presId="urn:microsoft.com/office/officeart/2005/8/layout/vList5"/>
+    <dgm:cxn modelId="{CF5E6910-B8F9-4246-8775-72107A6D9D65}" srcId="{C625F94C-0C14-4A9E-B782-62F8BAF8C592}" destId="{76A4E6C1-6A9A-4105-9764-E2CF24F79F0F}" srcOrd="1" destOrd="0" parTransId="{D51CA720-8481-468F-9350-DACCEB698344}" sibTransId="{321BC029-72FA-42C8-9699-18F318A3B302}"/>
     <dgm:cxn modelId="{B224E25B-587C-4E9A-A387-7E4F4E2D97B4}" type="presOf" srcId="{76A4E6C1-6A9A-4105-9764-E2CF24F79F0F}" destId="{7FA91089-7526-464D-9D6F-3B2915A88DD4}" srcOrd="0" destOrd="0" presId="urn:microsoft.com/office/officeart/2005/8/layout/vList5"/>
-    <dgm:cxn modelId="{4A359555-CD18-4CCC-A5DE-8F38B5A751AC}" srcId="{C625F94C-0C14-4A9E-B782-62F8BAF8C592}" destId="{685A2AB2-E35E-4E1C-9475-AFB5439CAE02}" srcOrd="0" destOrd="0" parTransId="{8A4AFAE1-B4D4-4C37-9D62-BF4E8031290E}" sibTransId="{E234BB3E-3BDC-486C-983B-D1DC5374A48C}"/>
-    <dgm:cxn modelId="{E139F909-E0A5-4BF7-B2AA-45F0C274A64D}" srcId="{C625F94C-0C14-4A9E-B782-62F8BAF8C592}" destId="{213D49E0-3C3D-41D4-ACC1-459D29722406}" srcOrd="3" destOrd="0" parTransId="{FFC47885-4CA5-4618-982C-FE4C8DC18630}" sibTransId="{C8F4920F-EA96-4C56-ADD9-92921881CFF1}"/>
+    <dgm:cxn modelId="{BE444BBC-0C73-4BEF-AE4C-A967B385A0EA}" type="presOf" srcId="{026EC6CE-3285-44D8-B1D7-03EFA378F1A6}" destId="{E4496C8F-EDBE-465A-9DCB-0E971D5100DC}" srcOrd="0" destOrd="1" presId="urn:microsoft.com/office/officeart/2005/8/layout/vList5"/>
     <dgm:cxn modelId="{A35B44D2-AF95-4792-8FA8-04C00B8C47F6}" type="presOf" srcId="{01745FCE-7E91-4589-A792-AE19DEF55245}" destId="{DDF25E57-EFB0-4320-AEFD-161FB41C4342}" srcOrd="0" destOrd="1" presId="urn:microsoft.com/office/officeart/2005/8/layout/vList5"/>
-    <dgm:cxn modelId="{54ED4EA1-3BB3-45AE-90FB-8752FDA96296}" srcId="{685A2AB2-E35E-4E1C-9475-AFB5439CAE02}" destId="{276BEC33-1C26-4BC3-A7DB-8F745356225B}" srcOrd="0" destOrd="0" parTransId="{11222BB7-0C0F-4630-9A4C-23E87E577E68}" sibTransId="{46C4B6C1-04AA-4F1A-997D-1251E3B20E44}"/>
-    <dgm:cxn modelId="{8A9C7D97-5B9A-41CD-860E-5F5EDFC94D45}" srcId="{685A2AB2-E35E-4E1C-9475-AFB5439CAE02}" destId="{5C646E0F-8375-4171-84C4-BED83EAB439F}" srcOrd="1" destOrd="0" parTransId="{38F3FD38-343D-4074-A155-4363166D44AA}" sibTransId="{986561E0-AA1C-4104-8803-772903F4A5E2}"/>
-    <dgm:cxn modelId="{BE444BBC-0C73-4BEF-AE4C-A967B385A0EA}" type="presOf" srcId="{026EC6CE-3285-44D8-B1D7-03EFA378F1A6}" destId="{E4496C8F-EDBE-465A-9DCB-0E971D5100DC}" srcOrd="0" destOrd="1" presId="urn:microsoft.com/office/officeart/2005/8/layout/vList5"/>
-    <dgm:cxn modelId="{18F18F3B-94A5-4F35-BECA-0D82CB71D3E5}" srcId="{213D49E0-3C3D-41D4-ACC1-459D29722406}" destId="{01745FCE-7E91-4589-A792-AE19DEF55245}" srcOrd="1" destOrd="0" parTransId="{62C79F6C-F8A5-4398-BF2E-0693B1CF15C8}" sibTransId="{ECDE2740-4FE7-4541-BAC2-D7AC429FC0E2}"/>
     <dgm:cxn modelId="{2A439B9E-1E35-4E5D-B920-5FB52AD2F6D6}" type="presOf" srcId="{276BEC33-1C26-4BC3-A7DB-8F745356225B}" destId="{BD960022-7EAF-49B0-B6F5-41F6C2F5EBEE}" srcOrd="0" destOrd="0" presId="urn:microsoft.com/office/officeart/2005/8/layout/vList5"/>
     <dgm:cxn modelId="{B50BCB01-52B8-4F5C-A09F-B1729CD1BE72}" type="presOf" srcId="{685A2AB2-E35E-4E1C-9475-AFB5439CAE02}" destId="{5B245E5B-24DE-4B72-A3D1-928D079F9518}" srcOrd="0" destOrd="0" presId="urn:microsoft.com/office/officeart/2005/8/layout/vList5"/>
-    <dgm:cxn modelId="{EDE922EB-63BF-4BF4-896D-B88AE5740A91}" srcId="{76A4E6C1-6A9A-4105-9764-E2CF24F79F0F}" destId="{FEC1FADE-16F1-43F9-B9AB-9D8C30919319}" srcOrd="1" destOrd="0" parTransId="{6555F5A4-8ACC-4999-974E-A3171044E313}" sibTransId="{B1F6A1F2-00FD-4D69-BC58-38C18D07C15E}"/>
-    <dgm:cxn modelId="{ED34A5BC-9825-46D5-979A-2E62A26B2B2F}" srcId="{CFA803F1-A34D-4A68-9D74-077E570D1764}" destId="{3333DA91-EB24-4230-80EC-578FDC52B619}" srcOrd="0" destOrd="0" parTransId="{3DFD7956-0082-4003-ACF5-CD62C132EFC7}" sibTransId="{4C9A5844-618C-4EA7-84F6-17A89C207827}"/>
     <dgm:cxn modelId="{4FB50481-4670-461F-93F7-71721FBFDD2C}" srcId="{CFA803F1-A34D-4A68-9D74-077E570D1764}" destId="{026EC6CE-3285-44D8-B1D7-03EFA378F1A6}" srcOrd="1" destOrd="0" parTransId="{4EC286BC-4714-413D-B60D-9BED6D7EAA76}" sibTransId="{946C11E7-0BFE-40FE-B1C2-7E310DE38B4E}"/>
-    <dgm:cxn modelId="{87210EE9-FB5E-497C-A7E8-9FE3478B35E5}" type="presOf" srcId="{84B8FDB1-3E02-40EA-A094-DED831CE4441}" destId="{DDF25E57-EFB0-4320-AEFD-161FB41C4342}" srcOrd="0" destOrd="0" presId="urn:microsoft.com/office/officeart/2005/8/layout/vList5"/>
-    <dgm:cxn modelId="{08671737-2EC7-4587-A0C1-D6D8849389F0}" srcId="{213D49E0-3C3D-41D4-ACC1-459D29722406}" destId="{84B8FDB1-3E02-40EA-A094-DED831CE4441}" srcOrd="0" destOrd="0" parTransId="{1B7BB8FD-F98A-41E0-BE7D-1DA9F119C077}" sibTransId="{5607D354-A65E-426F-AC2E-3AFF03354F04}"/>
-    <dgm:cxn modelId="{6F546AE2-C18D-496C-99E4-C5E251CA4BB6}" type="presOf" srcId="{CFA803F1-A34D-4A68-9D74-077E570D1764}" destId="{FA1A3237-2E7A-43EB-AF73-35F3E7859B34}" srcOrd="0" destOrd="0" presId="urn:microsoft.com/office/officeart/2005/8/layout/vList5"/>
-    <dgm:cxn modelId="{0198336D-AC95-4B8C-BD9D-20FD4202488A}" type="presOf" srcId="{213D49E0-3C3D-41D4-ACC1-459D29722406}" destId="{3295F40B-F4A2-4A7E-9832-DC7CF5CA53A6}" srcOrd="0" destOrd="0" presId="urn:microsoft.com/office/officeart/2005/8/layout/vList5"/>
     <dgm:cxn modelId="{BA0E5158-1B68-4A11-824B-B5841FA206ED}" type="presOf" srcId="{C625F94C-0C14-4A9E-B782-62F8BAF8C592}" destId="{ADBB6542-C5E1-47EF-A430-05CFC30CAFE5}" srcOrd="0" destOrd="0" presId="urn:microsoft.com/office/officeart/2005/8/layout/vList5"/>
-    <dgm:cxn modelId="{EADB75B8-1662-4BD2-8E18-AD0009E5AD9A}" srcId="{C625F94C-0C14-4A9E-B782-62F8BAF8C592}" destId="{CFA803F1-A34D-4A68-9D74-077E570D1764}" srcOrd="2" destOrd="0" parTransId="{F198F8E6-5A3F-4546-88F3-7605D6826A65}" sibTransId="{CF291C21-D8AF-4C60-A1B6-AFA5EF7DBC3D}"/>
-    <dgm:cxn modelId="{CF5E6910-B8F9-4246-8775-72107A6D9D65}" srcId="{C625F94C-0C14-4A9E-B782-62F8BAF8C592}" destId="{76A4E6C1-6A9A-4105-9764-E2CF24F79F0F}" srcOrd="1" destOrd="0" parTransId="{D51CA720-8481-468F-9350-DACCEB698344}" sibTransId="{321BC029-72FA-42C8-9699-18F318A3B302}"/>
-    <dgm:cxn modelId="{732A6092-A828-43DB-8CCB-5793BA0EB1D3}" srcId="{76A4E6C1-6A9A-4105-9764-E2CF24F79F0F}" destId="{1869434C-B24F-4139-8B5C-A42F16810745}" srcOrd="0" destOrd="0" parTransId="{FA75D358-9E08-4C05-9A16-DC82B5B3C2E3}" sibTransId="{D339BB34-2DD7-41BC-A99E-CE01AA5560B8}"/>
-    <dgm:cxn modelId="{5203F2EA-B380-468B-BA21-BF7DCF2CA025}" type="presOf" srcId="{FEC1FADE-16F1-43F9-B9AB-9D8C30919319}" destId="{BCFB47A8-0FC1-4402-9BD0-D45E776E24B1}" srcOrd="0" destOrd="1" presId="urn:microsoft.com/office/officeart/2005/8/layout/vList5"/>
     <dgm:cxn modelId="{48E5A9A8-F601-40A8-A88A-82C917DB5D2F}" type="presParOf" srcId="{ADBB6542-C5E1-47EF-A430-05CFC30CAFE5}" destId="{43EB6279-8569-4D53-8C51-2A0CB31870F0}" srcOrd="0" destOrd="0" presId="urn:microsoft.com/office/officeart/2005/8/layout/vList5"/>
     <dgm:cxn modelId="{AB9AEE0B-F3F3-4464-85B0-F5D404D2C184}" type="presParOf" srcId="{43EB6279-8569-4D53-8C51-2A0CB31870F0}" destId="{5B245E5B-24DE-4B72-A3D1-928D079F9518}" srcOrd="0" destOrd="0" presId="urn:microsoft.com/office/officeart/2005/8/layout/vList5"/>
     <dgm:cxn modelId="{02A6A9ED-375F-47FE-B9AF-5AF6B0BA6B86}" type="presParOf" srcId="{43EB6279-8569-4D53-8C51-2A0CB31870F0}" destId="{BD960022-7EAF-49B0-B6F5-41F6C2F5EBEE}" srcOrd="1" destOrd="0" presId="urn:microsoft.com/office/officeart/2005/8/layout/vList5"/>
@@ -2537,27 +3347,6 @@
         <a:prstGeom prst="rect">
           <a:avLst/>
         </a:prstGeom>
-        <a:solidFill>
-          <a:srgbClr val="4472C4">
-            <a:hueOff val="0"/>
-            <a:satOff val="0"/>
-            <a:lumOff val="0"/>
-            <a:alphaOff val="0"/>
-          </a:srgbClr>
-        </a:solidFill>
-        <a:ln w="12700" cap="flat" cmpd="sng" algn="ctr">
-          <a:solidFill>
-            <a:sysClr val="window" lastClr="FFFFFF">
-              <a:hueOff val="0"/>
-              <a:satOff val="0"/>
-              <a:lumOff val="0"/>
-              <a:alphaOff val="0"/>
-            </a:sysClr>
-          </a:solidFill>
-          <a:prstDash val="solid"/>
-          <a:miter lim="800000"/>
-        </a:ln>
-        <a:effectLst/>
       </dgm:spPr>
       <dgm:t>
         <a:bodyPr/>
@@ -2567,16 +3356,18 @@
             <a:buNone/>
           </a:pPr>
           <a:r>
-            <a:rPr lang="en-US" dirty="0">
-              <a:solidFill>
-                <a:sysClr val="window" lastClr="FFFFFF"/>
-              </a:solidFill>
+            <a:rPr lang="en-US" dirty="0" smtClean="0">
               <a:latin typeface="Calibri" panose="020F0502020204030204"/>
               <a:ea typeface="+mn-ea"/>
               <a:cs typeface="+mn-cs"/>
             </a:rPr>
             <a:t>Tokenization</a:t>
           </a:r>
+          <a:endParaRPr lang="en-US" dirty="0">
+            <a:latin typeface="Calibri" panose="020F0502020204030204"/>
+            <a:ea typeface="+mn-ea"/>
+            <a:cs typeface="+mn-cs"/>
+          </a:endParaRPr>
         </a:p>
       </dgm:t>
     </dgm:pt>
@@ -2615,21 +3406,6 @@
             </a:path>
           </a:pathLst>
         </a:custGeom>
-        <a:noFill/>
-        <a:ln w="6350" cap="flat" cmpd="sng" algn="ctr">
-          <a:solidFill>
-            <a:srgbClr val="4472C4">
-              <a:hueOff val="0"/>
-              <a:satOff val="0"/>
-              <a:lumOff val="0"/>
-              <a:alphaOff val="0"/>
-            </a:srgbClr>
-          </a:solidFill>
-          <a:prstDash val="solid"/>
-          <a:miter lim="800000"/>
-          <a:tailEnd type="arrow"/>
-        </a:ln>
-        <a:effectLst/>
       </dgm:spPr>
       <dgm:t>
         <a:bodyPr/>
@@ -2664,27 +3440,6 @@
         <a:prstGeom prst="rect">
           <a:avLst/>
         </a:prstGeom>
-        <a:solidFill>
-          <a:srgbClr val="4472C4">
-            <a:hueOff val="-1470669"/>
-            <a:satOff val="-2046"/>
-            <a:lumOff val="-784"/>
-            <a:alphaOff val="0"/>
-          </a:srgbClr>
-        </a:solidFill>
-        <a:ln w="12700" cap="flat" cmpd="sng" algn="ctr">
-          <a:solidFill>
-            <a:sysClr val="window" lastClr="FFFFFF">
-              <a:hueOff val="0"/>
-              <a:satOff val="0"/>
-              <a:lumOff val="0"/>
-              <a:alphaOff val="0"/>
-            </a:sysClr>
-          </a:solidFill>
-          <a:prstDash val="solid"/>
-          <a:miter lim="800000"/>
-        </a:ln>
-        <a:effectLst/>
       </dgm:spPr>
       <dgm:t>
         <a:bodyPr/>
@@ -2694,16 +3449,18 @@
             <a:buNone/>
           </a:pPr>
           <a:r>
-            <a:rPr lang="en-US" dirty="0">
-              <a:solidFill>
-                <a:sysClr val="window" lastClr="FFFFFF"/>
-              </a:solidFill>
+            <a:rPr lang="en-US" smtClean="0">
               <a:latin typeface="Calibri" panose="020F0502020204030204"/>
               <a:ea typeface="+mn-ea"/>
               <a:cs typeface="+mn-cs"/>
             </a:rPr>
             <a:t>Stop Words Removal</a:t>
           </a:r>
+          <a:endParaRPr lang="en-US" dirty="0">
+            <a:latin typeface="Calibri" panose="020F0502020204030204"/>
+            <a:ea typeface="+mn-ea"/>
+            <a:cs typeface="+mn-cs"/>
+          </a:endParaRPr>
         </a:p>
       </dgm:t>
     </dgm:pt>
@@ -2742,21 +3499,6 @@
             </a:path>
           </a:pathLst>
         </a:custGeom>
-        <a:noFill/>
-        <a:ln w="6350" cap="flat" cmpd="sng" algn="ctr">
-          <a:solidFill>
-            <a:srgbClr val="4472C4">
-              <a:hueOff val="-1838336"/>
-              <a:satOff val="-2557"/>
-              <a:lumOff val="-981"/>
-              <a:alphaOff val="0"/>
-            </a:srgbClr>
-          </a:solidFill>
-          <a:prstDash val="solid"/>
-          <a:miter lim="800000"/>
-          <a:tailEnd type="arrow"/>
-        </a:ln>
-        <a:effectLst/>
       </dgm:spPr>
       <dgm:t>
         <a:bodyPr/>
@@ -2791,27 +3533,6 @@
         <a:prstGeom prst="rect">
           <a:avLst/>
         </a:prstGeom>
-        <a:solidFill>
-          <a:srgbClr val="4472C4">
-            <a:hueOff val="-2941338"/>
-            <a:satOff val="-4091"/>
-            <a:lumOff val="-1569"/>
-            <a:alphaOff val="0"/>
-          </a:srgbClr>
-        </a:solidFill>
-        <a:ln w="12700" cap="flat" cmpd="sng" algn="ctr">
-          <a:solidFill>
-            <a:sysClr val="window" lastClr="FFFFFF">
-              <a:hueOff val="0"/>
-              <a:satOff val="0"/>
-              <a:lumOff val="0"/>
-              <a:alphaOff val="0"/>
-            </a:sysClr>
-          </a:solidFill>
-          <a:prstDash val="solid"/>
-          <a:miter lim="800000"/>
-        </a:ln>
-        <a:effectLst/>
       </dgm:spPr>
       <dgm:t>
         <a:bodyPr/>
@@ -2821,16 +3542,18 @@
             <a:buNone/>
           </a:pPr>
           <a:r>
-            <a:rPr lang="en-US" dirty="0">
-              <a:solidFill>
-                <a:sysClr val="window" lastClr="FFFFFF"/>
-              </a:solidFill>
+            <a:rPr lang="en-US" smtClean="0">
               <a:latin typeface="Calibri" panose="020F0502020204030204"/>
               <a:ea typeface="+mn-ea"/>
               <a:cs typeface="+mn-cs"/>
             </a:rPr>
             <a:t>Lemmatization</a:t>
           </a:r>
+          <a:endParaRPr lang="en-US" dirty="0">
+            <a:latin typeface="Calibri" panose="020F0502020204030204"/>
+            <a:ea typeface="+mn-ea"/>
+            <a:cs typeface="+mn-cs"/>
+          </a:endParaRPr>
         </a:p>
       </dgm:t>
     </dgm:pt>
@@ -2875,21 +3598,6 @@
             </a:path>
           </a:pathLst>
         </a:custGeom>
-        <a:noFill/>
-        <a:ln w="6350" cap="flat" cmpd="sng" algn="ctr">
-          <a:solidFill>
-            <a:srgbClr val="4472C4">
-              <a:hueOff val="-3676672"/>
-              <a:satOff val="-5114"/>
-              <a:lumOff val="-1961"/>
-              <a:alphaOff val="0"/>
-            </a:srgbClr>
-          </a:solidFill>
-          <a:prstDash val="solid"/>
-          <a:miter lim="800000"/>
-          <a:tailEnd type="arrow"/>
-        </a:ln>
-        <a:effectLst/>
       </dgm:spPr>
       <dgm:t>
         <a:bodyPr/>
@@ -2924,27 +3632,6 @@
         <a:prstGeom prst="rect">
           <a:avLst/>
         </a:prstGeom>
-        <a:solidFill>
-          <a:srgbClr val="4472C4">
-            <a:hueOff val="-4412007"/>
-            <a:satOff val="-6137"/>
-            <a:lumOff val="-2353"/>
-            <a:alphaOff val="0"/>
-          </a:srgbClr>
-        </a:solidFill>
-        <a:ln w="12700" cap="flat" cmpd="sng" algn="ctr">
-          <a:solidFill>
-            <a:sysClr val="window" lastClr="FFFFFF">
-              <a:hueOff val="0"/>
-              <a:satOff val="0"/>
-              <a:lumOff val="0"/>
-              <a:alphaOff val="0"/>
-            </a:sysClr>
-          </a:solidFill>
-          <a:prstDash val="solid"/>
-          <a:miter lim="800000"/>
-        </a:ln>
-        <a:effectLst/>
       </dgm:spPr>
       <dgm:t>
         <a:bodyPr/>
@@ -2954,16 +3641,18 @@
             <a:buNone/>
           </a:pPr>
           <a:r>
-            <a:rPr lang="en-US" dirty="0">
-              <a:solidFill>
-                <a:sysClr val="window" lastClr="FFFFFF"/>
-              </a:solidFill>
+            <a:rPr lang="en-US" smtClean="0">
               <a:latin typeface="Calibri" panose="020F0502020204030204"/>
               <a:ea typeface="+mn-ea"/>
               <a:cs typeface="+mn-cs"/>
             </a:rPr>
             <a:t>Hashing</a:t>
           </a:r>
+          <a:endParaRPr lang="en-US" dirty="0">
+            <a:latin typeface="Calibri" panose="020F0502020204030204"/>
+            <a:ea typeface="+mn-ea"/>
+            <a:cs typeface="+mn-cs"/>
+          </a:endParaRPr>
         </a:p>
       </dgm:t>
     </dgm:pt>
@@ -3002,21 +3691,6 @@
             </a:path>
           </a:pathLst>
         </a:custGeom>
-        <a:noFill/>
-        <a:ln w="6350" cap="flat" cmpd="sng" algn="ctr">
-          <a:solidFill>
-            <a:srgbClr val="4472C4">
-              <a:hueOff val="-5515009"/>
-              <a:satOff val="-7671"/>
-              <a:lumOff val="-2942"/>
-              <a:alphaOff val="0"/>
-            </a:srgbClr>
-          </a:solidFill>
-          <a:prstDash val="solid"/>
-          <a:miter lim="800000"/>
-          <a:tailEnd type="arrow"/>
-        </a:ln>
-        <a:effectLst/>
       </dgm:spPr>
       <dgm:t>
         <a:bodyPr/>
@@ -3051,27 +3725,6 @@
         <a:prstGeom prst="rect">
           <a:avLst/>
         </a:prstGeom>
-        <a:solidFill>
-          <a:srgbClr val="4472C4">
-            <a:hueOff val="-5882676"/>
-            <a:satOff val="-8182"/>
-            <a:lumOff val="-3138"/>
-            <a:alphaOff val="0"/>
-          </a:srgbClr>
-        </a:solidFill>
-        <a:ln w="12700" cap="flat" cmpd="sng" algn="ctr">
-          <a:solidFill>
-            <a:sysClr val="window" lastClr="FFFFFF">
-              <a:hueOff val="0"/>
-              <a:satOff val="0"/>
-              <a:lumOff val="0"/>
-              <a:alphaOff val="0"/>
-            </a:sysClr>
-          </a:solidFill>
-          <a:prstDash val="solid"/>
-          <a:miter lim="800000"/>
-        </a:ln>
-        <a:effectLst/>
       </dgm:spPr>
       <dgm:t>
         <a:bodyPr/>
@@ -3081,16 +3734,18 @@
             <a:buNone/>
           </a:pPr>
           <a:r>
-            <a:rPr lang="en-US" dirty="0">
-              <a:solidFill>
-                <a:sysClr val="window" lastClr="FFFFFF"/>
-              </a:solidFill>
+            <a:rPr lang="en-US" smtClean="0">
               <a:latin typeface="Calibri" panose="020F0502020204030204"/>
               <a:ea typeface="+mn-ea"/>
               <a:cs typeface="+mn-cs"/>
             </a:rPr>
             <a:t>TF-IDF</a:t>
           </a:r>
+          <a:endParaRPr lang="en-US" dirty="0">
+            <a:latin typeface="Calibri" panose="020F0502020204030204"/>
+            <a:ea typeface="+mn-ea"/>
+            <a:cs typeface="+mn-cs"/>
+          </a:endParaRPr>
         </a:p>
       </dgm:t>
     </dgm:pt>
@@ -3129,21 +3784,6 @@
             </a:path>
           </a:pathLst>
         </a:custGeom>
-        <a:noFill/>
-        <a:ln w="6350" cap="flat" cmpd="sng" algn="ctr">
-          <a:solidFill>
-            <a:srgbClr val="4472C4">
-              <a:hueOff val="-7353344"/>
-              <a:satOff val="-10228"/>
-              <a:lumOff val="-3922"/>
-              <a:alphaOff val="0"/>
-            </a:srgbClr>
-          </a:solidFill>
-          <a:prstDash val="solid"/>
-          <a:miter lim="800000"/>
-          <a:tailEnd type="arrow"/>
-        </a:ln>
-        <a:effectLst/>
       </dgm:spPr>
       <dgm:t>
         <a:bodyPr/>
@@ -3178,27 +3818,6 @@
         <a:prstGeom prst="rect">
           <a:avLst/>
         </a:prstGeom>
-        <a:solidFill>
-          <a:srgbClr val="4472C4">
-            <a:hueOff val="-7353344"/>
-            <a:satOff val="-10228"/>
-            <a:lumOff val="-3922"/>
-            <a:alphaOff val="0"/>
-          </a:srgbClr>
-        </a:solidFill>
-        <a:ln w="12700" cap="flat" cmpd="sng" algn="ctr">
-          <a:solidFill>
-            <a:sysClr val="window" lastClr="FFFFFF">
-              <a:hueOff val="0"/>
-              <a:satOff val="0"/>
-              <a:lumOff val="0"/>
-              <a:alphaOff val="0"/>
-            </a:sysClr>
-          </a:solidFill>
-          <a:prstDash val="solid"/>
-          <a:miter lim="800000"/>
-        </a:ln>
-        <a:effectLst/>
       </dgm:spPr>
       <dgm:t>
         <a:bodyPr/>
@@ -3208,31 +3827,14 @@
             <a:buNone/>
           </a:pPr>
           <a:r>
-            <a:rPr lang="en-US" dirty="0">
-              <a:solidFill>
-                <a:sysClr val="window" lastClr="FFFFFF"/>
-              </a:solidFill>
+            <a:rPr lang="en-US" smtClean="0">
               <a:latin typeface="Calibri" panose="020F0502020204030204"/>
               <a:ea typeface="+mn-ea"/>
               <a:cs typeface="+mn-cs"/>
             </a:rPr>
-            <a:t>80/20 </a:t>
-          </a:r>
-          <a:r>
-            <a:rPr lang="en-US" dirty="0" smtClean="0">
-              <a:solidFill>
-                <a:sysClr val="window" lastClr="FFFFFF"/>
-              </a:solidFill>
-              <a:latin typeface="Calibri" panose="020F0502020204030204"/>
-              <a:ea typeface="+mn-ea"/>
-              <a:cs typeface="+mn-cs"/>
-            </a:rPr>
-            <a:t>Training/Testing </a:t>
+            <a:t>80/20 Training/Testing </a:t>
           </a:r>
           <a:endParaRPr lang="en-US" dirty="0">
-            <a:solidFill>
-              <a:sysClr val="window" lastClr="FFFFFF"/>
-            </a:solidFill>
             <a:latin typeface="Calibri" panose="020F0502020204030204"/>
             <a:ea typeface="+mn-ea"/>
             <a:cs typeface="+mn-cs"/>
@@ -3518,6 +4120,575 @@
   <dgm:extLst>
     <a:ext uri="http://schemas.microsoft.com/office/drawing/2008/diagram">
       <dsp:dataModelExt xmlns:dsp="http://schemas.microsoft.com/office/drawing/2008/diagram" relId="rId7" minVer="http://schemas.openxmlformats.org/drawingml/2006/diagram"/>
+    </a:ext>
+  </dgm:extLst>
+</dgm:dataModel>
+</file>
+
+<file path=ppt/diagrams/data3.xml><?xml version="1.0" encoding="utf-8"?>
+<dgm:dataModel xmlns:dgm="http://schemas.openxmlformats.org/drawingml/2006/diagram" xmlns:a="http://schemas.openxmlformats.org/drawingml/2006/main">
+  <dgm:ptLst>
+    <dgm:pt modelId="{D67C4600-62E5-4084-84C0-FD2FB9AD0B6C}" type="doc">
+      <dgm:prSet loTypeId="urn:microsoft.com/office/officeart/2009/3/layout/PhasedProcess" loCatId="process" qsTypeId="urn:microsoft.com/office/officeart/2005/8/quickstyle/simple1" qsCatId="simple" csTypeId="urn:microsoft.com/office/officeart/2005/8/colors/colorful5" csCatId="colorful" phldr="1"/>
+      <dgm:spPr/>
+      <dgm:t>
+        <a:bodyPr/>
+        <a:lstStyle/>
+        <a:p>
+          <a:endParaRPr lang="en-US"/>
+        </a:p>
+      </dgm:t>
+    </dgm:pt>
+    <dgm:pt modelId="{5921E58E-391F-4700-A092-5240F051CDEF}">
+      <dgm:prSet phldrT="[Text]"/>
+      <dgm:spPr/>
+      <dgm:t>
+        <a:bodyPr/>
+        <a:lstStyle/>
+        <a:p>
+          <a:r>
+            <a:rPr lang="en-US" dirty="0" smtClean="0"/>
+            <a:t>MongoDB</a:t>
+          </a:r>
+          <a:endParaRPr lang="en-US" dirty="0"/>
+        </a:p>
+      </dgm:t>
+    </dgm:pt>
+    <dgm:pt modelId="{19CACE21-E2AC-4B78-A887-18D45365F2DF}" type="parTrans" cxnId="{0C83BBB3-C21D-45EA-B015-644F7364DFD7}">
+      <dgm:prSet/>
+      <dgm:spPr/>
+      <dgm:t>
+        <a:bodyPr/>
+        <a:lstStyle/>
+        <a:p>
+          <a:endParaRPr lang="en-US"/>
+        </a:p>
+      </dgm:t>
+    </dgm:pt>
+    <dgm:pt modelId="{BBDE1A54-469C-4750-8084-F46FA939CD20}" type="sibTrans" cxnId="{0C83BBB3-C21D-45EA-B015-644F7364DFD7}">
+      <dgm:prSet/>
+      <dgm:spPr/>
+      <dgm:t>
+        <a:bodyPr/>
+        <a:lstStyle/>
+        <a:p>
+          <a:endParaRPr lang="en-US"/>
+        </a:p>
+      </dgm:t>
+    </dgm:pt>
+    <dgm:pt modelId="{C6AB1840-21EA-4229-A79D-F04AB66763BC}">
+      <dgm:prSet phldrT="[Text]"/>
+      <dgm:spPr/>
+      <dgm:t>
+        <a:bodyPr/>
+        <a:lstStyle/>
+        <a:p>
+          <a:r>
+            <a:rPr lang="en-US" dirty="0" smtClean="0"/>
+            <a:t>Sentiment Analysis</a:t>
+          </a:r>
+          <a:endParaRPr lang="en-US" dirty="0"/>
+        </a:p>
+      </dgm:t>
+    </dgm:pt>
+    <dgm:pt modelId="{66663020-3B42-4CAC-BCCC-F2702C9E88CF}" type="parTrans" cxnId="{3346644E-3177-487E-A713-E75AE91085D5}">
+      <dgm:prSet/>
+      <dgm:spPr/>
+      <dgm:t>
+        <a:bodyPr/>
+        <a:lstStyle/>
+        <a:p>
+          <a:endParaRPr lang="en-US"/>
+        </a:p>
+      </dgm:t>
+    </dgm:pt>
+    <dgm:pt modelId="{71ECAE4B-0B35-4D91-B89F-EAE7C7CCC3FA}" type="sibTrans" cxnId="{3346644E-3177-487E-A713-E75AE91085D5}">
+      <dgm:prSet/>
+      <dgm:spPr/>
+      <dgm:t>
+        <a:bodyPr/>
+        <a:lstStyle/>
+        <a:p>
+          <a:endParaRPr lang="en-US"/>
+        </a:p>
+      </dgm:t>
+    </dgm:pt>
+    <dgm:pt modelId="{E59C24D7-567B-4827-8028-D3040DBF7F21}">
+      <dgm:prSet phldrT="[Text]"/>
+      <dgm:spPr/>
+      <dgm:t>
+        <a:bodyPr/>
+        <a:lstStyle/>
+        <a:p>
+          <a:r>
+            <a:rPr lang="en-US" smtClean="0"/>
+            <a:t>Bigrams</a:t>
+          </a:r>
+          <a:endParaRPr lang="en-US" dirty="0"/>
+        </a:p>
+      </dgm:t>
+    </dgm:pt>
+    <dgm:pt modelId="{A4F91B9E-4D2F-43C1-A361-A47D2BBB1254}" type="parTrans" cxnId="{127E1448-A23A-4E39-B11C-423104D71F67}">
+      <dgm:prSet/>
+      <dgm:spPr/>
+      <dgm:t>
+        <a:bodyPr/>
+        <a:lstStyle/>
+        <a:p>
+          <a:endParaRPr lang="en-US"/>
+        </a:p>
+      </dgm:t>
+    </dgm:pt>
+    <dgm:pt modelId="{DF3E3C4A-7EA7-43B0-B41B-521987379B88}" type="sibTrans" cxnId="{127E1448-A23A-4E39-B11C-423104D71F67}">
+      <dgm:prSet/>
+      <dgm:spPr/>
+      <dgm:t>
+        <a:bodyPr/>
+        <a:lstStyle/>
+        <a:p>
+          <a:endParaRPr lang="en-US"/>
+        </a:p>
+      </dgm:t>
+    </dgm:pt>
+    <dgm:pt modelId="{21E528D7-9A98-4B55-AFBC-B7D0BB13E3AA}">
+      <dgm:prSet phldrT="[Text]"/>
+      <dgm:spPr/>
+      <dgm:t>
+        <a:bodyPr/>
+        <a:lstStyle/>
+        <a:p>
+          <a:r>
+            <a:rPr lang="en-US" dirty="0" smtClean="0"/>
+            <a:t>Flask API</a:t>
+          </a:r>
+          <a:endParaRPr lang="en-US" dirty="0"/>
+        </a:p>
+      </dgm:t>
+    </dgm:pt>
+    <dgm:pt modelId="{7F9A6506-434A-4145-8EC8-A282B6C84DAE}" type="parTrans" cxnId="{BC029B1D-5069-4C69-9747-C8B4030D6DC6}">
+      <dgm:prSet/>
+      <dgm:spPr/>
+      <dgm:t>
+        <a:bodyPr/>
+        <a:lstStyle/>
+        <a:p>
+          <a:endParaRPr lang="en-US"/>
+        </a:p>
+      </dgm:t>
+    </dgm:pt>
+    <dgm:pt modelId="{258ED730-EF84-4E7B-B343-05670FD95BF3}" type="sibTrans" cxnId="{BC029B1D-5069-4C69-9747-C8B4030D6DC6}">
+      <dgm:prSet/>
+      <dgm:spPr/>
+      <dgm:t>
+        <a:bodyPr/>
+        <a:lstStyle/>
+        <a:p>
+          <a:endParaRPr lang="en-US"/>
+        </a:p>
+      </dgm:t>
+    </dgm:pt>
+    <dgm:pt modelId="{A0ACE874-2F14-4B94-B78C-6E888302E845}">
+      <dgm:prSet phldrT="[Text]"/>
+      <dgm:spPr/>
+      <dgm:t>
+        <a:bodyPr/>
+        <a:lstStyle/>
+        <a:p>
+          <a:r>
+            <a:rPr lang="en-US" dirty="0" smtClean="0"/>
+            <a:t>JavaScript</a:t>
+          </a:r>
+          <a:endParaRPr lang="en-US" dirty="0"/>
+        </a:p>
+      </dgm:t>
+    </dgm:pt>
+    <dgm:pt modelId="{1A7FA424-B4CD-45F9-9EA4-E7A734479AF2}" type="parTrans" cxnId="{F49B3393-7A5E-441E-B462-1127D987FC2D}">
+      <dgm:prSet/>
+      <dgm:spPr/>
+      <dgm:t>
+        <a:bodyPr/>
+        <a:lstStyle/>
+        <a:p>
+          <a:endParaRPr lang="en-US"/>
+        </a:p>
+      </dgm:t>
+    </dgm:pt>
+    <dgm:pt modelId="{5C224387-DB7D-4C8D-88DF-7ADAE9ED9AA1}" type="sibTrans" cxnId="{F49B3393-7A5E-441E-B462-1127D987FC2D}">
+      <dgm:prSet/>
+      <dgm:spPr/>
+      <dgm:t>
+        <a:bodyPr/>
+        <a:lstStyle/>
+        <a:p>
+          <a:endParaRPr lang="en-US"/>
+        </a:p>
+      </dgm:t>
+    </dgm:pt>
+    <dgm:pt modelId="{4F3A271F-7707-4DD7-8DD0-3950F4B8EDA4}">
+      <dgm:prSet phldrT="[Text]"/>
+      <dgm:spPr/>
+      <dgm:t>
+        <a:bodyPr/>
+        <a:lstStyle/>
+        <a:p>
+          <a:r>
+            <a:rPr lang="en-US" dirty="0" smtClean="0"/>
+            <a:t>Plots (Plotly, D3, D3-Cloud)</a:t>
+          </a:r>
+          <a:endParaRPr lang="en-US" dirty="0"/>
+        </a:p>
+      </dgm:t>
+    </dgm:pt>
+    <dgm:pt modelId="{7DA8B6DE-7FE4-4789-80EF-0D16B56BF8FC}" type="parTrans" cxnId="{C5FF40E4-752E-4AA5-A084-7D419203E62D}">
+      <dgm:prSet/>
+      <dgm:spPr/>
+      <dgm:t>
+        <a:bodyPr/>
+        <a:lstStyle/>
+        <a:p>
+          <a:endParaRPr lang="en-US"/>
+        </a:p>
+      </dgm:t>
+    </dgm:pt>
+    <dgm:pt modelId="{6FE39593-4B74-41A4-823F-9FCAB96DF955}" type="sibTrans" cxnId="{C5FF40E4-752E-4AA5-A084-7D419203E62D}">
+      <dgm:prSet/>
+      <dgm:spPr/>
+      <dgm:t>
+        <a:bodyPr/>
+        <a:lstStyle/>
+        <a:p>
+          <a:endParaRPr lang="en-US"/>
+        </a:p>
+      </dgm:t>
+    </dgm:pt>
+    <dgm:pt modelId="{3162AD7F-CC80-4477-8BAA-A265E296BEB7}">
+      <dgm:prSet phldrT="[Text]"/>
+      <dgm:spPr/>
+      <dgm:t>
+        <a:bodyPr/>
+        <a:lstStyle/>
+        <a:p>
+          <a:r>
+            <a:rPr lang="en-US" dirty="0" smtClean="0"/>
+            <a:t>Filters (PyMongo)</a:t>
+          </a:r>
+          <a:endParaRPr lang="en-US" dirty="0"/>
+        </a:p>
+      </dgm:t>
+    </dgm:pt>
+    <dgm:pt modelId="{2BC4BE57-447E-4240-9528-577B843D32CB}" type="parTrans" cxnId="{5749EAB6-AA64-4981-BDF8-9B3B019B06B9}">
+      <dgm:prSet/>
+      <dgm:spPr/>
+      <dgm:t>
+        <a:bodyPr/>
+        <a:lstStyle/>
+        <a:p>
+          <a:endParaRPr lang="en-US"/>
+        </a:p>
+      </dgm:t>
+    </dgm:pt>
+    <dgm:pt modelId="{711941E0-9109-4AC0-8DD4-EF75215FF61E}" type="sibTrans" cxnId="{5749EAB6-AA64-4981-BDF8-9B3B019B06B9}">
+      <dgm:prSet/>
+      <dgm:spPr/>
+      <dgm:t>
+        <a:bodyPr/>
+        <a:lstStyle/>
+        <a:p>
+          <a:endParaRPr lang="en-US"/>
+        </a:p>
+      </dgm:t>
+    </dgm:pt>
+    <dgm:pt modelId="{586AA99F-AB66-49AB-A326-73D6F1E88ADA}">
+      <dgm:prSet phldrT="[Text]"/>
+      <dgm:spPr/>
+      <dgm:t>
+        <a:bodyPr/>
+        <a:lstStyle/>
+        <a:p>
+          <a:r>
+            <a:rPr lang="en-US" dirty="0" smtClean="0"/>
+            <a:t>Keywords (NLTK)</a:t>
+          </a:r>
+          <a:endParaRPr lang="en-US" dirty="0"/>
+        </a:p>
+      </dgm:t>
+    </dgm:pt>
+    <dgm:pt modelId="{894CE11F-6836-4CF0-B275-9F11BCDF3975}" type="parTrans" cxnId="{3699285A-34E9-460E-8AEF-F0FB46133626}">
+      <dgm:prSet/>
+      <dgm:spPr/>
+      <dgm:t>
+        <a:bodyPr/>
+        <a:lstStyle/>
+        <a:p>
+          <a:endParaRPr lang="en-US"/>
+        </a:p>
+      </dgm:t>
+    </dgm:pt>
+    <dgm:pt modelId="{5B91AFB7-9452-421C-898A-706A5C7DF4BB}" type="sibTrans" cxnId="{3699285A-34E9-460E-8AEF-F0FB46133626}">
+      <dgm:prSet/>
+      <dgm:spPr/>
+      <dgm:t>
+        <a:bodyPr/>
+        <a:lstStyle/>
+        <a:p>
+          <a:endParaRPr lang="en-US"/>
+        </a:p>
+      </dgm:t>
+    </dgm:pt>
+    <dgm:pt modelId="{C31CC36F-4BBE-4ED0-8725-005D35483148}" type="pres">
+      <dgm:prSet presAssocID="{D67C4600-62E5-4084-84C0-FD2FB9AD0B6C}" presName="Name0" presStyleCnt="0">
+        <dgm:presLayoutVars>
+          <dgm:chMax val="3"/>
+          <dgm:chPref val="3"/>
+          <dgm:bulletEnabled val="1"/>
+          <dgm:dir/>
+          <dgm:animLvl val="lvl"/>
+        </dgm:presLayoutVars>
+      </dgm:prSet>
+      <dgm:spPr/>
+      <dgm:t>
+        <a:bodyPr/>
+        <a:lstStyle/>
+        <a:p>
+          <a:endParaRPr lang="en-US"/>
+        </a:p>
+      </dgm:t>
+    </dgm:pt>
+    <dgm:pt modelId="{06BB7C01-9DF8-40B4-A58D-9ECD11BDC83F}" type="pres">
+      <dgm:prSet presAssocID="{D67C4600-62E5-4084-84C0-FD2FB9AD0B6C}" presName="arc1" presStyleLbl="node1" presStyleIdx="0" presStyleCnt="4"/>
+      <dgm:spPr/>
+    </dgm:pt>
+    <dgm:pt modelId="{26B73948-FDF9-43F7-9904-372FD2B3961A}" type="pres">
+      <dgm:prSet presAssocID="{D67C4600-62E5-4084-84C0-FD2FB9AD0B6C}" presName="arc3" presStyleLbl="node1" presStyleIdx="1" presStyleCnt="4"/>
+      <dgm:spPr/>
+    </dgm:pt>
+    <dgm:pt modelId="{B38C9642-7F80-48C2-9905-34576DDC7FEB}" type="pres">
+      <dgm:prSet presAssocID="{D67C4600-62E5-4084-84C0-FD2FB9AD0B6C}" presName="parentText2" presStyleLbl="revTx" presStyleIdx="0" presStyleCnt="3">
+        <dgm:presLayoutVars>
+          <dgm:chMax val="4"/>
+          <dgm:chPref val="3"/>
+          <dgm:bulletEnabled val="1"/>
+        </dgm:presLayoutVars>
+      </dgm:prSet>
+      <dgm:spPr/>
+      <dgm:t>
+        <a:bodyPr/>
+        <a:lstStyle/>
+        <a:p>
+          <a:endParaRPr lang="en-US"/>
+        </a:p>
+      </dgm:t>
+    </dgm:pt>
+    <dgm:pt modelId="{0518B534-DC62-4E17-85D9-AA657CEE396C}" type="pres">
+      <dgm:prSet presAssocID="{D67C4600-62E5-4084-84C0-FD2FB9AD0B6C}" presName="arc2" presStyleLbl="node1" presStyleIdx="2" presStyleCnt="4"/>
+      <dgm:spPr/>
+    </dgm:pt>
+    <dgm:pt modelId="{53D949E9-9FCB-47B6-A26C-5797C7064149}" type="pres">
+      <dgm:prSet presAssocID="{D67C4600-62E5-4084-84C0-FD2FB9AD0B6C}" presName="arc4" presStyleLbl="node1" presStyleIdx="3" presStyleCnt="4"/>
+      <dgm:spPr/>
+    </dgm:pt>
+    <dgm:pt modelId="{D6A1863D-44C1-404B-8B32-4F6379312C2F}" type="pres">
+      <dgm:prSet presAssocID="{D67C4600-62E5-4084-84C0-FD2FB9AD0B6C}" presName="parentText3" presStyleLbl="revTx" presStyleIdx="1" presStyleCnt="3">
+        <dgm:presLayoutVars>
+          <dgm:chMax val="1"/>
+          <dgm:chPref val="1"/>
+          <dgm:bulletEnabled val="1"/>
+        </dgm:presLayoutVars>
+      </dgm:prSet>
+      <dgm:spPr/>
+      <dgm:t>
+        <a:bodyPr/>
+        <a:lstStyle/>
+        <a:p>
+          <a:endParaRPr lang="en-US"/>
+        </a:p>
+      </dgm:t>
+    </dgm:pt>
+    <dgm:pt modelId="{D3789300-F881-4FDF-91F6-5DBD53B414A6}" type="pres">
+      <dgm:prSet presAssocID="{D67C4600-62E5-4084-84C0-FD2FB9AD0B6C}" presName="middleComposite" presStyleCnt="0"/>
+      <dgm:spPr/>
+    </dgm:pt>
+    <dgm:pt modelId="{847A7E92-B625-40C2-A963-87CF4AE3591E}" type="pres">
+      <dgm:prSet presAssocID="{586AA99F-AB66-49AB-A326-73D6F1E88ADA}" presName="circ1" presStyleLbl="vennNode1" presStyleIdx="0" presStyleCnt="7"/>
+      <dgm:spPr/>
+      <dgm:t>
+        <a:bodyPr/>
+        <a:lstStyle/>
+        <a:p>
+          <a:endParaRPr lang="en-US"/>
+        </a:p>
+      </dgm:t>
+    </dgm:pt>
+    <dgm:pt modelId="{7824FE74-F258-4BBB-840B-453268255048}" type="pres">
+      <dgm:prSet presAssocID="{586AA99F-AB66-49AB-A326-73D6F1E88ADA}" presName="circ1Tx" presStyleLbl="revTx" presStyleIdx="1" presStyleCnt="3">
+        <dgm:presLayoutVars>
+          <dgm:chMax val="0"/>
+          <dgm:chPref val="0"/>
+        </dgm:presLayoutVars>
+      </dgm:prSet>
+      <dgm:spPr/>
+      <dgm:t>
+        <a:bodyPr/>
+        <a:lstStyle/>
+        <a:p>
+          <a:endParaRPr lang="en-US"/>
+        </a:p>
+      </dgm:t>
+    </dgm:pt>
+    <dgm:pt modelId="{499C3869-671C-4F35-8193-25989D6868C4}" type="pres">
+      <dgm:prSet presAssocID="{3162AD7F-CC80-4477-8BAA-A265E296BEB7}" presName="circ2" presStyleLbl="vennNode1" presStyleIdx="1" presStyleCnt="7"/>
+      <dgm:spPr/>
+      <dgm:t>
+        <a:bodyPr/>
+        <a:lstStyle/>
+        <a:p>
+          <a:endParaRPr lang="en-US"/>
+        </a:p>
+      </dgm:t>
+    </dgm:pt>
+    <dgm:pt modelId="{D105F40B-E325-4309-B8FA-F314861C5770}" type="pres">
+      <dgm:prSet presAssocID="{3162AD7F-CC80-4477-8BAA-A265E296BEB7}" presName="circ2Tx" presStyleLbl="revTx" presStyleIdx="1" presStyleCnt="3">
+        <dgm:presLayoutVars>
+          <dgm:chMax val="0"/>
+          <dgm:chPref val="0"/>
+        </dgm:presLayoutVars>
+      </dgm:prSet>
+      <dgm:spPr/>
+      <dgm:t>
+        <a:bodyPr/>
+        <a:lstStyle/>
+        <a:p>
+          <a:endParaRPr lang="en-US"/>
+        </a:p>
+      </dgm:t>
+    </dgm:pt>
+    <dgm:pt modelId="{44AFB30A-1692-4D5A-8D97-4CF4A13D5FC1}" type="pres">
+      <dgm:prSet presAssocID="{D67C4600-62E5-4084-84C0-FD2FB9AD0B6C}" presName="leftComposite" presStyleCnt="0"/>
+      <dgm:spPr/>
+    </dgm:pt>
+    <dgm:pt modelId="{BFBFC44E-8039-47C7-8EB4-2232798AF365}" type="pres">
+      <dgm:prSet presAssocID="{C6AB1840-21EA-4229-A79D-F04AB66763BC}" presName="childText1_1" presStyleLbl="vennNode1" presStyleIdx="2" presStyleCnt="7">
+        <dgm:presLayoutVars>
+          <dgm:chMax val="0"/>
+          <dgm:chPref val="0"/>
+        </dgm:presLayoutVars>
+      </dgm:prSet>
+      <dgm:spPr/>
+      <dgm:t>
+        <a:bodyPr/>
+        <a:lstStyle/>
+        <a:p>
+          <a:endParaRPr lang="en-US"/>
+        </a:p>
+      </dgm:t>
+    </dgm:pt>
+    <dgm:pt modelId="{FE4AA2AE-1E25-43B1-9B19-CFE51BE51A15}" type="pres">
+      <dgm:prSet presAssocID="{C6AB1840-21EA-4229-A79D-F04AB66763BC}" presName="ellipse1" presStyleLbl="vennNode1" presStyleIdx="3" presStyleCnt="7"/>
+      <dgm:spPr/>
+    </dgm:pt>
+    <dgm:pt modelId="{C84BC576-B37A-4DF5-B524-17366FD72D9A}" type="pres">
+      <dgm:prSet presAssocID="{C6AB1840-21EA-4229-A79D-F04AB66763BC}" presName="ellipse2" presStyleLbl="vennNode1" presStyleIdx="4" presStyleCnt="7"/>
+      <dgm:spPr/>
+    </dgm:pt>
+    <dgm:pt modelId="{A1C36037-A659-47E1-9158-721142E95F2D}" type="pres">
+      <dgm:prSet presAssocID="{E59C24D7-567B-4827-8028-D3040DBF7F21}" presName="childText1_2" presStyleLbl="vennNode1" presStyleIdx="5" presStyleCnt="7">
+        <dgm:presLayoutVars>
+          <dgm:chMax val="0"/>
+          <dgm:chPref val="0"/>
+        </dgm:presLayoutVars>
+      </dgm:prSet>
+      <dgm:spPr/>
+      <dgm:t>
+        <a:bodyPr/>
+        <a:lstStyle/>
+        <a:p>
+          <a:endParaRPr lang="en-US"/>
+        </a:p>
+      </dgm:t>
+    </dgm:pt>
+    <dgm:pt modelId="{867564D6-4CBC-4E74-868E-75914939A563}" type="pres">
+      <dgm:prSet presAssocID="{E59C24D7-567B-4827-8028-D3040DBF7F21}" presName="ellipse3" presStyleLbl="vennNode1" presStyleIdx="6" presStyleCnt="7"/>
+      <dgm:spPr/>
+    </dgm:pt>
+    <dgm:pt modelId="{5A8BD94B-5744-4BCD-879D-246997A1BE67}" type="pres">
+      <dgm:prSet presAssocID="{D67C4600-62E5-4084-84C0-FD2FB9AD0B6C}" presName="rightChild" presStyleLbl="node2" presStyleIdx="0" presStyleCnt="1">
+        <dgm:presLayoutVars>
+          <dgm:chMax val="0"/>
+          <dgm:chPref val="0"/>
+        </dgm:presLayoutVars>
+      </dgm:prSet>
+      <dgm:spPr/>
+      <dgm:t>
+        <a:bodyPr/>
+        <a:lstStyle/>
+        <a:p>
+          <a:endParaRPr lang="en-US"/>
+        </a:p>
+      </dgm:t>
+    </dgm:pt>
+    <dgm:pt modelId="{7F8286A3-6B65-4F08-B8CE-5A1952659120}" type="pres">
+      <dgm:prSet presAssocID="{D67C4600-62E5-4084-84C0-FD2FB9AD0B6C}" presName="parentText1" presStyleLbl="revTx" presStyleIdx="2" presStyleCnt="3">
+        <dgm:presLayoutVars>
+          <dgm:chMax val="4"/>
+          <dgm:chPref val="3"/>
+          <dgm:bulletEnabled val="1"/>
+        </dgm:presLayoutVars>
+      </dgm:prSet>
+      <dgm:spPr/>
+      <dgm:t>
+        <a:bodyPr/>
+        <a:lstStyle/>
+        <a:p>
+          <a:endParaRPr lang="en-US"/>
+        </a:p>
+      </dgm:t>
+    </dgm:pt>
+  </dgm:ptLst>
+  <dgm:cxnLst>
+    <dgm:cxn modelId="{F49B3393-7A5E-441E-B462-1127D987FC2D}" srcId="{D67C4600-62E5-4084-84C0-FD2FB9AD0B6C}" destId="{A0ACE874-2F14-4B94-B78C-6E888302E845}" srcOrd="2" destOrd="0" parTransId="{1A7FA424-B4CD-45F9-9EA4-E7A734479AF2}" sibTransId="{5C224387-DB7D-4C8D-88DF-7ADAE9ED9AA1}"/>
+    <dgm:cxn modelId="{5D2B2A3B-7558-4AD1-A375-41B8C8A3CEA2}" type="presOf" srcId="{5921E58E-391F-4700-A092-5240F051CDEF}" destId="{7F8286A3-6B65-4F08-B8CE-5A1952659120}" srcOrd="0" destOrd="0" presId="urn:microsoft.com/office/officeart/2009/3/layout/PhasedProcess"/>
+    <dgm:cxn modelId="{127E1448-A23A-4E39-B11C-423104D71F67}" srcId="{5921E58E-391F-4700-A092-5240F051CDEF}" destId="{E59C24D7-567B-4827-8028-D3040DBF7F21}" srcOrd="1" destOrd="0" parTransId="{A4F91B9E-4D2F-43C1-A361-A47D2BBB1254}" sibTransId="{DF3E3C4A-7EA7-43B0-B41B-521987379B88}"/>
+    <dgm:cxn modelId="{1123A926-06A5-456C-8194-95F6665DC39A}" type="presOf" srcId="{586AA99F-AB66-49AB-A326-73D6F1E88ADA}" destId="{7824FE74-F258-4BBB-840B-453268255048}" srcOrd="1" destOrd="0" presId="urn:microsoft.com/office/officeart/2009/3/layout/PhasedProcess"/>
+    <dgm:cxn modelId="{3346644E-3177-487E-A713-E75AE91085D5}" srcId="{5921E58E-391F-4700-A092-5240F051CDEF}" destId="{C6AB1840-21EA-4229-A79D-F04AB66763BC}" srcOrd="0" destOrd="0" parTransId="{66663020-3B42-4CAC-BCCC-F2702C9E88CF}" sibTransId="{71ECAE4B-0B35-4D91-B89F-EAE7C7CCC3FA}"/>
+    <dgm:cxn modelId="{2A80272B-95AE-4E36-9924-69E372B62013}" type="presOf" srcId="{586AA99F-AB66-49AB-A326-73D6F1E88ADA}" destId="{847A7E92-B625-40C2-A963-87CF4AE3591E}" srcOrd="0" destOrd="0" presId="urn:microsoft.com/office/officeart/2009/3/layout/PhasedProcess"/>
+    <dgm:cxn modelId="{3302A15B-98EA-47FC-A1DF-0FE95C6130D5}" type="presOf" srcId="{4F3A271F-7707-4DD7-8DD0-3950F4B8EDA4}" destId="{5A8BD94B-5744-4BCD-879D-246997A1BE67}" srcOrd="0" destOrd="0" presId="urn:microsoft.com/office/officeart/2009/3/layout/PhasedProcess"/>
+    <dgm:cxn modelId="{C5FF40E4-752E-4AA5-A084-7D419203E62D}" srcId="{A0ACE874-2F14-4B94-B78C-6E888302E845}" destId="{4F3A271F-7707-4DD7-8DD0-3950F4B8EDA4}" srcOrd="0" destOrd="0" parTransId="{7DA8B6DE-7FE4-4789-80EF-0D16B56BF8FC}" sibTransId="{6FE39593-4B74-41A4-823F-9FCAB96DF955}"/>
+    <dgm:cxn modelId="{E9F5DAB0-2DD0-4531-ACD2-6B94F733E61A}" type="presOf" srcId="{21E528D7-9A98-4B55-AFBC-B7D0BB13E3AA}" destId="{B38C9642-7F80-48C2-9905-34576DDC7FEB}" srcOrd="0" destOrd="0" presId="urn:microsoft.com/office/officeart/2009/3/layout/PhasedProcess"/>
+    <dgm:cxn modelId="{3699285A-34E9-460E-8AEF-F0FB46133626}" srcId="{21E528D7-9A98-4B55-AFBC-B7D0BB13E3AA}" destId="{586AA99F-AB66-49AB-A326-73D6F1E88ADA}" srcOrd="0" destOrd="0" parTransId="{894CE11F-6836-4CF0-B275-9F11BCDF3975}" sibTransId="{5B91AFB7-9452-421C-898A-706A5C7DF4BB}"/>
+    <dgm:cxn modelId="{0C83BBB3-C21D-45EA-B015-644F7364DFD7}" srcId="{D67C4600-62E5-4084-84C0-FD2FB9AD0B6C}" destId="{5921E58E-391F-4700-A092-5240F051CDEF}" srcOrd="0" destOrd="0" parTransId="{19CACE21-E2AC-4B78-A887-18D45365F2DF}" sibTransId="{BBDE1A54-469C-4750-8084-F46FA939CD20}"/>
+    <dgm:cxn modelId="{6284F3F5-A796-411E-94EB-6731318116EF}" type="presOf" srcId="{3162AD7F-CC80-4477-8BAA-A265E296BEB7}" destId="{D105F40B-E325-4309-B8FA-F314861C5770}" srcOrd="1" destOrd="0" presId="urn:microsoft.com/office/officeart/2009/3/layout/PhasedProcess"/>
+    <dgm:cxn modelId="{D1810721-E9BF-4762-B32D-DB480E4E22A0}" type="presOf" srcId="{E59C24D7-567B-4827-8028-D3040DBF7F21}" destId="{A1C36037-A659-47E1-9158-721142E95F2D}" srcOrd="0" destOrd="0" presId="urn:microsoft.com/office/officeart/2009/3/layout/PhasedProcess"/>
+    <dgm:cxn modelId="{E6245EE8-D483-4724-AF12-502062F1C5B6}" type="presOf" srcId="{D67C4600-62E5-4084-84C0-FD2FB9AD0B6C}" destId="{C31CC36F-4BBE-4ED0-8725-005D35483148}" srcOrd="0" destOrd="0" presId="urn:microsoft.com/office/officeart/2009/3/layout/PhasedProcess"/>
+    <dgm:cxn modelId="{BC029B1D-5069-4C69-9747-C8B4030D6DC6}" srcId="{D67C4600-62E5-4084-84C0-FD2FB9AD0B6C}" destId="{21E528D7-9A98-4B55-AFBC-B7D0BB13E3AA}" srcOrd="1" destOrd="0" parTransId="{7F9A6506-434A-4145-8EC8-A282B6C84DAE}" sibTransId="{258ED730-EF84-4E7B-B343-05670FD95BF3}"/>
+    <dgm:cxn modelId="{34D20401-5C10-413F-8A68-DE5E1857B6F8}" type="presOf" srcId="{C6AB1840-21EA-4229-A79D-F04AB66763BC}" destId="{BFBFC44E-8039-47C7-8EB4-2232798AF365}" srcOrd="0" destOrd="0" presId="urn:microsoft.com/office/officeart/2009/3/layout/PhasedProcess"/>
+    <dgm:cxn modelId="{7B5A5CEE-A4C2-4639-84D6-F30E1BEA8A9E}" type="presOf" srcId="{A0ACE874-2F14-4B94-B78C-6E888302E845}" destId="{D6A1863D-44C1-404B-8B32-4F6379312C2F}" srcOrd="0" destOrd="0" presId="urn:microsoft.com/office/officeart/2009/3/layout/PhasedProcess"/>
+    <dgm:cxn modelId="{5749EAB6-AA64-4981-BDF8-9B3B019B06B9}" srcId="{21E528D7-9A98-4B55-AFBC-B7D0BB13E3AA}" destId="{3162AD7F-CC80-4477-8BAA-A265E296BEB7}" srcOrd="1" destOrd="0" parTransId="{2BC4BE57-447E-4240-9528-577B843D32CB}" sibTransId="{711941E0-9109-4AC0-8DD4-EF75215FF61E}"/>
+    <dgm:cxn modelId="{3392E6C5-D3A6-495D-A461-7F3C8A9056C5}" type="presOf" srcId="{3162AD7F-CC80-4477-8BAA-A265E296BEB7}" destId="{499C3869-671C-4F35-8193-25989D6868C4}" srcOrd="0" destOrd="0" presId="urn:microsoft.com/office/officeart/2009/3/layout/PhasedProcess"/>
+    <dgm:cxn modelId="{2FD13A22-422D-4D17-9657-D8F1B07A4176}" type="presParOf" srcId="{C31CC36F-4BBE-4ED0-8725-005D35483148}" destId="{06BB7C01-9DF8-40B4-A58D-9ECD11BDC83F}" srcOrd="0" destOrd="0" presId="urn:microsoft.com/office/officeart/2009/3/layout/PhasedProcess"/>
+    <dgm:cxn modelId="{2C126DC2-C533-44E8-861F-0CD3C78AE045}" type="presParOf" srcId="{C31CC36F-4BBE-4ED0-8725-005D35483148}" destId="{26B73948-FDF9-43F7-9904-372FD2B3961A}" srcOrd="1" destOrd="0" presId="urn:microsoft.com/office/officeart/2009/3/layout/PhasedProcess"/>
+    <dgm:cxn modelId="{E14D4EAE-DC0D-4803-AF2B-474FB72D266D}" type="presParOf" srcId="{C31CC36F-4BBE-4ED0-8725-005D35483148}" destId="{B38C9642-7F80-48C2-9905-34576DDC7FEB}" srcOrd="2" destOrd="0" presId="urn:microsoft.com/office/officeart/2009/3/layout/PhasedProcess"/>
+    <dgm:cxn modelId="{EEE46962-BAEC-455C-A389-0FCCCE79BDF7}" type="presParOf" srcId="{C31CC36F-4BBE-4ED0-8725-005D35483148}" destId="{0518B534-DC62-4E17-85D9-AA657CEE396C}" srcOrd="3" destOrd="0" presId="urn:microsoft.com/office/officeart/2009/3/layout/PhasedProcess"/>
+    <dgm:cxn modelId="{4A1B28FD-04F8-4A6F-83F1-7017ACC72E4D}" type="presParOf" srcId="{C31CC36F-4BBE-4ED0-8725-005D35483148}" destId="{53D949E9-9FCB-47B6-A26C-5797C7064149}" srcOrd="4" destOrd="0" presId="urn:microsoft.com/office/officeart/2009/3/layout/PhasedProcess"/>
+    <dgm:cxn modelId="{8372FF20-DC30-4E60-871D-259BAA3BB96E}" type="presParOf" srcId="{C31CC36F-4BBE-4ED0-8725-005D35483148}" destId="{D6A1863D-44C1-404B-8B32-4F6379312C2F}" srcOrd="5" destOrd="0" presId="urn:microsoft.com/office/officeart/2009/3/layout/PhasedProcess"/>
+    <dgm:cxn modelId="{25F0478A-A18F-4418-BCE9-600AE6B0D410}" type="presParOf" srcId="{C31CC36F-4BBE-4ED0-8725-005D35483148}" destId="{D3789300-F881-4FDF-91F6-5DBD53B414A6}" srcOrd="6" destOrd="0" presId="urn:microsoft.com/office/officeart/2009/3/layout/PhasedProcess"/>
+    <dgm:cxn modelId="{C46598D7-3331-492D-948A-80227CE17690}" type="presParOf" srcId="{D3789300-F881-4FDF-91F6-5DBD53B414A6}" destId="{847A7E92-B625-40C2-A963-87CF4AE3591E}" srcOrd="0" destOrd="0" presId="urn:microsoft.com/office/officeart/2009/3/layout/PhasedProcess"/>
+    <dgm:cxn modelId="{D780BC51-0C7D-4F54-87CE-40E62E2D6F45}" type="presParOf" srcId="{D3789300-F881-4FDF-91F6-5DBD53B414A6}" destId="{7824FE74-F258-4BBB-840B-453268255048}" srcOrd="1" destOrd="0" presId="urn:microsoft.com/office/officeart/2009/3/layout/PhasedProcess"/>
+    <dgm:cxn modelId="{B83926C6-81D3-41E6-B30D-FFF604AE5D2D}" type="presParOf" srcId="{D3789300-F881-4FDF-91F6-5DBD53B414A6}" destId="{499C3869-671C-4F35-8193-25989D6868C4}" srcOrd="2" destOrd="0" presId="urn:microsoft.com/office/officeart/2009/3/layout/PhasedProcess"/>
+    <dgm:cxn modelId="{5F4ACA20-580C-4E87-B78F-A780C8C0EC46}" type="presParOf" srcId="{D3789300-F881-4FDF-91F6-5DBD53B414A6}" destId="{D105F40B-E325-4309-B8FA-F314861C5770}" srcOrd="3" destOrd="0" presId="urn:microsoft.com/office/officeart/2009/3/layout/PhasedProcess"/>
+    <dgm:cxn modelId="{392B25C1-09FB-4568-B85F-8B888D471516}" type="presParOf" srcId="{C31CC36F-4BBE-4ED0-8725-005D35483148}" destId="{44AFB30A-1692-4D5A-8D97-4CF4A13D5FC1}" srcOrd="7" destOrd="0" presId="urn:microsoft.com/office/officeart/2009/3/layout/PhasedProcess"/>
+    <dgm:cxn modelId="{C831AA55-6FCB-4005-8BD3-0963C939C25A}" type="presParOf" srcId="{44AFB30A-1692-4D5A-8D97-4CF4A13D5FC1}" destId="{BFBFC44E-8039-47C7-8EB4-2232798AF365}" srcOrd="0" destOrd="0" presId="urn:microsoft.com/office/officeart/2009/3/layout/PhasedProcess"/>
+    <dgm:cxn modelId="{D442676D-4D08-428D-A058-20C4408E5378}" type="presParOf" srcId="{44AFB30A-1692-4D5A-8D97-4CF4A13D5FC1}" destId="{FE4AA2AE-1E25-43B1-9B19-CFE51BE51A15}" srcOrd="1" destOrd="0" presId="urn:microsoft.com/office/officeart/2009/3/layout/PhasedProcess"/>
+    <dgm:cxn modelId="{B4C0ABFB-A087-4C24-B65A-A70855045FEB}" type="presParOf" srcId="{44AFB30A-1692-4D5A-8D97-4CF4A13D5FC1}" destId="{C84BC576-B37A-4DF5-B524-17366FD72D9A}" srcOrd="2" destOrd="0" presId="urn:microsoft.com/office/officeart/2009/3/layout/PhasedProcess"/>
+    <dgm:cxn modelId="{E7C0E3CD-D9F1-4EB0-AC55-0474EF8AEB4B}" type="presParOf" srcId="{44AFB30A-1692-4D5A-8D97-4CF4A13D5FC1}" destId="{A1C36037-A659-47E1-9158-721142E95F2D}" srcOrd="3" destOrd="0" presId="urn:microsoft.com/office/officeart/2009/3/layout/PhasedProcess"/>
+    <dgm:cxn modelId="{FED929FB-B40A-4465-82EF-A23D1DDEC0E6}" type="presParOf" srcId="{44AFB30A-1692-4D5A-8D97-4CF4A13D5FC1}" destId="{867564D6-4CBC-4E74-868E-75914939A563}" srcOrd="4" destOrd="0" presId="urn:microsoft.com/office/officeart/2009/3/layout/PhasedProcess"/>
+    <dgm:cxn modelId="{551C1C41-C684-424A-A9B6-452022F28F9B}" type="presParOf" srcId="{C31CC36F-4BBE-4ED0-8725-005D35483148}" destId="{5A8BD94B-5744-4BCD-879D-246997A1BE67}" srcOrd="8" destOrd="0" presId="urn:microsoft.com/office/officeart/2009/3/layout/PhasedProcess"/>
+    <dgm:cxn modelId="{1D33F9BD-E327-488E-BB5D-2657B1FB2125}" type="presParOf" srcId="{C31CC36F-4BBE-4ED0-8725-005D35483148}" destId="{7F8286A3-6B65-4F08-B8CE-5A1952659120}" srcOrd="9" destOrd="0" presId="urn:microsoft.com/office/officeart/2009/3/layout/PhasedProcess"/>
+  </dgm:cxnLst>
+  <dgm:bg/>
+  <dgm:whole/>
+  <dgm:extLst>
+    <a:ext uri="http://schemas.microsoft.com/office/drawing/2008/diagram">
+      <dsp:dataModelExt xmlns:dsp="http://schemas.microsoft.com/office/drawing/2008/diagram" relId="rId6" minVer="http://schemas.openxmlformats.org/drawingml/2006/diagram"/>
     </a:ext>
   </dgm:extLst>
 </dgm:dataModel>
@@ -4283,17 +5454,16 @@
           </a:pathLst>
         </a:custGeom>
         <a:noFill/>
-        <a:ln w="6350" cap="flat" cmpd="sng" algn="ctr">
+        <a:ln w="9525" cap="flat" cmpd="sng" algn="ctr">
           <a:solidFill>
-            <a:srgbClr val="4472C4">
+            <a:schemeClr val="accent5">
               <a:hueOff val="0"/>
               <a:satOff val="0"/>
               <a:lumOff val="0"/>
               <a:alphaOff val="0"/>
-            </a:srgbClr>
+            </a:schemeClr>
           </a:solidFill>
           <a:prstDash val="solid"/>
-          <a:miter lim="800000"/>
           <a:tailEnd type="arrow"/>
         </a:ln>
         <a:effectLst/>
@@ -4362,24 +5532,23 @@
           <a:avLst/>
         </a:prstGeom>
         <a:solidFill>
-          <a:srgbClr val="4472C4">
+          <a:schemeClr val="accent5">
             <a:hueOff val="0"/>
             <a:satOff val="0"/>
             <a:lumOff val="0"/>
             <a:alphaOff val="0"/>
-          </a:srgbClr>
+          </a:schemeClr>
         </a:solidFill>
-        <a:ln w="12700" cap="flat" cmpd="sng" algn="ctr">
+        <a:ln w="25400" cap="flat" cmpd="sng" algn="ctr">
           <a:solidFill>
-            <a:sysClr val="window" lastClr="FFFFFF">
+            <a:schemeClr val="lt1">
               <a:hueOff val="0"/>
               <a:satOff val="0"/>
               <a:lumOff val="0"/>
               <a:alphaOff val="0"/>
-            </a:sysClr>
+            </a:schemeClr>
           </a:solidFill>
           <a:prstDash val="solid"/>
-          <a:miter lim="800000"/>
         </a:ln>
         <a:effectLst/>
       </dsp:spPr>
@@ -4416,16 +5585,18 @@
             <a:buNone/>
           </a:pPr>
           <a:r>
-            <a:rPr lang="en-US" sz="3100" kern="1200" dirty="0">
-              <a:solidFill>
-                <a:sysClr val="window" lastClr="FFFFFF"/>
-              </a:solidFill>
+            <a:rPr lang="en-US" sz="3100" kern="1200" dirty="0" smtClean="0">
               <a:latin typeface="Calibri" panose="020F0502020204030204"/>
               <a:ea typeface="+mn-ea"/>
               <a:cs typeface="+mn-cs"/>
             </a:rPr>
             <a:t>Tokenization</a:t>
           </a:r>
+          <a:endParaRPr lang="en-US" sz="3100" kern="1200" dirty="0">
+            <a:latin typeface="Calibri" panose="020F0502020204030204"/>
+            <a:ea typeface="+mn-ea"/>
+            <a:cs typeface="+mn-cs"/>
+          </a:endParaRPr>
         </a:p>
       </dsp:txBody>
       <dsp:txXfrm>
@@ -4461,17 +5632,16 @@
           </a:pathLst>
         </a:custGeom>
         <a:noFill/>
-        <a:ln w="6350" cap="flat" cmpd="sng" algn="ctr">
+        <a:ln w="9525" cap="flat" cmpd="sng" algn="ctr">
           <a:solidFill>
-            <a:srgbClr val="4472C4">
-              <a:hueOff val="-1838336"/>
-              <a:satOff val="-2557"/>
-              <a:lumOff val="-981"/>
+            <a:schemeClr val="accent5">
+              <a:hueOff val="2208089"/>
+              <a:satOff val="7189"/>
+              <a:lumOff val="2500"/>
               <a:alphaOff val="0"/>
-            </a:srgbClr>
+            </a:schemeClr>
           </a:solidFill>
           <a:prstDash val="solid"/>
-          <a:miter lim="800000"/>
           <a:tailEnd type="arrow"/>
         </a:ln>
         <a:effectLst/>
@@ -4540,24 +5710,23 @@
           <a:avLst/>
         </a:prstGeom>
         <a:solidFill>
-          <a:srgbClr val="4472C4">
-            <a:hueOff val="-1470669"/>
-            <a:satOff val="-2046"/>
-            <a:lumOff val="-784"/>
+          <a:schemeClr val="accent5">
+            <a:hueOff val="1766471"/>
+            <a:satOff val="5752"/>
+            <a:lumOff val="2000"/>
             <a:alphaOff val="0"/>
-          </a:srgbClr>
+          </a:schemeClr>
         </a:solidFill>
-        <a:ln w="12700" cap="flat" cmpd="sng" algn="ctr">
+        <a:ln w="25400" cap="flat" cmpd="sng" algn="ctr">
           <a:solidFill>
-            <a:sysClr val="window" lastClr="FFFFFF">
+            <a:schemeClr val="lt1">
               <a:hueOff val="0"/>
               <a:satOff val="0"/>
               <a:lumOff val="0"/>
               <a:alphaOff val="0"/>
-            </a:sysClr>
+            </a:schemeClr>
           </a:solidFill>
           <a:prstDash val="solid"/>
-          <a:miter lim="800000"/>
         </a:ln>
         <a:effectLst/>
       </dsp:spPr>
@@ -4594,16 +5763,18 @@
             <a:buNone/>
           </a:pPr>
           <a:r>
-            <a:rPr lang="en-US" sz="3100" kern="1200" dirty="0">
-              <a:solidFill>
-                <a:sysClr val="window" lastClr="FFFFFF"/>
-              </a:solidFill>
+            <a:rPr lang="en-US" sz="3100" kern="1200" smtClean="0">
               <a:latin typeface="Calibri" panose="020F0502020204030204"/>
               <a:ea typeface="+mn-ea"/>
               <a:cs typeface="+mn-cs"/>
             </a:rPr>
             <a:t>Stop Words Removal</a:t>
           </a:r>
+          <a:endParaRPr lang="en-US" sz="3100" kern="1200" dirty="0">
+            <a:latin typeface="Calibri" panose="020F0502020204030204"/>
+            <a:ea typeface="+mn-ea"/>
+            <a:cs typeface="+mn-cs"/>
+          </a:endParaRPr>
         </a:p>
       </dsp:txBody>
       <dsp:txXfrm>
@@ -4645,17 +5816,16 @@
           </a:pathLst>
         </a:custGeom>
         <a:noFill/>
-        <a:ln w="6350" cap="flat" cmpd="sng" algn="ctr">
+        <a:ln w="9525" cap="flat" cmpd="sng" algn="ctr">
           <a:solidFill>
-            <a:srgbClr val="4472C4">
-              <a:hueOff val="-3676672"/>
-              <a:satOff val="-5114"/>
-              <a:lumOff val="-1961"/>
+            <a:schemeClr val="accent5">
+              <a:hueOff val="4416178"/>
+              <a:satOff val="14379"/>
+              <a:lumOff val="5000"/>
               <a:alphaOff val="0"/>
-            </a:srgbClr>
+            </a:schemeClr>
           </a:solidFill>
           <a:prstDash val="solid"/>
-          <a:miter lim="800000"/>
           <a:tailEnd type="arrow"/>
         </a:ln>
         <a:effectLst/>
@@ -4724,24 +5894,23 @@
           <a:avLst/>
         </a:prstGeom>
         <a:solidFill>
-          <a:srgbClr val="4472C4">
-            <a:hueOff val="-2941338"/>
-            <a:satOff val="-4091"/>
-            <a:lumOff val="-1569"/>
+          <a:schemeClr val="accent5">
+            <a:hueOff val="3532942"/>
+            <a:satOff val="11503"/>
+            <a:lumOff val="4000"/>
             <a:alphaOff val="0"/>
-          </a:srgbClr>
+          </a:schemeClr>
         </a:solidFill>
-        <a:ln w="12700" cap="flat" cmpd="sng" algn="ctr">
+        <a:ln w="25400" cap="flat" cmpd="sng" algn="ctr">
           <a:solidFill>
-            <a:sysClr val="window" lastClr="FFFFFF">
+            <a:schemeClr val="lt1">
               <a:hueOff val="0"/>
               <a:satOff val="0"/>
               <a:lumOff val="0"/>
               <a:alphaOff val="0"/>
-            </a:sysClr>
+            </a:schemeClr>
           </a:solidFill>
           <a:prstDash val="solid"/>
-          <a:miter lim="800000"/>
         </a:ln>
         <a:effectLst/>
       </dsp:spPr>
@@ -4778,16 +5947,18 @@
             <a:buNone/>
           </a:pPr>
           <a:r>
-            <a:rPr lang="en-US" sz="3100" kern="1200" dirty="0">
-              <a:solidFill>
-                <a:sysClr val="window" lastClr="FFFFFF"/>
-              </a:solidFill>
+            <a:rPr lang="en-US" sz="3100" kern="1200" smtClean="0">
               <a:latin typeface="Calibri" panose="020F0502020204030204"/>
               <a:ea typeface="+mn-ea"/>
               <a:cs typeface="+mn-cs"/>
             </a:rPr>
             <a:t>Lemmatization</a:t>
           </a:r>
+          <a:endParaRPr lang="en-US" sz="3100" kern="1200" dirty="0">
+            <a:latin typeface="Calibri" panose="020F0502020204030204"/>
+            <a:ea typeface="+mn-ea"/>
+            <a:cs typeface="+mn-cs"/>
+          </a:endParaRPr>
         </a:p>
       </dsp:txBody>
       <dsp:txXfrm>
@@ -4823,17 +5994,16 @@
           </a:pathLst>
         </a:custGeom>
         <a:noFill/>
-        <a:ln w="6350" cap="flat" cmpd="sng" algn="ctr">
+        <a:ln w="9525" cap="flat" cmpd="sng" algn="ctr">
           <a:solidFill>
-            <a:srgbClr val="4472C4">
-              <a:hueOff val="-5515009"/>
-              <a:satOff val="-7671"/>
-              <a:lumOff val="-2942"/>
+            <a:schemeClr val="accent5">
+              <a:hueOff val="6624266"/>
+              <a:satOff val="21568"/>
+              <a:lumOff val="7500"/>
               <a:alphaOff val="0"/>
-            </a:srgbClr>
+            </a:schemeClr>
           </a:solidFill>
           <a:prstDash val="solid"/>
-          <a:miter lim="800000"/>
           <a:tailEnd type="arrow"/>
         </a:ln>
         <a:effectLst/>
@@ -4902,24 +6072,23 @@
           <a:avLst/>
         </a:prstGeom>
         <a:solidFill>
-          <a:srgbClr val="4472C4">
-            <a:hueOff val="-4412007"/>
-            <a:satOff val="-6137"/>
-            <a:lumOff val="-2353"/>
+          <a:schemeClr val="accent5">
+            <a:hueOff val="5299413"/>
+            <a:satOff val="17255"/>
+            <a:lumOff val="6000"/>
             <a:alphaOff val="0"/>
-          </a:srgbClr>
+          </a:schemeClr>
         </a:solidFill>
-        <a:ln w="12700" cap="flat" cmpd="sng" algn="ctr">
+        <a:ln w="25400" cap="flat" cmpd="sng" algn="ctr">
           <a:solidFill>
-            <a:sysClr val="window" lastClr="FFFFFF">
+            <a:schemeClr val="lt1">
               <a:hueOff val="0"/>
               <a:satOff val="0"/>
               <a:lumOff val="0"/>
               <a:alphaOff val="0"/>
-            </a:sysClr>
+            </a:schemeClr>
           </a:solidFill>
           <a:prstDash val="solid"/>
-          <a:miter lim="800000"/>
         </a:ln>
         <a:effectLst/>
       </dsp:spPr>
@@ -4956,16 +6125,18 @@
             <a:buNone/>
           </a:pPr>
           <a:r>
-            <a:rPr lang="en-US" sz="3100" kern="1200" dirty="0">
-              <a:solidFill>
-                <a:sysClr val="window" lastClr="FFFFFF"/>
-              </a:solidFill>
+            <a:rPr lang="en-US" sz="3100" kern="1200" smtClean="0">
               <a:latin typeface="Calibri" panose="020F0502020204030204"/>
               <a:ea typeface="+mn-ea"/>
               <a:cs typeface="+mn-cs"/>
             </a:rPr>
             <a:t>Hashing</a:t>
           </a:r>
+          <a:endParaRPr lang="en-US" sz="3100" kern="1200" dirty="0">
+            <a:latin typeface="Calibri" panose="020F0502020204030204"/>
+            <a:ea typeface="+mn-ea"/>
+            <a:cs typeface="+mn-cs"/>
+          </a:endParaRPr>
         </a:p>
       </dsp:txBody>
       <dsp:txXfrm>
@@ -5001,17 +6172,16 @@
           </a:pathLst>
         </a:custGeom>
         <a:noFill/>
-        <a:ln w="6350" cap="flat" cmpd="sng" algn="ctr">
+        <a:ln w="9525" cap="flat" cmpd="sng" algn="ctr">
           <a:solidFill>
-            <a:srgbClr val="4472C4">
-              <a:hueOff val="-7353344"/>
-              <a:satOff val="-10228"/>
-              <a:lumOff val="-3922"/>
+            <a:schemeClr val="accent5">
+              <a:hueOff val="8832355"/>
+              <a:satOff val="28758"/>
+              <a:lumOff val="10000"/>
               <a:alphaOff val="0"/>
-            </a:srgbClr>
+            </a:schemeClr>
           </a:solidFill>
           <a:prstDash val="solid"/>
-          <a:miter lim="800000"/>
           <a:tailEnd type="arrow"/>
         </a:ln>
         <a:effectLst/>
@@ -5080,24 +6250,23 @@
           <a:avLst/>
         </a:prstGeom>
         <a:solidFill>
-          <a:srgbClr val="4472C4">
-            <a:hueOff val="-5882676"/>
-            <a:satOff val="-8182"/>
-            <a:lumOff val="-3138"/>
+          <a:schemeClr val="accent5">
+            <a:hueOff val="7065884"/>
+            <a:satOff val="23006"/>
+            <a:lumOff val="8000"/>
             <a:alphaOff val="0"/>
-          </a:srgbClr>
+          </a:schemeClr>
         </a:solidFill>
-        <a:ln w="12700" cap="flat" cmpd="sng" algn="ctr">
+        <a:ln w="25400" cap="flat" cmpd="sng" algn="ctr">
           <a:solidFill>
-            <a:sysClr val="window" lastClr="FFFFFF">
+            <a:schemeClr val="lt1">
               <a:hueOff val="0"/>
               <a:satOff val="0"/>
               <a:lumOff val="0"/>
               <a:alphaOff val="0"/>
-            </a:sysClr>
+            </a:schemeClr>
           </a:solidFill>
           <a:prstDash val="solid"/>
-          <a:miter lim="800000"/>
         </a:ln>
         <a:effectLst/>
       </dsp:spPr>
@@ -5134,16 +6303,18 @@
             <a:buNone/>
           </a:pPr>
           <a:r>
-            <a:rPr lang="en-US" sz="3100" kern="1200" dirty="0">
-              <a:solidFill>
-                <a:sysClr val="window" lastClr="FFFFFF"/>
-              </a:solidFill>
+            <a:rPr lang="en-US" sz="3100" kern="1200" smtClean="0">
               <a:latin typeface="Calibri" panose="020F0502020204030204"/>
               <a:ea typeface="+mn-ea"/>
               <a:cs typeface="+mn-cs"/>
             </a:rPr>
             <a:t>TF-IDF</a:t>
           </a:r>
+          <a:endParaRPr lang="en-US" sz="3100" kern="1200" dirty="0">
+            <a:latin typeface="Calibri" panose="020F0502020204030204"/>
+            <a:ea typeface="+mn-ea"/>
+            <a:cs typeface="+mn-cs"/>
+          </a:endParaRPr>
         </a:p>
       </dsp:txBody>
       <dsp:txXfrm>
@@ -5165,24 +6336,23 @@
           <a:avLst/>
         </a:prstGeom>
         <a:solidFill>
-          <a:srgbClr val="4472C4">
-            <a:hueOff val="-7353344"/>
-            <a:satOff val="-10228"/>
-            <a:lumOff val="-3922"/>
+          <a:schemeClr val="accent5">
+            <a:hueOff val="8832355"/>
+            <a:satOff val="28758"/>
+            <a:lumOff val="10000"/>
             <a:alphaOff val="0"/>
-          </a:srgbClr>
+          </a:schemeClr>
         </a:solidFill>
-        <a:ln w="12700" cap="flat" cmpd="sng" algn="ctr">
+        <a:ln w="25400" cap="flat" cmpd="sng" algn="ctr">
           <a:solidFill>
-            <a:sysClr val="window" lastClr="FFFFFF">
+            <a:schemeClr val="lt1">
               <a:hueOff val="0"/>
               <a:satOff val="0"/>
               <a:lumOff val="0"/>
               <a:alphaOff val="0"/>
-            </a:sysClr>
+            </a:schemeClr>
           </a:solidFill>
           <a:prstDash val="solid"/>
-          <a:miter lim="800000"/>
         </a:ln>
         <a:effectLst/>
       </dsp:spPr>
@@ -5219,31 +6389,14 @@
             <a:buNone/>
           </a:pPr>
           <a:r>
-            <a:rPr lang="en-US" sz="3100" kern="1200" dirty="0">
-              <a:solidFill>
-                <a:sysClr val="window" lastClr="FFFFFF"/>
-              </a:solidFill>
+            <a:rPr lang="en-US" sz="3100" kern="1200" smtClean="0">
               <a:latin typeface="Calibri" panose="020F0502020204030204"/>
               <a:ea typeface="+mn-ea"/>
               <a:cs typeface="+mn-cs"/>
             </a:rPr>
-            <a:t>80/20 </a:t>
-          </a:r>
-          <a:r>
-            <a:rPr lang="en-US" sz="3100" kern="1200" dirty="0" smtClean="0">
-              <a:solidFill>
-                <a:sysClr val="window" lastClr="FFFFFF"/>
-              </a:solidFill>
-              <a:latin typeface="Calibri" panose="020F0502020204030204"/>
-              <a:ea typeface="+mn-ea"/>
-              <a:cs typeface="+mn-cs"/>
-            </a:rPr>
-            <a:t>Training/Testing </a:t>
+            <a:t>80/20 Training/Testing </a:t>
           </a:r>
           <a:endParaRPr lang="en-US" sz="3100" kern="1200" dirty="0">
-            <a:solidFill>
-              <a:sysClr val="window" lastClr="FFFFFF"/>
-            </a:solidFill>
             <a:latin typeface="Calibri" panose="020F0502020204030204"/>
             <a:ea typeface="+mn-ea"/>
             <a:cs typeface="+mn-cs"/>
@@ -5253,6 +6406,949 @@
       <dsp:txXfrm>
         <a:off x="7473007" y="2524640"/>
         <a:ext cx="3034531" cy="1820718"/>
+      </dsp:txXfrm>
+    </dsp:sp>
+  </dsp:spTree>
+</dsp:drawing>
+</file>
+
+<file path=ppt/diagrams/drawing3.xml><?xml version="1.0" encoding="utf-8"?>
+<dsp:drawing xmlns:dgm="http://schemas.openxmlformats.org/drawingml/2006/diagram" xmlns:dsp="http://schemas.microsoft.com/office/drawing/2008/diagram" xmlns:a="http://schemas.openxmlformats.org/drawingml/2006/main">
+  <dsp:spTree>
+    <dsp:nvGrpSpPr>
+      <dsp:cNvPr id="0" name=""/>
+      <dsp:cNvGrpSpPr/>
+    </dsp:nvGrpSpPr>
+    <dsp:grpSpPr/>
+    <dsp:sp modelId="{06BB7C01-9DF8-40B4-A58D-9ECD11BDC83F}">
+      <dsp:nvSpPr>
+        <dsp:cNvPr id="0" name=""/>
+        <dsp:cNvSpPr/>
+      </dsp:nvSpPr>
+      <dsp:spPr>
+        <a:xfrm rot="5400000">
+          <a:off x="272" y="274777"/>
+          <a:ext cx="3551131" cy="3551677"/>
+        </a:xfrm>
+        <a:prstGeom prst="blockArc">
+          <a:avLst>
+            <a:gd name="adj1" fmla="val 13500000"/>
+            <a:gd name="adj2" fmla="val 18900000"/>
+            <a:gd name="adj3" fmla="val 4960"/>
+          </a:avLst>
+        </a:prstGeom>
+        <a:solidFill>
+          <a:schemeClr val="accent5">
+            <a:hueOff val="0"/>
+            <a:satOff val="0"/>
+            <a:lumOff val="0"/>
+            <a:alphaOff val="0"/>
+          </a:schemeClr>
+        </a:solidFill>
+        <a:ln w="25400" cap="flat" cmpd="sng" algn="ctr">
+          <a:solidFill>
+            <a:schemeClr val="lt1">
+              <a:hueOff val="0"/>
+              <a:satOff val="0"/>
+              <a:lumOff val="0"/>
+              <a:alphaOff val="0"/>
+            </a:schemeClr>
+          </a:solidFill>
+          <a:prstDash val="solid"/>
+        </a:ln>
+        <a:effectLst/>
+      </dsp:spPr>
+      <dsp:style>
+        <a:lnRef idx="2">
+          <a:scrgbClr r="0" g="0" b="0"/>
+        </a:lnRef>
+        <a:fillRef idx="1">
+          <a:scrgbClr r="0" g="0" b="0"/>
+        </a:fillRef>
+        <a:effectRef idx="0">
+          <a:scrgbClr r="0" g="0" b="0"/>
+        </a:effectRef>
+        <a:fontRef idx="minor">
+          <a:schemeClr val="lt1"/>
+        </a:fontRef>
+      </dsp:style>
+    </dsp:sp>
+    <dsp:sp modelId="{26B73948-FDF9-43F7-9904-372FD2B3961A}">
+      <dsp:nvSpPr>
+        <dsp:cNvPr id="0" name=""/>
+        <dsp:cNvSpPr/>
+      </dsp:nvSpPr>
+      <dsp:spPr>
+        <a:xfrm rot="16200000">
+          <a:off x="3655115" y="274777"/>
+          <a:ext cx="3551131" cy="3551677"/>
+        </a:xfrm>
+        <a:prstGeom prst="blockArc">
+          <a:avLst>
+            <a:gd name="adj1" fmla="val 13500000"/>
+            <a:gd name="adj2" fmla="val 18900000"/>
+            <a:gd name="adj3" fmla="val 4960"/>
+          </a:avLst>
+        </a:prstGeom>
+        <a:solidFill>
+          <a:schemeClr val="accent5">
+            <a:hueOff val="2944118"/>
+            <a:satOff val="9586"/>
+            <a:lumOff val="3333"/>
+            <a:alphaOff val="0"/>
+          </a:schemeClr>
+        </a:solidFill>
+        <a:ln w="25400" cap="flat" cmpd="sng" algn="ctr">
+          <a:solidFill>
+            <a:schemeClr val="lt1">
+              <a:hueOff val="0"/>
+              <a:satOff val="0"/>
+              <a:lumOff val="0"/>
+              <a:alphaOff val="0"/>
+            </a:schemeClr>
+          </a:solidFill>
+          <a:prstDash val="solid"/>
+        </a:ln>
+        <a:effectLst/>
+      </dsp:spPr>
+      <dsp:style>
+        <a:lnRef idx="2">
+          <a:scrgbClr r="0" g="0" b="0"/>
+        </a:lnRef>
+        <a:fillRef idx="1">
+          <a:scrgbClr r="0" g="0" b="0"/>
+        </a:fillRef>
+        <a:effectRef idx="0">
+          <a:scrgbClr r="0" g="0" b="0"/>
+        </a:effectRef>
+        <a:fontRef idx="minor">
+          <a:schemeClr val="lt1"/>
+        </a:fontRef>
+      </dsp:style>
+    </dsp:sp>
+    <dsp:sp modelId="{B38C9642-7F80-48C2-9905-34576DDC7FEB}">
+      <dsp:nvSpPr>
+        <dsp:cNvPr id="0" name=""/>
+        <dsp:cNvSpPr/>
+      </dsp:nvSpPr>
+      <dsp:spPr>
+        <a:xfrm>
+          <a:off x="4075026" y="3359756"/>
+          <a:ext cx="2696265" cy="710454"/>
+        </a:xfrm>
+        <a:prstGeom prst="rect">
+          <a:avLst/>
+        </a:prstGeom>
+        <a:noFill/>
+        <a:ln>
+          <a:noFill/>
+        </a:ln>
+        <a:effectLst/>
+      </dsp:spPr>
+      <dsp:style>
+        <a:lnRef idx="0">
+          <a:scrgbClr r="0" g="0" b="0"/>
+        </a:lnRef>
+        <a:fillRef idx="0">
+          <a:scrgbClr r="0" g="0" b="0"/>
+        </a:fillRef>
+        <a:effectRef idx="0">
+          <a:scrgbClr r="0" g="0" b="0"/>
+        </a:effectRef>
+        <a:fontRef idx="minor"/>
+      </dsp:style>
+      <dsp:txBody>
+        <a:bodyPr spcFirstLastPara="0" vert="horz" wrap="square" lIns="121920" tIns="121920" rIns="121920" bIns="121920" numCol="1" spcCol="1270" anchor="ctr" anchorCtr="0">
+          <a:noAutofit/>
+        </a:bodyPr>
+        <a:lstStyle/>
+        <a:p>
+          <a:pPr lvl="0" algn="ctr" defTabSz="1422400">
+            <a:lnSpc>
+              <a:spcPct val="90000"/>
+            </a:lnSpc>
+            <a:spcBef>
+              <a:spcPct val="0"/>
+            </a:spcBef>
+            <a:spcAft>
+              <a:spcPct val="35000"/>
+            </a:spcAft>
+          </a:pPr>
+          <a:r>
+            <a:rPr lang="en-US" sz="3200" kern="1200" dirty="0" smtClean="0"/>
+            <a:t>Flask API</a:t>
+          </a:r>
+          <a:endParaRPr lang="en-US" sz="3200" kern="1200" dirty="0"/>
+        </a:p>
+      </dsp:txBody>
+      <dsp:txXfrm>
+        <a:off x="4075026" y="3359756"/>
+        <a:ext cx="2696265" cy="710454"/>
+      </dsp:txXfrm>
+    </dsp:sp>
+    <dsp:sp modelId="{0518B534-DC62-4E17-85D9-AA657CEE396C}">
+      <dsp:nvSpPr>
+        <dsp:cNvPr id="0" name=""/>
+        <dsp:cNvSpPr/>
+      </dsp:nvSpPr>
+      <dsp:spPr>
+        <a:xfrm rot="5400000">
+          <a:off x="3541204" y="274777"/>
+          <a:ext cx="3551131" cy="3551677"/>
+        </a:xfrm>
+        <a:prstGeom prst="blockArc">
+          <a:avLst>
+            <a:gd name="adj1" fmla="val 13500000"/>
+            <a:gd name="adj2" fmla="val 18900000"/>
+            <a:gd name="adj3" fmla="val 4960"/>
+          </a:avLst>
+        </a:prstGeom>
+        <a:solidFill>
+          <a:schemeClr val="accent5">
+            <a:hueOff val="5888237"/>
+            <a:satOff val="19172"/>
+            <a:lumOff val="6667"/>
+            <a:alphaOff val="0"/>
+          </a:schemeClr>
+        </a:solidFill>
+        <a:ln w="25400" cap="flat" cmpd="sng" algn="ctr">
+          <a:solidFill>
+            <a:schemeClr val="lt1">
+              <a:hueOff val="0"/>
+              <a:satOff val="0"/>
+              <a:lumOff val="0"/>
+              <a:alphaOff val="0"/>
+            </a:schemeClr>
+          </a:solidFill>
+          <a:prstDash val="solid"/>
+        </a:ln>
+        <a:effectLst/>
+      </dsp:spPr>
+      <dsp:style>
+        <a:lnRef idx="2">
+          <a:scrgbClr r="0" g="0" b="0"/>
+        </a:lnRef>
+        <a:fillRef idx="1">
+          <a:scrgbClr r="0" g="0" b="0"/>
+        </a:fillRef>
+        <a:effectRef idx="0">
+          <a:scrgbClr r="0" g="0" b="0"/>
+        </a:effectRef>
+        <a:fontRef idx="minor">
+          <a:schemeClr val="lt1"/>
+        </a:fontRef>
+      </dsp:style>
+    </dsp:sp>
+    <dsp:sp modelId="{53D949E9-9FCB-47B6-A26C-5797C7064149}">
+      <dsp:nvSpPr>
+        <dsp:cNvPr id="0" name=""/>
+        <dsp:cNvSpPr/>
+      </dsp:nvSpPr>
+      <dsp:spPr>
+        <a:xfrm rot="16200000">
+          <a:off x="7194972" y="274777"/>
+          <a:ext cx="3551131" cy="3551677"/>
+        </a:xfrm>
+        <a:prstGeom prst="blockArc">
+          <a:avLst>
+            <a:gd name="adj1" fmla="val 13500000"/>
+            <a:gd name="adj2" fmla="val 18900000"/>
+            <a:gd name="adj3" fmla="val 4960"/>
+          </a:avLst>
+        </a:prstGeom>
+        <a:solidFill>
+          <a:schemeClr val="accent5">
+            <a:hueOff val="8832355"/>
+            <a:satOff val="28758"/>
+            <a:lumOff val="10000"/>
+            <a:alphaOff val="0"/>
+          </a:schemeClr>
+        </a:solidFill>
+        <a:ln w="25400" cap="flat" cmpd="sng" algn="ctr">
+          <a:solidFill>
+            <a:schemeClr val="lt1">
+              <a:hueOff val="0"/>
+              <a:satOff val="0"/>
+              <a:lumOff val="0"/>
+              <a:alphaOff val="0"/>
+            </a:schemeClr>
+          </a:solidFill>
+          <a:prstDash val="solid"/>
+        </a:ln>
+        <a:effectLst/>
+      </dsp:spPr>
+      <dsp:style>
+        <a:lnRef idx="2">
+          <a:scrgbClr r="0" g="0" b="0"/>
+        </a:lnRef>
+        <a:fillRef idx="1">
+          <a:scrgbClr r="0" g="0" b="0"/>
+        </a:fillRef>
+        <a:effectRef idx="0">
+          <a:scrgbClr r="0" g="0" b="0"/>
+        </a:effectRef>
+        <a:fontRef idx="minor">
+          <a:schemeClr val="lt1"/>
+        </a:fontRef>
+      </dsp:style>
+    </dsp:sp>
+    <dsp:sp modelId="{D6A1863D-44C1-404B-8B32-4F6379312C2F}">
+      <dsp:nvSpPr>
+        <dsp:cNvPr id="0" name=""/>
+        <dsp:cNvSpPr/>
+      </dsp:nvSpPr>
+      <dsp:spPr>
+        <a:xfrm>
+          <a:off x="7355895" y="3359756"/>
+          <a:ext cx="2696265" cy="710454"/>
+        </a:xfrm>
+        <a:prstGeom prst="rect">
+          <a:avLst/>
+        </a:prstGeom>
+        <a:noFill/>
+        <a:ln>
+          <a:noFill/>
+        </a:ln>
+        <a:effectLst/>
+      </dsp:spPr>
+      <dsp:style>
+        <a:lnRef idx="0">
+          <a:scrgbClr r="0" g="0" b="0"/>
+        </a:lnRef>
+        <a:fillRef idx="0">
+          <a:scrgbClr r="0" g="0" b="0"/>
+        </a:fillRef>
+        <a:effectRef idx="0">
+          <a:scrgbClr r="0" g="0" b="0"/>
+        </a:effectRef>
+        <a:fontRef idx="minor"/>
+      </dsp:style>
+      <dsp:txBody>
+        <a:bodyPr spcFirstLastPara="0" vert="horz" wrap="square" lIns="121920" tIns="121920" rIns="121920" bIns="121920" numCol="1" spcCol="1270" anchor="ctr" anchorCtr="0">
+          <a:noAutofit/>
+        </a:bodyPr>
+        <a:lstStyle/>
+        <a:p>
+          <a:pPr lvl="0" algn="ctr" defTabSz="1422400">
+            <a:lnSpc>
+              <a:spcPct val="90000"/>
+            </a:lnSpc>
+            <a:spcBef>
+              <a:spcPct val="0"/>
+            </a:spcBef>
+            <a:spcAft>
+              <a:spcPct val="35000"/>
+            </a:spcAft>
+          </a:pPr>
+          <a:r>
+            <a:rPr lang="en-US" sz="3200" kern="1200" dirty="0" smtClean="0"/>
+            <a:t>JavaScript</a:t>
+          </a:r>
+          <a:endParaRPr lang="en-US" sz="3200" kern="1200" dirty="0"/>
+        </a:p>
+      </dsp:txBody>
+      <dsp:txXfrm>
+        <a:off x="7355895" y="3359756"/>
+        <a:ext cx="2696265" cy="710454"/>
+      </dsp:txXfrm>
+    </dsp:sp>
+    <dsp:sp modelId="{847A7E92-B625-40C2-A963-87CF4AE3591E}">
+      <dsp:nvSpPr>
+        <dsp:cNvPr id="0" name=""/>
+        <dsp:cNvSpPr/>
+      </dsp:nvSpPr>
+      <dsp:spPr>
+        <a:xfrm>
+          <a:off x="3988388" y="1294021"/>
+          <a:ext cx="1627044" cy="1627044"/>
+        </a:xfrm>
+        <a:prstGeom prst="ellipse">
+          <a:avLst/>
+        </a:prstGeom>
+        <a:solidFill>
+          <a:schemeClr val="accent5">
+            <a:alpha val="50000"/>
+            <a:hueOff val="0"/>
+            <a:satOff val="0"/>
+            <a:lumOff val="0"/>
+            <a:alphaOff val="0"/>
+          </a:schemeClr>
+        </a:solidFill>
+        <a:ln w="25400" cap="flat" cmpd="sng" algn="ctr">
+          <a:solidFill>
+            <a:schemeClr val="lt1">
+              <a:hueOff val="0"/>
+              <a:satOff val="0"/>
+              <a:lumOff val="0"/>
+              <a:alphaOff val="0"/>
+            </a:schemeClr>
+          </a:solidFill>
+          <a:prstDash val="solid"/>
+        </a:ln>
+        <a:effectLst/>
+      </dsp:spPr>
+      <dsp:style>
+        <a:lnRef idx="2">
+          <a:scrgbClr r="0" g="0" b="0"/>
+        </a:lnRef>
+        <a:fillRef idx="1">
+          <a:scrgbClr r="0" g="0" b="0"/>
+        </a:fillRef>
+        <a:effectRef idx="0">
+          <a:scrgbClr r="0" g="0" b="0"/>
+        </a:effectRef>
+        <a:fontRef idx="minor">
+          <a:schemeClr val="tx1"/>
+        </a:fontRef>
+      </dsp:style>
+      <dsp:txBody>
+        <a:bodyPr spcFirstLastPara="0" vert="horz" wrap="square" lIns="0" tIns="0" rIns="0" bIns="0" numCol="1" spcCol="1270" anchor="ctr" anchorCtr="0">
+          <a:noAutofit/>
+        </a:bodyPr>
+        <a:lstStyle/>
+        <a:p>
+          <a:pPr lvl="0" algn="ctr" defTabSz="711200">
+            <a:lnSpc>
+              <a:spcPct val="90000"/>
+            </a:lnSpc>
+            <a:spcBef>
+              <a:spcPct val="0"/>
+            </a:spcBef>
+            <a:spcAft>
+              <a:spcPct val="35000"/>
+            </a:spcAft>
+          </a:pPr>
+          <a:r>
+            <a:rPr lang="en-US" sz="1600" kern="1200" dirty="0" smtClean="0"/>
+            <a:t>Keywords (NLTK)</a:t>
+          </a:r>
+          <a:endParaRPr lang="en-US" sz="1600" kern="1200" dirty="0"/>
+        </a:p>
+      </dsp:txBody>
+      <dsp:txXfrm>
+        <a:off x="4215588" y="1485884"/>
+        <a:ext cx="938115" cy="1243317"/>
+      </dsp:txXfrm>
+    </dsp:sp>
+    <dsp:sp modelId="{499C3869-671C-4F35-8193-25989D6868C4}">
+      <dsp:nvSpPr>
+        <dsp:cNvPr id="0" name=""/>
+        <dsp:cNvSpPr/>
+      </dsp:nvSpPr>
+      <dsp:spPr>
+        <a:xfrm>
+          <a:off x="5161033" y="1294021"/>
+          <a:ext cx="1627044" cy="1627044"/>
+        </a:xfrm>
+        <a:prstGeom prst="ellipse">
+          <a:avLst/>
+        </a:prstGeom>
+        <a:solidFill>
+          <a:schemeClr val="accent5">
+            <a:alpha val="50000"/>
+            <a:hueOff val="1472059"/>
+            <a:satOff val="4793"/>
+            <a:lumOff val="1667"/>
+            <a:alphaOff val="0"/>
+          </a:schemeClr>
+        </a:solidFill>
+        <a:ln w="25400" cap="flat" cmpd="sng" algn="ctr">
+          <a:solidFill>
+            <a:schemeClr val="lt1">
+              <a:hueOff val="0"/>
+              <a:satOff val="0"/>
+              <a:lumOff val="0"/>
+              <a:alphaOff val="0"/>
+            </a:schemeClr>
+          </a:solidFill>
+          <a:prstDash val="solid"/>
+        </a:ln>
+        <a:effectLst/>
+      </dsp:spPr>
+      <dsp:style>
+        <a:lnRef idx="2">
+          <a:scrgbClr r="0" g="0" b="0"/>
+        </a:lnRef>
+        <a:fillRef idx="1">
+          <a:scrgbClr r="0" g="0" b="0"/>
+        </a:fillRef>
+        <a:effectRef idx="0">
+          <a:scrgbClr r="0" g="0" b="0"/>
+        </a:effectRef>
+        <a:fontRef idx="minor">
+          <a:schemeClr val="tx1"/>
+        </a:fontRef>
+      </dsp:style>
+      <dsp:txBody>
+        <a:bodyPr spcFirstLastPara="0" vert="horz" wrap="square" lIns="0" tIns="0" rIns="0" bIns="0" numCol="1" spcCol="1270" anchor="ctr" anchorCtr="0">
+          <a:noAutofit/>
+        </a:bodyPr>
+        <a:lstStyle/>
+        <a:p>
+          <a:pPr lvl="0" algn="ctr" defTabSz="711200">
+            <a:lnSpc>
+              <a:spcPct val="90000"/>
+            </a:lnSpc>
+            <a:spcBef>
+              <a:spcPct val="0"/>
+            </a:spcBef>
+            <a:spcAft>
+              <a:spcPct val="35000"/>
+            </a:spcAft>
+          </a:pPr>
+          <a:r>
+            <a:rPr lang="en-US" sz="1600" kern="1200" dirty="0" smtClean="0"/>
+            <a:t>Filters (PyMongo)</a:t>
+          </a:r>
+          <a:endParaRPr lang="en-US" sz="1600" kern="1200" dirty="0"/>
+        </a:p>
+      </dsp:txBody>
+      <dsp:txXfrm>
+        <a:off x="5622762" y="1485884"/>
+        <a:ext cx="938115" cy="1243317"/>
+      </dsp:txXfrm>
+    </dsp:sp>
+    <dsp:sp modelId="{BFBFC44E-8039-47C7-8EB4-2232798AF365}">
+      <dsp:nvSpPr>
+        <dsp:cNvPr id="0" name=""/>
+        <dsp:cNvSpPr/>
+      </dsp:nvSpPr>
+      <dsp:spPr>
+        <a:xfrm>
+          <a:off x="1190537" y="714909"/>
+          <a:ext cx="1189439" cy="1189295"/>
+        </a:xfrm>
+        <a:prstGeom prst="ellipse">
+          <a:avLst/>
+        </a:prstGeom>
+        <a:solidFill>
+          <a:schemeClr val="accent5">
+            <a:alpha val="50000"/>
+            <a:hueOff val="2944118"/>
+            <a:satOff val="9586"/>
+            <a:lumOff val="3333"/>
+            <a:alphaOff val="0"/>
+          </a:schemeClr>
+        </a:solidFill>
+        <a:ln w="25400" cap="flat" cmpd="sng" algn="ctr">
+          <a:solidFill>
+            <a:schemeClr val="lt1">
+              <a:hueOff val="0"/>
+              <a:satOff val="0"/>
+              <a:lumOff val="0"/>
+              <a:alphaOff val="0"/>
+            </a:schemeClr>
+          </a:solidFill>
+          <a:prstDash val="solid"/>
+        </a:ln>
+        <a:effectLst/>
+      </dsp:spPr>
+      <dsp:style>
+        <a:lnRef idx="2">
+          <a:scrgbClr r="0" g="0" b="0"/>
+        </a:lnRef>
+        <a:fillRef idx="1">
+          <a:scrgbClr r="0" g="0" b="0"/>
+        </a:fillRef>
+        <a:effectRef idx="0">
+          <a:scrgbClr r="0" g="0" b="0"/>
+        </a:effectRef>
+        <a:fontRef idx="minor">
+          <a:schemeClr val="tx1"/>
+        </a:fontRef>
+      </dsp:style>
+      <dsp:txBody>
+        <a:bodyPr spcFirstLastPara="0" vert="horz" wrap="square" lIns="49530" tIns="49530" rIns="49530" bIns="49530" numCol="1" spcCol="1270" anchor="ctr" anchorCtr="0">
+          <a:noAutofit/>
+        </a:bodyPr>
+        <a:lstStyle/>
+        <a:p>
+          <a:pPr lvl="0" algn="ctr" defTabSz="577850">
+            <a:lnSpc>
+              <a:spcPct val="90000"/>
+            </a:lnSpc>
+            <a:spcBef>
+              <a:spcPct val="0"/>
+            </a:spcBef>
+            <a:spcAft>
+              <a:spcPct val="35000"/>
+            </a:spcAft>
+          </a:pPr>
+          <a:r>
+            <a:rPr lang="en-US" sz="1300" kern="1200" dirty="0" smtClean="0"/>
+            <a:t>Sentiment Analysis</a:t>
+          </a:r>
+          <a:endParaRPr lang="en-US" sz="1300" kern="1200" dirty="0"/>
+        </a:p>
+      </dsp:txBody>
+      <dsp:txXfrm>
+        <a:off x="1364726" y="889077"/>
+        <a:ext cx="841061" cy="840959"/>
+      </dsp:txXfrm>
+    </dsp:sp>
+    <dsp:sp modelId="{FE4AA2AE-1E25-43B1-9B19-CFE51BE51A15}">
+      <dsp:nvSpPr>
+        <dsp:cNvPr id="0" name=""/>
+        <dsp:cNvSpPr/>
+      </dsp:nvSpPr>
+      <dsp:spPr>
+        <a:xfrm>
+          <a:off x="751939" y="1709199"/>
+          <a:ext cx="584013" cy="583960"/>
+        </a:xfrm>
+        <a:prstGeom prst="ellipse">
+          <a:avLst/>
+        </a:prstGeom>
+        <a:solidFill>
+          <a:schemeClr val="accent5">
+            <a:alpha val="50000"/>
+            <a:hueOff val="4416178"/>
+            <a:satOff val="14379"/>
+            <a:lumOff val="5000"/>
+            <a:alphaOff val="0"/>
+          </a:schemeClr>
+        </a:solidFill>
+        <a:ln w="25400" cap="flat" cmpd="sng" algn="ctr">
+          <a:solidFill>
+            <a:schemeClr val="lt1">
+              <a:hueOff val="0"/>
+              <a:satOff val="0"/>
+              <a:lumOff val="0"/>
+              <a:alphaOff val="0"/>
+            </a:schemeClr>
+          </a:solidFill>
+          <a:prstDash val="solid"/>
+        </a:ln>
+        <a:effectLst/>
+      </dsp:spPr>
+      <dsp:style>
+        <a:lnRef idx="2">
+          <a:scrgbClr r="0" g="0" b="0"/>
+        </a:lnRef>
+        <a:fillRef idx="1">
+          <a:scrgbClr r="0" g="0" b="0"/>
+        </a:fillRef>
+        <a:effectRef idx="0">
+          <a:scrgbClr r="0" g="0" b="0"/>
+        </a:effectRef>
+        <a:fontRef idx="minor">
+          <a:schemeClr val="tx1"/>
+        </a:fontRef>
+      </dsp:style>
+    </dsp:sp>
+    <dsp:sp modelId="{C84BC576-B37A-4DF5-B524-17366FD72D9A}">
+      <dsp:nvSpPr>
+        <dsp:cNvPr id="0" name=""/>
+        <dsp:cNvSpPr/>
+      </dsp:nvSpPr>
+      <dsp:spPr>
+        <a:xfrm>
+          <a:off x="2477391" y="948968"/>
+          <a:ext cx="339772" cy="339874"/>
+        </a:xfrm>
+        <a:prstGeom prst="ellipse">
+          <a:avLst/>
+        </a:prstGeom>
+        <a:solidFill>
+          <a:schemeClr val="accent5">
+            <a:alpha val="50000"/>
+            <a:hueOff val="5888237"/>
+            <a:satOff val="19172"/>
+            <a:lumOff val="6667"/>
+            <a:alphaOff val="0"/>
+          </a:schemeClr>
+        </a:solidFill>
+        <a:ln w="25400" cap="flat" cmpd="sng" algn="ctr">
+          <a:solidFill>
+            <a:schemeClr val="lt1">
+              <a:hueOff val="0"/>
+              <a:satOff val="0"/>
+              <a:lumOff val="0"/>
+              <a:alphaOff val="0"/>
+            </a:schemeClr>
+          </a:solidFill>
+          <a:prstDash val="solid"/>
+        </a:ln>
+        <a:effectLst/>
+      </dsp:spPr>
+      <dsp:style>
+        <a:lnRef idx="2">
+          <a:scrgbClr r="0" g="0" b="0"/>
+        </a:lnRef>
+        <a:fillRef idx="1">
+          <a:scrgbClr r="0" g="0" b="0"/>
+        </a:fillRef>
+        <a:effectRef idx="0">
+          <a:scrgbClr r="0" g="0" b="0"/>
+        </a:effectRef>
+        <a:fontRef idx="minor">
+          <a:schemeClr val="tx1"/>
+        </a:fontRef>
+      </dsp:style>
+    </dsp:sp>
+    <dsp:sp modelId="{A1C36037-A659-47E1-9158-721142E95F2D}">
+      <dsp:nvSpPr>
+        <dsp:cNvPr id="0" name=""/>
+        <dsp:cNvSpPr/>
+      </dsp:nvSpPr>
+      <dsp:spPr>
+        <a:xfrm>
+          <a:off x="1915495" y="1751684"/>
+          <a:ext cx="1189439" cy="1189295"/>
+        </a:xfrm>
+        <a:prstGeom prst="ellipse">
+          <a:avLst/>
+        </a:prstGeom>
+        <a:solidFill>
+          <a:schemeClr val="accent5">
+            <a:alpha val="50000"/>
+            <a:hueOff val="7360296"/>
+            <a:satOff val="23965"/>
+            <a:lumOff val="8333"/>
+            <a:alphaOff val="0"/>
+          </a:schemeClr>
+        </a:solidFill>
+        <a:ln w="25400" cap="flat" cmpd="sng" algn="ctr">
+          <a:solidFill>
+            <a:schemeClr val="lt1">
+              <a:hueOff val="0"/>
+              <a:satOff val="0"/>
+              <a:lumOff val="0"/>
+              <a:alphaOff val="0"/>
+            </a:schemeClr>
+          </a:solidFill>
+          <a:prstDash val="solid"/>
+        </a:ln>
+        <a:effectLst/>
+      </dsp:spPr>
+      <dsp:style>
+        <a:lnRef idx="2">
+          <a:scrgbClr r="0" g="0" b="0"/>
+        </a:lnRef>
+        <a:fillRef idx="1">
+          <a:scrgbClr r="0" g="0" b="0"/>
+        </a:fillRef>
+        <a:effectRef idx="0">
+          <a:scrgbClr r="0" g="0" b="0"/>
+        </a:effectRef>
+        <a:fontRef idx="minor">
+          <a:schemeClr val="tx1"/>
+        </a:fontRef>
+      </dsp:style>
+      <dsp:txBody>
+        <a:bodyPr spcFirstLastPara="0" vert="horz" wrap="square" lIns="49530" tIns="49530" rIns="49530" bIns="49530" numCol="1" spcCol="1270" anchor="ctr" anchorCtr="0">
+          <a:noAutofit/>
+        </a:bodyPr>
+        <a:lstStyle/>
+        <a:p>
+          <a:pPr lvl="0" algn="ctr" defTabSz="577850">
+            <a:lnSpc>
+              <a:spcPct val="90000"/>
+            </a:lnSpc>
+            <a:spcBef>
+              <a:spcPct val="0"/>
+            </a:spcBef>
+            <a:spcAft>
+              <a:spcPct val="35000"/>
+            </a:spcAft>
+          </a:pPr>
+          <a:r>
+            <a:rPr lang="en-US" sz="1300" kern="1200" smtClean="0"/>
+            <a:t>Bigrams</a:t>
+          </a:r>
+          <a:endParaRPr lang="en-US" sz="1300" kern="1200" dirty="0"/>
+        </a:p>
+      </dsp:txBody>
+      <dsp:txXfrm>
+        <a:off x="2089684" y="1925852"/>
+        <a:ext cx="841061" cy="840959"/>
+      </dsp:txXfrm>
+    </dsp:sp>
+    <dsp:sp modelId="{867564D6-4CBC-4E74-868E-75914939A563}">
+      <dsp:nvSpPr>
+        <dsp:cNvPr id="0" name=""/>
+        <dsp:cNvSpPr/>
+      </dsp:nvSpPr>
+      <dsp:spPr>
+        <a:xfrm>
+          <a:off x="2039969" y="3013810"/>
+          <a:ext cx="339772" cy="339874"/>
+        </a:xfrm>
+        <a:prstGeom prst="ellipse">
+          <a:avLst/>
+        </a:prstGeom>
+        <a:solidFill>
+          <a:schemeClr val="accent5">
+            <a:alpha val="50000"/>
+            <a:hueOff val="8832355"/>
+            <a:satOff val="28758"/>
+            <a:lumOff val="10000"/>
+            <a:alphaOff val="0"/>
+          </a:schemeClr>
+        </a:solidFill>
+        <a:ln w="25400" cap="flat" cmpd="sng" algn="ctr">
+          <a:solidFill>
+            <a:schemeClr val="lt1">
+              <a:hueOff val="0"/>
+              <a:satOff val="0"/>
+              <a:lumOff val="0"/>
+              <a:alphaOff val="0"/>
+            </a:schemeClr>
+          </a:solidFill>
+          <a:prstDash val="solid"/>
+        </a:ln>
+        <a:effectLst/>
+      </dsp:spPr>
+      <dsp:style>
+        <a:lnRef idx="2">
+          <a:scrgbClr r="0" g="0" b="0"/>
+        </a:lnRef>
+        <a:fillRef idx="1">
+          <a:scrgbClr r="0" g="0" b="0"/>
+        </a:fillRef>
+        <a:effectRef idx="0">
+          <a:scrgbClr r="0" g="0" b="0"/>
+        </a:effectRef>
+        <a:fontRef idx="minor">
+          <a:schemeClr val="tx1"/>
+        </a:fontRef>
+      </dsp:style>
+    </dsp:sp>
+    <dsp:sp modelId="{5A8BD94B-5744-4BCD-879D-246997A1BE67}">
+      <dsp:nvSpPr>
+        <dsp:cNvPr id="0" name=""/>
+        <dsp:cNvSpPr/>
+      </dsp:nvSpPr>
+      <dsp:spPr>
+        <a:xfrm>
+          <a:off x="7662166" y="1009034"/>
+          <a:ext cx="2074050" cy="2073675"/>
+        </a:xfrm>
+        <a:prstGeom prst="ellipse">
+          <a:avLst/>
+        </a:prstGeom>
+        <a:solidFill>
+          <a:schemeClr val="accent6">
+            <a:hueOff val="0"/>
+            <a:satOff val="0"/>
+            <a:lumOff val="0"/>
+            <a:alphaOff val="0"/>
+          </a:schemeClr>
+        </a:solidFill>
+        <a:ln w="25400" cap="flat" cmpd="sng" algn="ctr">
+          <a:solidFill>
+            <a:schemeClr val="lt1">
+              <a:hueOff val="0"/>
+              <a:satOff val="0"/>
+              <a:lumOff val="0"/>
+              <a:alphaOff val="0"/>
+            </a:schemeClr>
+          </a:solidFill>
+          <a:prstDash val="solid"/>
+        </a:ln>
+        <a:effectLst/>
+      </dsp:spPr>
+      <dsp:style>
+        <a:lnRef idx="2">
+          <a:scrgbClr r="0" g="0" b="0"/>
+        </a:lnRef>
+        <a:fillRef idx="1">
+          <a:scrgbClr r="0" g="0" b="0"/>
+        </a:fillRef>
+        <a:effectRef idx="0">
+          <a:scrgbClr r="0" g="0" b="0"/>
+        </a:effectRef>
+        <a:fontRef idx="minor">
+          <a:schemeClr val="lt1"/>
+        </a:fontRef>
+      </dsp:style>
+      <dsp:txBody>
+        <a:bodyPr spcFirstLastPara="0" vert="horz" wrap="square" lIns="87630" tIns="87630" rIns="87630" bIns="87630" numCol="1" spcCol="1270" anchor="ctr" anchorCtr="0">
+          <a:noAutofit/>
+        </a:bodyPr>
+        <a:lstStyle/>
+        <a:p>
+          <a:pPr lvl="0" algn="ctr" defTabSz="1022350">
+            <a:lnSpc>
+              <a:spcPct val="90000"/>
+            </a:lnSpc>
+            <a:spcBef>
+              <a:spcPct val="0"/>
+            </a:spcBef>
+            <a:spcAft>
+              <a:spcPct val="35000"/>
+            </a:spcAft>
+          </a:pPr>
+          <a:r>
+            <a:rPr lang="en-US" sz="2300" kern="1200" dirty="0" smtClean="0"/>
+            <a:t>Plots (Plotly, D3, D3-Cloud)</a:t>
+          </a:r>
+          <a:endParaRPr lang="en-US" sz="2300" kern="1200" dirty="0"/>
+        </a:p>
+      </dsp:txBody>
+      <dsp:txXfrm>
+        <a:off x="7965904" y="1312717"/>
+        <a:ext cx="1466574" cy="1466309"/>
+      </dsp:txXfrm>
+    </dsp:sp>
+    <dsp:sp modelId="{7F8286A3-6B65-4F08-B8CE-5A1952659120}">
+      <dsp:nvSpPr>
+        <dsp:cNvPr id="0" name=""/>
+        <dsp:cNvSpPr/>
+      </dsp:nvSpPr>
+      <dsp:spPr>
+        <a:xfrm>
+          <a:off x="667350" y="3359756"/>
+          <a:ext cx="2696265" cy="710454"/>
+        </a:xfrm>
+        <a:prstGeom prst="rect">
+          <a:avLst/>
+        </a:prstGeom>
+        <a:noFill/>
+        <a:ln>
+          <a:noFill/>
+        </a:ln>
+        <a:effectLst/>
+      </dsp:spPr>
+      <dsp:style>
+        <a:lnRef idx="0">
+          <a:scrgbClr r="0" g="0" b="0"/>
+        </a:lnRef>
+        <a:fillRef idx="0">
+          <a:scrgbClr r="0" g="0" b="0"/>
+        </a:fillRef>
+        <a:effectRef idx="0">
+          <a:scrgbClr r="0" g="0" b="0"/>
+        </a:effectRef>
+        <a:fontRef idx="minor"/>
+      </dsp:style>
+      <dsp:txBody>
+        <a:bodyPr spcFirstLastPara="0" vert="horz" wrap="square" lIns="121920" tIns="121920" rIns="121920" bIns="121920" numCol="1" spcCol="1270" anchor="ctr" anchorCtr="0">
+          <a:noAutofit/>
+        </a:bodyPr>
+        <a:lstStyle/>
+        <a:p>
+          <a:pPr lvl="0" algn="ctr" defTabSz="1422400">
+            <a:lnSpc>
+              <a:spcPct val="90000"/>
+            </a:lnSpc>
+            <a:spcBef>
+              <a:spcPct val="0"/>
+            </a:spcBef>
+            <a:spcAft>
+              <a:spcPct val="35000"/>
+            </a:spcAft>
+          </a:pPr>
+          <a:r>
+            <a:rPr lang="en-US" sz="3200" kern="1200" dirty="0" smtClean="0"/>
+            <a:t>MongoDB</a:t>
+          </a:r>
+          <a:endParaRPr lang="en-US" sz="3200" kern="1200" dirty="0"/>
+        </a:p>
+      </dsp:txBody>
+      <dsp:txXfrm>
+        <a:off x="667350" y="3359756"/>
+        <a:ext cx="2696265" cy="710454"/>
       </dsp:txXfrm>
     </dsp:sp>
   </dsp:spTree>
@@ -5680,6 +7776,1167 @@
 </dgm:layoutDef>
 </file>
 
+<file path=ppt/diagrams/layout3.xml><?xml version="1.0" encoding="utf-8"?>
+<dgm:layoutDef xmlns:dgm="http://schemas.openxmlformats.org/drawingml/2006/diagram" xmlns:a="http://schemas.openxmlformats.org/drawingml/2006/main" uniqueId="urn:microsoft.com/office/officeart/2009/3/layout/PhasedProcess">
+  <dgm:title val=""/>
+  <dgm:desc val=""/>
+  <dgm:catLst>
+    <dgm:cat type="process" pri="12500"/>
+  </dgm:catLst>
+  <dgm:sampData>
+    <dgm:dataModel>
+      <dgm:ptLst>
+        <dgm:pt modelId="0" type="doc"/>
+        <dgm:pt modelId="10">
+          <dgm:prSet phldr="1"/>
+        </dgm:pt>
+        <dgm:pt modelId="11">
+          <dgm:prSet phldr="1"/>
+        </dgm:pt>
+        <dgm:pt modelId="12">
+          <dgm:prSet phldr="1"/>
+        </dgm:pt>
+        <dgm:pt modelId="13">
+          <dgm:prSet phldr="1"/>
+        </dgm:pt>
+        <dgm:pt modelId="20">
+          <dgm:prSet phldr="1"/>
+        </dgm:pt>
+        <dgm:pt modelId="21">
+          <dgm:prSet phldr="1"/>
+        </dgm:pt>
+        <dgm:pt modelId="22">
+          <dgm:prSet phldr="1"/>
+        </dgm:pt>
+        <dgm:pt modelId="30">
+          <dgm:prSet phldr="1"/>
+        </dgm:pt>
+        <dgm:pt modelId="31">
+          <dgm:prSet phldr="1"/>
+        </dgm:pt>
+      </dgm:ptLst>
+      <dgm:cxnLst>
+        <dgm:cxn modelId="40" srcId="0" destId="10" srcOrd="0" destOrd="0"/>
+        <dgm:cxn modelId="16" srcId="10" destId="11" srcOrd="0" destOrd="0"/>
+        <dgm:cxn modelId="17" srcId="10" destId="12" srcOrd="1" destOrd="0"/>
+        <dgm:cxn modelId="18" srcId="10" destId="13" srcOrd="2" destOrd="0"/>
+        <dgm:cxn modelId="50" srcId="0" destId="20" srcOrd="1" destOrd="0"/>
+        <dgm:cxn modelId="60" srcId="0" destId="30" srcOrd="2" destOrd="0"/>
+        <dgm:cxn modelId="32" srcId="30" destId="31" srcOrd="0" destOrd="0"/>
+        <dgm:cxn modelId="26" srcId="20" destId="21" srcOrd="0" destOrd="0"/>
+        <dgm:cxn modelId="27" srcId="20" destId="22" srcOrd="1" destOrd="0"/>
+      </dgm:cxnLst>
+      <dgm:bg/>
+      <dgm:whole/>
+    </dgm:dataModel>
+  </dgm:sampData>
+  <dgm:styleData>
+    <dgm:dataModel>
+      <dgm:ptLst>
+        <dgm:pt modelId="0" type="doc"/>
+        <dgm:pt modelId="10">
+          <dgm:prSet phldr="1"/>
+        </dgm:pt>
+        <dgm:pt modelId="11">
+          <dgm:prSet phldr="1"/>
+        </dgm:pt>
+        <dgm:pt modelId="12">
+          <dgm:prSet phldr="1"/>
+        </dgm:pt>
+        <dgm:pt modelId="13">
+          <dgm:prSet phldr="1"/>
+        </dgm:pt>
+        <dgm:pt modelId="20">
+          <dgm:prSet phldr="1"/>
+        </dgm:pt>
+        <dgm:pt modelId="21">
+          <dgm:prSet phldr="1"/>
+        </dgm:pt>
+        <dgm:pt modelId="22">
+          <dgm:prSet phldr="1"/>
+        </dgm:pt>
+        <dgm:pt modelId="30">
+          <dgm:prSet phldr="1"/>
+        </dgm:pt>
+        <dgm:pt modelId="31">
+          <dgm:prSet phldr="1"/>
+        </dgm:pt>
+      </dgm:ptLst>
+      <dgm:cxnLst>
+        <dgm:cxn modelId="40" srcId="0" destId="10" srcOrd="0" destOrd="0"/>
+        <dgm:cxn modelId="16" srcId="10" destId="11" srcOrd="0" destOrd="0"/>
+        <dgm:cxn modelId="17" srcId="10" destId="12" srcOrd="1" destOrd="0"/>
+        <dgm:cxn modelId="18" srcId="10" destId="13" srcOrd="2" destOrd="0"/>
+        <dgm:cxn modelId="50" srcId="0" destId="20" srcOrd="1" destOrd="0"/>
+        <dgm:cxn modelId="60" srcId="0" destId="30" srcOrd="2" destOrd="0"/>
+        <dgm:cxn modelId="32" srcId="30" destId="31" srcOrd="0" destOrd="0"/>
+        <dgm:cxn modelId="26" srcId="20" destId="21" srcOrd="0" destOrd="0"/>
+        <dgm:cxn modelId="27" srcId="20" destId="22" srcOrd="1" destOrd="0"/>
+      </dgm:cxnLst>
+      <dgm:bg/>
+      <dgm:whole/>
+    </dgm:dataModel>
+  </dgm:styleData>
+  <dgm:clrData>
+    <dgm:dataModel>
+      <dgm:ptLst>
+        <dgm:pt modelId="0" type="doc"/>
+        <dgm:pt modelId="10">
+          <dgm:prSet phldr="1"/>
+        </dgm:pt>
+        <dgm:pt modelId="11">
+          <dgm:prSet phldr="1"/>
+        </dgm:pt>
+        <dgm:pt modelId="12">
+          <dgm:prSet phldr="1"/>
+        </dgm:pt>
+        <dgm:pt modelId="13">
+          <dgm:prSet phldr="1"/>
+        </dgm:pt>
+        <dgm:pt modelId="20">
+          <dgm:prSet phldr="1"/>
+        </dgm:pt>
+        <dgm:pt modelId="21">
+          <dgm:prSet phldr="1"/>
+        </dgm:pt>
+        <dgm:pt modelId="22">
+          <dgm:prSet phldr="1"/>
+        </dgm:pt>
+        <dgm:pt modelId="30">
+          <dgm:prSet phldr="1"/>
+        </dgm:pt>
+        <dgm:pt modelId="31">
+          <dgm:prSet phldr="1"/>
+        </dgm:pt>
+      </dgm:ptLst>
+      <dgm:cxnLst>
+        <dgm:cxn modelId="40" srcId="0" destId="10" srcOrd="0" destOrd="0"/>
+        <dgm:cxn modelId="16" srcId="10" destId="11" srcOrd="0" destOrd="0"/>
+        <dgm:cxn modelId="17" srcId="10" destId="12" srcOrd="1" destOrd="0"/>
+        <dgm:cxn modelId="18" srcId="10" destId="13" srcOrd="2" destOrd="0"/>
+        <dgm:cxn modelId="50" srcId="0" destId="20" srcOrd="1" destOrd="0"/>
+        <dgm:cxn modelId="60" srcId="0" destId="30" srcOrd="2" destOrd="0"/>
+        <dgm:cxn modelId="32" srcId="30" destId="31" srcOrd="0" destOrd="0"/>
+        <dgm:cxn modelId="26" srcId="20" destId="21" srcOrd="0" destOrd="0"/>
+        <dgm:cxn modelId="27" srcId="20" destId="22" srcOrd="1" destOrd="0"/>
+      </dgm:cxnLst>
+      <dgm:bg/>
+      <dgm:whole/>
+    </dgm:dataModel>
+  </dgm:clrData>
+  <dgm:layoutNode name="Name0">
+    <dgm:varLst>
+      <dgm:chMax val="3"/>
+      <dgm:chPref val="3"/>
+      <dgm:bulletEnabled val="1"/>
+      <dgm:dir/>
+      <dgm:animLvl val="lvl"/>
+    </dgm:varLst>
+    <dgm:shape xmlns:r="http://schemas.openxmlformats.org/officeDocument/2006/relationships" r:blip="">
+      <dgm:adjLst/>
+    </dgm:shape>
+    <dgm:choose name="Name1">
+      <dgm:if name="Name2" axis="ch" ptType="node" func="cnt" op="gte" val="3">
+        <dgm:alg type="composite">
+          <dgm:param type="ar" val="2.8316"/>
+        </dgm:alg>
+        <dgm:choose name="Name3">
+          <dgm:if name="Name4" func="var" arg="dir" op="equ" val="norm">
+            <dgm:constrLst>
+              <dgm:constr type="primFontSz" for="des" forName="parentText1" val="65"/>
+              <dgm:constr type="primFontSz" for="des" forName="childText1_1" val="65"/>
+              <dgm:constr type="primFontSz" for="des" forName="circ1Tx" val="65"/>
+              <dgm:constr type="primFontSz" for="des" forName="parentText2" refType="primFontSz" refFor="des" refForName="parentText1" op="equ"/>
+              <dgm:constr type="primFontSz" for="des" forName="parentText3" refType="primFontSz" refFor="des" refForName="parentText1" op="equ"/>
+              <dgm:constr type="primFontSz" for="des" forName="childText1_1" refType="primFontSz" refFor="des" refForName="parentText1" op="lte"/>
+              <dgm:constr type="primFontSz" for="des" forName="childText1_2" refType="primFontSz" refFor="des" refForName="parentText1" op="lte"/>
+              <dgm:constr type="primFontSz" for="des" forName="childText1_3" refType="primFontSz" refFor="des" refForName="parentText1" op="lte"/>
+              <dgm:constr type="primFontSz" for="des" forName="childText1_4" refType="primFontSz" refFor="des" refForName="parentText1" op="lte"/>
+              <dgm:constr type="primFontSz" for="des" forName="childText1_1" refType="primFontSz" refFor="des" refForName="parentText2" op="lte"/>
+              <dgm:constr type="primFontSz" for="des" forName="childText1_2" refType="primFontSz" refFor="des" refForName="parentText2" op="lte"/>
+              <dgm:constr type="primFontSz" for="des" forName="childText1_3" refType="primFontSz" refFor="des" refForName="parentText2" op="lte"/>
+              <dgm:constr type="primFontSz" for="des" forName="childText1_4" refType="primFontSz" refFor="des" refForName="parentText2" op="lte"/>
+              <dgm:constr type="primFontSz" for="des" forName="childText1_1" refType="primFontSz" refFor="des" refForName="parentText3" op="lte"/>
+              <dgm:constr type="primFontSz" for="des" forName="childText1_2" refType="primFontSz" refFor="des" refForName="parentText3" op="lte"/>
+              <dgm:constr type="primFontSz" for="des" forName="childText1_3" refType="primFontSz" refFor="des" refForName="parentText3" op="lte"/>
+              <dgm:constr type="primFontSz" for="des" forName="childText1_4" refType="primFontSz" refFor="des" refForName="parentText3" op="lte"/>
+              <dgm:constr type="primFontSz" for="des" forName="circ1Tx" refType="primFontSz" refFor="des" refForName="parentText1" op="lte"/>
+              <dgm:constr type="primFontSz" for="des" forName="circ2Tx" refType="primFontSz" refFor="des" refForName="parentText1" op="lte"/>
+              <dgm:constr type="primFontSz" for="des" forName="circ3Tx" refType="primFontSz" refFor="des" refForName="parentText1" op="lte"/>
+              <dgm:constr type="primFontSz" for="des" forName="circ4Tx" refType="primFontSz" refFor="des" refForName="parentText1" op="lte"/>
+              <dgm:constr type="primFontSz" for="des" forName="circ1Tx" refType="primFontSz" refFor="des" refForName="parentText2" op="lte"/>
+              <dgm:constr type="primFontSz" for="des" forName="circ2Tx" refType="primFontSz" refFor="des" refForName="parentText2" op="lte"/>
+              <dgm:constr type="primFontSz" for="des" forName="circ3Tx" refType="primFontSz" refFor="des" refForName="parentText2" op="lte"/>
+              <dgm:constr type="primFontSz" for="des" forName="circ4Tx" refType="primFontSz" refFor="des" refForName="parentText2" op="lte"/>
+              <dgm:constr type="primFontSz" for="des" forName="circ1Tx" refType="primFontSz" refFor="des" refForName="parentText3" op="lte"/>
+              <dgm:constr type="primFontSz" for="des" forName="circ2Tx" refType="primFontSz" refFor="des" refForName="parentText3" op="lte"/>
+              <dgm:constr type="primFontSz" for="des" forName="circ3Tx" refType="primFontSz" refFor="des" refForName="parentText3" op="lte"/>
+              <dgm:constr type="primFontSz" for="des" forName="circ4Tx" refType="primFontSz" refFor="des" refForName="parentText3" op="lte"/>
+              <dgm:constr type="primFontSz" for="des" forName="rightChild" refType="primFontSz" refFor="des" refForName="parentText1" op="lte"/>
+              <dgm:constr type="primFontSz" for="des" forName="rightChild" refType="primFontSz" refFor="des" refForName="parentText2" op="lte"/>
+              <dgm:constr type="primFontSz" for="des" forName="rightChild" refType="primFontSz" refFor="des" refForName="parentText3" op="lte"/>
+              <dgm:constr type="primFontSz" for="des" forName="childText1_2" refType="primFontSz" refFor="des" refForName="childText1_1" op="equ"/>
+              <dgm:constr type="primFontSz" for="des" forName="childText1_3" refType="primFontSz" refFor="des" refForName="childText1_1" op="equ"/>
+              <dgm:constr type="primFontSz" for="des" forName="childText1_4" refType="primFontSz" refFor="des" refForName="childText1_1" op="equ"/>
+              <dgm:constr type="primFontSz" for="des" forName="circ2Tx" refType="primFontSz" refFor="des" refForName="circ1Tx" op="equ"/>
+              <dgm:constr type="primFontSz" for="des" forName="circ3Tx" refType="primFontSz" refFor="des" refForName="circ1Tx" op="equ"/>
+              <dgm:constr type="primFontSz" for="des" forName="circ4Tx" refType="primFontSz" refFor="des" refForName="circ1Tx" op="equ"/>
+              <dgm:constr type="l" for="ch" forName="leftComposite" refType="w" fact="0.0567"/>
+              <dgm:constr type="t" for="ch" forName="leftComposite" refType="h" fact="0.1159"/>
+              <dgm:constr type="w" for="ch" forName="leftComposite" refType="w" fact="0.2455"/>
+              <dgm:constr type="h" for="ch" forName="leftComposite" refType="h" fact="0.6953"/>
+              <dgm:constr type="l" for="ch" forName="middleComposite" refType="w" fact="0.365"/>
+              <dgm:constr type="t" for="ch" forName="middleComposite" refType="h" fact="0.1545"/>
+              <dgm:constr type="w" for="ch" forName="middleComposite" refType="w" fact="0.2728"/>
+              <dgm:constr type="h" for="ch" forName="middleComposite" refType="h" fact="0.6567"/>
+              <dgm:constr type="l" for="ch" forName="arc1" refType="w" fact="0"/>
+              <dgm:constr type="t" for="ch" forName="arc1" refType="h" fact="0"/>
+              <dgm:constr type="w" for="ch" forName="arc1" refType="w" fact="0.3305"/>
+              <dgm:constr type="h" for="ch" forName="arc1" refType="h" fact="0.9357"/>
+              <dgm:constr type="l" for="ch" forName="arc2" refType="w" fact="0.3295"/>
+              <dgm:constr type="t" for="ch" forName="arc2" refType="h" fact="0"/>
+              <dgm:constr type="w" for="ch" forName="arc2" refType="w" fact="0.3305"/>
+              <dgm:constr type="h" for="ch" forName="arc2" refType="h" fact="0.9357"/>
+              <dgm:constr type="l" for="ch" forName="arc3" refType="w" fact="0.3401"/>
+              <dgm:constr type="t" for="ch" forName="arc3" refType="h" fact="0"/>
+              <dgm:constr type="w" for="ch" forName="arc3" refType="w" fact="0.3305"/>
+              <dgm:constr type="h" for="ch" forName="arc3" refType="h" fact="0.9357"/>
+              <dgm:constr type="l" for="ch" forName="arc4" refType="w" fact="0.6695"/>
+              <dgm:constr type="t" for="ch" forName="arc4" refType="h" fact="0"/>
+              <dgm:constr type="w" for="ch" forName="arc4" refType="w" fact="0.3305"/>
+              <dgm:constr type="h" for="ch" forName="arc4" refType="h" fact="0.9357"/>
+              <dgm:constr type="l" for="ch" forName="rightChild" refType="w" fact="0.713"/>
+              <dgm:constr type="t" for="ch" forName="rightChild" refType="h" fact="0.1934"/>
+              <dgm:constr type="w" for="ch" forName="rightChild" refType="w" fact="0.193"/>
+              <dgm:constr type="h" for="ch" forName="rightChild" refType="h" fact="0.5464"/>
+              <dgm:constr type="l" for="ch" forName="parentText1" refType="w" fact="0.0621"/>
+              <dgm:constr type="t" for="ch" forName="parentText1" refType="h" fact="0.8128"/>
+              <dgm:constr type="w" for="ch" forName="parentText1" refType="w" fact="0.2509"/>
+              <dgm:constr type="h" for="ch" forName="parentText1" refType="h" fact="0.1872"/>
+              <dgm:constr type="l" for="ch" forName="parentText2" refType="w" fact="0.3792"/>
+              <dgm:constr type="t" for="ch" forName="parentText2" refType="h" fact="0.8128"/>
+              <dgm:constr type="w" for="ch" forName="parentText2" refType="w" fact="0.2509"/>
+              <dgm:constr type="h" for="ch" forName="parentText2" refType="h" fact="0.1872"/>
+              <dgm:constr type="l" for="ch" forName="parentText3" refType="w" fact="0.6845"/>
+              <dgm:constr type="t" for="ch" forName="parentText3" refType="h" fact="0.8128"/>
+              <dgm:constr type="w" for="ch" forName="parentText3" refType="w" fact="0.2509"/>
+              <dgm:constr type="h" for="ch" forName="parentText3" refType="h" fact="0.1872"/>
+            </dgm:constrLst>
+          </dgm:if>
+          <dgm:else name="Name5">
+            <dgm:constrLst>
+              <dgm:constr type="primFontSz" for="des" forName="parentText1" val="65"/>
+              <dgm:constr type="primFontSz" for="des" forName="childText1_1" val="65"/>
+              <dgm:constr type="primFontSz" for="des" forName="circ1Tx" val="65"/>
+              <dgm:constr type="primFontSz" for="des" forName="parentText2" refType="primFontSz" refFor="des" refForName="parentText1" op="equ"/>
+              <dgm:constr type="primFontSz" for="des" forName="parentText3" refType="primFontSz" refFor="des" refForName="parentText1" op="equ"/>
+              <dgm:constr type="primFontSz" for="des" forName="childText1_1" refType="primFontSz" refFor="des" refForName="parentText1" op="lte"/>
+              <dgm:constr type="primFontSz" for="des" forName="childText1_2" refType="primFontSz" refFor="des" refForName="parentText1" op="lte"/>
+              <dgm:constr type="primFontSz" for="des" forName="childText1_3" refType="primFontSz" refFor="des" refForName="parentText1" op="lte"/>
+              <dgm:constr type="primFontSz" for="des" forName="childText1_4" refType="primFontSz" refFor="des" refForName="parentText1" op="lte"/>
+              <dgm:constr type="primFontSz" for="des" forName="childText1_1" refType="primFontSz" refFor="des" refForName="parentText2" op="lte"/>
+              <dgm:constr type="primFontSz" for="des" forName="childText1_2" refType="primFontSz" refFor="des" refForName="parentText2" op="lte"/>
+              <dgm:constr type="primFontSz" for="des" forName="childText1_3" refType="primFontSz" refFor="des" refForName="parentText2" op="lte"/>
+              <dgm:constr type="primFontSz" for="des" forName="childText1_4" refType="primFontSz" refFor="des" refForName="parentText2" op="lte"/>
+              <dgm:constr type="primFontSz" for="des" forName="childText1_1" refType="primFontSz" refFor="des" refForName="parentText3" op="lte"/>
+              <dgm:constr type="primFontSz" for="des" forName="childText1_2" refType="primFontSz" refFor="des" refForName="parentText3" op="lte"/>
+              <dgm:constr type="primFontSz" for="des" forName="childText1_3" refType="primFontSz" refFor="des" refForName="parentText3" op="lte"/>
+              <dgm:constr type="primFontSz" for="des" forName="childText1_4" refType="primFontSz" refFor="des" refForName="parentText3" op="lte"/>
+              <dgm:constr type="primFontSz" for="des" forName="circ1Tx" refType="primFontSz" refFor="des" refForName="parentText1" op="lte"/>
+              <dgm:constr type="primFontSz" for="des" forName="circ2Tx" refType="primFontSz" refFor="des" refForName="parentText1" op="lte"/>
+              <dgm:constr type="primFontSz" for="des" forName="circ3Tx" refType="primFontSz" refFor="des" refForName="parentText1" op="lte"/>
+              <dgm:constr type="primFontSz" for="des" forName="circ4Tx" refType="primFontSz" refFor="des" refForName="parentText1" op="lte"/>
+              <dgm:constr type="primFontSz" for="des" forName="circ1Tx" refType="primFontSz" refFor="des" refForName="parentText2" op="lte"/>
+              <dgm:constr type="primFontSz" for="des" forName="circ2Tx" refType="primFontSz" refFor="des" refForName="parentText2" op="lte"/>
+              <dgm:constr type="primFontSz" for="des" forName="circ3Tx" refType="primFontSz" refFor="des" refForName="parentText2" op="lte"/>
+              <dgm:constr type="primFontSz" for="des" forName="circ4Tx" refType="primFontSz" refFor="des" refForName="parentText2" op="lte"/>
+              <dgm:constr type="primFontSz" for="des" forName="circ1Tx" refType="primFontSz" refFor="des" refForName="parentText3" op="lte"/>
+              <dgm:constr type="primFontSz" for="des" forName="circ2Tx" refType="primFontSz" refFor="des" refForName="parentText3" op="lte"/>
+              <dgm:constr type="primFontSz" for="des" forName="circ3Tx" refType="primFontSz" refFor="des" refForName="parentText3" op="lte"/>
+              <dgm:constr type="primFontSz" for="des" forName="circ4Tx" refType="primFontSz" refFor="des" refForName="parentText3" op="lte"/>
+              <dgm:constr type="primFontSz" for="des" forName="rightChild" refType="primFontSz" refFor="des" refForName="parentText1" op="lte"/>
+              <dgm:constr type="primFontSz" for="des" forName="rightChild" refType="primFontSz" refFor="des" refForName="parentText2" op="lte"/>
+              <dgm:constr type="primFontSz" for="des" forName="rightChild" refType="primFontSz" refFor="des" refForName="parentText3" op="lte"/>
+              <dgm:constr type="primFontSz" for="des" forName="childText1_2" refType="primFontSz" refFor="des" refForName="childText1_1" op="equ"/>
+              <dgm:constr type="primFontSz" for="des" forName="childText1_3" refType="primFontSz" refFor="des" refForName="childText1_1" op="equ"/>
+              <dgm:constr type="primFontSz" for="des" forName="childText1_4" refType="primFontSz" refFor="des" refForName="childText1_1" op="equ"/>
+              <dgm:constr type="primFontSz" for="des" forName="circ2Tx" refType="primFontSz" refFor="des" refForName="circ1Tx" op="equ"/>
+              <dgm:constr type="primFontSz" for="des" forName="circ3Tx" refType="primFontSz" refFor="des" refForName="circ1Tx" op="equ"/>
+              <dgm:constr type="primFontSz" for="des" forName="circ4Tx" refType="primFontSz" refFor="des" refForName="circ1Tx" op="equ"/>
+              <dgm:constr type="l" for="ch" forName="leftComposite" refType="w" fact="0.72"/>
+              <dgm:constr type="t" for="ch" forName="leftComposite" refType="h" fact="0.1159"/>
+              <dgm:constr type="w" for="ch" forName="leftComposite" refType="w" fact="0.2455"/>
+              <dgm:constr type="h" for="ch" forName="leftComposite" refType="h" fact="0.6953"/>
+              <dgm:constr type="l" for="ch" forName="middleComposite" refType="w" fact="0.365"/>
+              <dgm:constr type="t" for="ch" forName="middleComposite" refType="h" fact="0.1545"/>
+              <dgm:constr type="w" for="ch" forName="middleComposite" refType="w" fact="0.2728"/>
+              <dgm:constr type="h" for="ch" forName="middleComposite" refType="h" fact="0.6567"/>
+              <dgm:constr type="l" for="ch" forName="rightChild" refType="w" fact="0.09"/>
+              <dgm:constr type="t" for="ch" forName="rightChild" refType="h" fact="0.1934"/>
+              <dgm:constr type="w" for="ch" forName="rightChild" refType="w" fact="0.193"/>
+              <dgm:constr type="h" for="ch" forName="rightChild" refType="h" fact="0.5464"/>
+              <dgm:constr type="l" for="ch" forName="arc1" refType="w" fact="0"/>
+              <dgm:constr type="t" for="ch" forName="arc1" refType="h" fact="0"/>
+              <dgm:constr type="w" for="ch" forName="arc1" refType="w" fact="0.3305"/>
+              <dgm:constr type="h" for="ch" forName="arc1" refType="h" fact="0.9357"/>
+              <dgm:constr type="l" for="ch" forName="arc2" refType="w" fact="0.3295"/>
+              <dgm:constr type="t" for="ch" forName="arc2" refType="h" fact="0"/>
+              <dgm:constr type="w" for="ch" forName="arc2" refType="w" fact="0.3305"/>
+              <dgm:constr type="h" for="ch" forName="arc2" refType="h" fact="0.9357"/>
+              <dgm:constr type="l" for="ch" forName="arc3" refType="w" fact="0.3401"/>
+              <dgm:constr type="t" for="ch" forName="arc3" refType="h" fact="0"/>
+              <dgm:constr type="w" for="ch" forName="arc3" refType="w" fact="0.3305"/>
+              <dgm:constr type="h" for="ch" forName="arc3" refType="h" fact="0.9357"/>
+              <dgm:constr type="l" for="ch" forName="arc4" refType="w" fact="0.6695"/>
+              <dgm:constr type="t" for="ch" forName="arc4" refType="h" fact="0"/>
+              <dgm:constr type="w" for="ch" forName="arc4" refType="w" fact="0.3305"/>
+              <dgm:constr type="h" for="ch" forName="arc4" refType="h" fact="0.9357"/>
+              <dgm:constr type="l" for="ch" forName="parentText1" refType="w" fact="0.7"/>
+              <dgm:constr type="t" for="ch" forName="parentText1" refType="h" fact="0.8128"/>
+              <dgm:constr type="w" for="ch" forName="parentText1" refType="w" fact="0.2509"/>
+              <dgm:constr type="h" for="ch" forName="parentText1" refType="h" fact="0.1872"/>
+              <dgm:constr type="l" for="ch" forName="parentText2" refType="w" fact="0.3792"/>
+              <dgm:constr type="t" for="ch" forName="parentText2" refType="h" fact="0.8128"/>
+              <dgm:constr type="w" for="ch" forName="parentText2" refType="w" fact="0.2509"/>
+              <dgm:constr type="h" for="ch" forName="parentText2" refType="h" fact="0.1872"/>
+              <dgm:constr type="l" for="ch" forName="parentText3" refType="w" fact="0.062"/>
+              <dgm:constr type="t" for="ch" forName="parentText3" refType="h" fact="0.8128"/>
+              <dgm:constr type="w" for="ch" forName="parentText3" refType="w" fact="0.2509"/>
+              <dgm:constr type="h" for="ch" forName="parentText3" refType="h" fact="0.1872"/>
+            </dgm:constrLst>
+          </dgm:else>
+        </dgm:choose>
+      </dgm:if>
+      <dgm:if name="Name6" axis="ch" ptType="node" func="cnt" op="gte" val="2">
+        <dgm:alg type="composite">
+          <dgm:param type="ar" val="1.8986"/>
+        </dgm:alg>
+        <dgm:choose name="Name7">
+          <dgm:if name="Name8" func="var" arg="dir" op="equ" val="norm">
+            <dgm:constrLst>
+              <dgm:constr type="primFontSz" for="des" forName="parentText1" val="65"/>
+              <dgm:constr type="primFontSz" for="des" forName="childText1_1" val="65"/>
+              <dgm:constr type="primFontSz" for="des" forName="circ1Tx" val="65"/>
+              <dgm:constr type="primFontSz" for="des" forName="parentText2" refType="primFontSz" refFor="des" refForName="parentText1" op="equ"/>
+              <dgm:constr type="primFontSz" for="des" forName="childText1_1" refType="primFontSz" refFor="des" refForName="parentText1" op="lte"/>
+              <dgm:constr type="primFontSz" for="des" forName="childText1_2" refType="primFontSz" refFor="des" refForName="parentText1" op="lte"/>
+              <dgm:constr type="primFontSz" for="des" forName="childText1_3" refType="primFontSz" refFor="des" refForName="parentText1" op="lte"/>
+              <dgm:constr type="primFontSz" for="des" forName="childText1_4" refType="primFontSz" refFor="des" refForName="parentText1" op="lte"/>
+              <dgm:constr type="primFontSz" for="des" forName="childText1_1" refType="primFontSz" refFor="des" refForName="parentText2" op="lte"/>
+              <dgm:constr type="primFontSz" for="des" forName="childText1_2" refType="primFontSz" refFor="des" refForName="parentText2" op="lte"/>
+              <dgm:constr type="primFontSz" for="des" forName="childText1_3" refType="primFontSz" refFor="des" refForName="parentText2" op="lte"/>
+              <dgm:constr type="primFontSz" for="des" forName="childText1_4" refType="primFontSz" refFor="des" refForName="parentText2" op="lte"/>
+              <dgm:constr type="primFontSz" for="des" forName="childText1_1" refType="primFontSz" refFor="des" refForName="parentText3" op="lte"/>
+              <dgm:constr type="primFontSz" for="des" forName="childText1_2" refType="primFontSz" refFor="des" refForName="parentText3" op="lte"/>
+              <dgm:constr type="primFontSz" for="des" forName="childText1_3" refType="primFontSz" refFor="des" refForName="parentText3" op="lte"/>
+              <dgm:constr type="primFontSz" for="des" forName="childText1_4" refType="primFontSz" refFor="des" refForName="parentText3" op="lte"/>
+              <dgm:constr type="primFontSz" for="des" forName="circ1Tx" refType="primFontSz" refFor="des" refForName="parentText1" op="lte"/>
+              <dgm:constr type="primFontSz" for="des" forName="circ2Tx" refType="primFontSz" refFor="des" refForName="parentText1" op="lte"/>
+              <dgm:constr type="primFontSz" for="des" forName="circ3Tx" refType="primFontSz" refFor="des" refForName="parentText1" op="lte"/>
+              <dgm:constr type="primFontSz" for="des" forName="circ4Tx" refType="primFontSz" refFor="des" refForName="parentText1" op="lte"/>
+              <dgm:constr type="primFontSz" for="des" forName="circ1Tx" refType="primFontSz" refFor="des" refForName="parentText2" op="lte"/>
+              <dgm:constr type="primFontSz" for="des" forName="circ2Tx" refType="primFontSz" refFor="des" refForName="parentText2" op="lte"/>
+              <dgm:constr type="primFontSz" for="des" forName="circ3Tx" refType="primFontSz" refFor="des" refForName="parentText2" op="lte"/>
+              <dgm:constr type="primFontSz" for="des" forName="circ4Tx" refType="primFontSz" refFor="des" refForName="parentText2" op="lte"/>
+              <dgm:constr type="primFontSz" for="des" forName="circ1Tx" refType="primFontSz" refFor="des" refForName="parentText3" op="lte"/>
+              <dgm:constr type="primFontSz" for="des" forName="circ2Tx" refType="primFontSz" refFor="des" refForName="parentText3" op="lte"/>
+              <dgm:constr type="primFontSz" for="des" forName="circ3Tx" refType="primFontSz" refFor="des" refForName="parentText3" op="lte"/>
+              <dgm:constr type="primFontSz" for="des" forName="circ4Tx" refType="primFontSz" refFor="des" refForName="parentText3" op="lte"/>
+              <dgm:constr type="primFontSz" for="des" forName="childText1_2" refType="primFontSz" refFor="des" refForName="childText1_1" op="equ"/>
+              <dgm:constr type="primFontSz" for="des" forName="childText1_3" refType="primFontSz" refFor="des" refForName="childText1_1" op="equ"/>
+              <dgm:constr type="primFontSz" for="des" forName="childText1_4" refType="primFontSz" refFor="des" refForName="childText1_1" op="equ"/>
+              <dgm:constr type="primFontSz" for="des" forName="circ2Tx" refType="primFontSz" refFor="des" refForName="circ1Tx" op="equ"/>
+              <dgm:constr type="primFontSz" for="des" forName="circ3Tx" refType="primFontSz" refFor="des" refForName="circ1Tx" op="equ"/>
+              <dgm:constr type="primFontSz" for="des" forName="circ4Tx" refType="primFontSz" refFor="des" refForName="circ1Tx" op="equ"/>
+              <dgm:constr type="l" for="ch" forName="leftComposite" refType="w" fact="0.0941"/>
+              <dgm:constr type="t" for="ch" forName="leftComposite" refType="h" fact="0.1159"/>
+              <dgm:constr type="w" for="ch" forName="leftComposite" refType="w" fact="0.3469"/>
+              <dgm:constr type="h" for="ch" forName="leftComposite" refType="h" fact="0.6953"/>
+              <dgm:constr type="l" for="ch" forName="middleComposite" refType="w" fact="0.5782"/>
+              <dgm:constr type="t" for="ch" forName="middleComposite" refType="h" fact="0.1159"/>
+              <dgm:constr type="w" for="ch" forName="middleComposite" refType="w" fact="0.3389"/>
+              <dgm:constr type="h" for="ch" forName="middleComposite" refType="h" fact="0.6567"/>
+              <dgm:constr type="l" for="ch" forName="arc1" refType="w" fact="0"/>
+              <dgm:constr type="t" for="ch" forName="arc1" refType="h" fact="0"/>
+              <dgm:constr type="w" for="ch" forName="arc1" refType="w" fact="0.4928"/>
+              <dgm:constr type="h" for="ch" forName="arc1" refType="h" fact="0.9357"/>
+              <dgm:constr type="l" for="ch" forName="arc3" refType="w" fact="0.5072"/>
+              <dgm:constr type="t" for="ch" forName="arc3" refType="h" fact="0"/>
+              <dgm:constr type="w" for="ch" forName="arc3" refType="w" fact="0.4928"/>
+              <dgm:constr type="h" for="ch" forName="arc3" refType="h" fact="0.9357"/>
+              <dgm:constr type="l" for="ch" forName="parentText1" refType="w" fact="0.0926"/>
+              <dgm:constr type="t" for="ch" forName="parentText1" refType="h" fact="0.8128"/>
+              <dgm:constr type="w" for="ch" forName="parentText1" refType="w" fact="0.3742"/>
+              <dgm:constr type="h" for="ch" forName="parentText1" refType="h" fact="0.1872"/>
+              <dgm:constr type="l" for="ch" forName="parentText2" refType="w" fact="0.5655"/>
+              <dgm:constr type="t" for="ch" forName="parentText2" refType="h" fact="0.8128"/>
+              <dgm:constr type="w" for="ch" forName="parentText2" refType="w" fact="0.3742"/>
+              <dgm:constr type="h" for="ch" forName="parentText2" refType="h" fact="0.1872"/>
+            </dgm:constrLst>
+          </dgm:if>
+          <dgm:else name="Name9">
+            <dgm:constrLst>
+              <dgm:constr type="primFontSz" for="des" forName="parentText1" val="65"/>
+              <dgm:constr type="primFontSz" for="des" forName="childText1_1" val="65"/>
+              <dgm:constr type="primFontSz" for="des" forName="circ1Tx" val="65"/>
+              <dgm:constr type="primFontSz" for="des" forName="parentText2" refType="primFontSz" refFor="des" refForName="parentText1" op="equ"/>
+              <dgm:constr type="primFontSz" for="des" forName="childText1_1" refType="primFontSz" refFor="des" refForName="parentText1" op="lte"/>
+              <dgm:constr type="primFontSz" for="des" forName="childText1_2" refType="primFontSz" refFor="des" refForName="parentText1" op="lte"/>
+              <dgm:constr type="primFontSz" for="des" forName="childText1_3" refType="primFontSz" refFor="des" refForName="parentText1" op="lte"/>
+              <dgm:constr type="primFontSz" for="des" forName="childText1_4" refType="primFontSz" refFor="des" refForName="parentText1" op="lte"/>
+              <dgm:constr type="primFontSz" for="des" forName="childText1_1" refType="primFontSz" refFor="des" refForName="parentText2" op="lte"/>
+              <dgm:constr type="primFontSz" for="des" forName="childText1_2" refType="primFontSz" refFor="des" refForName="parentText2" op="lte"/>
+              <dgm:constr type="primFontSz" for="des" forName="childText1_3" refType="primFontSz" refFor="des" refForName="parentText2" op="lte"/>
+              <dgm:constr type="primFontSz" for="des" forName="childText1_4" refType="primFontSz" refFor="des" refForName="parentText2" op="lte"/>
+              <dgm:constr type="primFontSz" for="des" forName="childText1_1" refType="primFontSz" refFor="des" refForName="parentText3" op="lte"/>
+              <dgm:constr type="primFontSz" for="des" forName="childText1_2" refType="primFontSz" refFor="des" refForName="parentText3" op="lte"/>
+              <dgm:constr type="primFontSz" for="des" forName="childText1_3" refType="primFontSz" refFor="des" refForName="parentText3" op="lte"/>
+              <dgm:constr type="primFontSz" for="des" forName="childText1_4" refType="primFontSz" refFor="des" refForName="parentText3" op="lte"/>
+              <dgm:constr type="primFontSz" for="des" forName="circ1Tx" refType="primFontSz" refFor="des" refForName="parentText1" op="lte"/>
+              <dgm:constr type="primFontSz" for="des" forName="circ2Tx" refType="primFontSz" refFor="des" refForName="parentText1" op="lte"/>
+              <dgm:constr type="primFontSz" for="des" forName="circ3Tx" refType="primFontSz" refFor="des" refForName="parentText1" op="lte"/>
+              <dgm:constr type="primFontSz" for="des" forName="circ4Tx" refType="primFontSz" refFor="des" refForName="parentText1" op="lte"/>
+              <dgm:constr type="primFontSz" for="des" forName="circ1Tx" refType="primFontSz" refFor="des" refForName="parentText2" op="lte"/>
+              <dgm:constr type="primFontSz" for="des" forName="circ2Tx" refType="primFontSz" refFor="des" refForName="parentText2" op="lte"/>
+              <dgm:constr type="primFontSz" for="des" forName="circ3Tx" refType="primFontSz" refFor="des" refForName="parentText2" op="lte"/>
+              <dgm:constr type="primFontSz" for="des" forName="circ4Tx" refType="primFontSz" refFor="des" refForName="parentText2" op="lte"/>
+              <dgm:constr type="primFontSz" for="des" forName="circ1Tx" refType="primFontSz" refFor="des" refForName="parentText3" op="lte"/>
+              <dgm:constr type="primFontSz" for="des" forName="circ2Tx" refType="primFontSz" refFor="des" refForName="parentText3" op="lte"/>
+              <dgm:constr type="primFontSz" for="des" forName="circ3Tx" refType="primFontSz" refFor="des" refForName="parentText3" op="lte"/>
+              <dgm:constr type="primFontSz" for="des" forName="circ4Tx" refType="primFontSz" refFor="des" refForName="parentText3" op="lte"/>
+              <dgm:constr type="primFontSz" for="des" forName="childText1_2" refType="primFontSz" refFor="des" refForName="childText1_1" op="equ"/>
+              <dgm:constr type="primFontSz" for="des" forName="childText1_3" refType="primFontSz" refFor="des" refForName="childText1_1" op="equ"/>
+              <dgm:constr type="primFontSz" for="des" forName="childText1_4" refType="primFontSz" refFor="des" refForName="childText1_1" op="equ"/>
+              <dgm:constr type="primFontSz" for="des" forName="circ2Tx" refType="primFontSz" refFor="des" refForName="circ1Tx" op="equ"/>
+              <dgm:constr type="primFontSz" for="des" forName="circ3Tx" refType="primFontSz" refFor="des" refForName="circ1Tx" op="equ"/>
+              <dgm:constr type="primFontSz" for="des" forName="circ4Tx" refType="primFontSz" refFor="des" refForName="circ1Tx" op="equ"/>
+              <dgm:constr type="l" for="ch" forName="leftComposite" refType="w" fact="0.592"/>
+              <dgm:constr type="t" for="ch" forName="leftComposite" refType="h" fact="0.1159"/>
+              <dgm:constr type="w" for="ch" forName="leftComposite" refType="w" fact="0.3469"/>
+              <dgm:constr type="h" for="ch" forName="leftComposite" refType="h" fact="0.6953"/>
+              <dgm:constr type="l" for="ch" forName="middleComposite" refType="w" fact="0.0941"/>
+              <dgm:constr type="t" for="ch" forName="middleComposite" refType="h" fact="0.1159"/>
+              <dgm:constr type="w" for="ch" forName="middleComposite" refType="w" fact="0.3389"/>
+              <dgm:constr type="h" for="ch" forName="middleComposite" refType="h" fact="0.6567"/>
+              <dgm:constr type="l" for="ch" forName="arc1" refType="w" fact="0"/>
+              <dgm:constr type="t" for="ch" forName="arc1" refType="h" fact="0"/>
+              <dgm:constr type="w" for="ch" forName="arc1" refType="w" fact="0.4928"/>
+              <dgm:constr type="h" for="ch" forName="arc1" refType="h" fact="0.9357"/>
+              <dgm:constr type="l" for="ch" forName="arc3" refType="w" fact="0.5072"/>
+              <dgm:constr type="t" for="ch" forName="arc3" refType="h" fact="0"/>
+              <dgm:constr type="w" for="ch" forName="arc3" refType="w" fact="0.4928"/>
+              <dgm:constr type="h" for="ch" forName="arc3" refType="h" fact="0.9357"/>
+              <dgm:constr type="l" for="ch" forName="parentText2" refType="w" fact="0.0926"/>
+              <dgm:constr type="t" for="ch" forName="parentText2" refType="h" fact="0.8128"/>
+              <dgm:constr type="w" for="ch" forName="parentText2" refType="w" fact="0.3742"/>
+              <dgm:constr type="h" for="ch" forName="parentText2" refType="h" fact="0.1872"/>
+              <dgm:constr type="l" for="ch" forName="parentText1" refType="w" fact="0.5655"/>
+              <dgm:constr type="t" for="ch" forName="parentText1" refType="h" fact="0.8128"/>
+              <dgm:constr type="w" for="ch" forName="parentText1" refType="w" fact="0.3742"/>
+              <dgm:constr type="h" for="ch" forName="parentText1" refType="h" fact="0.1872"/>
+            </dgm:constrLst>
+          </dgm:else>
+        </dgm:choose>
+      </dgm:if>
+      <dgm:else name="Name10">
+        <dgm:alg type="composite">
+          <dgm:param type="ar" val="0.8036"/>
+        </dgm:alg>
+        <dgm:constrLst>
+          <dgm:constr type="primFontSz" for="des" forName="parentText1" val="65"/>
+          <dgm:constr type="primFontSz" for="des" forName="childText1_1" val="65"/>
+          <dgm:constr type="primFontSz" for="des" forName="childText1_1" refType="primFontSz" refFor="des" refForName="parentText1" op="lte"/>
+          <dgm:constr type="primFontSz" for="des" forName="childText1_2" refType="primFontSz" refFor="des" refForName="parentText1" op="lte"/>
+          <dgm:constr type="primFontSz" for="des" forName="childText1_3" refType="primFontSz" refFor="des" refForName="parentText1" op="lte"/>
+          <dgm:constr type="primFontSz" for="des" forName="childText1_4" refType="primFontSz" refFor="des" refForName="parentText1" op="lte"/>
+          <dgm:constr type="primFontSz" for="des" forName="childText1_1" refType="primFontSz" refFor="des" refForName="parentText2" op="lte"/>
+          <dgm:constr type="primFontSz" for="des" forName="childText1_2" refType="primFontSz" refFor="des" refForName="parentText2" op="lte"/>
+          <dgm:constr type="primFontSz" for="des" forName="childText1_3" refType="primFontSz" refFor="des" refForName="parentText2" op="lte"/>
+          <dgm:constr type="primFontSz" for="des" forName="childText1_4" refType="primFontSz" refFor="des" refForName="parentText2" op="lte"/>
+          <dgm:constr type="primFontSz" for="des" forName="childText1_1" refType="primFontSz" refFor="des" refForName="parentText3" op="lte"/>
+          <dgm:constr type="primFontSz" for="des" forName="childText1_2" refType="primFontSz" refFor="des" refForName="parentText3" op="lte"/>
+          <dgm:constr type="primFontSz" for="des" forName="childText1_3" refType="primFontSz" refFor="des" refForName="parentText3" op="lte"/>
+          <dgm:constr type="primFontSz" for="des" forName="childText1_4" refType="primFontSz" refFor="des" refForName="parentText3" op="lte"/>
+          <dgm:constr type="primFontSz" for="des" forName="childText1_2" refType="primFontSz" refFor="des" refForName="childText1_1" op="equ"/>
+          <dgm:constr type="primFontSz" for="des" forName="childText1_3" refType="primFontSz" refFor="des" refForName="childText1_1" op="equ"/>
+          <dgm:constr type="primFontSz" for="des" forName="childText1_4" refType="primFontSz" refFor="des" refForName="childText1_1" op="equ"/>
+          <dgm:constr type="l" for="ch" forName="leftComposite" refType="w" fact="0"/>
+          <dgm:constr type="t" for="ch" forName="leftComposite" refType="h" fact="0.1159"/>
+          <dgm:constr type="w" for="ch" forName="leftComposite" refType="w"/>
+          <dgm:constr type="h" for="ch" forName="leftComposite" refType="h" fact="0.6953"/>
+          <dgm:constr type="l" for="ch" forName="parentText1" refType="w" fact="0"/>
+          <dgm:constr type="t" for="ch" forName="parentText1" refType="h" fact="0.8128"/>
+          <dgm:constr type="w" for="ch" forName="parentText1" refType="w"/>
+          <dgm:constr type="h" for="ch" forName="parentText1" refType="h" fact="0.1872"/>
+        </dgm:constrLst>
+      </dgm:else>
+    </dgm:choose>
+    <dgm:choose name="Name11">
+      <dgm:if name="Name12" axis="ch" ptType="node" func="cnt" op="gte" val="1">
+        <dgm:choose name="Name13">
+          <dgm:if name="Name14" axis="ch" ptType="node" func="cnt" op="gte" val="2">
+            <dgm:layoutNode name="arc1">
+              <dgm:alg type="sp"/>
+              <dgm:shape xmlns:r="http://schemas.openxmlformats.org/officeDocument/2006/relationships" rot="90" type="blockArc" r:blip="">
+                <dgm:adjLst>
+                  <dgm:adj idx="1" val="-135"/>
+                  <dgm:adj idx="2" val="-45"/>
+                  <dgm:adj idx="3" val="0.0496"/>
+                </dgm:adjLst>
+              </dgm:shape>
+              <dgm:presOf/>
+            </dgm:layoutNode>
+            <dgm:layoutNode name="arc3">
+              <dgm:alg type="sp"/>
+              <dgm:shape xmlns:r="http://schemas.openxmlformats.org/officeDocument/2006/relationships" rot="270" type="blockArc" r:blip="">
+                <dgm:adjLst>
+                  <dgm:adj idx="1" val="-135"/>
+                  <dgm:adj idx="2" val="-45"/>
+                  <dgm:adj idx="3" val="0.0496"/>
+                </dgm:adjLst>
+              </dgm:shape>
+              <dgm:presOf/>
+            </dgm:layoutNode>
+            <dgm:layoutNode name="parentText2" styleLbl="revTx">
+              <dgm:varLst>
+                <dgm:chMax val="4"/>
+                <dgm:chPref val="3"/>
+                <dgm:bulletEnabled val="1"/>
+              </dgm:varLst>
+              <dgm:alg type="tx"/>
+              <dgm:shape xmlns:r="http://schemas.openxmlformats.org/officeDocument/2006/relationships" type="rect" r:blip="">
+                <dgm:adjLst/>
+              </dgm:shape>
+              <dgm:presOf axis="ch self" ptType="node node" st="2 1" cnt="1 0"/>
+              <dgm:constrLst>
+                <dgm:constr type="lMarg" refType="primFontSz" fact="0.3"/>
+                <dgm:constr type="rMarg" refType="primFontSz" fact="0.3"/>
+                <dgm:constr type="tMarg" refType="primFontSz" fact="0.3"/>
+                <dgm:constr type="bMarg" refType="primFontSz" fact="0.3"/>
+              </dgm:constrLst>
+              <dgm:ruleLst>
+                <dgm:rule type="primFontSz" val="5" fact="NaN" max="NaN"/>
+              </dgm:ruleLst>
+            </dgm:layoutNode>
+          </dgm:if>
+          <dgm:else name="Name15"/>
+        </dgm:choose>
+        <dgm:choose name="Name16">
+          <dgm:if name="Name17" axis="ch" ptType="node" func="cnt" op="gte" val="3">
+            <dgm:layoutNode name="arc2">
+              <dgm:alg type="sp"/>
+              <dgm:shape xmlns:r="http://schemas.openxmlformats.org/officeDocument/2006/relationships" rot="90" type="blockArc" r:blip="">
+                <dgm:adjLst>
+                  <dgm:adj idx="1" val="-135"/>
+                  <dgm:adj idx="2" val="-45"/>
+                  <dgm:adj idx="3" val="0.0496"/>
+                </dgm:adjLst>
+              </dgm:shape>
+              <dgm:presOf/>
+            </dgm:layoutNode>
+            <dgm:layoutNode name="arc4">
+              <dgm:alg type="sp"/>
+              <dgm:shape xmlns:r="http://schemas.openxmlformats.org/officeDocument/2006/relationships" rot="270" type="blockArc" r:blip="">
+                <dgm:adjLst>
+                  <dgm:adj idx="1" val="-135"/>
+                  <dgm:adj idx="2" val="-45"/>
+                  <dgm:adj idx="3" val="0.0496"/>
+                </dgm:adjLst>
+              </dgm:shape>
+              <dgm:presOf/>
+            </dgm:layoutNode>
+            <dgm:layoutNode name="parentText3" styleLbl="revTx">
+              <dgm:varLst>
+                <dgm:chMax val="1"/>
+                <dgm:chPref val="1"/>
+                <dgm:bulletEnabled val="1"/>
+              </dgm:varLst>
+              <dgm:alg type="tx"/>
+              <dgm:shape xmlns:r="http://schemas.openxmlformats.org/officeDocument/2006/relationships" type="rect" r:blip="">
+                <dgm:adjLst/>
+              </dgm:shape>
+              <dgm:presOf axis="ch self" ptType="node node" st="3 1" cnt="1 0"/>
+              <dgm:constrLst>
+                <dgm:constr type="lMarg" refType="primFontSz" fact="0.3"/>
+                <dgm:constr type="rMarg" refType="primFontSz" fact="0.3"/>
+                <dgm:constr type="tMarg" refType="primFontSz" fact="0.3"/>
+                <dgm:constr type="bMarg" refType="primFontSz" fact="0.3"/>
+              </dgm:constrLst>
+              <dgm:ruleLst>
+                <dgm:rule type="primFontSz" val="5" fact="NaN" max="NaN"/>
+              </dgm:ruleLst>
+            </dgm:layoutNode>
+          </dgm:if>
+          <dgm:else name="Name18"/>
+        </dgm:choose>
+      </dgm:if>
+      <dgm:else name="Name19"/>
+    </dgm:choose>
+    <dgm:layoutNode name="middleComposite">
+      <dgm:choose name="Name20">
+        <dgm:if name="Name21" axis="ch ch" ptType="node node" st="2 1" cnt="1 0" func="cnt" op="lte" val="1">
+          <dgm:alg type="composite">
+            <dgm:param type="ar" val="1"/>
+          </dgm:alg>
+        </dgm:if>
+        <dgm:if name="Name22" axis="ch ch" ptType="node node" st="2 1" cnt="1 0" func="cnt" op="equ" val="2">
+          <dgm:alg type="composite">
+            <dgm:param type="ar" val="1.792"/>
+          </dgm:alg>
+        </dgm:if>
+        <dgm:if name="Name23" axis="ch ch" ptType="node node" st="2 1" cnt="1 0" func="cnt" op="equ" val="3">
+          <dgm:alg type="composite">
+            <dgm:param type="ar" val="1"/>
+          </dgm:alg>
+        </dgm:if>
+        <dgm:else name="Name24">
+          <dgm:alg type="composite">
+            <dgm:param type="ar" val="1"/>
+          </dgm:alg>
+        </dgm:else>
+      </dgm:choose>
+      <dgm:shape xmlns:r="http://schemas.openxmlformats.org/officeDocument/2006/relationships" r:blip="">
+        <dgm:adjLst/>
+      </dgm:shape>
+      <dgm:presOf/>
+      <dgm:choose name="Name25">
+        <dgm:if name="Name26" axis="ch ch" ptType="node node" st="2 1" cnt="1 0" func="cnt" op="lte" val="1">
+          <dgm:constrLst>
+            <dgm:constr type="ctrX" for="ch" forName="circ1" refType="w" fact="0.5"/>
+            <dgm:constr type="ctrY" for="ch" forName="circ1" refType="h" fact="0.5"/>
+            <dgm:constr type="w" for="ch" forName="circ1" refType="w"/>
+            <dgm:constr type="h" for="ch" forName="circ1" refType="h"/>
+            <dgm:constr type="l" for="ch" forName="circ1Tx" refType="w" fact="0.2"/>
+            <dgm:constr type="t" for="ch" forName="circ1Tx" refType="h" fact="0.1"/>
+            <dgm:constr type="w" for="ch" forName="circ1Tx" refType="w" fact="0.6"/>
+            <dgm:constr type="h" for="ch" forName="circ1Tx" refType="h" fact="0.8"/>
+          </dgm:constrLst>
+        </dgm:if>
+        <dgm:if name="Name27" axis="ch ch" ptType="node node" st="2 1" cnt="1 0" func="cnt" op="equ" val="2">
+          <dgm:constrLst>
+            <dgm:constr type="ctrX" for="ch" forName="circ1" refType="w" fact="0.3"/>
+            <dgm:constr type="ctrY" for="ch" forName="circ1" refType="h" fact="0.5"/>
+            <dgm:constr type="w" for="ch" forName="circ1" refType="w" fact="0.555"/>
+            <dgm:constr type="h" for="ch" forName="circ1" refType="h" fact="0.99456"/>
+            <dgm:constr type="l" for="ch" forName="circ1Tx" refType="w" fact="0.1"/>
+            <dgm:constr type="t" for="ch" forName="circ1Tx" refType="h" fact="0.12"/>
+            <dgm:constr type="w" for="ch" forName="circ1Tx" refType="w" fact="0.32"/>
+            <dgm:constr type="h" for="ch" forName="circ1Tx" refType="h" fact="0.76"/>
+            <dgm:constr type="ctrX" for="ch" forName="circ2" refType="w" fact="0.7"/>
+            <dgm:constr type="ctrY" for="ch" forName="circ2" refType="h" fact="0.5"/>
+            <dgm:constr type="w" for="ch" forName="circ2" refType="w" fact="0.555"/>
+            <dgm:constr type="h" for="ch" forName="circ2" refType="h" fact="0.99456"/>
+            <dgm:constr type="l" for="ch" forName="circ2Tx" refType="w" fact="0.58"/>
+            <dgm:constr type="t" for="ch" forName="circ2Tx" refType="h" fact="0.12"/>
+            <dgm:constr type="w" for="ch" forName="circ2Tx" refType="w" fact="0.32"/>
+            <dgm:constr type="h" for="ch" forName="circ2Tx" refType="h" fact="0.76"/>
+          </dgm:constrLst>
+        </dgm:if>
+        <dgm:if name="Name28" axis="ch ch" ptType="node node" st="2 1" cnt="1 0" func="cnt" op="equ" val="3">
+          <dgm:constrLst>
+            <dgm:constr type="ctrX" for="ch" forName="circ1" refType="w" fact="0.5"/>
+            <dgm:constr type="ctrY" for="ch" forName="circ1" refType="w" fact="0.25"/>
+            <dgm:constr type="w" for="ch" forName="circ1" refType="w" fact="0.6"/>
+            <dgm:constr type="h" for="ch" forName="circ1" refType="h" fact="0.6"/>
+            <dgm:constr type="l" for="ch" forName="circ1Tx" refType="w" fact="0.28"/>
+            <dgm:constr type="t" for="ch" forName="circ1Tx" refType="h" fact="0.055"/>
+            <dgm:constr type="w" for="ch" forName="circ1Tx" refType="w" fact="0.44"/>
+            <dgm:constr type="h" for="ch" forName="circ1Tx" refType="h" fact="0.27"/>
+            <dgm:constr type="ctrX" for="ch" forName="circ2" refType="w" fact="0.7165"/>
+            <dgm:constr type="ctrY" for="ch" forName="circ2" refType="w" fact="0.625"/>
+            <dgm:constr type="w" for="ch" forName="circ2" refType="w" fact="0.6"/>
+            <dgm:constr type="h" for="ch" forName="circ2" refType="h" fact="0.6"/>
+            <dgm:constr type="l" for="ch" forName="circ2Tx" refType="w" fact="0.6"/>
+            <dgm:constr type="t" for="ch" forName="circ2Tx" refType="h" fact="0.48"/>
+            <dgm:constr type="w" for="ch" forName="circ2Tx" refType="w" fact="0.36"/>
+            <dgm:constr type="h" for="ch" forName="circ2Tx" refType="h" fact="0.33"/>
+            <dgm:constr type="ctrX" for="ch" forName="circ3" refType="w" fact="0.2835"/>
+            <dgm:constr type="ctrY" for="ch" forName="circ3" refType="w" fact="0.625"/>
+            <dgm:constr type="w" for="ch" forName="circ3" refType="w" fact="0.6"/>
+            <dgm:constr type="h" for="ch" forName="circ3" refType="h" fact="0.6"/>
+            <dgm:constr type="l" for="ch" forName="circ3Tx" refType="w" fact="0.04"/>
+            <dgm:constr type="t" for="ch" forName="circ3Tx" refType="h" fact="0.48"/>
+            <dgm:constr type="w" for="ch" forName="circ3Tx" refType="w" fact="0.36"/>
+            <dgm:constr type="h" for="ch" forName="circ3Tx" refType="h" fact="0.33"/>
+          </dgm:constrLst>
+        </dgm:if>
+        <dgm:else name="Name29">
+          <dgm:constrLst>
+            <dgm:constr type="ctrX" for="ch" forName="circ1" refType="w" fact="0.5"/>
+            <dgm:constr type="ctrY" for="ch" forName="circ1" refType="w" fact="0.27"/>
+            <dgm:constr type="w" for="ch" forName="circ1" refType="w" fact="0.52"/>
+            <dgm:constr type="h" for="ch" forName="circ1" refType="h" fact="0.52"/>
+            <dgm:constr type="l" for="ch" forName="circ1Tx" refType="w" fact="0.3"/>
+            <dgm:constr type="t" for="ch" forName="circ1Tx" refType="h" fact="0.08"/>
+            <dgm:constr type="w" for="ch" forName="circ1Tx" refType="w" fact="0.4"/>
+            <dgm:constr type="h" for="ch" forName="circ1Tx" refType="h" fact="0.165"/>
+            <dgm:constr type="ctrX" for="ch" forName="circ2" refType="w" fact="0.73"/>
+            <dgm:constr type="ctrY" for="ch" forName="circ2" refType="w" fact="0.5"/>
+            <dgm:constr type="w" for="ch" forName="circ2" refType="w" fact="0.52"/>
+            <dgm:constr type="h" for="ch" forName="circ2" refType="h" fact="0.52"/>
+            <dgm:constr type="r" for="ch" forName="circ2Tx" refType="w" fact="0.95"/>
+            <dgm:constr type="t" for="ch" forName="circ2Tx" refType="h" fact="0.3"/>
+            <dgm:constr type="w" for="ch" forName="circ2Tx" refType="w" fact="0.2"/>
+            <dgm:constr type="h" for="ch" forName="circ2Tx" refType="h" fact="0.4"/>
+            <dgm:constr type="ctrX" for="ch" forName="circ3" refType="w" fact="0.5"/>
+            <dgm:constr type="ctrY" for="ch" forName="circ3" refType="w" fact="0.73"/>
+            <dgm:constr type="w" for="ch" forName="circ3" refType="w" fact="0.52"/>
+            <dgm:constr type="h" for="ch" forName="circ3" refType="h" fact="0.52"/>
+            <dgm:constr type="l" for="ch" forName="circ3Tx" refType="w" fact="0.3"/>
+            <dgm:constr type="b" for="ch" forName="circ3Tx" refType="h" fact="0.92"/>
+            <dgm:constr type="w" for="ch" forName="circ3Tx" refType="w" fact="0.4"/>
+            <dgm:constr type="h" for="ch" forName="circ3Tx" refType="h" fact="0.165"/>
+            <dgm:constr type="ctrX" for="ch" forName="circ4" refType="w" fact="0.27"/>
+            <dgm:constr type="ctrY" for="ch" forName="circ4" refType="h" fact="0.5"/>
+            <dgm:constr type="w" for="ch" forName="circ4" refType="w" fact="0.52"/>
+            <dgm:constr type="h" for="ch" forName="circ4" refType="h" fact="0.52"/>
+            <dgm:constr type="l" for="ch" forName="circ4Tx" refType="w" fact="0.05"/>
+            <dgm:constr type="t" for="ch" forName="circ4Tx" refType="h" fact="0.3"/>
+            <dgm:constr type="w" for="ch" forName="circ4Tx" refType="w" fact="0.2"/>
+            <dgm:constr type="h" for="ch" forName="circ4Tx" refType="h" fact="0.4"/>
+          </dgm:constrLst>
+        </dgm:else>
+      </dgm:choose>
+      <dgm:ruleLst/>
+      <dgm:forEach name="Name30" axis="ch ch" ptType="node node" st="2 1" cnt="1 1">
+        <dgm:layoutNode name="circ1" styleLbl="vennNode1">
+          <dgm:alg type="sp"/>
+          <dgm:shape xmlns:r="http://schemas.openxmlformats.org/officeDocument/2006/relationships" type="ellipse" r:blip="">
+            <dgm:adjLst/>
+          </dgm:shape>
+          <dgm:presOf axis="desOrSelf" ptType="node"/>
+          <dgm:constrLst/>
+          <dgm:ruleLst/>
+        </dgm:layoutNode>
+        <dgm:layoutNode name="circ1Tx" styleLbl="revTx">
+          <dgm:varLst>
+            <dgm:chMax val="0"/>
+            <dgm:chPref val="0"/>
+          </dgm:varLst>
+          <dgm:alg type="tx">
+            <dgm:param type="txAnchorHorzCh" val="ctr"/>
+            <dgm:param type="txAnchorVertCh" val="mid"/>
+          </dgm:alg>
+          <dgm:shape xmlns:r="http://schemas.openxmlformats.org/officeDocument/2006/relationships" type="rect" r:blip="" hideGeom="1">
+            <dgm:adjLst/>
+          </dgm:shape>
+          <dgm:presOf axis="desOrSelf" ptType="node"/>
+          <dgm:constrLst>
+            <dgm:constr type="tMarg"/>
+            <dgm:constr type="bMarg"/>
+            <dgm:constr type="lMarg"/>
+            <dgm:constr type="rMarg"/>
+            <dgm:constr type="primFontSz" val="20"/>
+          </dgm:constrLst>
+          <dgm:ruleLst>
+            <dgm:rule type="primFontSz" val="5" fact="NaN" max="NaN"/>
+          </dgm:ruleLst>
+        </dgm:layoutNode>
+      </dgm:forEach>
+      <dgm:forEach name="Name31" axis="ch ch" ptType="node node" st="2 2" cnt="1 1">
+        <dgm:layoutNode name="circ2" styleLbl="vennNode1">
+          <dgm:alg type="sp"/>
+          <dgm:shape xmlns:r="http://schemas.openxmlformats.org/officeDocument/2006/relationships" type="ellipse" r:blip="">
+            <dgm:adjLst/>
+          </dgm:shape>
+          <dgm:presOf axis="desOrSelf" ptType="node"/>
+          <dgm:constrLst/>
+          <dgm:ruleLst/>
+        </dgm:layoutNode>
+        <dgm:layoutNode name="circ2Tx" styleLbl="revTx">
+          <dgm:varLst>
+            <dgm:chMax val="0"/>
+            <dgm:chPref val="0"/>
+          </dgm:varLst>
+          <dgm:alg type="tx">
+            <dgm:param type="txAnchorHorzCh" val="ctr"/>
+            <dgm:param type="txAnchorVertCh" val="mid"/>
+          </dgm:alg>
+          <dgm:shape xmlns:r="http://schemas.openxmlformats.org/officeDocument/2006/relationships" type="rect" r:blip="" hideGeom="1">
+            <dgm:adjLst/>
+          </dgm:shape>
+          <dgm:presOf axis="desOrSelf" ptType="node"/>
+          <dgm:constrLst>
+            <dgm:constr type="tMarg"/>
+            <dgm:constr type="bMarg"/>
+            <dgm:constr type="lMarg"/>
+            <dgm:constr type="rMarg"/>
+            <dgm:constr type="primFontSz" val="20"/>
+          </dgm:constrLst>
+          <dgm:ruleLst>
+            <dgm:rule type="primFontSz" val="5" fact="NaN" max="NaN"/>
+          </dgm:ruleLst>
+        </dgm:layoutNode>
+      </dgm:forEach>
+      <dgm:forEach name="Name32" axis="ch ch" ptType="node node" st="2 3" cnt="1 1">
+        <dgm:layoutNode name="circ3" styleLbl="vennNode1">
+          <dgm:alg type="sp"/>
+          <dgm:shape xmlns:r="http://schemas.openxmlformats.org/officeDocument/2006/relationships" type="ellipse" r:blip="">
+            <dgm:adjLst/>
+          </dgm:shape>
+          <dgm:presOf axis="desOrSelf" ptType="node"/>
+          <dgm:constrLst/>
+          <dgm:ruleLst/>
+        </dgm:layoutNode>
+        <dgm:layoutNode name="circ3Tx" styleLbl="revTx">
+          <dgm:varLst>
+            <dgm:chMax val="0"/>
+            <dgm:chPref val="0"/>
+          </dgm:varLst>
+          <dgm:alg type="tx">
+            <dgm:param type="txAnchorHorzCh" val="ctr"/>
+            <dgm:param type="txAnchorVertCh" val="mid"/>
+          </dgm:alg>
+          <dgm:shape xmlns:r="http://schemas.openxmlformats.org/officeDocument/2006/relationships" type="rect" r:blip="" hideGeom="1">
+            <dgm:adjLst/>
+          </dgm:shape>
+          <dgm:presOf axis="desOrSelf" ptType="node"/>
+          <dgm:constrLst>
+            <dgm:constr type="tMarg"/>
+            <dgm:constr type="bMarg"/>
+            <dgm:constr type="lMarg"/>
+            <dgm:constr type="rMarg"/>
+            <dgm:constr type="primFontSz" val="20"/>
+          </dgm:constrLst>
+          <dgm:ruleLst>
+            <dgm:rule type="primFontSz" val="5" fact="NaN" max="NaN"/>
+          </dgm:ruleLst>
+        </dgm:layoutNode>
+      </dgm:forEach>
+      <dgm:forEach name="Name33" axis="ch ch" ptType="node node" st="2 4" cnt="1 1">
+        <dgm:layoutNode name="circ4" styleLbl="vennNode1">
+          <dgm:alg type="sp"/>
+          <dgm:shape xmlns:r="http://schemas.openxmlformats.org/officeDocument/2006/relationships" type="ellipse" r:blip="">
+            <dgm:adjLst/>
+          </dgm:shape>
+          <dgm:presOf axis="desOrSelf" ptType="node"/>
+          <dgm:constrLst/>
+          <dgm:ruleLst/>
+        </dgm:layoutNode>
+        <dgm:layoutNode name="circ4Tx" styleLbl="revTx">
+          <dgm:varLst>
+            <dgm:chMax val="0"/>
+            <dgm:chPref val="0"/>
+            <dgm:bulletEnabled val="1"/>
+          </dgm:varLst>
+          <dgm:alg type="tx">
+            <dgm:param type="txAnchorHorzCh" val="ctr"/>
+            <dgm:param type="txAnchorVertCh" val="mid"/>
+          </dgm:alg>
+          <dgm:shape xmlns:r="http://schemas.openxmlformats.org/officeDocument/2006/relationships" type="rect" r:blip="" hideGeom="1">
+            <dgm:adjLst/>
+          </dgm:shape>
+          <dgm:presOf axis="desOrSelf" ptType="node"/>
+          <dgm:constrLst>
+            <dgm:constr type="tMarg"/>
+            <dgm:constr type="bMarg"/>
+            <dgm:constr type="lMarg"/>
+            <dgm:constr type="rMarg"/>
+            <dgm:constr type="primFontSz" val="20"/>
+          </dgm:constrLst>
+          <dgm:ruleLst>
+            <dgm:rule type="primFontSz" val="5" fact="NaN" max="NaN"/>
+          </dgm:ruleLst>
+        </dgm:layoutNode>
+      </dgm:forEach>
+    </dgm:layoutNode>
+    <dgm:layoutNode name="leftComposite">
+      <dgm:choose name="Name34">
+        <dgm:if name="Name35" axis="ch ch" ptType="node node" st="1 1" cnt="1 0" func="cnt" op="lte" val="1">
+          <dgm:alg type="composite">
+            <dgm:param type="ar" val="1.3085"/>
+          </dgm:alg>
+          <dgm:constrLst>
+            <dgm:constr type="l" for="ch" forName="childText1_1" refType="w" fact="0.2124"/>
+            <dgm:constr type="t" for="ch" forName="childText1_1" refType="h" fact="0"/>
+            <dgm:constr type="w" for="ch" forName="childText1_1" refType="w" fact="0.5759"/>
+            <dgm:constr type="h" for="ch" forName="childText1_1" refType="h" fact="0.7535"/>
+            <dgm:constr type="l" for="ch" forName="ellipse1" refType="w" fact="0"/>
+            <dgm:constr type="t" for="ch" forName="ellipse1" refType="h" fact="0.63"/>
+            <dgm:constr type="w" for="ch" forName="ellipse1" refType="w" fact="0.2828"/>
+            <dgm:constr type="h" for="ch" forName="ellipse1" refType="h" fact="0.37"/>
+            <dgm:constr type="l" for="ch" forName="ellipse2" refType="w" fact="0.82"/>
+            <dgm:constr type="t" for="ch" forName="ellipse2" refType="h" fact="0.17"/>
+            <dgm:constr type="w" for="ch" forName="ellipse2" refType="w" fact="0.1645"/>
+            <dgm:constr type="h" for="ch" forName="ellipse2" refType="h" fact="0.2153"/>
+          </dgm:constrLst>
+        </dgm:if>
+        <dgm:if name="Name36" axis="ch ch" ptType="node node" st="1 1" cnt="1 0" func="cnt" op="equ" val="2">
+          <dgm:alg type="composite">
+            <dgm:param type="ar" val="0.8917"/>
+          </dgm:alg>
+          <dgm:constrLst>
+            <dgm:constr type="l" for="ch" forName="childText1_1" refType="w" fact="0.1864"/>
+            <dgm:constr type="t" for="ch" forName="childText1_1" refType="h" fact="0"/>
+            <dgm:constr type="w" for="ch" forName="childText1_1" refType="w" fact="0.5055"/>
+            <dgm:constr type="h" for="ch" forName="childText1_1" refType="h" fact="0.4507"/>
+            <dgm:constr type="l" for="ch" forName="childText1_2" refType="w" fact="0.4945"/>
+            <dgm:constr type="t" for="ch" forName="childText1_2" refType="h" fact="0.3929"/>
+            <dgm:constr type="w" for="ch" forName="childText1_2" refType="w" fact="0.5055"/>
+            <dgm:constr type="h" for="ch" forName="childText1_2" refType="h" fact="0.4507"/>
+            <dgm:constr type="l" for="ch" forName="ellipse1" refType="w" fact="0"/>
+            <dgm:constr type="t" for="ch" forName="ellipse1" refType="h" fact="0.3768"/>
+            <dgm:constr type="w" for="ch" forName="ellipse1" refType="w" fact="0.2482"/>
+            <dgm:constr type="h" for="ch" forName="ellipse1" refType="h" fact="0.2213"/>
+            <dgm:constr type="l" for="ch" forName="ellipse3" refType="w" fact="0.5474"/>
+            <dgm:constr type="t" for="ch" forName="ellipse3" refType="h" fact="0.8712"/>
+            <dgm:constr type="w" for="ch" forName="ellipse3" refType="w" fact="0.1444"/>
+            <dgm:constr type="h" for="ch" forName="ellipse3" refType="h" fact="0.1288"/>
+            <dgm:constr type="l" for="ch" forName="ellipse2" refType="w" fact="0.7333"/>
+            <dgm:constr type="t" for="ch" forName="ellipse2" refType="h" fact="0.0887"/>
+            <dgm:constr type="w" for="ch" forName="ellipse2" refType="w" fact="0.1444"/>
+            <dgm:constr type="h" for="ch" forName="ellipse2" refType="h" fact="0.1288"/>
+          </dgm:constrLst>
+        </dgm:if>
+        <dgm:if name="Name37" axis="ch ch" ptType="node node" st="1 1" cnt="1 0" func="cnt" op="equ" val="3">
+          <dgm:alg type="composite">
+            <dgm:param type="ar" val="1.0811"/>
+          </dgm:alg>
+          <dgm:constrLst>
+            <dgm:constr type="l" for="ch" forName="childText1_3" refType="w" fact="0.1649"/>
+            <dgm:constr type="t" for="ch" forName="childText1_3" refType="h" fact="0.5389"/>
+            <dgm:constr type="w" for="ch" forName="childText1_3" refType="w" fact="0.4265"/>
+            <dgm:constr type="h" for="ch" forName="childText1_3" refType="h" fact="0.4611"/>
+            <dgm:constr type="l" for="ch" forName="childText1_1" refType="w" fact="0.1573"/>
+            <dgm:constr type="t" for="ch" forName="childText1_1" refType="h" fact="0"/>
+            <dgm:constr type="w" for="ch" forName="childText1_1" refType="w" fact="0.4265"/>
+            <dgm:constr type="h" for="ch" forName="childText1_1" refType="h" fact="0.4611"/>
+            <dgm:constr type="l" for="ch" forName="childText1_2" refType="w" fact="0.5735"/>
+            <dgm:constr type="t" for="ch" forName="childText1_2" refType="h" fact="0.2754"/>
+            <dgm:constr type="w" for="ch" forName="childText1_2" refType="w" fact="0.4265"/>
+            <dgm:constr type="h" for="ch" forName="childText1_2" refType="h" fact="0.4611"/>
+            <dgm:constr type="l" for="ch" forName="ellipse1" refType="w" fact="0"/>
+            <dgm:constr type="t" for="ch" forName="ellipse1" refType="h" fact="0.3855"/>
+            <dgm:constr type="w" for="ch" forName="ellipse1" refType="w" fact="0.2095"/>
+            <dgm:constr type="h" for="ch" forName="ellipse1" refType="h" fact="0.2264"/>
+            <dgm:constr type="l" for="ch" forName="ellipse3" refType="w" fact="0.6181"/>
+            <dgm:constr type="t" for="ch" forName="ellipse3" refType="h" fact="0.7647"/>
+            <dgm:constr type="w" for="ch" forName="ellipse3" refType="w" fact="0.1219"/>
+            <dgm:constr type="h" for="ch" forName="ellipse3" refType="h" fact="0.1317"/>
+            <dgm:constr type="l" for="ch" forName="ellipse2" refType="w" fact="0.6188"/>
+            <dgm:constr type="t" for="ch" forName="ellipse2" refType="h" fact="0.0907"/>
+            <dgm:constr type="w" for="ch" forName="ellipse2" refType="w" fact="0.1219"/>
+            <dgm:constr type="h" for="ch" forName="ellipse2" refType="h" fact="0.1317"/>
+          </dgm:constrLst>
+        </dgm:if>
+        <dgm:else name="Name38">
+          <dgm:alg type="composite">
+            <dgm:param type="ar" val="0.9472"/>
+          </dgm:alg>
+          <dgm:constrLst>
+            <dgm:constr type="l" for="ch" forName="childText1_3" refType="w" fact="0"/>
+            <dgm:constr type="t" for="ch" forName="childText1_3" refType="h" fact="0.6035"/>
+            <dgm:constr type="w" for="ch" forName="childText1_3" refType="w" fact="0.4186"/>
+            <dgm:constr type="h" for="ch" forName="childText1_3" refType="h" fact="0.3965"/>
+            <dgm:constr type="l" for="ch" forName="childText1_1" refType="w" fact="0.0981"/>
+            <dgm:constr type="t" for="ch" forName="childText1_1" refType="h" fact="0"/>
+            <dgm:constr type="w" for="ch" forName="childText1_1" refType="w" fact="0.4186"/>
+            <dgm:constr type="h" for="ch" forName="childText1_1" refType="h" fact="0.3965"/>
+            <dgm:constr type="l" for="ch" forName="childText1_2" refType="w" fact="0.5385"/>
+            <dgm:constr type="t" for="ch" forName="childText1_2" refType="h" fact="0.1304"/>
+            <dgm:constr type="w" for="ch" forName="childText1_2" refType="w" fact="0.4186"/>
+            <dgm:constr type="h" for="ch" forName="childText1_2" refType="h" fact="0.3965"/>
+            <dgm:constr type="l" for="ch" forName="ellipse4" refType="w" fact="0.3222"/>
+            <dgm:constr type="t" for="ch" forName="ellipse4" refType="h" fact="0.4232"/>
+            <dgm:constr type="w" for="ch" forName="ellipse4" refType="w" fact="0.2056"/>
+            <dgm:constr type="h" for="ch" forName="ellipse4" refType="h" fact="0.1947"/>
+            <dgm:constr type="l" for="ch" forName="ellipse1" refType="w" fact="0.1489"/>
+            <dgm:constr type="t" for="ch" forName="ellipse1" refType="h" fact="0.4502"/>
+            <dgm:constr type="w" for="ch" forName="ellipse1" refType="w" fact="0.1196"/>
+            <dgm:constr type="h" for="ch" forName="ellipse1" refType="h" fact="0.1133"/>
+            <dgm:constr type="l" for="ch" forName="ellipse2" refType="w" fact="0.5384"/>
+            <dgm:constr type="t" for="ch" forName="ellipse2" refType="h" fact="0.0124"/>
+            <dgm:constr type="w" for="ch" forName="ellipse2" refType="w" fact="0.1196"/>
+            <dgm:constr type="h" for="ch" forName="ellipse2" refType="h" fact="0.1133"/>
+            <dgm:constr type="l" for="ch" forName="childText1_4" refType="w" fact="0.4625"/>
+            <dgm:constr type="t" for="ch" forName="childText1_4" refType="h" fact="0.5719"/>
+            <dgm:constr type="w" for="ch" forName="childText1_4" refType="w" fact="0.4186"/>
+            <dgm:constr type="h" for="ch" forName="childText1_4" refType="h" fact="0.3965"/>
+            <dgm:constr type="l" for="ch" forName="ellipse3" refType="w" fact="0.8804"/>
+            <dgm:constr type="t" for="ch" forName="ellipse3" refType="h" fact="0.5329"/>
+            <dgm:constr type="w" for="ch" forName="ellipse3" refType="w" fact="0.1196"/>
+            <dgm:constr type="h" for="ch" forName="ellipse3" refType="h" fact="0.1133"/>
+            <dgm:constr type="l" for="ch" forName="ellipse5" refType="w" fact="0.0146"/>
+            <dgm:constr type="t" for="ch" forName="ellipse5" refType="h" fact="0.5228"/>
+            <dgm:constr type="w" for="ch" forName="ellipse5" refType="w" fact="0.0899"/>
+            <dgm:constr type="h" for="ch" forName="ellipse5" refType="h" fact="0.0851"/>
+          </dgm:constrLst>
+        </dgm:else>
+      </dgm:choose>
+      <dgm:forEach name="Name39" axis="ch ch" ptType="node node" st="1 1" cnt="1 1">
+        <dgm:layoutNode name="childText1_1" styleLbl="vennNode1">
+          <dgm:varLst>
+            <dgm:chMax val="0"/>
+            <dgm:chPref val="0"/>
+          </dgm:varLst>
+          <dgm:alg type="tx"/>
+          <dgm:shape xmlns:r="http://schemas.openxmlformats.org/officeDocument/2006/relationships" type="ellipse" r:blip="">
+            <dgm:adjLst/>
+          </dgm:shape>
+          <dgm:presOf axis="desOrSelf" ptType="node"/>
+          <dgm:constrLst>
+            <dgm:constr type="lMarg" refType="primFontSz" fact="0.3"/>
+            <dgm:constr type="rMarg" refType="primFontSz" fact="0.3"/>
+            <dgm:constr type="tMarg" refType="primFontSz" fact="0.3"/>
+            <dgm:constr type="bMarg" refType="primFontSz" fact="0.3"/>
+          </dgm:constrLst>
+          <dgm:ruleLst>
+            <dgm:rule type="primFontSz" val="5" fact="NaN" max="NaN"/>
+          </dgm:ruleLst>
+        </dgm:layoutNode>
+        <dgm:layoutNode name="ellipse1" styleLbl="vennNode1">
+          <dgm:alg type="sp"/>
+          <dgm:shape xmlns:r="http://schemas.openxmlformats.org/officeDocument/2006/relationships" type="ellipse" r:blip="">
+            <dgm:adjLst/>
+          </dgm:shape>
+          <dgm:presOf/>
+        </dgm:layoutNode>
+        <dgm:layoutNode name="ellipse2" styleLbl="vennNode1">
+          <dgm:alg type="sp"/>
+          <dgm:shape xmlns:r="http://schemas.openxmlformats.org/officeDocument/2006/relationships" type="ellipse" r:blip="">
+            <dgm:adjLst/>
+          </dgm:shape>
+          <dgm:presOf/>
+        </dgm:layoutNode>
+      </dgm:forEach>
+      <dgm:forEach name="Name40" axis="ch ch" ptType="node node" st="1 2" cnt="1 1">
+        <dgm:layoutNode name="childText1_2" styleLbl="vennNode1">
+          <dgm:varLst>
+            <dgm:chMax val="0"/>
+            <dgm:chPref val="0"/>
+          </dgm:varLst>
+          <dgm:alg type="tx"/>
+          <dgm:shape xmlns:r="http://schemas.openxmlformats.org/officeDocument/2006/relationships" type="ellipse" r:blip="">
+            <dgm:adjLst/>
+          </dgm:shape>
+          <dgm:presOf axis="desOrSelf" ptType="node"/>
+          <dgm:constrLst>
+            <dgm:constr type="lMarg" refType="primFontSz" fact="0.3"/>
+            <dgm:constr type="rMarg" refType="primFontSz" fact="0.3"/>
+            <dgm:constr type="tMarg" refType="primFontSz" fact="0.3"/>
+            <dgm:constr type="bMarg" refType="primFontSz" fact="0.3"/>
+          </dgm:constrLst>
+          <dgm:ruleLst>
+            <dgm:rule type="primFontSz" val="5" fact="NaN" max="NaN"/>
+          </dgm:ruleLst>
+        </dgm:layoutNode>
+        <dgm:layoutNode name="ellipse3" styleLbl="vennNode1">
+          <dgm:alg type="sp"/>
+          <dgm:shape xmlns:r="http://schemas.openxmlformats.org/officeDocument/2006/relationships" type="ellipse" r:blip="">
+            <dgm:adjLst/>
+          </dgm:shape>
+          <dgm:presOf/>
+        </dgm:layoutNode>
+      </dgm:forEach>
+      <dgm:forEach name="Name41" axis="ch ch" ptType="node node" st="1 3" cnt="1 1">
+        <dgm:layoutNode name="childText1_3" styleLbl="vennNode1">
+          <dgm:varLst>
+            <dgm:chMax val="0"/>
+            <dgm:chPref val="0"/>
+          </dgm:varLst>
+          <dgm:alg type="tx"/>
+          <dgm:shape xmlns:r="http://schemas.openxmlformats.org/officeDocument/2006/relationships" type="ellipse" r:blip="">
+            <dgm:adjLst/>
+          </dgm:shape>
+          <dgm:presOf axis="desOrSelf" ptType="node"/>
+          <dgm:constrLst>
+            <dgm:constr type="lMarg" refType="primFontSz" fact="0.3"/>
+            <dgm:constr type="rMarg" refType="primFontSz" fact="0.3"/>
+            <dgm:constr type="tMarg" refType="primFontSz" fact="0.3"/>
+            <dgm:constr type="bMarg" refType="primFontSz" fact="0.3"/>
+          </dgm:constrLst>
+          <dgm:ruleLst>
+            <dgm:rule type="primFontSz" val="5" fact="NaN" max="NaN"/>
+          </dgm:ruleLst>
+        </dgm:layoutNode>
+      </dgm:forEach>
+      <dgm:forEach name="Name42" axis="ch ch" ptType="node node" st="1 4" cnt="1 1">
+        <dgm:layoutNode name="childText1_4" styleLbl="vennNode1">
+          <dgm:varLst>
+            <dgm:chMax val="0"/>
+            <dgm:chPref val="0"/>
+          </dgm:varLst>
+          <dgm:alg type="tx"/>
+          <dgm:shape xmlns:r="http://schemas.openxmlformats.org/officeDocument/2006/relationships" type="ellipse" r:blip="">
+            <dgm:adjLst/>
+          </dgm:shape>
+          <dgm:presOf axis="desOrSelf" ptType="node"/>
+          <dgm:constrLst>
+            <dgm:constr type="lMarg" refType="primFontSz" fact="0.3"/>
+            <dgm:constr type="rMarg" refType="primFontSz" fact="0.3"/>
+            <dgm:constr type="tMarg" refType="primFontSz" fact="0.3"/>
+            <dgm:constr type="bMarg" refType="primFontSz" fact="0.3"/>
+          </dgm:constrLst>
+          <dgm:ruleLst>
+            <dgm:rule type="primFontSz" val="5" fact="NaN" max="NaN"/>
+          </dgm:ruleLst>
+        </dgm:layoutNode>
+        <dgm:layoutNode name="ellipse4" styleLbl="vennNode1">
+          <dgm:alg type="sp"/>
+          <dgm:shape xmlns:r="http://schemas.openxmlformats.org/officeDocument/2006/relationships" type="ellipse" r:blip="">
+            <dgm:adjLst/>
+          </dgm:shape>
+          <dgm:presOf/>
+        </dgm:layoutNode>
+        <dgm:layoutNode name="ellipse5" styleLbl="vennNode1">
+          <dgm:alg type="sp"/>
+          <dgm:shape xmlns:r="http://schemas.openxmlformats.org/officeDocument/2006/relationships" type="ellipse" r:blip="">
+            <dgm:adjLst/>
+          </dgm:shape>
+          <dgm:presOf/>
+        </dgm:layoutNode>
+      </dgm:forEach>
+    </dgm:layoutNode>
+    <dgm:choose name="Name43">
+      <dgm:if name="Name44" axis="ch ch" ptType="node node" st="3 1" cnt="1 0" func="cnt" op="gte" val="1">
+        <dgm:layoutNode name="rightChild">
+          <dgm:varLst>
+            <dgm:chMax val="0"/>
+            <dgm:chPref val="0"/>
+          </dgm:varLst>
+          <dgm:alg type="tx"/>
+          <dgm:shape xmlns:r="http://schemas.openxmlformats.org/officeDocument/2006/relationships" type="ellipse" r:blip="">
+            <dgm:adjLst/>
+          </dgm:shape>
+          <dgm:presOf axis="ch des" ptType="node node" st="3 1" cnt="1 0"/>
+          <dgm:constrLst>
+            <dgm:constr type="lMarg" refType="primFontSz" fact="0.3"/>
+            <dgm:constr type="rMarg" refType="primFontSz" fact="0.3"/>
+            <dgm:constr type="tMarg" refType="primFontSz" fact="0.3"/>
+            <dgm:constr type="bMarg" refType="primFontSz" fact="0.3"/>
+          </dgm:constrLst>
+          <dgm:ruleLst>
+            <dgm:rule type="primFontSz" val="5" fact="NaN" max="NaN"/>
+          </dgm:ruleLst>
+        </dgm:layoutNode>
+      </dgm:if>
+      <dgm:else name="Name45"/>
+    </dgm:choose>
+    <dgm:layoutNode name="parentText1" styleLbl="revTx">
+      <dgm:varLst>
+        <dgm:chMax val="4"/>
+        <dgm:chPref val="3"/>
+        <dgm:bulletEnabled val="1"/>
+      </dgm:varLst>
+      <dgm:alg type="tx"/>
+      <dgm:shape xmlns:r="http://schemas.openxmlformats.org/officeDocument/2006/relationships" type="rect" r:blip="">
+        <dgm:adjLst/>
+      </dgm:shape>
+      <dgm:presOf axis="ch self" ptType="node node" st="1 1" cnt="1 0"/>
+      <dgm:constrLst>
+        <dgm:constr type="lMarg" refType="primFontSz" fact="0.3"/>
+        <dgm:constr type="rMarg" refType="primFontSz" fact="0.3"/>
+        <dgm:constr type="tMarg" refType="primFontSz" fact="0.3"/>
+        <dgm:constr type="bMarg" refType="primFontSz" fact="0.3"/>
+      </dgm:constrLst>
+      <dgm:ruleLst>
+        <dgm:rule type="primFontSz" val="5" fact="NaN" max="NaN"/>
+      </dgm:ruleLst>
+    </dgm:layoutNode>
+  </dgm:layoutNode>
+</dgm:layoutDef>
+</file>
+
 <file path=ppt/diagrams/quickStyle1.xml><?xml version="1.0" encoding="utf-8"?>
 <dgm:styleDef xmlns:dgm="http://schemas.openxmlformats.org/drawingml/2006/diagram" xmlns:a="http://schemas.openxmlformats.org/drawingml/2006/main" uniqueId="urn:microsoft.com/office/officeart/2005/8/quickstyle/simple1">
   <dgm:title val=""/>
@@ -6715,6 +9972,1040 @@
 </file>
 
 <file path=ppt/diagrams/quickStyle2.xml><?xml version="1.0" encoding="utf-8"?>
+<dgm:styleDef xmlns:dgm="http://schemas.openxmlformats.org/drawingml/2006/diagram" xmlns:a="http://schemas.openxmlformats.org/drawingml/2006/main" uniqueId="urn:microsoft.com/office/officeart/2005/8/quickstyle/simple1">
+  <dgm:title val=""/>
+  <dgm:desc val=""/>
+  <dgm:catLst>
+    <dgm:cat type="simple" pri="10100"/>
+  </dgm:catLst>
+  <dgm:scene3d>
+    <a:camera prst="orthographicFront"/>
+    <a:lightRig rig="threePt" dir="t"/>
+  </dgm:scene3d>
+  <dgm:styleLbl name="node0">
+    <dgm:scene3d>
+      <a:camera prst="orthographicFront"/>
+      <a:lightRig rig="threePt" dir="t"/>
+    </dgm:scene3d>
+    <dgm:sp3d/>
+    <dgm:txPr/>
+    <dgm:style>
+      <a:lnRef idx="2">
+        <a:scrgbClr r="0" g="0" b="0"/>
+      </a:lnRef>
+      <a:fillRef idx="1">
+        <a:scrgbClr r="0" g="0" b="0"/>
+      </a:fillRef>
+      <a:effectRef idx="0">
+        <a:scrgbClr r="0" g="0" b="0"/>
+      </a:effectRef>
+      <a:fontRef idx="minor">
+        <a:schemeClr val="lt1"/>
+      </a:fontRef>
+    </dgm:style>
+  </dgm:styleLbl>
+  <dgm:styleLbl name="lnNode1">
+    <dgm:scene3d>
+      <a:camera prst="orthographicFront"/>
+      <a:lightRig rig="threePt" dir="t"/>
+    </dgm:scene3d>
+    <dgm:sp3d/>
+    <dgm:txPr/>
+    <dgm:style>
+      <a:lnRef idx="2">
+        <a:scrgbClr r="0" g="0" b="0"/>
+      </a:lnRef>
+      <a:fillRef idx="1">
+        <a:scrgbClr r="0" g="0" b="0"/>
+      </a:fillRef>
+      <a:effectRef idx="0">
+        <a:scrgbClr r="0" g="0" b="0"/>
+      </a:effectRef>
+      <a:fontRef idx="minor">
+        <a:schemeClr val="lt1"/>
+      </a:fontRef>
+    </dgm:style>
+  </dgm:styleLbl>
+  <dgm:styleLbl name="vennNode1">
+    <dgm:scene3d>
+      <a:camera prst="orthographicFront"/>
+      <a:lightRig rig="threePt" dir="t"/>
+    </dgm:scene3d>
+    <dgm:sp3d/>
+    <dgm:txPr/>
+    <dgm:style>
+      <a:lnRef idx="2">
+        <a:scrgbClr r="0" g="0" b="0"/>
+      </a:lnRef>
+      <a:fillRef idx="1">
+        <a:scrgbClr r="0" g="0" b="0"/>
+      </a:fillRef>
+      <a:effectRef idx="0">
+        <a:scrgbClr r="0" g="0" b="0"/>
+      </a:effectRef>
+      <a:fontRef idx="minor">
+        <a:schemeClr val="tx1"/>
+      </a:fontRef>
+    </dgm:style>
+  </dgm:styleLbl>
+  <dgm:styleLbl name="alignNode1">
+    <dgm:scene3d>
+      <a:camera prst="orthographicFront"/>
+      <a:lightRig rig="threePt" dir="t"/>
+    </dgm:scene3d>
+    <dgm:sp3d/>
+    <dgm:txPr/>
+    <dgm:style>
+      <a:lnRef idx="2">
+        <a:scrgbClr r="0" g="0" b="0"/>
+      </a:lnRef>
+      <a:fillRef idx="1">
+        <a:scrgbClr r="0" g="0" b="0"/>
+      </a:fillRef>
+      <a:effectRef idx="0">
+        <a:scrgbClr r="0" g="0" b="0"/>
+      </a:effectRef>
+      <a:fontRef idx="minor">
+        <a:schemeClr val="lt1"/>
+      </a:fontRef>
+    </dgm:style>
+  </dgm:styleLbl>
+  <dgm:styleLbl name="node1">
+    <dgm:scene3d>
+      <a:camera prst="orthographicFront"/>
+      <a:lightRig rig="threePt" dir="t"/>
+    </dgm:scene3d>
+    <dgm:sp3d/>
+    <dgm:txPr/>
+    <dgm:style>
+      <a:lnRef idx="2">
+        <a:scrgbClr r="0" g="0" b="0"/>
+      </a:lnRef>
+      <a:fillRef idx="1">
+        <a:scrgbClr r="0" g="0" b="0"/>
+      </a:fillRef>
+      <a:effectRef idx="0">
+        <a:scrgbClr r="0" g="0" b="0"/>
+      </a:effectRef>
+      <a:fontRef idx="minor">
+        <a:schemeClr val="lt1"/>
+      </a:fontRef>
+    </dgm:style>
+  </dgm:styleLbl>
+  <dgm:styleLbl name="node2">
+    <dgm:scene3d>
+      <a:camera prst="orthographicFront"/>
+      <a:lightRig rig="threePt" dir="t"/>
+    </dgm:scene3d>
+    <dgm:sp3d/>
+    <dgm:txPr/>
+    <dgm:style>
+      <a:lnRef idx="2">
+        <a:scrgbClr r="0" g="0" b="0"/>
+      </a:lnRef>
+      <a:fillRef idx="1">
+        <a:scrgbClr r="0" g="0" b="0"/>
+      </a:fillRef>
+      <a:effectRef idx="0">
+        <a:scrgbClr r="0" g="0" b="0"/>
+      </a:effectRef>
+      <a:fontRef idx="minor">
+        <a:schemeClr val="lt1"/>
+      </a:fontRef>
+    </dgm:style>
+  </dgm:styleLbl>
+  <dgm:styleLbl name="node3">
+    <dgm:scene3d>
+      <a:camera prst="orthographicFront"/>
+      <a:lightRig rig="threePt" dir="t"/>
+    </dgm:scene3d>
+    <dgm:sp3d/>
+    <dgm:txPr/>
+    <dgm:style>
+      <a:lnRef idx="2">
+        <a:scrgbClr r="0" g="0" b="0"/>
+      </a:lnRef>
+      <a:fillRef idx="1">
+        <a:scrgbClr r="0" g="0" b="0"/>
+      </a:fillRef>
+      <a:effectRef idx="0">
+        <a:scrgbClr r="0" g="0" b="0"/>
+      </a:effectRef>
+      <a:fontRef idx="minor">
+        <a:schemeClr val="lt1"/>
+      </a:fontRef>
+    </dgm:style>
+  </dgm:styleLbl>
+  <dgm:styleLbl name="node4">
+    <dgm:scene3d>
+      <a:camera prst="orthographicFront"/>
+      <a:lightRig rig="threePt" dir="t"/>
+    </dgm:scene3d>
+    <dgm:sp3d/>
+    <dgm:txPr/>
+    <dgm:style>
+      <a:lnRef idx="2">
+        <a:scrgbClr r="0" g="0" b="0"/>
+      </a:lnRef>
+      <a:fillRef idx="1">
+        <a:scrgbClr r="0" g="0" b="0"/>
+      </a:fillRef>
+      <a:effectRef idx="0">
+        <a:scrgbClr r="0" g="0" b="0"/>
+      </a:effectRef>
+      <a:fontRef idx="minor">
+        <a:schemeClr val="lt1"/>
+      </a:fontRef>
+    </dgm:style>
+  </dgm:styleLbl>
+  <dgm:styleLbl name="fgImgPlace1">
+    <dgm:scene3d>
+      <a:camera prst="orthographicFront"/>
+      <a:lightRig rig="threePt" dir="t"/>
+    </dgm:scene3d>
+    <dgm:sp3d/>
+    <dgm:txPr/>
+    <dgm:style>
+      <a:lnRef idx="2">
+        <a:scrgbClr r="0" g="0" b="0"/>
+      </a:lnRef>
+      <a:fillRef idx="1">
+        <a:scrgbClr r="0" g="0" b="0"/>
+      </a:fillRef>
+      <a:effectRef idx="0">
+        <a:scrgbClr r="0" g="0" b="0"/>
+      </a:effectRef>
+      <a:fontRef idx="minor"/>
+    </dgm:style>
+  </dgm:styleLbl>
+  <dgm:styleLbl name="alignImgPlace1">
+    <dgm:scene3d>
+      <a:camera prst="orthographicFront"/>
+      <a:lightRig rig="threePt" dir="t"/>
+    </dgm:scene3d>
+    <dgm:sp3d/>
+    <dgm:txPr/>
+    <dgm:style>
+      <a:lnRef idx="2">
+        <a:scrgbClr r="0" g="0" b="0"/>
+      </a:lnRef>
+      <a:fillRef idx="1">
+        <a:scrgbClr r="0" g="0" b="0"/>
+      </a:fillRef>
+      <a:effectRef idx="0">
+        <a:scrgbClr r="0" g="0" b="0"/>
+      </a:effectRef>
+      <a:fontRef idx="minor"/>
+    </dgm:style>
+  </dgm:styleLbl>
+  <dgm:styleLbl name="bgImgPlace1">
+    <dgm:scene3d>
+      <a:camera prst="orthographicFront"/>
+      <a:lightRig rig="threePt" dir="t"/>
+    </dgm:scene3d>
+    <dgm:sp3d/>
+    <dgm:txPr/>
+    <dgm:style>
+      <a:lnRef idx="2">
+        <a:scrgbClr r="0" g="0" b="0"/>
+      </a:lnRef>
+      <a:fillRef idx="1">
+        <a:scrgbClr r="0" g="0" b="0"/>
+      </a:fillRef>
+      <a:effectRef idx="0">
+        <a:scrgbClr r="0" g="0" b="0"/>
+      </a:effectRef>
+      <a:fontRef idx="minor"/>
+    </dgm:style>
+  </dgm:styleLbl>
+  <dgm:styleLbl name="sibTrans2D1">
+    <dgm:scene3d>
+      <a:camera prst="orthographicFront"/>
+      <a:lightRig rig="threePt" dir="t"/>
+    </dgm:scene3d>
+    <dgm:sp3d/>
+    <dgm:txPr/>
+    <dgm:style>
+      <a:lnRef idx="0">
+        <a:scrgbClr r="0" g="0" b="0"/>
+      </a:lnRef>
+      <a:fillRef idx="1">
+        <a:scrgbClr r="0" g="0" b="0"/>
+      </a:fillRef>
+      <a:effectRef idx="0">
+        <a:scrgbClr r="0" g="0" b="0"/>
+      </a:effectRef>
+      <a:fontRef idx="minor">
+        <a:schemeClr val="lt1"/>
+      </a:fontRef>
+    </dgm:style>
+  </dgm:styleLbl>
+  <dgm:styleLbl name="fgSibTrans2D1">
+    <dgm:scene3d>
+      <a:camera prst="orthographicFront"/>
+      <a:lightRig rig="threePt" dir="t"/>
+    </dgm:scene3d>
+    <dgm:sp3d/>
+    <dgm:txPr/>
+    <dgm:style>
+      <a:lnRef idx="0">
+        <a:scrgbClr r="0" g="0" b="0"/>
+      </a:lnRef>
+      <a:fillRef idx="1">
+        <a:scrgbClr r="0" g="0" b="0"/>
+      </a:fillRef>
+      <a:effectRef idx="0">
+        <a:scrgbClr r="0" g="0" b="0"/>
+      </a:effectRef>
+      <a:fontRef idx="minor">
+        <a:schemeClr val="lt1"/>
+      </a:fontRef>
+    </dgm:style>
+  </dgm:styleLbl>
+  <dgm:styleLbl name="bgSibTrans2D1">
+    <dgm:scene3d>
+      <a:camera prst="orthographicFront"/>
+      <a:lightRig rig="threePt" dir="t"/>
+    </dgm:scene3d>
+    <dgm:sp3d/>
+    <dgm:txPr/>
+    <dgm:style>
+      <a:lnRef idx="0">
+        <a:scrgbClr r="0" g="0" b="0"/>
+      </a:lnRef>
+      <a:fillRef idx="1">
+        <a:scrgbClr r="0" g="0" b="0"/>
+      </a:fillRef>
+      <a:effectRef idx="0">
+        <a:scrgbClr r="0" g="0" b="0"/>
+      </a:effectRef>
+      <a:fontRef idx="minor">
+        <a:schemeClr val="lt1"/>
+      </a:fontRef>
+    </dgm:style>
+  </dgm:styleLbl>
+  <dgm:styleLbl name="sibTrans1D1">
+    <dgm:scene3d>
+      <a:camera prst="orthographicFront"/>
+      <a:lightRig rig="threePt" dir="t"/>
+    </dgm:scene3d>
+    <dgm:sp3d/>
+    <dgm:txPr/>
+    <dgm:style>
+      <a:lnRef idx="1">
+        <a:scrgbClr r="0" g="0" b="0"/>
+      </a:lnRef>
+      <a:fillRef idx="0">
+        <a:scrgbClr r="0" g="0" b="0"/>
+      </a:fillRef>
+      <a:effectRef idx="0">
+        <a:scrgbClr r="0" g="0" b="0"/>
+      </a:effectRef>
+      <a:fontRef idx="minor"/>
+    </dgm:style>
+  </dgm:styleLbl>
+  <dgm:styleLbl name="callout">
+    <dgm:scene3d>
+      <a:camera prst="orthographicFront"/>
+      <a:lightRig rig="threePt" dir="t"/>
+    </dgm:scene3d>
+    <dgm:sp3d/>
+    <dgm:txPr/>
+    <dgm:style>
+      <a:lnRef idx="2">
+        <a:scrgbClr r="0" g="0" b="0"/>
+      </a:lnRef>
+      <a:fillRef idx="1">
+        <a:scrgbClr r="0" g="0" b="0"/>
+      </a:fillRef>
+      <a:effectRef idx="0">
+        <a:scrgbClr r="0" g="0" b="0"/>
+      </a:effectRef>
+      <a:fontRef idx="minor"/>
+    </dgm:style>
+  </dgm:styleLbl>
+  <dgm:styleLbl name="asst0">
+    <dgm:scene3d>
+      <a:camera prst="orthographicFront"/>
+      <a:lightRig rig="threePt" dir="t"/>
+    </dgm:scene3d>
+    <dgm:sp3d/>
+    <dgm:txPr/>
+    <dgm:style>
+      <a:lnRef idx="2">
+        <a:scrgbClr r="0" g="0" b="0"/>
+      </a:lnRef>
+      <a:fillRef idx="1">
+        <a:scrgbClr r="0" g="0" b="0"/>
+      </a:fillRef>
+      <a:effectRef idx="0">
+        <a:scrgbClr r="0" g="0" b="0"/>
+      </a:effectRef>
+      <a:fontRef idx="minor">
+        <a:schemeClr val="lt1"/>
+      </a:fontRef>
+    </dgm:style>
+  </dgm:styleLbl>
+  <dgm:styleLbl name="asst1">
+    <dgm:scene3d>
+      <a:camera prst="orthographicFront"/>
+      <a:lightRig rig="threePt" dir="t"/>
+    </dgm:scene3d>
+    <dgm:sp3d/>
+    <dgm:txPr/>
+    <dgm:style>
+      <a:lnRef idx="2">
+        <a:scrgbClr r="0" g="0" b="0"/>
+      </a:lnRef>
+      <a:fillRef idx="1">
+        <a:scrgbClr r="0" g="0" b="0"/>
+      </a:fillRef>
+      <a:effectRef idx="0">
+        <a:scrgbClr r="0" g="0" b="0"/>
+      </a:effectRef>
+      <a:fontRef idx="minor">
+        <a:schemeClr val="lt1"/>
+      </a:fontRef>
+    </dgm:style>
+  </dgm:styleLbl>
+  <dgm:styleLbl name="asst2">
+    <dgm:scene3d>
+      <a:camera prst="orthographicFront"/>
+      <a:lightRig rig="threePt" dir="t"/>
+    </dgm:scene3d>
+    <dgm:sp3d/>
+    <dgm:txPr/>
+    <dgm:style>
+      <a:lnRef idx="2">
+        <a:scrgbClr r="0" g="0" b="0"/>
+      </a:lnRef>
+      <a:fillRef idx="1">
+        <a:scrgbClr r="0" g="0" b="0"/>
+      </a:fillRef>
+      <a:effectRef idx="0">
+        <a:scrgbClr r="0" g="0" b="0"/>
+      </a:effectRef>
+      <a:fontRef idx="minor">
+        <a:schemeClr val="lt1"/>
+      </a:fontRef>
+    </dgm:style>
+  </dgm:styleLbl>
+  <dgm:styleLbl name="asst3">
+    <dgm:scene3d>
+      <a:camera prst="orthographicFront"/>
+      <a:lightRig rig="threePt" dir="t"/>
+    </dgm:scene3d>
+    <dgm:sp3d/>
+    <dgm:txPr/>
+    <dgm:style>
+      <a:lnRef idx="2">
+        <a:scrgbClr r="0" g="0" b="0"/>
+      </a:lnRef>
+      <a:fillRef idx="1">
+        <a:scrgbClr r="0" g="0" b="0"/>
+      </a:fillRef>
+      <a:effectRef idx="0">
+        <a:scrgbClr r="0" g="0" b="0"/>
+      </a:effectRef>
+      <a:fontRef idx="minor">
+        <a:schemeClr val="lt1"/>
+      </a:fontRef>
+    </dgm:style>
+  </dgm:styleLbl>
+  <dgm:styleLbl name="asst4">
+    <dgm:scene3d>
+      <a:camera prst="orthographicFront"/>
+      <a:lightRig rig="threePt" dir="t"/>
+    </dgm:scene3d>
+    <dgm:sp3d/>
+    <dgm:txPr/>
+    <dgm:style>
+      <a:lnRef idx="2">
+        <a:scrgbClr r="0" g="0" b="0"/>
+      </a:lnRef>
+      <a:fillRef idx="1">
+        <a:scrgbClr r="0" g="0" b="0"/>
+      </a:fillRef>
+      <a:effectRef idx="0">
+        <a:scrgbClr r="0" g="0" b="0"/>
+      </a:effectRef>
+      <a:fontRef idx="minor">
+        <a:schemeClr val="lt1"/>
+      </a:fontRef>
+    </dgm:style>
+  </dgm:styleLbl>
+  <dgm:styleLbl name="parChTrans2D1">
+    <dgm:scene3d>
+      <a:camera prst="orthographicFront"/>
+      <a:lightRig rig="threePt" dir="t"/>
+    </dgm:scene3d>
+    <dgm:sp3d/>
+    <dgm:txPr/>
+    <dgm:style>
+      <a:lnRef idx="2">
+        <a:scrgbClr r="0" g="0" b="0"/>
+      </a:lnRef>
+      <a:fillRef idx="1">
+        <a:scrgbClr r="0" g="0" b="0"/>
+      </a:fillRef>
+      <a:effectRef idx="0">
+        <a:scrgbClr r="0" g="0" b="0"/>
+      </a:effectRef>
+      <a:fontRef idx="minor">
+        <a:schemeClr val="lt1"/>
+      </a:fontRef>
+    </dgm:style>
+  </dgm:styleLbl>
+  <dgm:styleLbl name="parChTrans2D2">
+    <dgm:scene3d>
+      <a:camera prst="orthographicFront"/>
+      <a:lightRig rig="threePt" dir="t"/>
+    </dgm:scene3d>
+    <dgm:sp3d/>
+    <dgm:txPr/>
+    <dgm:style>
+      <a:lnRef idx="2">
+        <a:scrgbClr r="0" g="0" b="0"/>
+      </a:lnRef>
+      <a:fillRef idx="1">
+        <a:scrgbClr r="0" g="0" b="0"/>
+      </a:fillRef>
+      <a:effectRef idx="0">
+        <a:scrgbClr r="0" g="0" b="0"/>
+      </a:effectRef>
+      <a:fontRef idx="minor">
+        <a:schemeClr val="lt1"/>
+      </a:fontRef>
+    </dgm:style>
+  </dgm:styleLbl>
+  <dgm:styleLbl name="parChTrans2D3">
+    <dgm:scene3d>
+      <a:camera prst="orthographicFront"/>
+      <a:lightRig rig="threePt" dir="t"/>
+    </dgm:scene3d>
+    <dgm:sp3d/>
+    <dgm:txPr/>
+    <dgm:style>
+      <a:lnRef idx="2">
+        <a:scrgbClr r="0" g="0" b="0"/>
+      </a:lnRef>
+      <a:fillRef idx="1">
+        <a:scrgbClr r="0" g="0" b="0"/>
+      </a:fillRef>
+      <a:effectRef idx="0">
+        <a:scrgbClr r="0" g="0" b="0"/>
+      </a:effectRef>
+      <a:fontRef idx="minor">
+        <a:schemeClr val="lt1"/>
+      </a:fontRef>
+    </dgm:style>
+  </dgm:styleLbl>
+  <dgm:styleLbl name="parChTrans2D4">
+    <dgm:scene3d>
+      <a:camera prst="orthographicFront"/>
+      <a:lightRig rig="threePt" dir="t"/>
+    </dgm:scene3d>
+    <dgm:sp3d/>
+    <dgm:txPr/>
+    <dgm:style>
+      <a:lnRef idx="2">
+        <a:scrgbClr r="0" g="0" b="0"/>
+      </a:lnRef>
+      <a:fillRef idx="1">
+        <a:scrgbClr r="0" g="0" b="0"/>
+      </a:fillRef>
+      <a:effectRef idx="0">
+        <a:scrgbClr r="0" g="0" b="0"/>
+      </a:effectRef>
+      <a:fontRef idx="minor">
+        <a:schemeClr val="lt1"/>
+      </a:fontRef>
+    </dgm:style>
+  </dgm:styleLbl>
+  <dgm:styleLbl name="parChTrans1D1">
+    <dgm:scene3d>
+      <a:camera prst="orthographicFront"/>
+      <a:lightRig rig="threePt" dir="t"/>
+    </dgm:scene3d>
+    <dgm:sp3d/>
+    <dgm:txPr/>
+    <dgm:style>
+      <a:lnRef idx="2">
+        <a:scrgbClr r="0" g="0" b="0"/>
+      </a:lnRef>
+      <a:fillRef idx="0">
+        <a:scrgbClr r="0" g="0" b="0"/>
+      </a:fillRef>
+      <a:effectRef idx="0">
+        <a:scrgbClr r="0" g="0" b="0"/>
+      </a:effectRef>
+      <a:fontRef idx="minor"/>
+    </dgm:style>
+  </dgm:styleLbl>
+  <dgm:styleLbl name="parChTrans1D2">
+    <dgm:scene3d>
+      <a:camera prst="orthographicFront"/>
+      <a:lightRig rig="threePt" dir="t"/>
+    </dgm:scene3d>
+    <dgm:sp3d/>
+    <dgm:txPr/>
+    <dgm:style>
+      <a:lnRef idx="2">
+        <a:scrgbClr r="0" g="0" b="0"/>
+      </a:lnRef>
+      <a:fillRef idx="0">
+        <a:scrgbClr r="0" g="0" b="0"/>
+      </a:fillRef>
+      <a:effectRef idx="0">
+        <a:scrgbClr r="0" g="0" b="0"/>
+      </a:effectRef>
+      <a:fontRef idx="minor"/>
+    </dgm:style>
+  </dgm:styleLbl>
+  <dgm:styleLbl name="parChTrans1D3">
+    <dgm:scene3d>
+      <a:camera prst="orthographicFront"/>
+      <a:lightRig rig="threePt" dir="t"/>
+    </dgm:scene3d>
+    <dgm:sp3d/>
+    <dgm:txPr/>
+    <dgm:style>
+      <a:lnRef idx="2">
+        <a:scrgbClr r="0" g="0" b="0"/>
+      </a:lnRef>
+      <a:fillRef idx="0">
+        <a:scrgbClr r="0" g="0" b="0"/>
+      </a:fillRef>
+      <a:effectRef idx="0">
+        <a:scrgbClr r="0" g="0" b="0"/>
+      </a:effectRef>
+      <a:fontRef idx="minor"/>
+    </dgm:style>
+  </dgm:styleLbl>
+  <dgm:styleLbl name="parChTrans1D4">
+    <dgm:scene3d>
+      <a:camera prst="orthographicFront"/>
+      <a:lightRig rig="threePt" dir="t"/>
+    </dgm:scene3d>
+    <dgm:sp3d/>
+    <dgm:txPr/>
+    <dgm:style>
+      <a:lnRef idx="2">
+        <a:scrgbClr r="0" g="0" b="0"/>
+      </a:lnRef>
+      <a:fillRef idx="0">
+        <a:scrgbClr r="0" g="0" b="0"/>
+      </a:fillRef>
+      <a:effectRef idx="0">
+        <a:scrgbClr r="0" g="0" b="0"/>
+      </a:effectRef>
+      <a:fontRef idx="minor"/>
+    </dgm:style>
+  </dgm:styleLbl>
+  <dgm:styleLbl name="fgAcc1">
+    <dgm:scene3d>
+      <a:camera prst="orthographicFront"/>
+      <a:lightRig rig="threePt" dir="t"/>
+    </dgm:scene3d>
+    <dgm:sp3d/>
+    <dgm:txPr/>
+    <dgm:style>
+      <a:lnRef idx="2">
+        <a:scrgbClr r="0" g="0" b="0"/>
+      </a:lnRef>
+      <a:fillRef idx="1">
+        <a:scrgbClr r="0" g="0" b="0"/>
+      </a:fillRef>
+      <a:effectRef idx="0">
+        <a:scrgbClr r="0" g="0" b="0"/>
+      </a:effectRef>
+      <a:fontRef idx="minor"/>
+    </dgm:style>
+  </dgm:styleLbl>
+  <dgm:styleLbl name="conFgAcc1">
+    <dgm:scene3d>
+      <a:camera prst="orthographicFront"/>
+      <a:lightRig rig="threePt" dir="t"/>
+    </dgm:scene3d>
+    <dgm:sp3d/>
+    <dgm:txPr/>
+    <dgm:style>
+      <a:lnRef idx="2">
+        <a:scrgbClr r="0" g="0" b="0"/>
+      </a:lnRef>
+      <a:fillRef idx="1">
+        <a:scrgbClr r="0" g="0" b="0"/>
+      </a:fillRef>
+      <a:effectRef idx="0">
+        <a:scrgbClr r="0" g="0" b="0"/>
+      </a:effectRef>
+      <a:fontRef idx="minor"/>
+    </dgm:style>
+  </dgm:styleLbl>
+  <dgm:styleLbl name="alignAcc1">
+    <dgm:scene3d>
+      <a:camera prst="orthographicFront"/>
+      <a:lightRig rig="threePt" dir="t"/>
+    </dgm:scene3d>
+    <dgm:sp3d/>
+    <dgm:txPr/>
+    <dgm:style>
+      <a:lnRef idx="2">
+        <a:scrgbClr r="0" g="0" b="0"/>
+      </a:lnRef>
+      <a:fillRef idx="1">
+        <a:scrgbClr r="0" g="0" b="0"/>
+      </a:fillRef>
+      <a:effectRef idx="0">
+        <a:scrgbClr r="0" g="0" b="0"/>
+      </a:effectRef>
+      <a:fontRef idx="minor"/>
+    </dgm:style>
+  </dgm:styleLbl>
+  <dgm:styleLbl name="trAlignAcc1">
+    <dgm:scene3d>
+      <a:camera prst="orthographicFront"/>
+      <a:lightRig rig="threePt" dir="t"/>
+    </dgm:scene3d>
+    <dgm:sp3d/>
+    <dgm:txPr/>
+    <dgm:style>
+      <a:lnRef idx="1">
+        <a:scrgbClr r="0" g="0" b="0"/>
+      </a:lnRef>
+      <a:fillRef idx="1">
+        <a:scrgbClr r="0" g="0" b="0"/>
+      </a:fillRef>
+      <a:effectRef idx="0">
+        <a:scrgbClr r="0" g="0" b="0"/>
+      </a:effectRef>
+      <a:fontRef idx="minor"/>
+    </dgm:style>
+  </dgm:styleLbl>
+  <dgm:styleLbl name="bgAcc1">
+    <dgm:scene3d>
+      <a:camera prst="orthographicFront"/>
+      <a:lightRig rig="threePt" dir="t"/>
+    </dgm:scene3d>
+    <dgm:sp3d/>
+    <dgm:txPr/>
+    <dgm:style>
+      <a:lnRef idx="2">
+        <a:scrgbClr r="0" g="0" b="0"/>
+      </a:lnRef>
+      <a:fillRef idx="1">
+        <a:scrgbClr r="0" g="0" b="0"/>
+      </a:fillRef>
+      <a:effectRef idx="0">
+        <a:scrgbClr r="0" g="0" b="0"/>
+      </a:effectRef>
+      <a:fontRef idx="minor"/>
+    </dgm:style>
+  </dgm:styleLbl>
+  <dgm:styleLbl name="solidFgAcc1">
+    <dgm:scene3d>
+      <a:camera prst="orthographicFront"/>
+      <a:lightRig rig="threePt" dir="t"/>
+    </dgm:scene3d>
+    <dgm:sp3d/>
+    <dgm:txPr/>
+    <dgm:style>
+      <a:lnRef idx="2">
+        <a:scrgbClr r="0" g="0" b="0"/>
+      </a:lnRef>
+      <a:fillRef idx="1">
+        <a:scrgbClr r="0" g="0" b="0"/>
+      </a:fillRef>
+      <a:effectRef idx="0">
+        <a:scrgbClr r="0" g="0" b="0"/>
+      </a:effectRef>
+      <a:fontRef idx="minor"/>
+    </dgm:style>
+  </dgm:styleLbl>
+  <dgm:styleLbl name="solidAlignAcc1">
+    <dgm:scene3d>
+      <a:camera prst="orthographicFront"/>
+      <a:lightRig rig="threePt" dir="t"/>
+    </dgm:scene3d>
+    <dgm:sp3d/>
+    <dgm:txPr/>
+    <dgm:style>
+      <a:lnRef idx="2">
+        <a:scrgbClr r="0" g="0" b="0"/>
+      </a:lnRef>
+      <a:fillRef idx="1">
+        <a:scrgbClr r="0" g="0" b="0"/>
+      </a:fillRef>
+      <a:effectRef idx="0">
+        <a:scrgbClr r="0" g="0" b="0"/>
+      </a:effectRef>
+      <a:fontRef idx="minor"/>
+    </dgm:style>
+  </dgm:styleLbl>
+  <dgm:styleLbl name="solidBgAcc1">
+    <dgm:scene3d>
+      <a:camera prst="orthographicFront"/>
+      <a:lightRig rig="threePt" dir="t"/>
+    </dgm:scene3d>
+    <dgm:sp3d/>
+    <dgm:txPr/>
+    <dgm:style>
+      <a:lnRef idx="2">
+        <a:scrgbClr r="0" g="0" b="0"/>
+      </a:lnRef>
+      <a:fillRef idx="1">
+        <a:scrgbClr r="0" g="0" b="0"/>
+      </a:fillRef>
+      <a:effectRef idx="0">
+        <a:scrgbClr r="0" g="0" b="0"/>
+      </a:effectRef>
+      <a:fontRef idx="minor"/>
+    </dgm:style>
+  </dgm:styleLbl>
+  <dgm:styleLbl name="fgAccFollowNode1">
+    <dgm:scene3d>
+      <a:camera prst="orthographicFront"/>
+      <a:lightRig rig="threePt" dir="t"/>
+    </dgm:scene3d>
+    <dgm:sp3d/>
+    <dgm:txPr/>
+    <dgm:style>
+      <a:lnRef idx="2">
+        <a:scrgbClr r="0" g="0" b="0"/>
+      </a:lnRef>
+      <a:fillRef idx="1">
+        <a:scrgbClr r="0" g="0" b="0"/>
+      </a:fillRef>
+      <a:effectRef idx="0">
+        <a:scrgbClr r="0" g="0" b="0"/>
+      </a:effectRef>
+      <a:fontRef idx="minor"/>
+    </dgm:style>
+  </dgm:styleLbl>
+  <dgm:styleLbl name="alignAccFollowNode1">
+    <dgm:scene3d>
+      <a:camera prst="orthographicFront"/>
+      <a:lightRig rig="threePt" dir="t"/>
+    </dgm:scene3d>
+    <dgm:sp3d/>
+    <dgm:txPr/>
+    <dgm:style>
+      <a:lnRef idx="2">
+        <a:scrgbClr r="0" g="0" b="0"/>
+      </a:lnRef>
+      <a:fillRef idx="1">
+        <a:scrgbClr r="0" g="0" b="0"/>
+      </a:fillRef>
+      <a:effectRef idx="0">
+        <a:scrgbClr r="0" g="0" b="0"/>
+      </a:effectRef>
+      <a:fontRef idx="minor"/>
+    </dgm:style>
+  </dgm:styleLbl>
+  <dgm:styleLbl name="bgAccFollowNode1">
+    <dgm:scene3d>
+      <a:camera prst="orthographicFront"/>
+      <a:lightRig rig="threePt" dir="t"/>
+    </dgm:scene3d>
+    <dgm:sp3d/>
+    <dgm:txPr/>
+    <dgm:style>
+      <a:lnRef idx="2">
+        <a:scrgbClr r="0" g="0" b="0"/>
+      </a:lnRef>
+      <a:fillRef idx="1">
+        <a:scrgbClr r="0" g="0" b="0"/>
+      </a:fillRef>
+      <a:effectRef idx="0">
+        <a:scrgbClr r="0" g="0" b="0"/>
+      </a:effectRef>
+      <a:fontRef idx="minor"/>
+    </dgm:style>
+  </dgm:styleLbl>
+  <dgm:styleLbl name="fgAcc0">
+    <dgm:scene3d>
+      <a:camera prst="orthographicFront"/>
+      <a:lightRig rig="threePt" dir="t"/>
+    </dgm:scene3d>
+    <dgm:sp3d/>
+    <dgm:txPr/>
+    <dgm:style>
+      <a:lnRef idx="2">
+        <a:scrgbClr r="0" g="0" b="0"/>
+      </a:lnRef>
+      <a:fillRef idx="1">
+        <a:scrgbClr r="0" g="0" b="0"/>
+      </a:fillRef>
+      <a:effectRef idx="0">
+        <a:scrgbClr r="0" g="0" b="0"/>
+      </a:effectRef>
+      <a:fontRef idx="minor"/>
+    </dgm:style>
+  </dgm:styleLbl>
+  <dgm:styleLbl name="fgAcc2">
+    <dgm:scene3d>
+      <a:camera prst="orthographicFront"/>
+      <a:lightRig rig="threePt" dir="t"/>
+    </dgm:scene3d>
+    <dgm:sp3d/>
+    <dgm:txPr/>
+    <dgm:style>
+      <a:lnRef idx="2">
+        <a:scrgbClr r="0" g="0" b="0"/>
+      </a:lnRef>
+      <a:fillRef idx="1">
+        <a:scrgbClr r="0" g="0" b="0"/>
+      </a:fillRef>
+      <a:effectRef idx="0">
+        <a:scrgbClr r="0" g="0" b="0"/>
+      </a:effectRef>
+      <a:fontRef idx="minor"/>
+    </dgm:style>
+  </dgm:styleLbl>
+  <dgm:styleLbl name="fgAcc3">
+    <dgm:scene3d>
+      <a:camera prst="orthographicFront"/>
+      <a:lightRig rig="threePt" dir="t"/>
+    </dgm:scene3d>
+    <dgm:sp3d/>
+    <dgm:txPr/>
+    <dgm:style>
+      <a:lnRef idx="2">
+        <a:scrgbClr r="0" g="0" b="0"/>
+      </a:lnRef>
+      <a:fillRef idx="1">
+        <a:scrgbClr r="0" g="0" b="0"/>
+      </a:fillRef>
+      <a:effectRef idx="0">
+        <a:scrgbClr r="0" g="0" b="0"/>
+      </a:effectRef>
+      <a:fontRef idx="minor"/>
+    </dgm:style>
+  </dgm:styleLbl>
+  <dgm:styleLbl name="fgAcc4">
+    <dgm:scene3d>
+      <a:camera prst="orthographicFront"/>
+      <a:lightRig rig="threePt" dir="t"/>
+    </dgm:scene3d>
+    <dgm:sp3d/>
+    <dgm:txPr/>
+    <dgm:style>
+      <a:lnRef idx="2">
+        <a:scrgbClr r="0" g="0" b="0"/>
+      </a:lnRef>
+      <a:fillRef idx="1">
+        <a:scrgbClr r="0" g="0" b="0"/>
+      </a:fillRef>
+      <a:effectRef idx="0">
+        <a:scrgbClr r="0" g="0" b="0"/>
+      </a:effectRef>
+      <a:fontRef idx="minor"/>
+    </dgm:style>
+  </dgm:styleLbl>
+  <dgm:styleLbl name="bgShp">
+    <dgm:scene3d>
+      <a:camera prst="orthographicFront"/>
+      <a:lightRig rig="threePt" dir="t"/>
+    </dgm:scene3d>
+    <dgm:sp3d/>
+    <dgm:txPr/>
+    <dgm:style>
+      <a:lnRef idx="0">
+        <a:scrgbClr r="0" g="0" b="0"/>
+      </a:lnRef>
+      <a:fillRef idx="1">
+        <a:scrgbClr r="0" g="0" b="0"/>
+      </a:fillRef>
+      <a:effectRef idx="0">
+        <a:scrgbClr r="0" g="0" b="0"/>
+      </a:effectRef>
+      <a:fontRef idx="minor"/>
+    </dgm:style>
+  </dgm:styleLbl>
+  <dgm:styleLbl name="dkBgShp">
+    <dgm:scene3d>
+      <a:camera prst="orthographicFront"/>
+      <a:lightRig rig="threePt" dir="t"/>
+    </dgm:scene3d>
+    <dgm:sp3d/>
+    <dgm:txPr/>
+    <dgm:style>
+      <a:lnRef idx="0">
+        <a:scrgbClr r="0" g="0" b="0"/>
+      </a:lnRef>
+      <a:fillRef idx="1">
+        <a:scrgbClr r="0" g="0" b="0"/>
+      </a:fillRef>
+      <a:effectRef idx="0">
+        <a:scrgbClr r="0" g="0" b="0"/>
+      </a:effectRef>
+      <a:fontRef idx="minor"/>
+    </dgm:style>
+  </dgm:styleLbl>
+  <dgm:styleLbl name="trBgShp">
+    <dgm:scene3d>
+      <a:camera prst="orthographicFront"/>
+      <a:lightRig rig="threePt" dir="t"/>
+    </dgm:scene3d>
+    <dgm:sp3d/>
+    <dgm:txPr/>
+    <dgm:style>
+      <a:lnRef idx="0">
+        <a:scrgbClr r="0" g="0" b="0"/>
+      </a:lnRef>
+      <a:fillRef idx="1">
+        <a:scrgbClr r="0" g="0" b="0"/>
+      </a:fillRef>
+      <a:effectRef idx="0">
+        <a:scrgbClr r="0" g="0" b="0"/>
+      </a:effectRef>
+      <a:fontRef idx="minor"/>
+    </dgm:style>
+  </dgm:styleLbl>
+  <dgm:styleLbl name="fgShp">
+    <dgm:scene3d>
+      <a:camera prst="orthographicFront"/>
+      <a:lightRig rig="threePt" dir="t"/>
+    </dgm:scene3d>
+    <dgm:sp3d/>
+    <dgm:txPr/>
+    <dgm:style>
+      <a:lnRef idx="2">
+        <a:scrgbClr r="0" g="0" b="0"/>
+      </a:lnRef>
+      <a:fillRef idx="1">
+        <a:scrgbClr r="0" g="0" b="0"/>
+      </a:fillRef>
+      <a:effectRef idx="0">
+        <a:scrgbClr r="0" g="0" b="0"/>
+      </a:effectRef>
+      <a:fontRef idx="minor"/>
+    </dgm:style>
+  </dgm:styleLbl>
+  <dgm:styleLbl name="revTx">
+    <dgm:scene3d>
+      <a:camera prst="orthographicFront"/>
+      <a:lightRig rig="threePt" dir="t"/>
+    </dgm:scene3d>
+    <dgm:sp3d/>
+    <dgm:txPr/>
+    <dgm:style>
+      <a:lnRef idx="0">
+        <a:scrgbClr r="0" g="0" b="0"/>
+      </a:lnRef>
+      <a:fillRef idx="0">
+        <a:scrgbClr r="0" g="0" b="0"/>
+      </a:fillRef>
+      <a:effectRef idx="0">
+        <a:scrgbClr r="0" g="0" b="0"/>
+      </a:effectRef>
+      <a:fontRef idx="minor"/>
+    </dgm:style>
+  </dgm:styleLbl>
+</dgm:styleDef>
+</file>
+
+<file path=ppt/diagrams/quickStyle3.xml><?xml version="1.0" encoding="utf-8"?>
 <dgm:styleDef xmlns:dgm="http://schemas.openxmlformats.org/drawingml/2006/diagram" xmlns:a="http://schemas.openxmlformats.org/drawingml/2006/main" uniqueId="urn:microsoft.com/office/officeart/2005/8/quickstyle/simple1">
   <dgm:title val=""/>
   <dgm:desc val=""/>
@@ -8043,76 +12334,6 @@
           <a:bodyPr/>
           <a:lstStyle/>
           <a:p>
-            <a:r>
-              <a:rPr lang="en-US" dirty="0" smtClean="0"/>
-              <a:t>May need to cut this one out</a:t>
-            </a:r>
-            <a:endParaRPr lang="en-US" dirty="0"/>
-          </a:p>
-        </p:txBody>
-      </p:sp>
-    </p:spTree>
-    <p:extLst>
-      <p:ext uri="{BB962C8B-B14F-4D97-AF65-F5344CB8AC3E}">
-        <p14:creationId xmlns:p14="http://schemas.microsoft.com/office/powerpoint/2010/main" val="1563252581"/>
-      </p:ext>
-    </p:extLst>
-  </p:cSld>
-  <p:clrMapOvr>
-    <a:masterClrMapping/>
-  </p:clrMapOvr>
-</p:notes>
-</file>
-
-<file path=ppt/notesSlides/notesSlide3.xml><?xml version="1.0" encoding="utf-8"?>
-<p:notes xmlns:a="http://schemas.openxmlformats.org/drawingml/2006/main" xmlns:r="http://schemas.openxmlformats.org/officeDocument/2006/relationships" xmlns:p="http://schemas.openxmlformats.org/presentationml/2006/main">
-  <p:cSld>
-    <p:spTree>
-      <p:nvGrpSpPr>
-        <p:cNvPr id="1" name=""/>
-        <p:cNvGrpSpPr/>
-        <p:nvPr/>
-      </p:nvGrpSpPr>
-      <p:grpSpPr>
-        <a:xfrm>
-          <a:off x="0" y="0"/>
-          <a:ext cx="0" cy="0"/>
-          <a:chOff x="0" y="0"/>
-          <a:chExt cx="0" cy="0"/>
-        </a:xfrm>
-      </p:grpSpPr>
-      <p:sp>
-        <p:nvSpPr>
-          <p:cNvPr id="2" name="Slide Image Placeholder 1"/>
-          <p:cNvSpPr>
-            <a:spLocks noGrp="1" noRot="1" noChangeAspect="1"/>
-          </p:cNvSpPr>
-          <p:nvPr>
-            <p:ph type="sldImg"/>
-          </p:nvPr>
-        </p:nvSpPr>
-        <p:spPr>
-          <a:xfrm>
-            <a:off x="381000" y="685800"/>
-            <a:ext cx="6096000" cy="3429000"/>
-          </a:xfrm>
-        </p:spPr>
-      </p:sp>
-      <p:sp>
-        <p:nvSpPr>
-          <p:cNvPr id="3" name="Notes Placeholder 2"/>
-          <p:cNvSpPr>
-            <a:spLocks noGrp="1"/>
-          </p:cNvSpPr>
-          <p:nvPr>
-            <p:ph type="body" idx="1"/>
-          </p:nvPr>
-        </p:nvSpPr>
-        <p:spPr/>
-        <p:txBody>
-          <a:bodyPr/>
-          <a:lstStyle/>
-          <a:p>
             <a:pPr marL="372526" indent="-372526" defTabSz="886968">
               <a:spcBef>
                 <a:spcPts val="900"/>
@@ -8275,7 +12496,7 @@
 </p:notes>
 </file>
 
-<file path=ppt/notesSlides/notesSlide4.xml><?xml version="1.0" encoding="utf-8"?>
+<file path=ppt/notesSlides/notesSlide3.xml><?xml version="1.0" encoding="utf-8"?>
 <p:notes xmlns:a="http://schemas.openxmlformats.org/drawingml/2006/main" xmlns:r="http://schemas.openxmlformats.org/officeDocument/2006/relationships" xmlns:p="http://schemas.openxmlformats.org/presentationml/2006/main">
   <p:cSld>
     <p:spTree>
@@ -8331,38 +12552,20 @@
               <a:defRPr sz="1720"/>
             </a:pPr>
             <a:r>
-              <a:rPr lang="en-US" dirty="0" err="1"/>
-              <a:t>NaiveBayes</a:t>
+              <a:rPr lang="en-US" dirty="0" smtClean="0"/>
+              <a:t>Our models: Naïve</a:t>
             </a:r>
             <a:r>
-              <a:rPr lang="en-US" dirty="0"/>
-              <a:t> Classifier (our model)</a:t>
+              <a:rPr lang="en-US" baseline="0" dirty="0" smtClean="0"/>
+              <a:t> </a:t>
             </a:r>
-          </a:p>
-          <a:p>
-            <a:pPr marL="786384" lvl="1" indent="-330281" defTabSz="786384">
-              <a:spcBef>
-                <a:spcPts val="800"/>
-              </a:spcBef>
-              <a:buChar char="■"/>
-              <a:defRPr sz="1720"/>
-            </a:pPr>
             <a:r>
-              <a:rPr lang="en-US" dirty="0"/>
-              <a:t>Extremely inaccurate with news source feature </a:t>
+              <a:rPr lang="en-US" baseline="0" dirty="0" err="1" smtClean="0"/>
+              <a:t>bayes</a:t>
             </a:r>
-          </a:p>
-          <a:p>
-            <a:pPr marL="786384" lvl="1" indent="-330281" defTabSz="786384">
-              <a:spcBef>
-                <a:spcPts val="800"/>
-              </a:spcBef>
-              <a:buChar char="■"/>
-              <a:defRPr sz="1720"/>
-            </a:pPr>
             <a:r>
-              <a:rPr lang="en-US" dirty="0"/>
-              <a:t>Best model: only feature is TF-IDF, accuracy 0.55</a:t>
+              <a:rPr lang="en-US" baseline="0" dirty="0" smtClean="0"/>
+              <a:t>, one vs. rest, multilayer perceptron</a:t>
             </a:r>
           </a:p>
           <a:p>
@@ -8373,57 +12576,22 @@
               <a:defRPr sz="1720"/>
             </a:pPr>
             <a:r>
-              <a:rPr lang="en-US" dirty="0" err="1"/>
-              <a:t>OnevsRest</a:t>
-            </a:r>
-            <a:r>
-              <a:rPr lang="en-US" dirty="0"/>
-              <a:t> with Logistic Regression Classifier</a:t>
-            </a:r>
-          </a:p>
-          <a:p>
-            <a:pPr marL="786384" lvl="1" indent="-330281" defTabSz="786384">
-              <a:spcBef>
-                <a:spcPts val="800"/>
-              </a:spcBef>
-              <a:buChar char="■"/>
-              <a:defRPr sz="1720"/>
-            </a:pPr>
-            <a:r>
-              <a:rPr lang="en-US" dirty="0"/>
-              <a:t>Extremely inaccurate with news source feature </a:t>
-            </a:r>
-          </a:p>
-          <a:p>
-            <a:pPr marL="786384" lvl="1" indent="-330281" defTabSz="786384">
-              <a:spcBef>
-                <a:spcPts val="800"/>
-              </a:spcBef>
-              <a:buChar char="■"/>
-              <a:defRPr sz="1720"/>
-            </a:pPr>
-            <a:r>
-              <a:rPr lang="en-US" dirty="0"/>
-              <a:t>Best model: only feature is TF-IDF, accuracy 0.60</a:t>
-            </a:r>
-          </a:p>
-          <a:p>
-            <a:pPr marL="330281" indent="-330281" defTabSz="786384">
-              <a:spcBef>
-                <a:spcPts val="800"/>
-              </a:spcBef>
-              <a:defRPr sz="1720"/>
-            </a:pPr>
-            <a:r>
-              <a:rPr lang="en-US" b="0" i="0" dirty="0">
+              <a:rPr lang="en-US" b="0" i="0" baseline="0" dirty="0" smtClean="0">
                 <a:solidFill>
                   <a:srgbClr val="D1D2D3"/>
                 </a:solidFill>
                 <a:effectLst/>
                 <a:latin typeface="Slack-Lato"/>
               </a:rPr>
-              <a:t>Multilayer Perceptron Classifier</a:t>
+              <a:t>Accuracy b/w 0.63 and 0.64</a:t>
             </a:r>
+            <a:endParaRPr lang="en-US" b="0" i="0" dirty="0">
+              <a:solidFill>
+                <a:srgbClr val="D1D2D3"/>
+              </a:solidFill>
+              <a:effectLst/>
+              <a:latin typeface="Slack-Lato"/>
+            </a:endParaRPr>
           </a:p>
           <a:p>
             <a:pPr marL="330281" indent="-330281" defTabSz="786384">
@@ -8464,25 +12632,13 @@
             </a:pPr>
             <a:r>
               <a:rPr lang="en-US" dirty="0"/>
-              <a:t>Other Models</a:t>
-            </a:r>
-          </a:p>
-          <a:p>
-            <a:pPr marL="786384" lvl="1" indent="-330281" defTabSz="786384">
-              <a:spcBef>
-                <a:spcPts val="800"/>
-              </a:spcBef>
-              <a:buChar char="■"/>
-              <a:defRPr sz="1720"/>
-            </a:pPr>
-            <a:r>
-              <a:rPr lang="en-US" dirty="0" err="1"/>
-              <a:t>Textblob</a:t>
+              <a:t>Other </a:t>
             </a:r>
             <a:r>
-              <a:rPr lang="en-US" dirty="0"/>
-              <a:t> (untrained): accuracy 0.0</a:t>
+              <a:rPr lang="en-US" dirty="0" smtClean="0"/>
+              <a:t>Models</a:t>
             </a:r>
+            <a:endParaRPr lang="en-US" dirty="0"/>
           </a:p>
           <a:p>
             <a:pPr marL="786384" lvl="1" indent="-330281" defTabSz="786384">
@@ -9039,140 +13195,6 @@
 </file>
 
 <file path=ppt/slideLayouts/slideLayout10.xml><?xml version="1.0" encoding="utf-8"?>
-<p:sldLayout xmlns:a="http://schemas.openxmlformats.org/drawingml/2006/main" xmlns:r="http://schemas.openxmlformats.org/officeDocument/2006/relationships" xmlns:p="http://schemas.openxmlformats.org/presentationml/2006/main" type="tx">
-  <p:cSld name="Title and Vertical Text">
-    <p:spTree>
-      <p:nvGrpSpPr>
-        <p:cNvPr id="1" name=""/>
-        <p:cNvGrpSpPr/>
-        <p:nvPr/>
-      </p:nvGrpSpPr>
-      <p:grpSpPr>
-        <a:xfrm>
-          <a:off x="0" y="0"/>
-          <a:ext cx="0" cy="0"/>
-          <a:chOff x="0" y="0"/>
-          <a:chExt cx="0" cy="0"/>
-        </a:xfrm>
-      </p:grpSpPr>
-      <p:sp>
-        <p:nvSpPr>
-          <p:cNvPr id="105" name="Title Text"/>
-          <p:cNvSpPr txBox="1">
-            <a:spLocks noGrp="1"/>
-          </p:cNvSpPr>
-          <p:nvPr>
-            <p:ph type="title"/>
-          </p:nvPr>
-        </p:nvSpPr>
-        <p:spPr>
-          <a:xfrm>
-            <a:off x="1371600" y="685800"/>
-            <a:ext cx="9601200" cy="1485900"/>
-          </a:xfrm>
-          <a:prstGeom prst="rect">
-            <a:avLst/>
-          </a:prstGeom>
-        </p:spPr>
-        <p:txBody>
-          <a:bodyPr/>
-          <a:lstStyle/>
-          <a:p>
-            <a:r>
-              <a:t>Title Text</a:t>
-            </a:r>
-          </a:p>
-        </p:txBody>
-      </p:sp>
-      <p:sp>
-        <p:nvSpPr>
-          <p:cNvPr id="106" name="Body Level One…"/>
-          <p:cNvSpPr txBox="1">
-            <a:spLocks noGrp="1"/>
-          </p:cNvSpPr>
-          <p:nvPr>
-            <p:ph type="body" idx="1"/>
-          </p:nvPr>
-        </p:nvSpPr>
-        <p:spPr>
-          <a:xfrm>
-            <a:off x="1371600" y="2295525"/>
-            <a:ext cx="9601200" cy="3571875"/>
-          </a:xfrm>
-          <a:prstGeom prst="rect">
-            <a:avLst/>
-          </a:prstGeom>
-        </p:spPr>
-        <p:txBody>
-          <a:bodyPr/>
-          <a:lstStyle/>
-          <a:p>
-            <a:r>
-              <a:t>Body Level One</a:t>
-            </a:r>
-          </a:p>
-          <a:p>
-            <a:pPr lvl="1"/>
-            <a:r>
-              <a:t>Body Level Two</a:t>
-            </a:r>
-          </a:p>
-          <a:p>
-            <a:pPr lvl="2"/>
-            <a:r>
-              <a:t>Body Level Three</a:t>
-            </a:r>
-          </a:p>
-          <a:p>
-            <a:pPr lvl="3"/>
-            <a:r>
-              <a:t>Body Level Four</a:t>
-            </a:r>
-          </a:p>
-          <a:p>
-            <a:pPr lvl="4"/>
-            <a:r>
-              <a:t>Body Level Five</a:t>
-            </a:r>
-          </a:p>
-        </p:txBody>
-      </p:sp>
-      <p:sp>
-        <p:nvSpPr>
-          <p:cNvPr id="107" name="Slide Number"/>
-          <p:cNvSpPr txBox="1">
-            <a:spLocks noGrp="1"/>
-          </p:cNvSpPr>
-          <p:nvPr>
-            <p:ph type="sldNum" sz="quarter" idx="2"/>
-          </p:nvPr>
-        </p:nvSpPr>
-        <p:spPr>
-          <a:prstGeom prst="rect">
-            <a:avLst/>
-          </a:prstGeom>
-        </p:spPr>
-        <p:txBody>
-          <a:bodyPr/>
-          <a:lstStyle/>
-          <a:p>
-            <a:fld id="{86CB4B4D-7CA3-9044-876B-883B54F8677D}" type="slidenum">
-              <a:t>‹#›</a:t>
-            </a:fld>
-            <a:endParaRPr/>
-          </a:p>
-        </p:txBody>
-      </p:sp>
-    </p:spTree>
-  </p:cSld>
-  <p:clrMapOvr>
-    <a:masterClrMapping/>
-  </p:clrMapOvr>
-  <p:transition spd="med"/>
-</p:sldLayout>
-</file>
-
-<file path=ppt/slideLayouts/slideLayout11.xml><?xml version="1.0" encoding="utf-8"?>
 <p:sldLayout xmlns:a="http://schemas.openxmlformats.org/drawingml/2006/main" xmlns:r="http://schemas.openxmlformats.org/officeDocument/2006/relationships" xmlns:p="http://schemas.openxmlformats.org/presentationml/2006/main" type="tx">
   <p:cSld name="Vertical Title and Text">
     <p:spTree>
@@ -10265,248 +14287,6 @@
 
 <file path=ppt/slideLayouts/slideLayout8.xml><?xml version="1.0" encoding="utf-8"?>
 <p:sldLayout xmlns:a="http://schemas.openxmlformats.org/drawingml/2006/main" xmlns:r="http://schemas.openxmlformats.org/officeDocument/2006/relationships" xmlns:p="http://schemas.openxmlformats.org/presentationml/2006/main" showMasterSp="0" type="tx">
-  <p:cSld name="Content with Caption">
-    <p:spTree>
-      <p:nvGrpSpPr>
-        <p:cNvPr id="1" name=""/>
-        <p:cNvGrpSpPr/>
-        <p:nvPr/>
-      </p:nvGrpSpPr>
-      <p:grpSpPr>
-        <a:xfrm>
-          <a:off x="0" y="0"/>
-          <a:ext cx="0" cy="0"/>
-          <a:chOff x="0" y="0"/>
-          <a:chExt cx="0" cy="0"/>
-        </a:xfrm>
-      </p:grpSpPr>
-      <p:sp>
-        <p:nvSpPr>
-          <p:cNvPr id="81" name="Background ShapeRectangle 7"/>
-          <p:cNvSpPr/>
-          <p:nvPr/>
-        </p:nvSpPr>
-        <p:spPr>
-          <a:xfrm>
-            <a:off x="-1" y="375"/>
-            <a:ext cx="5303522" cy="6857626"/>
-          </a:xfrm>
-          <a:prstGeom prst="rect">
-            <a:avLst/>
-          </a:prstGeom>
-          <a:solidFill>
-            <a:schemeClr val="accent1"/>
-          </a:solidFill>
-          <a:ln w="12700">
-            <a:miter lim="400000"/>
-          </a:ln>
-        </p:spPr>
-        <p:txBody>
-          <a:bodyPr lIns="45719" rIns="45719"/>
-          <a:lstStyle/>
-          <a:p>
-            <a:endParaRPr/>
-          </a:p>
-        </p:txBody>
-      </p:sp>
-      <p:sp>
-        <p:nvSpPr>
-          <p:cNvPr id="82" name="Title Text"/>
-          <p:cNvSpPr txBox="1">
-            <a:spLocks noGrp="1"/>
-          </p:cNvSpPr>
-          <p:nvPr>
-            <p:ph type="title"/>
-          </p:nvPr>
-        </p:nvSpPr>
-        <p:spPr>
-          <a:xfrm>
-            <a:off x="723900" y="685800"/>
-            <a:ext cx="3855721" cy="2157884"/>
-          </a:xfrm>
-          <a:prstGeom prst="rect">
-            <a:avLst/>
-          </a:prstGeom>
-        </p:spPr>
-        <p:txBody>
-          <a:bodyPr/>
-          <a:lstStyle>
-            <a:lvl1pPr>
-              <a:lnSpc>
-                <a:spcPct val="84000"/>
-              </a:lnSpc>
-              <a:defRPr sz="4800"/>
-            </a:lvl1pPr>
-          </a:lstStyle>
-          <a:p>
-            <a:r>
-              <a:t>Title Text</a:t>
-            </a:r>
-          </a:p>
-        </p:txBody>
-      </p:sp>
-      <p:sp>
-        <p:nvSpPr>
-          <p:cNvPr id="83" name="Body Level One…"/>
-          <p:cNvSpPr txBox="1">
-            <a:spLocks noGrp="1"/>
-          </p:cNvSpPr>
-          <p:nvPr>
-            <p:ph type="body" sz="half" idx="1"/>
-          </p:nvPr>
-        </p:nvSpPr>
-        <p:spPr>
-          <a:xfrm>
-            <a:off x="6256020" y="685801"/>
-            <a:ext cx="5212080" cy="5175251"/>
-          </a:xfrm>
-          <a:prstGeom prst="rect">
-            <a:avLst/>
-          </a:prstGeom>
-        </p:spPr>
-        <p:txBody>
-          <a:bodyPr/>
-          <a:lstStyle/>
-          <a:p>
-            <a:r>
-              <a:t>Body Level One</a:t>
-            </a:r>
-          </a:p>
-          <a:p>
-            <a:pPr lvl="1"/>
-            <a:r>
-              <a:t>Body Level Two</a:t>
-            </a:r>
-          </a:p>
-          <a:p>
-            <a:pPr lvl="2"/>
-            <a:r>
-              <a:t>Body Level Three</a:t>
-            </a:r>
-          </a:p>
-          <a:p>
-            <a:pPr lvl="3"/>
-            <a:r>
-              <a:t>Body Level Four</a:t>
-            </a:r>
-          </a:p>
-          <a:p>
-            <a:pPr lvl="4"/>
-            <a:r>
-              <a:t>Body Level Five</a:t>
-            </a:r>
-          </a:p>
-        </p:txBody>
-      </p:sp>
-      <p:sp>
-        <p:nvSpPr>
-          <p:cNvPr id="84" name="Text Placeholder 3"/>
-          <p:cNvSpPr>
-            <a:spLocks noGrp="1"/>
-          </p:cNvSpPr>
-          <p:nvPr>
-            <p:ph type="body" sz="quarter" idx="13"/>
-          </p:nvPr>
-        </p:nvSpPr>
-        <p:spPr>
-          <a:xfrm>
-            <a:off x="723899" y="2856344"/>
-            <a:ext cx="3855722" cy="3011057"/>
-          </a:xfrm>
-          <a:prstGeom prst="rect">
-            <a:avLst/>
-          </a:prstGeom>
-        </p:spPr>
-        <p:txBody>
-          <a:bodyPr/>
-          <a:lstStyle/>
-          <a:p>
-            <a:pPr marL="0" indent="0">
-              <a:lnSpc>
-                <a:spcPct val="113000"/>
-              </a:lnSpc>
-              <a:spcBef>
-                <a:spcPts val="1500"/>
-              </a:spcBef>
-              <a:buSzTx/>
-              <a:buFontTx/>
-              <a:buNone/>
-              <a:defRPr sz="1600"/>
-            </a:pPr>
-            <a:endParaRPr/>
-          </a:p>
-        </p:txBody>
-      </p:sp>
-      <p:sp>
-        <p:nvSpPr>
-          <p:cNvPr id="85" name="Divider BarRectangle 8"/>
-          <p:cNvSpPr/>
-          <p:nvPr/>
-        </p:nvSpPr>
-        <p:spPr>
-          <a:xfrm>
-            <a:off x="5303520" y="376"/>
-            <a:ext cx="228601" cy="6858001"/>
-          </a:xfrm>
-          <a:prstGeom prst="rect">
-            <a:avLst/>
-          </a:prstGeom>
-          <a:solidFill>
-            <a:srgbClr val="191B0E"/>
-          </a:solidFill>
-          <a:ln w="12700">
-            <a:miter lim="400000"/>
-          </a:ln>
-        </p:spPr>
-        <p:txBody>
-          <a:bodyPr lIns="45719" rIns="45719"/>
-          <a:lstStyle/>
-          <a:p>
-            <a:endParaRPr/>
-          </a:p>
-        </p:txBody>
-      </p:sp>
-      <p:sp>
-        <p:nvSpPr>
-          <p:cNvPr id="86" name="Slide Number"/>
-          <p:cNvSpPr txBox="1">
-            <a:spLocks noGrp="1"/>
-          </p:cNvSpPr>
-          <p:nvPr>
-            <p:ph type="sldNum" sz="quarter" idx="2"/>
-          </p:nvPr>
-        </p:nvSpPr>
-        <p:spPr>
-          <a:xfrm>
-            <a:off x="11205823" y="6523206"/>
-            <a:ext cx="273609" cy="264974"/>
-          </a:xfrm>
-          <a:prstGeom prst="rect">
-            <a:avLst/>
-          </a:prstGeom>
-        </p:spPr>
-        <p:txBody>
-          <a:bodyPr/>
-          <a:lstStyle/>
-          <a:p>
-            <a:fld id="{86CB4B4D-7CA3-9044-876B-883B54F8677D}" type="slidenum">
-              <a:t>‹#›</a:t>
-            </a:fld>
-            <a:endParaRPr/>
-          </a:p>
-        </p:txBody>
-      </p:sp>
-    </p:spTree>
-  </p:cSld>
-  <p:clrMapOvr>
-    <a:masterClrMapping/>
-  </p:clrMapOvr>
-  <p:transition spd="med"/>
-</p:sldLayout>
-</file>
-
-<file path=ppt/slideLayouts/slideLayout9.xml><?xml version="1.0" encoding="utf-8"?>
-<p:sldLayout xmlns:a="http://schemas.openxmlformats.org/drawingml/2006/main" xmlns:r="http://schemas.openxmlformats.org/officeDocument/2006/relationships" xmlns:p="http://schemas.openxmlformats.org/presentationml/2006/main" showMasterSp="0" type="tx">
   <p:cSld name="Picture with Caption">
     <p:spTree>
       <p:nvGrpSpPr>
@@ -10798,6 +14578,140 @@
 </p:sldLayout>
 </file>
 
+<file path=ppt/slideLayouts/slideLayout9.xml><?xml version="1.0" encoding="utf-8"?>
+<p:sldLayout xmlns:a="http://schemas.openxmlformats.org/drawingml/2006/main" xmlns:r="http://schemas.openxmlformats.org/officeDocument/2006/relationships" xmlns:p="http://schemas.openxmlformats.org/presentationml/2006/main" type="tx">
+  <p:cSld name="Title and Vertical Text">
+    <p:spTree>
+      <p:nvGrpSpPr>
+        <p:cNvPr id="1" name=""/>
+        <p:cNvGrpSpPr/>
+        <p:nvPr/>
+      </p:nvGrpSpPr>
+      <p:grpSpPr>
+        <a:xfrm>
+          <a:off x="0" y="0"/>
+          <a:ext cx="0" cy="0"/>
+          <a:chOff x="0" y="0"/>
+          <a:chExt cx="0" cy="0"/>
+        </a:xfrm>
+      </p:grpSpPr>
+      <p:sp>
+        <p:nvSpPr>
+          <p:cNvPr id="105" name="Title Text"/>
+          <p:cNvSpPr txBox="1">
+            <a:spLocks noGrp="1"/>
+          </p:cNvSpPr>
+          <p:nvPr>
+            <p:ph type="title"/>
+          </p:nvPr>
+        </p:nvSpPr>
+        <p:spPr>
+          <a:xfrm>
+            <a:off x="1371600" y="685800"/>
+            <a:ext cx="9601200" cy="1485900"/>
+          </a:xfrm>
+          <a:prstGeom prst="rect">
+            <a:avLst/>
+          </a:prstGeom>
+        </p:spPr>
+        <p:txBody>
+          <a:bodyPr/>
+          <a:lstStyle/>
+          <a:p>
+            <a:r>
+              <a:t>Title Text</a:t>
+            </a:r>
+          </a:p>
+        </p:txBody>
+      </p:sp>
+      <p:sp>
+        <p:nvSpPr>
+          <p:cNvPr id="106" name="Body Level One…"/>
+          <p:cNvSpPr txBox="1">
+            <a:spLocks noGrp="1"/>
+          </p:cNvSpPr>
+          <p:nvPr>
+            <p:ph type="body" idx="1"/>
+          </p:nvPr>
+        </p:nvSpPr>
+        <p:spPr>
+          <a:xfrm>
+            <a:off x="1371600" y="2295525"/>
+            <a:ext cx="9601200" cy="3571875"/>
+          </a:xfrm>
+          <a:prstGeom prst="rect">
+            <a:avLst/>
+          </a:prstGeom>
+        </p:spPr>
+        <p:txBody>
+          <a:bodyPr/>
+          <a:lstStyle/>
+          <a:p>
+            <a:r>
+              <a:t>Body Level One</a:t>
+            </a:r>
+          </a:p>
+          <a:p>
+            <a:pPr lvl="1"/>
+            <a:r>
+              <a:t>Body Level Two</a:t>
+            </a:r>
+          </a:p>
+          <a:p>
+            <a:pPr lvl="2"/>
+            <a:r>
+              <a:t>Body Level Three</a:t>
+            </a:r>
+          </a:p>
+          <a:p>
+            <a:pPr lvl="3"/>
+            <a:r>
+              <a:t>Body Level Four</a:t>
+            </a:r>
+          </a:p>
+          <a:p>
+            <a:pPr lvl="4"/>
+            <a:r>
+              <a:t>Body Level Five</a:t>
+            </a:r>
+          </a:p>
+        </p:txBody>
+      </p:sp>
+      <p:sp>
+        <p:nvSpPr>
+          <p:cNvPr id="107" name="Slide Number"/>
+          <p:cNvSpPr txBox="1">
+            <a:spLocks noGrp="1"/>
+          </p:cNvSpPr>
+          <p:nvPr>
+            <p:ph type="sldNum" sz="quarter" idx="2"/>
+          </p:nvPr>
+        </p:nvSpPr>
+        <p:spPr>
+          <a:prstGeom prst="rect">
+            <a:avLst/>
+          </a:prstGeom>
+        </p:spPr>
+        <p:txBody>
+          <a:bodyPr/>
+          <a:lstStyle/>
+          <a:p>
+            <a:fld id="{86CB4B4D-7CA3-9044-876B-883B54F8677D}" type="slidenum">
+              <a:t>‹#›</a:t>
+            </a:fld>
+            <a:endParaRPr/>
+          </a:p>
+        </p:txBody>
+      </p:sp>
+    </p:spTree>
+  </p:cSld>
+  <p:clrMapOvr>
+    <a:masterClrMapping/>
+  </p:clrMapOvr>
+  <p:transition spd="med"/>
+</p:sldLayout>
+</file>
+
 <file path=ppt/slideMasters/slideMaster1.xml><?xml version="1.0" encoding="utf-8"?>
 <p:sldMaster xmlns:a="http://schemas.openxmlformats.org/drawingml/2006/main" xmlns:r="http://schemas.openxmlformats.org/officeDocument/2006/relationships" xmlns:p="http://schemas.openxmlformats.org/presentationml/2006/main">
   <p:cSld>
@@ -10875,7 +14789,7 @@
           </a:ln>
           <a:extLst>
             <a:ext uri="{C572A759-6A51-4108-AA02-DFA0A04FC94B}">
-              <ma14:wrappingTextBoxFlag xmlns="" xmlns:m="http://schemas.openxmlformats.org/officeDocument/2006/math" xmlns:a14="http://schemas.microsoft.com/office/drawing/2010/main" xmlns:ma14="http://schemas.microsoft.com/office/mac/drawingml/2011/main" val="1"/>
+              <ma14:wrappingTextBoxFlag xmlns:ma14="http://schemas.microsoft.com/office/mac/drawingml/2011/main" xmlns:a14="http://schemas.microsoft.com/office/drawing/2010/main" xmlns:m="http://schemas.openxmlformats.org/officeDocument/2006/math" xmlns="" val="1"/>
             </a:ext>
           </a:extLst>
         </p:spPr>
@@ -10914,7 +14828,7 @@
           </a:ln>
           <a:extLst>
             <a:ext uri="{C572A759-6A51-4108-AA02-DFA0A04FC94B}">
-              <ma14:wrappingTextBoxFlag xmlns="" xmlns:m="http://schemas.openxmlformats.org/officeDocument/2006/math" xmlns:a14="http://schemas.microsoft.com/office/drawing/2010/main" xmlns:ma14="http://schemas.microsoft.com/office/mac/drawingml/2011/main" val="1"/>
+              <ma14:wrappingTextBoxFlag xmlns:ma14="http://schemas.microsoft.com/office/mac/drawingml/2011/main" xmlns:a14="http://schemas.microsoft.com/office/drawing/2010/main" xmlns:m="http://schemas.openxmlformats.org/officeDocument/2006/math" xmlns="" val="1"/>
             </a:ext>
           </a:extLst>
         </p:spPr>
@@ -11008,10 +14922,9 @@
     <p:sldLayoutId id="2147483653" r:id="rId5"/>
     <p:sldLayoutId id="2147483654" r:id="rId6"/>
     <p:sldLayoutId id="2147483655" r:id="rId7"/>
-    <p:sldLayoutId id="2147483656" r:id="rId8"/>
-    <p:sldLayoutId id="2147483657" r:id="rId9"/>
-    <p:sldLayoutId id="2147483658" r:id="rId10"/>
-    <p:sldLayoutId id="2147483659" r:id="rId11"/>
+    <p:sldLayoutId id="2147483657" r:id="rId8"/>
+    <p:sldLayoutId id="2147483658" r:id="rId9"/>
+    <p:sldLayoutId id="2147483659" r:id="rId10"/>
   </p:sldLayoutIdLst>
   <p:transition spd="med"/>
   <p:txStyles>
@@ -11952,7 +15865,7 @@
           </a:ln>
           <a:extLst>
             <a:ext uri="{C572A759-6A51-4108-AA02-DFA0A04FC94B}">
-              <ma14:wrappingTextBoxFlag xmlns="" xmlns:m="http://schemas.openxmlformats.org/officeDocument/2006/math" xmlns:a14="http://schemas.microsoft.com/office/drawing/2010/main" xmlns:ma14="http://schemas.microsoft.com/office/mac/drawingml/2011/main" val="1"/>
+              <ma14:wrappingTextBoxFlag xmlns:ma14="http://schemas.microsoft.com/office/mac/drawingml/2011/main" xmlns:a14="http://schemas.microsoft.com/office/drawing/2010/main" xmlns:m="http://schemas.openxmlformats.org/officeDocument/2006/math" xmlns="" val="1"/>
             </a:ext>
           </a:extLst>
         </p:spPr>
@@ -12866,19 +16779,12 @@
           </a:p>
           <a:p>
             <a:r>
-              <a:rPr lang="en-US" dirty="0"/>
+              <a:rPr lang="en-US" dirty="0" smtClean="0"/>
               <a:t>Sentiment </a:t>
             </a:r>
             <a:r>
               <a:rPr lang="en-US" dirty="0" smtClean="0"/>
-              <a:t>Classification –  </a:t>
-            </a:r>
-            <a:endParaRPr lang="en-US" dirty="0"/>
-          </a:p>
-          <a:p>
-            <a:r>
-              <a:rPr lang="en-US" dirty="0" smtClean="0"/>
-              <a:t>Sentiment by News Source –  </a:t>
+              <a:t>by News Source –  </a:t>
             </a:r>
           </a:p>
           <a:p>
@@ -12902,16 +16808,23 @@
           <a:p>
             <a:r>
               <a:rPr lang="en-US" dirty="0"/>
-              <a:t>ML </a:t>
-            </a:r>
-            <a:r>
-              <a:rPr lang="en-US" dirty="0"/>
-              <a:t>M</a:t>
+              <a:t>ML M</a:t>
             </a:r>
             <a:r>
               <a:rPr lang="en-US" dirty="0" smtClean="0"/>
-              <a:t>odels –</a:t>
+              <a:t>odels </a:t>
             </a:r>
+            <a:r>
+              <a:rPr lang="en-US" dirty="0" smtClean="0"/>
+              <a:t>–</a:t>
+            </a:r>
+          </a:p>
+          <a:p>
+            <a:r>
+              <a:rPr lang="en-US" dirty="0" smtClean="0"/>
+              <a:t>App Architecture – </a:t>
+            </a:r>
+            <a:endParaRPr lang="en-US" dirty="0" smtClean="0"/>
           </a:p>
           <a:p>
             <a:r>
@@ -12922,11 +16835,7 @@
           <a:p>
             <a:r>
               <a:rPr lang="en-US" dirty="0" smtClean="0"/>
-              <a:t>References/Q&amp;A – </a:t>
-            </a:r>
-            <a:r>
-              <a:rPr lang="en-US" dirty="0" smtClean="0"/>
-              <a:t> </a:t>
+              <a:t>References/Q&amp;A –  </a:t>
             </a:r>
             <a:endParaRPr lang="en-US" dirty="0"/>
           </a:p>
@@ -13299,125 +17208,7 @@
       </p:sp>
       <p:sp>
         <p:nvSpPr>
-          <p:cNvPr id="3" name="Text Placeholder 2"/>
-          <p:cNvSpPr>
-            <a:spLocks noGrp="1"/>
-          </p:cNvSpPr>
-          <p:nvPr>
-            <p:ph type="body" idx="1"/>
-          </p:nvPr>
-        </p:nvSpPr>
-        <p:spPr/>
-        <p:txBody>
-          <a:bodyPr/>
-          <a:lstStyle/>
-          <a:p>
-            <a:r>
-              <a:rPr lang="en-US" dirty="0" smtClean="0"/>
-              <a:t>Found articles using keywords related to immigration (</a:t>
-            </a:r>
-            <a:r>
-              <a:rPr lang="en-US" dirty="0" err="1" smtClean="0"/>
-              <a:t>NewsAPI</a:t>
-            </a:r>
-            <a:r>
-              <a:rPr lang="en-US" dirty="0" smtClean="0"/>
-              <a:t>)</a:t>
-            </a:r>
-          </a:p>
-          <a:p>
-            <a:r>
-              <a:rPr lang="en-US" dirty="0" smtClean="0"/>
-              <a:t>Scraped full text of articles (Newspapers3k)</a:t>
-            </a:r>
-          </a:p>
-          <a:p>
-            <a:r>
-              <a:rPr lang="en-US" dirty="0" smtClean="0"/>
-              <a:t>Final dataset</a:t>
-            </a:r>
-          </a:p>
-          <a:p>
-            <a:pPr lvl="1"/>
-            <a:r>
-              <a:rPr lang="en-US" dirty="0" smtClean="0"/>
-              <a:t>3,094 articles published Sept. – Dec. 2020</a:t>
-            </a:r>
-          </a:p>
-          <a:p>
-            <a:pPr lvl="1"/>
-            <a:r>
-              <a:rPr lang="en-US" dirty="0" smtClean="0"/>
-              <a:t>9 news sources w/ Pew Research Center bias ratings</a:t>
-            </a:r>
-          </a:p>
-        </p:txBody>
-      </p:sp>
-    </p:spTree>
-    <p:extLst>
-      <p:ext uri="{BB962C8B-B14F-4D97-AF65-F5344CB8AC3E}">
-        <p14:creationId xmlns:p14="http://schemas.microsoft.com/office/powerpoint/2010/main" val="423825266"/>
-      </p:ext>
-    </p:extLst>
-  </p:cSld>
-  <p:clrMapOvr>
-    <a:masterClrMapping/>
-  </p:clrMapOvr>
-  <p:transition spd="med"/>
-</p:sld>
-</file>
-
-<file path=ppt/slides/slide5.xml><?xml version="1.0" encoding="utf-8"?>
-<p:sld xmlns:a="http://schemas.openxmlformats.org/drawingml/2006/main" xmlns:r="http://schemas.openxmlformats.org/officeDocument/2006/relationships" xmlns:p="http://schemas.openxmlformats.org/presentationml/2006/main">
-  <p:cSld>
-    <p:spTree>
-      <p:nvGrpSpPr>
-        <p:cNvPr id="1" name=""/>
-        <p:cNvGrpSpPr/>
-        <p:nvPr/>
-      </p:nvGrpSpPr>
-      <p:grpSpPr>
-        <a:xfrm>
-          <a:off x="0" y="0"/>
-          <a:ext cx="0" cy="0"/>
-          <a:chOff x="0" y="0"/>
-          <a:chExt cx="0" cy="0"/>
-        </a:xfrm>
-      </p:grpSpPr>
-      <p:sp>
-        <p:nvSpPr>
-          <p:cNvPr id="133" name="Sentiment Classification"/>
-          <p:cNvSpPr txBox="1">
-            <a:spLocks noGrp="1"/>
-          </p:cNvSpPr>
-          <p:nvPr>
-            <p:ph type="title"/>
-          </p:nvPr>
-        </p:nvSpPr>
-        <p:spPr>
-          <a:prstGeom prst="rect">
-            <a:avLst/>
-          </a:prstGeom>
-        </p:spPr>
-        <p:txBody>
-          <a:bodyPr/>
-          <a:lstStyle/>
-          <a:p>
-            <a:r>
-              <a:t>Sentiment Classification</a:t>
-            </a:r>
-          </a:p>
-        </p:txBody>
-      </p:sp>
-      <p:sp>
-        <p:nvSpPr>
-          <p:cNvPr id="4" name="Text Placeholder 3">
-            <a:extLst>
-              <a:ext uri="{FF2B5EF4-FFF2-40B4-BE49-F238E27FC236}">
-                <a16:creationId xmlns:a16="http://schemas.microsoft.com/office/drawing/2014/main" id="{D9F31664-D988-4B2C-95C9-E14A702BDED9}"/>
-              </a:ext>
-            </a:extLst>
-          </p:cNvPr>
+          <p:cNvPr id="4" name="Text Placeholder 3"/>
           <p:cNvSpPr>
             <a:spLocks noGrp="1"/>
           </p:cNvSpPr>
@@ -13425,30 +17216,39 @@
             <p:ph type="body" sz="quarter" idx="13"/>
           </p:nvPr>
         </p:nvSpPr>
-        <p:spPr/>
+        <p:spPr>
+          <a:xfrm>
+            <a:off x="1371601" y="2794000"/>
+            <a:ext cx="3937000" cy="1524000"/>
+          </a:xfrm>
+        </p:spPr>
         <p:txBody>
-          <a:bodyPr/>
+          <a:bodyPr>
+            <a:normAutofit/>
+          </a:bodyPr>
           <a:lstStyle/>
           <a:p>
             <a:r>
               <a:rPr lang="en-US" dirty="0"/>
-              <a:t>All headlines were rated for sentiment by a person.</a:t>
+              <a:t>3,094 articles published Sept. – Dec. 2020</a:t>
             </a:r>
           </a:p>
           <a:p>
             <a:r>
               <a:rPr lang="en-US" dirty="0"/>
-              <a:t>Ratings breakdown</a:t>
+              <a:t>9 news sources w/ Pew Research Center bias </a:t>
             </a:r>
-          </a:p>
-          <a:p>
+            <a:r>
+              <a:rPr lang="en-US" dirty="0" smtClean="0"/>
+              <a:t>ratings</a:t>
+            </a:r>
             <a:endParaRPr lang="en-US" dirty="0"/>
           </a:p>
         </p:txBody>
       </p:sp>
       <p:pic>
         <p:nvPicPr>
-          <p:cNvPr id="3" name="Picture 2">
+          <p:cNvPr id="5" name="Picture 4">
             <a:extLst>
               <a:ext uri="{FF2B5EF4-FFF2-40B4-BE49-F238E27FC236}">
                 <a16:creationId xmlns:a16="http://schemas.microsoft.com/office/drawing/2014/main" id="{C0AD2D0A-6852-4C02-A751-A00861622221}"/>
@@ -13461,7 +17261,7 @@
           <p:nvPr/>
         </p:nvPicPr>
         <p:blipFill>
-          <a:blip r:embed="rId3">
+          <a:blip r:embed="rId2">
             <a:extLst>
               <a:ext uri="{28A0092B-C50C-407E-A947-70E740481C1C}">
                 <a14:useLocalDpi xmlns:a14="http://schemas.microsoft.com/office/drawing/2010/main" val="0"/>
@@ -13474,7 +17274,7 @@
         </p:blipFill>
         <p:spPr>
           <a:xfrm>
-            <a:off x="5546546" y="1322916"/>
+            <a:off x="5815585" y="1538816"/>
             <a:ext cx="6186340" cy="4124227"/>
           </a:xfrm>
           <a:prstGeom prst="rect">
@@ -13483,6 +17283,11 @@
         </p:spPr>
       </p:pic>
     </p:spTree>
+    <p:extLst>
+      <p:ext uri="{BB962C8B-B14F-4D97-AF65-F5344CB8AC3E}">
+        <p14:creationId xmlns:p14="http://schemas.microsoft.com/office/powerpoint/2010/main" val="3548561940"/>
+      </p:ext>
+    </p:extLst>
   </p:cSld>
   <p:clrMapOvr>
     <a:masterClrMapping/>
@@ -13491,7 +17296,7 @@
 </p:sld>
 </file>
 
-<file path=ppt/slides/slide6.xml><?xml version="1.0" encoding="utf-8"?>
+<file path=ppt/slides/slide5.xml><?xml version="1.0" encoding="utf-8"?>
 <p:sld xmlns:a="http://schemas.openxmlformats.org/drawingml/2006/main" xmlns:r="http://schemas.openxmlformats.org/officeDocument/2006/relationships" xmlns:p="http://schemas.openxmlformats.org/presentationml/2006/main">
   <p:cSld>
     <p:spTree>
@@ -13578,7 +17383,7 @@
 </p:sld>
 </file>
 
-<file path=ppt/slides/slide7.xml><?xml version="1.0" encoding="utf-8"?>
+<file path=ppt/slides/slide6.xml><?xml version="1.0" encoding="utf-8"?>
 <p:sld xmlns:a="http://schemas.openxmlformats.org/drawingml/2006/main" xmlns:r="http://schemas.openxmlformats.org/officeDocument/2006/relationships" xmlns:p="http://schemas.openxmlformats.org/presentationml/2006/main">
   <p:cSld>
     <p:spTree>
@@ -13645,11 +17450,7 @@
           <a:p>
             <a:r>
               <a:rPr lang="en-US" dirty="0" smtClean="0"/>
-              <a:t>Headline</a:t>
-            </a:r>
-            <a:r>
-              <a:rPr lang="en-US" dirty="0" smtClean="0"/>
-              <a:t>s are dominated by current events</a:t>
+              <a:t>Headlines are dominated by current events</a:t>
             </a:r>
           </a:p>
           <a:p>
@@ -13726,7 +17527,7 @@
 </p:sld>
 </file>
 
-<file path=ppt/slides/slide8.xml><?xml version="1.0" encoding="utf-8"?>
+<file path=ppt/slides/slide7.xml><?xml version="1.0" encoding="utf-8"?>
 <p:sld xmlns:a="http://schemas.openxmlformats.org/drawingml/2006/main" xmlns:r="http://schemas.openxmlformats.org/officeDocument/2006/relationships" xmlns:p="http://schemas.openxmlformats.org/presentationml/2006/main">
   <p:cSld>
     <p:spTree>
@@ -13783,7 +17584,7 @@
           <p:nvPr>
             <p:extLst>
               <p:ext uri="{D42A27DB-BD31-4B8C-83A1-F6EECF244321}">
-                <p14:modId xmlns:p14="http://schemas.microsoft.com/office/powerpoint/2010/main" val="3511240639"/>
+                <p14:modId xmlns:p14="http://schemas.microsoft.com/office/powerpoint/2010/main" val="3689862512"/>
               </p:ext>
             </p:extLst>
           </p:nvPr>
@@ -13807,7 +17608,7 @@
 </p:sld>
 </file>
 
-<file path=ppt/slides/slide9.xml><?xml version="1.0" encoding="utf-8"?>
+<file path=ppt/slides/slide8.xml><?xml version="1.0" encoding="utf-8"?>
 <p:sld xmlns:a="http://schemas.openxmlformats.org/drawingml/2006/main" xmlns:r="http://schemas.openxmlformats.org/officeDocument/2006/relationships" xmlns:p="http://schemas.openxmlformats.org/presentationml/2006/main">
   <p:cSld>
     <p:spTree>
@@ -13886,6 +17687,85 @@
         </p:spPr>
       </p:pic>
     </p:spTree>
+  </p:cSld>
+  <p:clrMapOvr>
+    <a:masterClrMapping/>
+  </p:clrMapOvr>
+  <p:transition spd="med"/>
+</p:sld>
+</file>
+
+<file path=ppt/slides/slide9.xml><?xml version="1.0" encoding="utf-8"?>
+<p:sld xmlns:a="http://schemas.openxmlformats.org/drawingml/2006/main" xmlns:r="http://schemas.openxmlformats.org/officeDocument/2006/relationships" xmlns:p="http://schemas.openxmlformats.org/presentationml/2006/main">
+  <p:cSld>
+    <p:spTree>
+      <p:nvGrpSpPr>
+        <p:cNvPr id="1" name=""/>
+        <p:cNvGrpSpPr/>
+        <p:nvPr/>
+      </p:nvGrpSpPr>
+      <p:grpSpPr>
+        <a:xfrm>
+          <a:off x="0" y="0"/>
+          <a:ext cx="0" cy="0"/>
+          <a:chOff x="0" y="0"/>
+          <a:chExt cx="0" cy="0"/>
+        </a:xfrm>
+      </p:grpSpPr>
+      <p:sp>
+        <p:nvSpPr>
+          <p:cNvPr id="2" name="Title 1"/>
+          <p:cNvSpPr>
+            <a:spLocks noGrp="1"/>
+          </p:cNvSpPr>
+          <p:nvPr>
+            <p:ph type="title"/>
+          </p:nvPr>
+        </p:nvSpPr>
+        <p:spPr/>
+        <p:txBody>
+          <a:bodyPr/>
+          <a:lstStyle/>
+          <a:p>
+            <a:r>
+              <a:rPr lang="en-US" dirty="0" smtClean="0"/>
+              <a:t>App Architecture</a:t>
+            </a:r>
+            <a:endParaRPr lang="en-US" dirty="0"/>
+          </a:p>
+        </p:txBody>
+      </p:sp>
+      <p:graphicFrame>
+        <p:nvGraphicFramePr>
+          <p:cNvPr id="4" name="Content Placeholder 3"/>
+          <p:cNvGraphicFramePr>
+            <a:graphicFrameLocks noGrp="1"/>
+          </p:cNvGraphicFramePr>
+          <p:nvPr>
+            <p:ph idx="1"/>
+            <p:extLst>
+              <p:ext uri="{D42A27DB-BD31-4B8C-83A1-F6EECF244321}">
+                <p14:modId xmlns:p14="http://schemas.microsoft.com/office/powerpoint/2010/main" val="1628196461"/>
+              </p:ext>
+            </p:extLst>
+          </p:nvPr>
+        </p:nvGraphicFramePr>
+        <p:xfrm>
+          <a:off x="1193073" y="1727200"/>
+          <a:ext cx="10746377" cy="4345261"/>
+        </p:xfrm>
+        <a:graphic>
+          <a:graphicData uri="http://schemas.openxmlformats.org/drawingml/2006/diagram">
+            <dgm:relIds xmlns:dgm="http://schemas.openxmlformats.org/drawingml/2006/diagram" xmlns:r="http://schemas.openxmlformats.org/officeDocument/2006/relationships" r:dm="rId2" r:lo="rId3" r:qs="rId4" r:cs="rId5"/>
+          </a:graphicData>
+        </a:graphic>
+      </p:graphicFrame>
+    </p:spTree>
+    <p:extLst>
+      <p:ext uri="{BB962C8B-B14F-4D97-AF65-F5344CB8AC3E}">
+        <p14:creationId xmlns:p14="http://schemas.microsoft.com/office/powerpoint/2010/main" val="891257791"/>
+      </p:ext>
+    </p:extLst>
   </p:cSld>
   <p:clrMapOvr>
     <a:masterClrMapping/>

--- a/demo_day_deck.pptx
+++ b/demo_day_deck.pptx
@@ -3279,31 +3279,31 @@
     </dgm:pt>
   </dgm:ptLst>
   <dgm:cxnLst>
+    <dgm:cxn modelId="{5203F2EA-B380-468B-BA21-BF7DCF2CA025}" type="presOf" srcId="{FEC1FADE-16F1-43F9-B9AB-9D8C30919319}" destId="{BCFB47A8-0FC1-4402-9BD0-D45E776E24B1}" srcOrd="0" destOrd="1" presId="urn:microsoft.com/office/officeart/2005/8/layout/vList5"/>
+    <dgm:cxn modelId="{B224E25B-587C-4E9A-A387-7E4F4E2D97B4}" type="presOf" srcId="{76A4E6C1-6A9A-4105-9764-E2CF24F79F0F}" destId="{7FA91089-7526-464D-9D6F-3B2915A88DD4}" srcOrd="0" destOrd="0" presId="urn:microsoft.com/office/officeart/2005/8/layout/vList5"/>
+    <dgm:cxn modelId="{18F18F3B-94A5-4F35-BECA-0D82CB71D3E5}" srcId="{213D49E0-3C3D-41D4-ACC1-459D29722406}" destId="{01745FCE-7E91-4589-A792-AE19DEF55245}" srcOrd="1" destOrd="0" parTransId="{62C79F6C-F8A5-4398-BF2E-0693B1CF15C8}" sibTransId="{ECDE2740-4FE7-4541-BAC2-D7AC429FC0E2}"/>
+    <dgm:cxn modelId="{ED34A5BC-9825-46D5-979A-2E62A26B2B2F}" srcId="{CFA803F1-A34D-4A68-9D74-077E570D1764}" destId="{3333DA91-EB24-4230-80EC-578FDC52B619}" srcOrd="0" destOrd="0" parTransId="{3DFD7956-0082-4003-ACF5-CD62C132EFC7}" sibTransId="{4C9A5844-618C-4EA7-84F6-17A89C207827}"/>
+    <dgm:cxn modelId="{2ED0FC94-E06F-4858-A7E6-7FD70E81F0A8}" type="presOf" srcId="{3333DA91-EB24-4230-80EC-578FDC52B619}" destId="{E4496C8F-EDBE-465A-9DCB-0E971D5100DC}" srcOrd="0" destOrd="0" presId="urn:microsoft.com/office/officeart/2005/8/layout/vList5"/>
     <dgm:cxn modelId="{E139F909-E0A5-4BF7-B2AA-45F0C274A64D}" srcId="{C625F94C-0C14-4A9E-B782-62F8BAF8C592}" destId="{213D49E0-3C3D-41D4-ACC1-459D29722406}" srcOrd="3" destOrd="0" parTransId="{FFC47885-4CA5-4618-982C-FE4C8DC18630}" sibTransId="{C8F4920F-EA96-4C56-ADD9-92921881CFF1}"/>
+    <dgm:cxn modelId="{BE444BBC-0C73-4BEF-AE4C-A967B385A0EA}" type="presOf" srcId="{026EC6CE-3285-44D8-B1D7-03EFA378F1A6}" destId="{E4496C8F-EDBE-465A-9DCB-0E971D5100DC}" srcOrd="0" destOrd="1" presId="urn:microsoft.com/office/officeart/2005/8/layout/vList5"/>
+    <dgm:cxn modelId="{2A439B9E-1E35-4E5D-B920-5FB52AD2F6D6}" type="presOf" srcId="{276BEC33-1C26-4BC3-A7DB-8F745356225B}" destId="{BD960022-7EAF-49B0-B6F5-41F6C2F5EBEE}" srcOrd="0" destOrd="0" presId="urn:microsoft.com/office/officeart/2005/8/layout/vList5"/>
+    <dgm:cxn modelId="{4A359555-CD18-4CCC-A5DE-8F38B5A751AC}" srcId="{C625F94C-0C14-4A9E-B782-62F8BAF8C592}" destId="{685A2AB2-E35E-4E1C-9475-AFB5439CAE02}" srcOrd="0" destOrd="0" parTransId="{8A4AFAE1-B4D4-4C37-9D62-BF4E8031290E}" sibTransId="{E234BB3E-3BDC-486C-983B-D1DC5374A48C}"/>
+    <dgm:cxn modelId="{A35B44D2-AF95-4792-8FA8-04C00B8C47F6}" type="presOf" srcId="{01745FCE-7E91-4589-A792-AE19DEF55245}" destId="{DDF25E57-EFB0-4320-AEFD-161FB41C4342}" srcOrd="0" destOrd="1" presId="urn:microsoft.com/office/officeart/2005/8/layout/vList5"/>
+    <dgm:cxn modelId="{08671737-2EC7-4587-A0C1-D6D8849389F0}" srcId="{213D49E0-3C3D-41D4-ACC1-459D29722406}" destId="{84B8FDB1-3E02-40EA-A094-DED831CE4441}" srcOrd="0" destOrd="0" parTransId="{1B7BB8FD-F98A-41E0-BE7D-1DA9F119C077}" sibTransId="{5607D354-A65E-426F-AC2E-3AFF03354F04}"/>
+    <dgm:cxn modelId="{87210EE9-FB5E-497C-A7E8-9FE3478B35E5}" type="presOf" srcId="{84B8FDB1-3E02-40EA-A094-DED831CE4441}" destId="{DDF25E57-EFB0-4320-AEFD-161FB41C4342}" srcOrd="0" destOrd="0" presId="urn:microsoft.com/office/officeart/2005/8/layout/vList5"/>
+    <dgm:cxn modelId="{54ED4EA1-3BB3-45AE-90FB-8752FDA96296}" srcId="{685A2AB2-E35E-4E1C-9475-AFB5439CAE02}" destId="{276BEC33-1C26-4BC3-A7DB-8F745356225B}" srcOrd="0" destOrd="0" parTransId="{11222BB7-0C0F-4630-9A4C-23E87E577E68}" sibTransId="{46C4B6C1-04AA-4F1A-997D-1251E3B20E44}"/>
+    <dgm:cxn modelId="{34EFB22F-D1CC-43F5-8BF8-A5CBA0113939}" type="presOf" srcId="{1869434C-B24F-4139-8B5C-A42F16810745}" destId="{BCFB47A8-0FC1-4402-9BD0-D45E776E24B1}" srcOrd="0" destOrd="0" presId="urn:microsoft.com/office/officeart/2005/8/layout/vList5"/>
+    <dgm:cxn modelId="{EADB75B8-1662-4BD2-8E18-AD0009E5AD9A}" srcId="{C625F94C-0C14-4A9E-B782-62F8BAF8C592}" destId="{CFA803F1-A34D-4A68-9D74-077E570D1764}" srcOrd="2" destOrd="0" parTransId="{F198F8E6-5A3F-4546-88F3-7605D6826A65}" sibTransId="{CF291C21-D8AF-4C60-A1B6-AFA5EF7DBC3D}"/>
+    <dgm:cxn modelId="{3B4AABE0-123B-4B6B-A1C7-F2B1A5E257F9}" type="presOf" srcId="{5C646E0F-8375-4171-84C4-BED83EAB439F}" destId="{BD960022-7EAF-49B0-B6F5-41F6C2F5EBEE}" srcOrd="0" destOrd="1" presId="urn:microsoft.com/office/officeart/2005/8/layout/vList5"/>
+    <dgm:cxn modelId="{4FB50481-4670-461F-93F7-71721FBFDD2C}" srcId="{CFA803F1-A34D-4A68-9D74-077E570D1764}" destId="{026EC6CE-3285-44D8-B1D7-03EFA378F1A6}" srcOrd="1" destOrd="0" parTransId="{4EC286BC-4714-413D-B60D-9BED6D7EAA76}" sibTransId="{946C11E7-0BFE-40FE-B1C2-7E310DE38B4E}"/>
+    <dgm:cxn modelId="{B50BCB01-52B8-4F5C-A09F-B1729CD1BE72}" type="presOf" srcId="{685A2AB2-E35E-4E1C-9475-AFB5439CAE02}" destId="{5B245E5B-24DE-4B72-A3D1-928D079F9518}" srcOrd="0" destOrd="0" presId="urn:microsoft.com/office/officeart/2005/8/layout/vList5"/>
+    <dgm:cxn modelId="{732A6092-A828-43DB-8CCB-5793BA0EB1D3}" srcId="{76A4E6C1-6A9A-4105-9764-E2CF24F79F0F}" destId="{1869434C-B24F-4139-8B5C-A42F16810745}" srcOrd="0" destOrd="0" parTransId="{FA75D358-9E08-4C05-9A16-DC82B5B3C2E3}" sibTransId="{D339BB34-2DD7-41BC-A99E-CE01AA5560B8}"/>
+    <dgm:cxn modelId="{6F546AE2-C18D-496C-99E4-C5E251CA4BB6}" type="presOf" srcId="{CFA803F1-A34D-4A68-9D74-077E570D1764}" destId="{FA1A3237-2E7A-43EB-AF73-35F3E7859B34}" srcOrd="0" destOrd="0" presId="urn:microsoft.com/office/officeart/2005/8/layout/vList5"/>
+    <dgm:cxn modelId="{8A9C7D97-5B9A-41CD-860E-5F5EDFC94D45}" srcId="{685A2AB2-E35E-4E1C-9475-AFB5439CAE02}" destId="{5C646E0F-8375-4171-84C4-BED83EAB439F}" srcOrd="1" destOrd="0" parTransId="{38F3FD38-343D-4074-A155-4363166D44AA}" sibTransId="{986561E0-AA1C-4104-8803-772903F4A5E2}"/>
+    <dgm:cxn modelId="{EDE922EB-63BF-4BF4-896D-B88AE5740A91}" srcId="{76A4E6C1-6A9A-4105-9764-E2CF24F79F0F}" destId="{FEC1FADE-16F1-43F9-B9AB-9D8C30919319}" srcOrd="1" destOrd="0" parTransId="{6555F5A4-8ACC-4999-974E-A3171044E313}" sibTransId="{B1F6A1F2-00FD-4D69-BC58-38C18D07C15E}"/>
+    <dgm:cxn modelId="{CF5E6910-B8F9-4246-8775-72107A6D9D65}" srcId="{C625F94C-0C14-4A9E-B782-62F8BAF8C592}" destId="{76A4E6C1-6A9A-4105-9764-E2CF24F79F0F}" srcOrd="1" destOrd="0" parTransId="{D51CA720-8481-468F-9350-DACCEB698344}" sibTransId="{321BC029-72FA-42C8-9699-18F318A3B302}"/>
+    <dgm:cxn modelId="{BA0E5158-1B68-4A11-824B-B5841FA206ED}" type="presOf" srcId="{C625F94C-0C14-4A9E-B782-62F8BAF8C592}" destId="{ADBB6542-C5E1-47EF-A430-05CFC30CAFE5}" srcOrd="0" destOrd="0" presId="urn:microsoft.com/office/officeart/2005/8/layout/vList5"/>
     <dgm:cxn modelId="{0198336D-AC95-4B8C-BD9D-20FD4202488A}" type="presOf" srcId="{213D49E0-3C3D-41D4-ACC1-459D29722406}" destId="{3295F40B-F4A2-4A7E-9832-DC7CF5CA53A6}" srcOrd="0" destOrd="0" presId="urn:microsoft.com/office/officeart/2005/8/layout/vList5"/>
-    <dgm:cxn modelId="{3B4AABE0-123B-4B6B-A1C7-F2B1A5E257F9}" type="presOf" srcId="{5C646E0F-8375-4171-84C4-BED83EAB439F}" destId="{BD960022-7EAF-49B0-B6F5-41F6C2F5EBEE}" srcOrd="0" destOrd="1" presId="urn:microsoft.com/office/officeart/2005/8/layout/vList5"/>
-    <dgm:cxn modelId="{4A359555-CD18-4CCC-A5DE-8F38B5A751AC}" srcId="{C625F94C-0C14-4A9E-B782-62F8BAF8C592}" destId="{685A2AB2-E35E-4E1C-9475-AFB5439CAE02}" srcOrd="0" destOrd="0" parTransId="{8A4AFAE1-B4D4-4C37-9D62-BF4E8031290E}" sibTransId="{E234BB3E-3BDC-486C-983B-D1DC5374A48C}"/>
-    <dgm:cxn modelId="{5203F2EA-B380-468B-BA21-BF7DCF2CA025}" type="presOf" srcId="{FEC1FADE-16F1-43F9-B9AB-9D8C30919319}" destId="{BCFB47A8-0FC1-4402-9BD0-D45E776E24B1}" srcOrd="0" destOrd="1" presId="urn:microsoft.com/office/officeart/2005/8/layout/vList5"/>
-    <dgm:cxn modelId="{08671737-2EC7-4587-A0C1-D6D8849389F0}" srcId="{213D49E0-3C3D-41D4-ACC1-459D29722406}" destId="{84B8FDB1-3E02-40EA-A094-DED831CE4441}" srcOrd="0" destOrd="0" parTransId="{1B7BB8FD-F98A-41E0-BE7D-1DA9F119C077}" sibTransId="{5607D354-A65E-426F-AC2E-3AFF03354F04}"/>
-    <dgm:cxn modelId="{34EFB22F-D1CC-43F5-8BF8-A5CBA0113939}" type="presOf" srcId="{1869434C-B24F-4139-8B5C-A42F16810745}" destId="{BCFB47A8-0FC1-4402-9BD0-D45E776E24B1}" srcOrd="0" destOrd="0" presId="urn:microsoft.com/office/officeart/2005/8/layout/vList5"/>
-    <dgm:cxn modelId="{ED34A5BC-9825-46D5-979A-2E62A26B2B2F}" srcId="{CFA803F1-A34D-4A68-9D74-077E570D1764}" destId="{3333DA91-EB24-4230-80EC-578FDC52B619}" srcOrd="0" destOrd="0" parTransId="{3DFD7956-0082-4003-ACF5-CD62C132EFC7}" sibTransId="{4C9A5844-618C-4EA7-84F6-17A89C207827}"/>
-    <dgm:cxn modelId="{732A6092-A828-43DB-8CCB-5793BA0EB1D3}" srcId="{76A4E6C1-6A9A-4105-9764-E2CF24F79F0F}" destId="{1869434C-B24F-4139-8B5C-A42F16810745}" srcOrd="0" destOrd="0" parTransId="{FA75D358-9E08-4C05-9A16-DC82B5B3C2E3}" sibTransId="{D339BB34-2DD7-41BC-A99E-CE01AA5560B8}"/>
-    <dgm:cxn modelId="{EDE922EB-63BF-4BF4-896D-B88AE5740A91}" srcId="{76A4E6C1-6A9A-4105-9764-E2CF24F79F0F}" destId="{FEC1FADE-16F1-43F9-B9AB-9D8C30919319}" srcOrd="1" destOrd="0" parTransId="{6555F5A4-8ACC-4999-974E-A3171044E313}" sibTransId="{B1F6A1F2-00FD-4D69-BC58-38C18D07C15E}"/>
-    <dgm:cxn modelId="{6F546AE2-C18D-496C-99E4-C5E251CA4BB6}" type="presOf" srcId="{CFA803F1-A34D-4A68-9D74-077E570D1764}" destId="{FA1A3237-2E7A-43EB-AF73-35F3E7859B34}" srcOrd="0" destOrd="0" presId="urn:microsoft.com/office/officeart/2005/8/layout/vList5"/>
-    <dgm:cxn modelId="{2ED0FC94-E06F-4858-A7E6-7FD70E81F0A8}" type="presOf" srcId="{3333DA91-EB24-4230-80EC-578FDC52B619}" destId="{E4496C8F-EDBE-465A-9DCB-0E971D5100DC}" srcOrd="0" destOrd="0" presId="urn:microsoft.com/office/officeart/2005/8/layout/vList5"/>
-    <dgm:cxn modelId="{8A9C7D97-5B9A-41CD-860E-5F5EDFC94D45}" srcId="{685A2AB2-E35E-4E1C-9475-AFB5439CAE02}" destId="{5C646E0F-8375-4171-84C4-BED83EAB439F}" srcOrd="1" destOrd="0" parTransId="{38F3FD38-343D-4074-A155-4363166D44AA}" sibTransId="{986561E0-AA1C-4104-8803-772903F4A5E2}"/>
-    <dgm:cxn modelId="{54ED4EA1-3BB3-45AE-90FB-8752FDA96296}" srcId="{685A2AB2-E35E-4E1C-9475-AFB5439CAE02}" destId="{276BEC33-1C26-4BC3-A7DB-8F745356225B}" srcOrd="0" destOrd="0" parTransId="{11222BB7-0C0F-4630-9A4C-23E87E577E68}" sibTransId="{46C4B6C1-04AA-4F1A-997D-1251E3B20E44}"/>
-    <dgm:cxn modelId="{18F18F3B-94A5-4F35-BECA-0D82CB71D3E5}" srcId="{213D49E0-3C3D-41D4-ACC1-459D29722406}" destId="{01745FCE-7E91-4589-A792-AE19DEF55245}" srcOrd="1" destOrd="0" parTransId="{62C79F6C-F8A5-4398-BF2E-0693B1CF15C8}" sibTransId="{ECDE2740-4FE7-4541-BAC2-D7AC429FC0E2}"/>
-    <dgm:cxn modelId="{EADB75B8-1662-4BD2-8E18-AD0009E5AD9A}" srcId="{C625F94C-0C14-4A9E-B782-62F8BAF8C592}" destId="{CFA803F1-A34D-4A68-9D74-077E570D1764}" srcOrd="2" destOrd="0" parTransId="{F198F8E6-5A3F-4546-88F3-7605D6826A65}" sibTransId="{CF291C21-D8AF-4C60-A1B6-AFA5EF7DBC3D}"/>
-    <dgm:cxn modelId="{87210EE9-FB5E-497C-A7E8-9FE3478B35E5}" type="presOf" srcId="{84B8FDB1-3E02-40EA-A094-DED831CE4441}" destId="{DDF25E57-EFB0-4320-AEFD-161FB41C4342}" srcOrd="0" destOrd="0" presId="urn:microsoft.com/office/officeart/2005/8/layout/vList5"/>
-    <dgm:cxn modelId="{CF5E6910-B8F9-4246-8775-72107A6D9D65}" srcId="{C625F94C-0C14-4A9E-B782-62F8BAF8C592}" destId="{76A4E6C1-6A9A-4105-9764-E2CF24F79F0F}" srcOrd="1" destOrd="0" parTransId="{D51CA720-8481-468F-9350-DACCEB698344}" sibTransId="{321BC029-72FA-42C8-9699-18F318A3B302}"/>
-    <dgm:cxn modelId="{B224E25B-587C-4E9A-A387-7E4F4E2D97B4}" type="presOf" srcId="{76A4E6C1-6A9A-4105-9764-E2CF24F79F0F}" destId="{7FA91089-7526-464D-9D6F-3B2915A88DD4}" srcOrd="0" destOrd="0" presId="urn:microsoft.com/office/officeart/2005/8/layout/vList5"/>
-    <dgm:cxn modelId="{BE444BBC-0C73-4BEF-AE4C-A967B385A0EA}" type="presOf" srcId="{026EC6CE-3285-44D8-B1D7-03EFA378F1A6}" destId="{E4496C8F-EDBE-465A-9DCB-0E971D5100DC}" srcOrd="0" destOrd="1" presId="urn:microsoft.com/office/officeart/2005/8/layout/vList5"/>
-    <dgm:cxn modelId="{A35B44D2-AF95-4792-8FA8-04C00B8C47F6}" type="presOf" srcId="{01745FCE-7E91-4589-A792-AE19DEF55245}" destId="{DDF25E57-EFB0-4320-AEFD-161FB41C4342}" srcOrd="0" destOrd="1" presId="urn:microsoft.com/office/officeart/2005/8/layout/vList5"/>
-    <dgm:cxn modelId="{2A439B9E-1E35-4E5D-B920-5FB52AD2F6D6}" type="presOf" srcId="{276BEC33-1C26-4BC3-A7DB-8F745356225B}" destId="{BD960022-7EAF-49B0-B6F5-41F6C2F5EBEE}" srcOrd="0" destOrd="0" presId="urn:microsoft.com/office/officeart/2005/8/layout/vList5"/>
-    <dgm:cxn modelId="{B50BCB01-52B8-4F5C-A09F-B1729CD1BE72}" type="presOf" srcId="{685A2AB2-E35E-4E1C-9475-AFB5439CAE02}" destId="{5B245E5B-24DE-4B72-A3D1-928D079F9518}" srcOrd="0" destOrd="0" presId="urn:microsoft.com/office/officeart/2005/8/layout/vList5"/>
-    <dgm:cxn modelId="{4FB50481-4670-461F-93F7-71721FBFDD2C}" srcId="{CFA803F1-A34D-4A68-9D74-077E570D1764}" destId="{026EC6CE-3285-44D8-B1D7-03EFA378F1A6}" srcOrd="1" destOrd="0" parTransId="{4EC286BC-4714-413D-B60D-9BED6D7EAA76}" sibTransId="{946C11E7-0BFE-40FE-B1C2-7E310DE38B4E}"/>
-    <dgm:cxn modelId="{BA0E5158-1B68-4A11-824B-B5841FA206ED}" type="presOf" srcId="{C625F94C-0C14-4A9E-B782-62F8BAF8C592}" destId="{ADBB6542-C5E1-47EF-A430-05CFC30CAFE5}" srcOrd="0" destOrd="0" presId="urn:microsoft.com/office/officeart/2005/8/layout/vList5"/>
     <dgm:cxn modelId="{48E5A9A8-F601-40A8-A88A-82C917DB5D2F}" type="presParOf" srcId="{ADBB6542-C5E1-47EF-A430-05CFC30CAFE5}" destId="{43EB6279-8569-4D53-8C51-2A0CB31870F0}" srcOrd="0" destOrd="0" presId="urn:microsoft.com/office/officeart/2005/8/layout/vList5"/>
     <dgm:cxn modelId="{AB9AEE0B-F3F3-4464-85B0-F5D404D2C184}" type="presParOf" srcId="{43EB6279-8569-4D53-8C51-2A0CB31870F0}" destId="{5B245E5B-24DE-4B72-A3D1-928D079F9518}" srcOrd="0" destOrd="0" presId="urn:microsoft.com/office/officeart/2005/8/layout/vList5"/>
     <dgm:cxn modelId="{02A6A9ED-375F-47FE-B9AF-5AF6B0BA6B86}" type="presParOf" srcId="{43EB6279-8569-4D53-8C51-2A0CB31870F0}" destId="{BD960022-7EAF-49B0-B6F5-41F6C2F5EBEE}" srcOrd="1" destOrd="0" presId="urn:microsoft.com/office/officeart/2005/8/layout/vList5"/>
@@ -4652,10 +4652,10 @@
     <dgm:cxn modelId="{3346644E-3177-487E-A713-E75AE91085D5}" srcId="{5921E58E-391F-4700-A092-5240F051CDEF}" destId="{C6AB1840-21EA-4229-A79D-F04AB66763BC}" srcOrd="0" destOrd="0" parTransId="{66663020-3B42-4CAC-BCCC-F2702C9E88CF}" sibTransId="{71ECAE4B-0B35-4D91-B89F-EAE7C7CCC3FA}"/>
     <dgm:cxn modelId="{2A80272B-95AE-4E36-9924-69E372B62013}" type="presOf" srcId="{586AA99F-AB66-49AB-A326-73D6F1E88ADA}" destId="{847A7E92-B625-40C2-A963-87CF4AE3591E}" srcOrd="0" destOrd="0" presId="urn:microsoft.com/office/officeart/2009/3/layout/PhasedProcess"/>
     <dgm:cxn modelId="{3302A15B-98EA-47FC-A1DF-0FE95C6130D5}" type="presOf" srcId="{4F3A271F-7707-4DD7-8DD0-3950F4B8EDA4}" destId="{5A8BD94B-5744-4BCD-879D-246997A1BE67}" srcOrd="0" destOrd="0" presId="urn:microsoft.com/office/officeart/2009/3/layout/PhasedProcess"/>
+    <dgm:cxn modelId="{E9F5DAB0-2DD0-4531-ACD2-6B94F733E61A}" type="presOf" srcId="{21E528D7-9A98-4B55-AFBC-B7D0BB13E3AA}" destId="{B38C9642-7F80-48C2-9905-34576DDC7FEB}" srcOrd="0" destOrd="0" presId="urn:microsoft.com/office/officeart/2009/3/layout/PhasedProcess"/>
     <dgm:cxn modelId="{C5FF40E4-752E-4AA5-A084-7D419203E62D}" srcId="{A0ACE874-2F14-4B94-B78C-6E888302E845}" destId="{4F3A271F-7707-4DD7-8DD0-3950F4B8EDA4}" srcOrd="0" destOrd="0" parTransId="{7DA8B6DE-7FE4-4789-80EF-0D16B56BF8FC}" sibTransId="{6FE39593-4B74-41A4-823F-9FCAB96DF955}"/>
-    <dgm:cxn modelId="{E9F5DAB0-2DD0-4531-ACD2-6B94F733E61A}" type="presOf" srcId="{21E528D7-9A98-4B55-AFBC-B7D0BB13E3AA}" destId="{B38C9642-7F80-48C2-9905-34576DDC7FEB}" srcOrd="0" destOrd="0" presId="urn:microsoft.com/office/officeart/2009/3/layout/PhasedProcess"/>
+    <dgm:cxn modelId="{0C83BBB3-C21D-45EA-B015-644F7364DFD7}" srcId="{D67C4600-62E5-4084-84C0-FD2FB9AD0B6C}" destId="{5921E58E-391F-4700-A092-5240F051CDEF}" srcOrd="0" destOrd="0" parTransId="{19CACE21-E2AC-4B78-A887-18D45365F2DF}" sibTransId="{BBDE1A54-469C-4750-8084-F46FA939CD20}"/>
     <dgm:cxn modelId="{3699285A-34E9-460E-8AEF-F0FB46133626}" srcId="{21E528D7-9A98-4B55-AFBC-B7D0BB13E3AA}" destId="{586AA99F-AB66-49AB-A326-73D6F1E88ADA}" srcOrd="0" destOrd="0" parTransId="{894CE11F-6836-4CF0-B275-9F11BCDF3975}" sibTransId="{5B91AFB7-9452-421C-898A-706A5C7DF4BB}"/>
-    <dgm:cxn modelId="{0C83BBB3-C21D-45EA-B015-644F7364DFD7}" srcId="{D67C4600-62E5-4084-84C0-FD2FB9AD0B6C}" destId="{5921E58E-391F-4700-A092-5240F051CDEF}" srcOrd="0" destOrd="0" parTransId="{19CACE21-E2AC-4B78-A887-18D45365F2DF}" sibTransId="{BBDE1A54-469C-4750-8084-F46FA939CD20}"/>
     <dgm:cxn modelId="{6284F3F5-A796-411E-94EB-6731318116EF}" type="presOf" srcId="{3162AD7F-CC80-4477-8BAA-A265E296BEB7}" destId="{D105F40B-E325-4309-B8FA-F314861C5770}" srcOrd="1" destOrd="0" presId="urn:microsoft.com/office/officeart/2009/3/layout/PhasedProcess"/>
     <dgm:cxn modelId="{D1810721-E9BF-4762-B32D-DB480E4E22A0}" type="presOf" srcId="{E59C24D7-567B-4827-8028-D3040DBF7F21}" destId="{A1C36037-A659-47E1-9158-721142E95F2D}" srcOrd="0" destOrd="0" presId="urn:microsoft.com/office/officeart/2009/3/layout/PhasedProcess"/>
     <dgm:cxn modelId="{E6245EE8-D483-4724-AF12-502062F1C5B6}" type="presOf" srcId="{D67C4600-62E5-4084-84C0-FD2FB9AD0B6C}" destId="{C31CC36F-4BBE-4ED0-8725-005D35483148}" srcOrd="0" destOrd="0" presId="urn:microsoft.com/office/officeart/2009/3/layout/PhasedProcess"/>
@@ -14789,7 +14789,7 @@
           </a:ln>
           <a:extLst>
             <a:ext uri="{C572A759-6A51-4108-AA02-DFA0A04FC94B}">
-              <ma14:wrappingTextBoxFlag xmlns:ma14="http://schemas.microsoft.com/office/mac/drawingml/2011/main" xmlns:a14="http://schemas.microsoft.com/office/drawing/2010/main" xmlns:m="http://schemas.openxmlformats.org/officeDocument/2006/math" xmlns="" val="1"/>
+              <ma14:wrappingTextBoxFlag xmlns="" xmlns:m="http://schemas.openxmlformats.org/officeDocument/2006/math" xmlns:a14="http://schemas.microsoft.com/office/drawing/2010/main" xmlns:ma14="http://schemas.microsoft.com/office/mac/drawingml/2011/main" val="1"/>
             </a:ext>
           </a:extLst>
         </p:spPr>
@@ -14828,7 +14828,7 @@
           </a:ln>
           <a:extLst>
             <a:ext uri="{C572A759-6A51-4108-AA02-DFA0A04FC94B}">
-              <ma14:wrappingTextBoxFlag xmlns:ma14="http://schemas.microsoft.com/office/mac/drawingml/2011/main" xmlns:a14="http://schemas.microsoft.com/office/drawing/2010/main" xmlns:m="http://schemas.openxmlformats.org/officeDocument/2006/math" xmlns="" val="1"/>
+              <ma14:wrappingTextBoxFlag xmlns="" xmlns:m="http://schemas.openxmlformats.org/officeDocument/2006/math" xmlns:a14="http://schemas.microsoft.com/office/drawing/2010/main" xmlns:ma14="http://schemas.microsoft.com/office/mac/drawingml/2011/main" val="1"/>
             </a:ext>
           </a:extLst>
         </p:spPr>
@@ -15865,7 +15865,7 @@
           </a:ln>
           <a:extLst>
             <a:ext uri="{C572A759-6A51-4108-AA02-DFA0A04FC94B}">
-              <ma14:wrappingTextBoxFlag xmlns:ma14="http://schemas.microsoft.com/office/mac/drawingml/2011/main" xmlns:a14="http://schemas.microsoft.com/office/drawing/2010/main" xmlns:m="http://schemas.openxmlformats.org/officeDocument/2006/math" xmlns="" val="1"/>
+              <ma14:wrappingTextBoxFlag xmlns="" xmlns:m="http://schemas.openxmlformats.org/officeDocument/2006/math" xmlns:a14="http://schemas.microsoft.com/office/drawing/2010/main" xmlns:ma14="http://schemas.microsoft.com/office/mac/drawingml/2011/main" val="1"/>
             </a:ext>
           </a:extLst>
         </p:spPr>
@@ -16701,31 +16701,6 @@
       </p:grpSpPr>
       <p:sp>
         <p:nvSpPr>
-          <p:cNvPr id="2" name="Title 1">
-            <a:extLst>
-              <a:ext uri="{FF2B5EF4-FFF2-40B4-BE49-F238E27FC236}">
-                <a16:creationId xmlns:a16="http://schemas.microsoft.com/office/drawing/2014/main" id="{C6F78CC3-00D8-4698-BAB4-793945B9F180}"/>
-              </a:ext>
-            </a:extLst>
-          </p:cNvPr>
-          <p:cNvSpPr>
-            <a:spLocks noGrp="1"/>
-          </p:cNvSpPr>
-          <p:nvPr>
-            <p:ph type="title"/>
-          </p:nvPr>
-        </p:nvSpPr>
-        <p:spPr/>
-        <p:txBody>
-          <a:bodyPr/>
-          <a:lstStyle/>
-          <a:p>
-            <a:endParaRPr lang="en-US"/>
-          </a:p>
-        </p:txBody>
-      </p:sp>
-      <p:sp>
-        <p:nvSpPr>
           <p:cNvPr id="3" name="Text Placeholder 2">
             <a:extLst>
               <a:ext uri="{FF2B5EF4-FFF2-40B4-BE49-F238E27FC236}">
@@ -16740,10 +16715,15 @@
             <p:ph type="body" idx="1"/>
           </p:nvPr>
         </p:nvSpPr>
-        <p:spPr/>
+        <p:spPr>
+          <a:xfrm>
+            <a:off x="1371600" y="863600"/>
+            <a:ext cx="9601200" cy="5003800"/>
+          </a:xfrm>
+        </p:spPr>
         <p:txBody>
           <a:bodyPr>
-            <a:normAutofit fontScale="85000" lnSpcReduction="20000"/>
+            <a:normAutofit fontScale="92500" lnSpcReduction="20000"/>
           </a:bodyPr>
           <a:lstStyle/>
           <a:p>
@@ -16755,11 +16735,20 @@
               <a:rPr lang="en-US" dirty="0" smtClean="0"/>
               <a:t>– </a:t>
             </a:r>
+            <a:r>
+              <a:rPr lang="en-US" dirty="0" smtClean="0"/>
+              <a:t>Rohan</a:t>
+            </a:r>
+            <a:endParaRPr lang="en-US" dirty="0" smtClean="0"/>
           </a:p>
           <a:p>
             <a:r>
               <a:rPr lang="en-US" dirty="0" smtClean="0"/>
-              <a:t>Description –  </a:t>
+              <a:t>Description – </a:t>
+            </a:r>
+            <a:r>
+              <a:rPr lang="en-US" dirty="0" smtClean="0"/>
+              <a:t>Rohan </a:t>
             </a:r>
             <a:endParaRPr lang="en-US" dirty="0"/>
           </a:p>
@@ -16768,6 +16757,12 @@
               <a:rPr lang="en-US" dirty="0" smtClean="0"/>
               <a:t>Project Overview – </a:t>
             </a:r>
+            <a:r>
+              <a:rPr lang="en-US" dirty="0" smtClean="0"/>
+              <a:t>Rohan</a:t>
+            </a:r>
+          </a:p>
+          <a:p>
             <a:endParaRPr lang="en-US" dirty="0"/>
           </a:p>
           <a:p>
@@ -16775,23 +16770,34 @@
               <a:rPr lang="en-US" dirty="0" smtClean="0"/>
               <a:t>Dataset – </a:t>
             </a:r>
+            <a:r>
+              <a:rPr lang="en-US" dirty="0" smtClean="0"/>
+              <a:t>James</a:t>
+            </a:r>
             <a:endParaRPr lang="en-US" dirty="0"/>
           </a:p>
           <a:p>
             <a:r>
               <a:rPr lang="en-US" dirty="0" smtClean="0"/>
-              <a:t>Sentiment </a:t>
+              <a:t>Sentiment by News Source –  </a:t>
             </a:r>
             <a:r>
               <a:rPr lang="en-US" dirty="0" smtClean="0"/>
-              <a:t>by News Source –  </a:t>
-            </a:r>
+              <a:t>James</a:t>
+            </a:r>
+            <a:endParaRPr lang="en-US" dirty="0" smtClean="0"/>
           </a:p>
           <a:p>
             <a:r>
               <a:rPr lang="en-US" dirty="0" smtClean="0"/>
               <a:t>Major Findings – </a:t>
             </a:r>
+            <a:r>
+              <a:rPr lang="en-US" dirty="0" smtClean="0"/>
+              <a:t>James</a:t>
+            </a:r>
+          </a:p>
+          <a:p>
             <a:endParaRPr lang="en-US" dirty="0"/>
           </a:p>
           <a:p>
@@ -16803,6 +16809,10 @@
               <a:rPr lang="en-US" dirty="0" smtClean="0"/>
               <a:t>Text Preprocessing –  </a:t>
             </a:r>
+            <a:r>
+              <a:rPr lang="en-US" dirty="0" smtClean="0"/>
+              <a:t>RCK</a:t>
+            </a:r>
             <a:endParaRPr lang="en-US" dirty="0"/>
           </a:p>
           <a:p>
@@ -16816,26 +16826,42 @@
             </a:r>
             <a:r>
               <a:rPr lang="en-US" dirty="0" smtClean="0"/>
-              <a:t>–</a:t>
+              <a:t>– RCK</a:t>
             </a:r>
           </a:p>
           <a:p>
-            <a:r>
-              <a:rPr lang="en-US" dirty="0" smtClean="0"/>
-              <a:t>App Architecture – </a:t>
-            </a:r>
             <a:endParaRPr lang="en-US" dirty="0" smtClean="0"/>
           </a:p>
           <a:p>
             <a:r>
               <a:rPr lang="en-US" dirty="0" smtClean="0"/>
-              <a:t>Key Takeaways – </a:t>
-            </a:r>
+              <a:t>App Architecture – </a:t>
+            </a:r>
+            <a:r>
+              <a:rPr lang="en-US" dirty="0" smtClean="0"/>
+              <a:t>Scot</a:t>
+            </a:r>
+            <a:endParaRPr lang="en-US" dirty="0" smtClean="0"/>
           </a:p>
           <a:p>
             <a:r>
               <a:rPr lang="en-US" dirty="0" smtClean="0"/>
+              <a:t>Key Takeaways – </a:t>
+            </a:r>
+            <a:r>
+              <a:rPr lang="en-US" dirty="0" smtClean="0"/>
+              <a:t>Scot</a:t>
+            </a:r>
+            <a:endParaRPr lang="en-US" dirty="0" smtClean="0"/>
+          </a:p>
+          <a:p>
+            <a:r>
+              <a:rPr lang="en-US" dirty="0" smtClean="0"/>
               <a:t>References/Q&amp;A –  </a:t>
+            </a:r>
+            <a:r>
+              <a:rPr lang="en-US" dirty="0" smtClean="0"/>
+              <a:t>Scot</a:t>
             </a:r>
             <a:endParaRPr lang="en-US" dirty="0"/>
           </a:p>

--- a/demo_day_deck.pptx
+++ b/demo_day_deck.pptx
@@ -1861,6 +1861,788 @@
 </file>
 
 <file path=ppt/diagrams/colors3.xml><?xml version="1.0" encoding="utf-8"?>
+<dgm:colorsDef xmlns:dgm="http://schemas.openxmlformats.org/drawingml/2006/diagram" xmlns:a="http://schemas.openxmlformats.org/drawingml/2006/main" uniqueId="urn:microsoft.com/office/officeart/2005/8/colors/colorful5">
+  <dgm:title val=""/>
+  <dgm:desc val=""/>
+  <dgm:catLst>
+    <dgm:cat type="colorful" pri="10500"/>
+  </dgm:catLst>
+  <dgm:styleLbl name="node0">
+    <dgm:fillClrLst meth="repeat">
+      <a:schemeClr val="accent4"/>
+    </dgm:fillClrLst>
+    <dgm:linClrLst meth="repeat">
+      <a:schemeClr val="lt1"/>
+    </dgm:linClrLst>
+    <dgm:effectClrLst/>
+    <dgm:txLinClrLst/>
+    <dgm:txFillClrLst/>
+    <dgm:txEffectClrLst/>
+  </dgm:styleLbl>
+  <dgm:styleLbl name="node1">
+    <dgm:fillClrLst>
+      <a:schemeClr val="accent5"/>
+      <a:schemeClr val="accent6"/>
+    </dgm:fillClrLst>
+    <dgm:linClrLst meth="repeat">
+      <a:schemeClr val="lt1"/>
+    </dgm:linClrLst>
+    <dgm:effectClrLst/>
+    <dgm:txLinClrLst/>
+    <dgm:txFillClrLst/>
+    <dgm:txEffectClrLst/>
+  </dgm:styleLbl>
+  <dgm:styleLbl name="alignNode1">
+    <dgm:fillClrLst>
+      <a:schemeClr val="accent5"/>
+      <a:schemeClr val="accent6"/>
+    </dgm:fillClrLst>
+    <dgm:linClrLst>
+      <a:schemeClr val="accent5"/>
+      <a:schemeClr val="accent6"/>
+    </dgm:linClrLst>
+    <dgm:effectClrLst/>
+    <dgm:txLinClrLst/>
+    <dgm:txFillClrLst/>
+    <dgm:txEffectClrLst/>
+  </dgm:styleLbl>
+  <dgm:styleLbl name="lnNode1">
+    <dgm:fillClrLst>
+      <a:schemeClr val="accent5"/>
+      <a:schemeClr val="accent6"/>
+    </dgm:fillClrLst>
+    <dgm:linClrLst meth="repeat">
+      <a:schemeClr val="lt1"/>
+    </dgm:linClrLst>
+    <dgm:effectClrLst/>
+    <dgm:txLinClrLst/>
+    <dgm:txFillClrLst/>
+    <dgm:txEffectClrLst/>
+  </dgm:styleLbl>
+  <dgm:styleLbl name="vennNode1">
+    <dgm:fillClrLst>
+      <a:schemeClr val="accent5">
+        <a:alpha val="50000"/>
+      </a:schemeClr>
+      <a:schemeClr val="accent6">
+        <a:alpha val="50000"/>
+      </a:schemeClr>
+    </dgm:fillClrLst>
+    <dgm:linClrLst meth="repeat">
+      <a:schemeClr val="lt1"/>
+    </dgm:linClrLst>
+    <dgm:effectClrLst/>
+    <dgm:txLinClrLst/>
+    <dgm:txFillClrLst/>
+    <dgm:txEffectClrLst/>
+  </dgm:styleLbl>
+  <dgm:styleLbl name="node2">
+    <dgm:fillClrLst>
+      <a:schemeClr val="accent6"/>
+    </dgm:fillClrLst>
+    <dgm:linClrLst meth="repeat">
+      <a:schemeClr val="lt1"/>
+    </dgm:linClrLst>
+    <dgm:effectClrLst/>
+    <dgm:txLinClrLst/>
+    <dgm:txFillClrLst/>
+    <dgm:txEffectClrLst/>
+  </dgm:styleLbl>
+  <dgm:styleLbl name="node3">
+    <dgm:fillClrLst>
+      <a:schemeClr val="accent1"/>
+    </dgm:fillClrLst>
+    <dgm:linClrLst meth="repeat">
+      <a:schemeClr val="lt1"/>
+    </dgm:linClrLst>
+    <dgm:effectClrLst/>
+    <dgm:txLinClrLst/>
+    <dgm:txFillClrLst/>
+    <dgm:txEffectClrLst/>
+  </dgm:styleLbl>
+  <dgm:styleLbl name="node4">
+    <dgm:fillClrLst>
+      <a:schemeClr val="accent2"/>
+    </dgm:fillClrLst>
+    <dgm:linClrLst meth="repeat">
+      <a:schemeClr val="lt1"/>
+    </dgm:linClrLst>
+    <dgm:effectClrLst/>
+    <dgm:txLinClrLst/>
+    <dgm:txFillClrLst/>
+    <dgm:txEffectClrLst/>
+  </dgm:styleLbl>
+  <dgm:styleLbl name="fgImgPlace1">
+    <dgm:fillClrLst>
+      <a:schemeClr val="accent5">
+        <a:tint val="50000"/>
+      </a:schemeClr>
+      <a:schemeClr val="accent6">
+        <a:tint val="50000"/>
+      </a:schemeClr>
+    </dgm:fillClrLst>
+    <dgm:linClrLst meth="repeat">
+      <a:schemeClr val="lt1"/>
+    </dgm:linClrLst>
+    <dgm:effectClrLst/>
+    <dgm:txLinClrLst/>
+    <dgm:txFillClrLst meth="repeat">
+      <a:schemeClr val="lt1"/>
+    </dgm:txFillClrLst>
+    <dgm:txEffectClrLst/>
+  </dgm:styleLbl>
+  <dgm:styleLbl name="alignImgPlace1">
+    <dgm:fillClrLst>
+      <a:schemeClr val="accent5">
+        <a:tint val="50000"/>
+      </a:schemeClr>
+      <a:schemeClr val="accent6">
+        <a:tint val="20000"/>
+      </a:schemeClr>
+    </dgm:fillClrLst>
+    <dgm:linClrLst meth="repeat">
+      <a:schemeClr val="lt1"/>
+    </dgm:linClrLst>
+    <dgm:effectClrLst/>
+    <dgm:txLinClrLst/>
+    <dgm:txFillClrLst meth="repeat">
+      <a:schemeClr val="lt1"/>
+    </dgm:txFillClrLst>
+    <dgm:txEffectClrLst/>
+  </dgm:styleLbl>
+  <dgm:styleLbl name="bgImgPlace1">
+    <dgm:fillClrLst>
+      <a:schemeClr val="accent5">
+        <a:tint val="50000"/>
+      </a:schemeClr>
+      <a:schemeClr val="accent6">
+        <a:tint val="20000"/>
+      </a:schemeClr>
+    </dgm:fillClrLst>
+    <dgm:linClrLst meth="repeat">
+      <a:schemeClr val="lt1"/>
+    </dgm:linClrLst>
+    <dgm:effectClrLst/>
+    <dgm:txLinClrLst/>
+    <dgm:txFillClrLst meth="repeat">
+      <a:schemeClr val="lt1"/>
+    </dgm:txFillClrLst>
+    <dgm:txEffectClrLst/>
+  </dgm:styleLbl>
+  <dgm:styleLbl name="sibTrans2D1">
+    <dgm:fillClrLst>
+      <a:schemeClr val="accent5"/>
+      <a:schemeClr val="accent6"/>
+    </dgm:fillClrLst>
+    <dgm:linClrLst meth="repeat">
+      <a:schemeClr val="lt1"/>
+    </dgm:linClrLst>
+    <dgm:effectClrLst/>
+    <dgm:txLinClrLst/>
+    <dgm:txFillClrLst/>
+    <dgm:txEffectClrLst/>
+  </dgm:styleLbl>
+  <dgm:styleLbl name="fgSibTrans2D1">
+    <dgm:fillClrLst>
+      <a:schemeClr val="accent5"/>
+      <a:schemeClr val="accent6"/>
+    </dgm:fillClrLst>
+    <dgm:linClrLst meth="repeat">
+      <a:schemeClr val="lt1"/>
+    </dgm:linClrLst>
+    <dgm:effectClrLst/>
+    <dgm:txLinClrLst/>
+    <dgm:txFillClrLst meth="repeat">
+      <a:schemeClr val="lt1"/>
+    </dgm:txFillClrLst>
+    <dgm:txEffectClrLst/>
+  </dgm:styleLbl>
+  <dgm:styleLbl name="bgSibTrans2D1">
+    <dgm:fillClrLst>
+      <a:schemeClr val="accent5"/>
+      <a:schemeClr val="accent6"/>
+    </dgm:fillClrLst>
+    <dgm:linClrLst meth="repeat">
+      <a:schemeClr val="lt1"/>
+    </dgm:linClrLst>
+    <dgm:effectClrLst/>
+    <dgm:txLinClrLst/>
+    <dgm:txFillClrLst meth="repeat">
+      <a:schemeClr val="lt1"/>
+    </dgm:txFillClrLst>
+    <dgm:txEffectClrLst/>
+  </dgm:styleLbl>
+  <dgm:styleLbl name="sibTrans1D1">
+    <dgm:fillClrLst/>
+    <dgm:linClrLst>
+      <a:schemeClr val="accent5"/>
+      <a:schemeClr val="accent6"/>
+    </dgm:linClrLst>
+    <dgm:effectClrLst/>
+    <dgm:txLinClrLst/>
+    <dgm:txFillClrLst meth="repeat">
+      <a:schemeClr val="tx1"/>
+    </dgm:txFillClrLst>
+    <dgm:txEffectClrLst/>
+  </dgm:styleLbl>
+  <dgm:styleLbl name="callout">
+    <dgm:fillClrLst meth="repeat">
+      <a:schemeClr val="accent5"/>
+    </dgm:fillClrLst>
+    <dgm:linClrLst meth="repeat">
+      <a:schemeClr val="accent5">
+        <a:tint val="50000"/>
+      </a:schemeClr>
+    </dgm:linClrLst>
+    <dgm:effectClrLst/>
+    <dgm:txLinClrLst/>
+    <dgm:txFillClrLst meth="repeat">
+      <a:schemeClr val="tx1"/>
+    </dgm:txFillClrLst>
+    <dgm:txEffectClrLst/>
+  </dgm:styleLbl>
+  <dgm:styleLbl name="asst0">
+    <dgm:fillClrLst meth="repeat">
+      <a:schemeClr val="accent5"/>
+    </dgm:fillClrLst>
+    <dgm:linClrLst meth="repeat">
+      <a:schemeClr val="lt1">
+        <a:shade val="80000"/>
+      </a:schemeClr>
+    </dgm:linClrLst>
+    <dgm:effectClrLst/>
+    <dgm:txLinClrLst/>
+    <dgm:txFillClrLst/>
+    <dgm:txEffectClrLst/>
+  </dgm:styleLbl>
+  <dgm:styleLbl name="asst1">
+    <dgm:fillClrLst meth="repeat">
+      <a:schemeClr val="accent6"/>
+    </dgm:fillClrLst>
+    <dgm:linClrLst meth="repeat">
+      <a:schemeClr val="lt1">
+        <a:shade val="80000"/>
+      </a:schemeClr>
+    </dgm:linClrLst>
+    <dgm:effectClrLst/>
+    <dgm:txLinClrLst/>
+    <dgm:txFillClrLst/>
+    <dgm:txEffectClrLst/>
+  </dgm:styleLbl>
+  <dgm:styleLbl name="asst2">
+    <dgm:fillClrLst>
+      <a:schemeClr val="accent1"/>
+    </dgm:fillClrLst>
+    <dgm:linClrLst meth="repeat">
+      <a:schemeClr val="lt1"/>
+    </dgm:linClrLst>
+    <dgm:effectClrLst/>
+    <dgm:txLinClrLst/>
+    <dgm:txFillClrLst/>
+    <dgm:txEffectClrLst/>
+  </dgm:styleLbl>
+  <dgm:styleLbl name="asst3">
+    <dgm:fillClrLst>
+      <a:schemeClr val="accent2"/>
+    </dgm:fillClrLst>
+    <dgm:linClrLst meth="repeat">
+      <a:schemeClr val="lt1"/>
+    </dgm:linClrLst>
+    <dgm:effectClrLst/>
+    <dgm:txLinClrLst/>
+    <dgm:txFillClrLst/>
+    <dgm:txEffectClrLst/>
+  </dgm:styleLbl>
+  <dgm:styleLbl name="asst4">
+    <dgm:fillClrLst>
+      <a:schemeClr val="accent3"/>
+    </dgm:fillClrLst>
+    <dgm:linClrLst meth="repeat">
+      <a:schemeClr val="lt1"/>
+    </dgm:linClrLst>
+    <dgm:effectClrLst/>
+    <dgm:txLinClrLst/>
+    <dgm:txFillClrLst/>
+    <dgm:txEffectClrLst/>
+  </dgm:styleLbl>
+  <dgm:styleLbl name="parChTrans2D1">
+    <dgm:fillClrLst meth="repeat">
+      <a:schemeClr val="accent5"/>
+    </dgm:fillClrLst>
+    <dgm:linClrLst meth="repeat">
+      <a:schemeClr val="lt1"/>
+    </dgm:linClrLst>
+    <dgm:effectClrLst/>
+    <dgm:txLinClrLst/>
+    <dgm:txFillClrLst meth="repeat">
+      <a:schemeClr val="lt1"/>
+    </dgm:txFillClrLst>
+    <dgm:txEffectClrLst/>
+  </dgm:styleLbl>
+  <dgm:styleLbl name="parChTrans2D2">
+    <dgm:fillClrLst meth="repeat">
+      <a:schemeClr val="accent6"/>
+    </dgm:fillClrLst>
+    <dgm:linClrLst meth="repeat">
+      <a:schemeClr val="lt1"/>
+    </dgm:linClrLst>
+    <dgm:effectClrLst/>
+    <dgm:txLinClrLst/>
+    <dgm:txFillClrLst/>
+    <dgm:txEffectClrLst/>
+  </dgm:styleLbl>
+  <dgm:styleLbl name="parChTrans2D3">
+    <dgm:fillClrLst meth="repeat">
+      <a:schemeClr val="accent6"/>
+    </dgm:fillClrLst>
+    <dgm:linClrLst meth="repeat">
+      <a:schemeClr val="lt1"/>
+    </dgm:linClrLst>
+    <dgm:effectClrLst/>
+    <dgm:txLinClrLst/>
+    <dgm:txFillClrLst/>
+    <dgm:txEffectClrLst/>
+  </dgm:styleLbl>
+  <dgm:styleLbl name="parChTrans2D4">
+    <dgm:fillClrLst meth="repeat">
+      <a:schemeClr val="accent1"/>
+    </dgm:fillClrLst>
+    <dgm:linClrLst meth="repeat">
+      <a:schemeClr val="lt1"/>
+    </dgm:linClrLst>
+    <dgm:effectClrLst/>
+    <dgm:txLinClrLst/>
+    <dgm:txFillClrLst meth="repeat">
+      <a:schemeClr val="lt1"/>
+    </dgm:txFillClrLst>
+    <dgm:txEffectClrLst/>
+  </dgm:styleLbl>
+  <dgm:styleLbl name="parChTrans1D1">
+    <dgm:fillClrLst meth="repeat">
+      <a:schemeClr val="accent5"/>
+    </dgm:fillClrLst>
+    <dgm:linClrLst meth="repeat">
+      <a:schemeClr val="accent5"/>
+    </dgm:linClrLst>
+    <dgm:effectClrLst/>
+    <dgm:txLinClrLst/>
+    <dgm:txFillClrLst meth="repeat">
+      <a:schemeClr val="tx1"/>
+    </dgm:txFillClrLst>
+    <dgm:txEffectClrLst/>
+  </dgm:styleLbl>
+  <dgm:styleLbl name="parChTrans1D2">
+    <dgm:fillClrLst meth="repeat">
+      <a:schemeClr val="accent6">
+        <a:tint val="90000"/>
+      </a:schemeClr>
+    </dgm:fillClrLst>
+    <dgm:linClrLst meth="repeat">
+      <a:schemeClr val="accent6"/>
+    </dgm:linClrLst>
+    <dgm:effectClrLst/>
+    <dgm:txLinClrLst/>
+    <dgm:txFillClrLst meth="repeat">
+      <a:schemeClr val="tx1"/>
+    </dgm:txFillClrLst>
+    <dgm:txEffectClrLst/>
+  </dgm:styleLbl>
+  <dgm:styleLbl name="parChTrans1D3">
+    <dgm:fillClrLst meth="repeat">
+      <a:schemeClr val="accent6">
+        <a:tint val="70000"/>
+      </a:schemeClr>
+    </dgm:fillClrLst>
+    <dgm:linClrLst meth="repeat">
+      <a:schemeClr val="accent1"/>
+    </dgm:linClrLst>
+    <dgm:effectClrLst/>
+    <dgm:txLinClrLst/>
+    <dgm:txFillClrLst meth="repeat">
+      <a:schemeClr val="tx1"/>
+    </dgm:txFillClrLst>
+    <dgm:txEffectClrLst/>
+  </dgm:styleLbl>
+  <dgm:styleLbl name="parChTrans1D4">
+    <dgm:fillClrLst meth="repeat">
+      <a:schemeClr val="accent6">
+        <a:tint val="50000"/>
+      </a:schemeClr>
+    </dgm:fillClrLst>
+    <dgm:linClrLst meth="repeat">
+      <a:schemeClr val="accent2"/>
+    </dgm:linClrLst>
+    <dgm:effectClrLst/>
+    <dgm:txLinClrLst/>
+    <dgm:txFillClrLst meth="repeat">
+      <a:schemeClr val="tx1"/>
+    </dgm:txFillClrLst>
+    <dgm:txEffectClrLst/>
+  </dgm:styleLbl>
+  <dgm:styleLbl name="fgAcc1">
+    <dgm:fillClrLst meth="repeat">
+      <a:schemeClr val="lt1">
+        <a:alpha val="90000"/>
+      </a:schemeClr>
+    </dgm:fillClrLst>
+    <dgm:linClrLst>
+      <a:schemeClr val="accent5"/>
+      <a:schemeClr val="accent6"/>
+    </dgm:linClrLst>
+    <dgm:effectClrLst/>
+    <dgm:txLinClrLst/>
+    <dgm:txFillClrLst meth="repeat">
+      <a:schemeClr val="dk1"/>
+    </dgm:txFillClrLst>
+    <dgm:txEffectClrLst/>
+  </dgm:styleLbl>
+  <dgm:styleLbl name="conFgAcc1">
+    <dgm:fillClrLst meth="repeat">
+      <a:schemeClr val="lt1">
+        <a:alpha val="90000"/>
+      </a:schemeClr>
+    </dgm:fillClrLst>
+    <dgm:linClrLst>
+      <a:schemeClr val="accent5"/>
+      <a:schemeClr val="accent6"/>
+    </dgm:linClrLst>
+    <dgm:effectClrLst/>
+    <dgm:txLinClrLst/>
+    <dgm:txFillClrLst meth="repeat">
+      <a:schemeClr val="dk1"/>
+    </dgm:txFillClrLst>
+    <dgm:txEffectClrLst/>
+  </dgm:styleLbl>
+  <dgm:styleLbl name="alignAcc1">
+    <dgm:fillClrLst meth="repeat">
+      <a:schemeClr val="lt1">
+        <a:alpha val="90000"/>
+      </a:schemeClr>
+    </dgm:fillClrLst>
+    <dgm:linClrLst>
+      <a:schemeClr val="accent5"/>
+      <a:schemeClr val="accent6"/>
+    </dgm:linClrLst>
+    <dgm:effectClrLst/>
+    <dgm:txLinClrLst/>
+    <dgm:txFillClrLst meth="repeat">
+      <a:schemeClr val="dk1"/>
+    </dgm:txFillClrLst>
+    <dgm:txEffectClrLst/>
+  </dgm:styleLbl>
+  <dgm:styleLbl name="trAlignAcc1">
+    <dgm:fillClrLst meth="repeat">
+      <a:schemeClr val="lt1">
+        <a:alpha val="40000"/>
+      </a:schemeClr>
+    </dgm:fillClrLst>
+    <dgm:linClrLst meth="repeat">
+      <a:schemeClr val="accent5"/>
+    </dgm:linClrLst>
+    <dgm:effectClrLst/>
+    <dgm:txLinClrLst/>
+    <dgm:txFillClrLst meth="repeat">
+      <a:schemeClr val="dk1"/>
+    </dgm:txFillClrLst>
+    <dgm:txEffectClrLst/>
+  </dgm:styleLbl>
+  <dgm:styleLbl name="bgAcc1">
+    <dgm:fillClrLst meth="repeat">
+      <a:schemeClr val="lt1">
+        <a:alpha val="90000"/>
+      </a:schemeClr>
+    </dgm:fillClrLst>
+    <dgm:linClrLst>
+      <a:schemeClr val="accent5"/>
+      <a:schemeClr val="accent6"/>
+    </dgm:linClrLst>
+    <dgm:effectClrLst/>
+    <dgm:txLinClrLst/>
+    <dgm:txFillClrLst meth="repeat">
+      <a:schemeClr val="dk1"/>
+    </dgm:txFillClrLst>
+    <dgm:txEffectClrLst/>
+  </dgm:styleLbl>
+  <dgm:styleLbl name="solidFgAcc1">
+    <dgm:fillClrLst meth="repeat">
+      <a:schemeClr val="lt1"/>
+    </dgm:fillClrLst>
+    <dgm:linClrLst>
+      <a:schemeClr val="accent5"/>
+      <a:schemeClr val="accent6"/>
+    </dgm:linClrLst>
+    <dgm:effectClrLst/>
+    <dgm:txLinClrLst/>
+    <dgm:txFillClrLst meth="repeat">
+      <a:schemeClr val="dk1"/>
+    </dgm:txFillClrLst>
+    <dgm:txEffectClrLst/>
+  </dgm:styleLbl>
+  <dgm:styleLbl name="solidAlignAcc1">
+    <dgm:fillClrLst meth="repeat">
+      <a:schemeClr val="lt1"/>
+    </dgm:fillClrLst>
+    <dgm:linClrLst>
+      <a:schemeClr val="accent5"/>
+      <a:schemeClr val="accent6"/>
+    </dgm:linClrLst>
+    <dgm:effectClrLst/>
+    <dgm:txLinClrLst/>
+    <dgm:txFillClrLst meth="repeat">
+      <a:schemeClr val="dk1"/>
+    </dgm:txFillClrLst>
+    <dgm:txEffectClrLst/>
+  </dgm:styleLbl>
+  <dgm:styleLbl name="solidBgAcc1">
+    <dgm:fillClrLst meth="repeat">
+      <a:schemeClr val="lt1"/>
+    </dgm:fillClrLst>
+    <dgm:linClrLst>
+      <a:schemeClr val="accent5"/>
+      <a:schemeClr val="accent6"/>
+    </dgm:linClrLst>
+    <dgm:effectClrLst/>
+    <dgm:txLinClrLst/>
+    <dgm:txFillClrLst meth="repeat">
+      <a:schemeClr val="dk1"/>
+    </dgm:txFillClrLst>
+    <dgm:txEffectClrLst/>
+  </dgm:styleLbl>
+  <dgm:styleLbl name="fgAccFollowNode1">
+    <dgm:fillClrLst>
+      <a:schemeClr val="accent5">
+        <a:tint val="40000"/>
+        <a:alpha val="90000"/>
+      </a:schemeClr>
+      <a:schemeClr val="accent6">
+        <a:tint val="40000"/>
+        <a:alpha val="90000"/>
+      </a:schemeClr>
+    </dgm:fillClrLst>
+    <dgm:linClrLst>
+      <a:schemeClr val="accent5">
+        <a:tint val="40000"/>
+        <a:alpha val="90000"/>
+      </a:schemeClr>
+      <a:schemeClr val="accent5">
+        <a:tint val="40000"/>
+        <a:alpha val="90000"/>
+      </a:schemeClr>
+    </dgm:linClrLst>
+    <dgm:effectClrLst/>
+    <dgm:txLinClrLst/>
+    <dgm:txFillClrLst meth="repeat">
+      <a:schemeClr val="dk1"/>
+    </dgm:txFillClrLst>
+    <dgm:txEffectClrLst/>
+  </dgm:styleLbl>
+  <dgm:styleLbl name="alignAccFollowNode1">
+    <dgm:fillClrLst>
+      <a:schemeClr val="accent5">
+        <a:tint val="40000"/>
+        <a:alpha val="90000"/>
+      </a:schemeClr>
+      <a:schemeClr val="accent6">
+        <a:tint val="40000"/>
+        <a:alpha val="90000"/>
+      </a:schemeClr>
+    </dgm:fillClrLst>
+    <dgm:linClrLst>
+      <a:schemeClr val="accent5">
+        <a:tint val="40000"/>
+        <a:alpha val="90000"/>
+      </a:schemeClr>
+      <a:schemeClr val="accent6">
+        <a:tint val="40000"/>
+        <a:alpha val="90000"/>
+      </a:schemeClr>
+    </dgm:linClrLst>
+    <dgm:effectClrLst/>
+    <dgm:txLinClrLst/>
+    <dgm:txFillClrLst meth="repeat">
+      <a:schemeClr val="dk1"/>
+    </dgm:txFillClrLst>
+    <dgm:txEffectClrLst/>
+  </dgm:styleLbl>
+  <dgm:styleLbl name="bgAccFollowNode1">
+    <dgm:fillClrLst>
+      <a:schemeClr val="accent5">
+        <a:tint val="40000"/>
+        <a:alpha val="90000"/>
+      </a:schemeClr>
+      <a:schemeClr val="accent6">
+        <a:tint val="40000"/>
+        <a:alpha val="90000"/>
+      </a:schemeClr>
+    </dgm:fillClrLst>
+    <dgm:linClrLst>
+      <a:schemeClr val="accent5">
+        <a:tint val="40000"/>
+        <a:alpha val="90000"/>
+      </a:schemeClr>
+      <a:schemeClr val="accent6">
+        <a:tint val="40000"/>
+        <a:alpha val="90000"/>
+      </a:schemeClr>
+    </dgm:linClrLst>
+    <dgm:effectClrLst/>
+    <dgm:txLinClrLst/>
+    <dgm:txFillClrLst meth="repeat">
+      <a:schemeClr val="dk1"/>
+    </dgm:txFillClrLst>
+    <dgm:txEffectClrLst/>
+  </dgm:styleLbl>
+  <dgm:styleLbl name="fgAcc0">
+    <dgm:fillClrLst meth="repeat">
+      <a:schemeClr val="lt1">
+        <a:alpha val="90000"/>
+      </a:schemeClr>
+    </dgm:fillClrLst>
+    <dgm:linClrLst>
+      <a:schemeClr val="accent4"/>
+    </dgm:linClrLst>
+    <dgm:effectClrLst/>
+    <dgm:txLinClrLst/>
+    <dgm:txFillClrLst meth="repeat">
+      <a:schemeClr val="dk1"/>
+    </dgm:txFillClrLst>
+    <dgm:txEffectClrLst/>
+  </dgm:styleLbl>
+  <dgm:styleLbl name="fgAcc2">
+    <dgm:fillClrLst meth="repeat">
+      <a:schemeClr val="lt1">
+        <a:alpha val="90000"/>
+      </a:schemeClr>
+    </dgm:fillClrLst>
+    <dgm:linClrLst>
+      <a:schemeClr val="accent6"/>
+    </dgm:linClrLst>
+    <dgm:effectClrLst/>
+    <dgm:txLinClrLst/>
+    <dgm:txFillClrLst meth="repeat">
+      <a:schemeClr val="dk1"/>
+    </dgm:txFillClrLst>
+    <dgm:txEffectClrLst/>
+  </dgm:styleLbl>
+  <dgm:styleLbl name="fgAcc3">
+    <dgm:fillClrLst meth="repeat">
+      <a:schemeClr val="lt1">
+        <a:alpha val="90000"/>
+      </a:schemeClr>
+    </dgm:fillClrLst>
+    <dgm:linClrLst>
+      <a:schemeClr val="accent1"/>
+    </dgm:linClrLst>
+    <dgm:effectClrLst/>
+    <dgm:txLinClrLst/>
+    <dgm:txFillClrLst meth="repeat">
+      <a:schemeClr val="dk1"/>
+    </dgm:txFillClrLst>
+    <dgm:txEffectClrLst/>
+  </dgm:styleLbl>
+  <dgm:styleLbl name="fgAcc4">
+    <dgm:fillClrLst meth="repeat">
+      <a:schemeClr val="lt1">
+        <a:alpha val="90000"/>
+      </a:schemeClr>
+    </dgm:fillClrLst>
+    <dgm:linClrLst>
+      <a:schemeClr val="accent2"/>
+    </dgm:linClrLst>
+    <dgm:effectClrLst/>
+    <dgm:txLinClrLst/>
+    <dgm:txFillClrLst meth="repeat">
+      <a:schemeClr val="dk1"/>
+    </dgm:txFillClrLst>
+    <dgm:txEffectClrLst/>
+  </dgm:styleLbl>
+  <dgm:styleLbl name="bgShp">
+    <dgm:fillClrLst meth="repeat">
+      <a:schemeClr val="accent5">
+        <a:tint val="40000"/>
+      </a:schemeClr>
+    </dgm:fillClrLst>
+    <dgm:linClrLst meth="repeat">
+      <a:schemeClr val="dk1"/>
+    </dgm:linClrLst>
+    <dgm:effectClrLst/>
+    <dgm:txLinClrLst/>
+    <dgm:txFillClrLst meth="repeat">
+      <a:schemeClr val="dk1"/>
+    </dgm:txFillClrLst>
+    <dgm:txEffectClrLst/>
+  </dgm:styleLbl>
+  <dgm:styleLbl name="dkBgShp">
+    <dgm:fillClrLst meth="repeat">
+      <a:schemeClr val="accent5">
+        <a:shade val="90000"/>
+      </a:schemeClr>
+    </dgm:fillClrLst>
+    <dgm:linClrLst meth="repeat">
+      <a:schemeClr val="dk1"/>
+    </dgm:linClrLst>
+    <dgm:effectClrLst/>
+    <dgm:txLinClrLst/>
+    <dgm:txFillClrLst meth="repeat">
+      <a:schemeClr val="lt1"/>
+    </dgm:txFillClrLst>
+    <dgm:txEffectClrLst/>
+  </dgm:styleLbl>
+  <dgm:styleLbl name="trBgShp">
+    <dgm:fillClrLst meth="repeat">
+      <a:schemeClr val="accent5">
+        <a:tint val="50000"/>
+        <a:alpha val="40000"/>
+      </a:schemeClr>
+    </dgm:fillClrLst>
+    <dgm:linClrLst meth="repeat">
+      <a:schemeClr val="accent5"/>
+    </dgm:linClrLst>
+    <dgm:effectClrLst/>
+    <dgm:txLinClrLst/>
+    <dgm:txFillClrLst meth="repeat">
+      <a:schemeClr val="lt1"/>
+    </dgm:txFillClrLst>
+    <dgm:txEffectClrLst/>
+  </dgm:styleLbl>
+  <dgm:styleLbl name="fgShp">
+    <dgm:fillClrLst meth="repeat">
+      <a:schemeClr val="accent5">
+        <a:tint val="40000"/>
+      </a:schemeClr>
+    </dgm:fillClrLst>
+    <dgm:linClrLst meth="repeat">
+      <a:schemeClr val="lt1"/>
+    </dgm:linClrLst>
+    <dgm:effectClrLst/>
+    <dgm:txLinClrLst/>
+    <dgm:txFillClrLst meth="repeat">
+      <a:schemeClr val="dk1"/>
+    </dgm:txFillClrLst>
+    <dgm:txEffectClrLst/>
+  </dgm:styleLbl>
+  <dgm:styleLbl name="revTx">
+    <dgm:fillClrLst meth="repeat">
+      <a:schemeClr val="lt1">
+        <a:alpha val="0"/>
+      </a:schemeClr>
+    </dgm:fillClrLst>
+    <dgm:linClrLst meth="repeat">
+      <a:schemeClr val="dk1">
+        <a:alpha val="0"/>
+      </a:schemeClr>
+    </dgm:linClrLst>
+    <dgm:effectClrLst/>
+    <dgm:txLinClrLst/>
+    <dgm:txFillClrLst meth="repeat">
+      <a:schemeClr val="tx1"/>
+    </dgm:txFillClrLst>
+    <dgm:txEffectClrLst/>
+  </dgm:styleLbl>
+</dgm:colorsDef>
+</file>
+
+<file path=ppt/diagrams/colors4.xml><?xml version="1.0" encoding="utf-8"?>
 <dgm:colorsDef xmlns:dgm="http://schemas.openxmlformats.org/drawingml/2006/diagram" xmlns:a="http://schemas.openxmlformats.org/drawingml/2006/main" uniqueId="urn:microsoft.com/office/officeart/2005/8/colors/colorful5">
   <dgm:title val=""/>
   <dgm:desc val=""/>
@@ -3294,8 +4076,8 @@
     <dgm:cxn modelId="{54ED4EA1-3BB3-45AE-90FB-8752FDA96296}" srcId="{685A2AB2-E35E-4E1C-9475-AFB5439CAE02}" destId="{276BEC33-1C26-4BC3-A7DB-8F745356225B}" srcOrd="0" destOrd="0" parTransId="{11222BB7-0C0F-4630-9A4C-23E87E577E68}" sibTransId="{46C4B6C1-04AA-4F1A-997D-1251E3B20E44}"/>
     <dgm:cxn modelId="{34EFB22F-D1CC-43F5-8BF8-A5CBA0113939}" type="presOf" srcId="{1869434C-B24F-4139-8B5C-A42F16810745}" destId="{BCFB47A8-0FC1-4402-9BD0-D45E776E24B1}" srcOrd="0" destOrd="0" presId="urn:microsoft.com/office/officeart/2005/8/layout/vList5"/>
     <dgm:cxn modelId="{EADB75B8-1662-4BD2-8E18-AD0009E5AD9A}" srcId="{C625F94C-0C14-4A9E-B782-62F8BAF8C592}" destId="{CFA803F1-A34D-4A68-9D74-077E570D1764}" srcOrd="2" destOrd="0" parTransId="{F198F8E6-5A3F-4546-88F3-7605D6826A65}" sibTransId="{CF291C21-D8AF-4C60-A1B6-AFA5EF7DBC3D}"/>
+    <dgm:cxn modelId="{4FB50481-4670-461F-93F7-71721FBFDD2C}" srcId="{CFA803F1-A34D-4A68-9D74-077E570D1764}" destId="{026EC6CE-3285-44D8-B1D7-03EFA378F1A6}" srcOrd="1" destOrd="0" parTransId="{4EC286BC-4714-413D-B60D-9BED6D7EAA76}" sibTransId="{946C11E7-0BFE-40FE-B1C2-7E310DE38B4E}"/>
     <dgm:cxn modelId="{3B4AABE0-123B-4B6B-A1C7-F2B1A5E257F9}" type="presOf" srcId="{5C646E0F-8375-4171-84C4-BED83EAB439F}" destId="{BD960022-7EAF-49B0-B6F5-41F6C2F5EBEE}" srcOrd="0" destOrd="1" presId="urn:microsoft.com/office/officeart/2005/8/layout/vList5"/>
-    <dgm:cxn modelId="{4FB50481-4670-461F-93F7-71721FBFDD2C}" srcId="{CFA803F1-A34D-4A68-9D74-077E570D1764}" destId="{026EC6CE-3285-44D8-B1D7-03EFA378F1A6}" srcOrd="1" destOrd="0" parTransId="{4EC286BC-4714-413D-B60D-9BED6D7EAA76}" sibTransId="{946C11E7-0BFE-40FE-B1C2-7E310DE38B4E}"/>
     <dgm:cxn modelId="{B50BCB01-52B8-4F5C-A09F-B1729CD1BE72}" type="presOf" srcId="{685A2AB2-E35E-4E1C-9475-AFB5439CAE02}" destId="{5B245E5B-24DE-4B72-A3D1-928D079F9518}" srcOrd="0" destOrd="0" presId="urn:microsoft.com/office/officeart/2005/8/layout/vList5"/>
     <dgm:cxn modelId="{732A6092-A828-43DB-8CCB-5793BA0EB1D3}" srcId="{76A4E6C1-6A9A-4105-9764-E2CF24F79F0F}" destId="{1869434C-B24F-4139-8B5C-A42F16810745}" srcOrd="0" destOrd="0" parTransId="{FA75D358-9E08-4C05-9A16-DC82B5B3C2E3}" sibTransId="{D339BB34-2DD7-41BC-A99E-CE01AA5560B8}"/>
     <dgm:cxn modelId="{6F546AE2-C18D-496C-99E4-C5E251CA4BB6}" type="presOf" srcId="{CFA803F1-A34D-4A68-9D74-077E570D1764}" destId="{FA1A3237-2E7A-43EB-AF73-35F3E7859B34}" srcOrd="0" destOrd="0" presId="urn:microsoft.com/office/officeart/2005/8/layout/vList5"/>
@@ -3331,6 +4113,222 @@
 </file>
 
 <file path=ppt/diagrams/data2.xml><?xml version="1.0" encoding="utf-8"?>
+<dgm:dataModel xmlns:dgm="http://schemas.openxmlformats.org/drawingml/2006/diagram" xmlns:a="http://schemas.openxmlformats.org/drawingml/2006/main">
+  <dgm:ptLst>
+    <dgm:pt modelId="{B598D377-0859-4B53-A4BA-986277B86983}" type="doc">
+      <dgm:prSet loTypeId="urn:diagrams.loki3.com/VaryingWidthList" loCatId="list" qsTypeId="urn:microsoft.com/office/officeart/2005/8/quickstyle/simple1" qsCatId="simple" csTypeId="urn:microsoft.com/office/officeart/2005/8/colors/colorful5" csCatId="colorful" phldr="1"/>
+      <dgm:spPr/>
+    </dgm:pt>
+    <dgm:pt modelId="{DA29B701-36C7-4C67-B7AD-64EEC5706F16}">
+      <dgm:prSet phldrT="[Text]" custT="1"/>
+      <dgm:spPr>
+        <a:solidFill>
+          <a:srgbClr val="77A2BB"/>
+        </a:solidFill>
+      </dgm:spPr>
+      <dgm:t>
+        <a:bodyPr/>
+        <a:lstStyle/>
+        <a:p>
+          <a:r>
+            <a:rPr lang="en-US" sz="2400" dirty="0" smtClean="0"/>
+            <a:t>% Negative</a:t>
+          </a:r>
+          <a:endParaRPr lang="en-US" sz="2400" dirty="0"/>
+        </a:p>
+      </dgm:t>
+    </dgm:pt>
+    <dgm:pt modelId="{F12459F9-1974-473C-B04C-58BD0A3EC9C8}" type="parTrans" cxnId="{1A1D17A3-E523-468D-8BF9-525EA016E321}">
+      <dgm:prSet/>
+      <dgm:spPr/>
+      <dgm:t>
+        <a:bodyPr/>
+        <a:lstStyle/>
+        <a:p>
+          <a:endParaRPr lang="en-US"/>
+        </a:p>
+      </dgm:t>
+    </dgm:pt>
+    <dgm:pt modelId="{1200CE1C-2A75-4EDF-8707-E1BF9284EB07}" type="sibTrans" cxnId="{1A1D17A3-E523-468D-8BF9-525EA016E321}">
+      <dgm:prSet/>
+      <dgm:spPr/>
+      <dgm:t>
+        <a:bodyPr/>
+        <a:lstStyle/>
+        <a:p>
+          <a:endParaRPr lang="en-US"/>
+        </a:p>
+      </dgm:t>
+    </dgm:pt>
+    <dgm:pt modelId="{D7C6D3C2-5F68-484D-A5D6-87FFA500B780}">
+      <dgm:prSet phldrT="[Text]" custT="1"/>
+      <dgm:spPr>
+        <a:solidFill>
+          <a:srgbClr val="977ACC"/>
+        </a:solidFill>
+      </dgm:spPr>
+      <dgm:t>
+        <a:bodyPr/>
+        <a:lstStyle/>
+        <a:p>
+          <a:r>
+            <a:rPr lang="en-US" sz="2400" dirty="0" smtClean="0"/>
+            <a:t>% Neutral</a:t>
+          </a:r>
+          <a:endParaRPr lang="en-US" sz="2400" dirty="0"/>
+        </a:p>
+      </dgm:t>
+    </dgm:pt>
+    <dgm:pt modelId="{E3B08F20-084A-4335-8AE2-619451119327}" type="parTrans" cxnId="{E3AD77E4-0470-44F8-9814-96A8A2EE2AEB}">
+      <dgm:prSet/>
+      <dgm:spPr/>
+      <dgm:t>
+        <a:bodyPr/>
+        <a:lstStyle/>
+        <a:p>
+          <a:endParaRPr lang="en-US"/>
+        </a:p>
+      </dgm:t>
+    </dgm:pt>
+    <dgm:pt modelId="{D4221B66-9E87-48E5-BFA1-301148CA6AB9}" type="sibTrans" cxnId="{E3AD77E4-0470-44F8-9814-96A8A2EE2AEB}">
+      <dgm:prSet/>
+      <dgm:spPr/>
+      <dgm:t>
+        <a:bodyPr/>
+        <a:lstStyle/>
+        <a:p>
+          <a:endParaRPr lang="en-US"/>
+        </a:p>
+      </dgm:t>
+    </dgm:pt>
+    <dgm:pt modelId="{F5FE2649-1E20-493C-970C-15864CC8ECE9}">
+      <dgm:prSet phldrT="[Text]" custT="1"/>
+      <dgm:spPr>
+        <a:solidFill>
+          <a:srgbClr val="DB7FBD"/>
+        </a:solidFill>
+      </dgm:spPr>
+      <dgm:t>
+        <a:bodyPr/>
+        <a:lstStyle/>
+        <a:p>
+          <a:r>
+            <a:rPr lang="en-US" sz="2400" dirty="0" smtClean="0"/>
+            <a:t>% Positive</a:t>
+          </a:r>
+          <a:endParaRPr lang="en-US" sz="2400" dirty="0"/>
+        </a:p>
+      </dgm:t>
+    </dgm:pt>
+    <dgm:pt modelId="{8608E40D-C6B4-42B8-8999-A40FFB93E56E}" type="parTrans" cxnId="{1DBA8383-92EC-4D1E-AE72-E616686A641E}">
+      <dgm:prSet/>
+      <dgm:spPr/>
+      <dgm:t>
+        <a:bodyPr/>
+        <a:lstStyle/>
+        <a:p>
+          <a:endParaRPr lang="en-US"/>
+        </a:p>
+      </dgm:t>
+    </dgm:pt>
+    <dgm:pt modelId="{3AF18BF4-F7B4-4A33-94BB-6E5EC743C4AD}" type="sibTrans" cxnId="{1DBA8383-92EC-4D1E-AE72-E616686A641E}">
+      <dgm:prSet/>
+      <dgm:spPr/>
+      <dgm:t>
+        <a:bodyPr/>
+        <a:lstStyle/>
+        <a:p>
+          <a:endParaRPr lang="en-US"/>
+        </a:p>
+      </dgm:t>
+    </dgm:pt>
+    <dgm:pt modelId="{B97F4C6B-AA08-4BB5-A811-6326F12950D2}" type="pres">
+      <dgm:prSet presAssocID="{B598D377-0859-4B53-A4BA-986277B86983}" presName="Name0" presStyleCnt="0">
+        <dgm:presLayoutVars>
+          <dgm:resizeHandles/>
+        </dgm:presLayoutVars>
+      </dgm:prSet>
+      <dgm:spPr/>
+    </dgm:pt>
+    <dgm:pt modelId="{EB853744-680B-4869-A9FC-080749498AA1}" type="pres">
+      <dgm:prSet presAssocID="{DA29B701-36C7-4C67-B7AD-64EEC5706F16}" presName="text" presStyleLbl="node1" presStyleIdx="0" presStyleCnt="3" custScaleX="135860" custLinFactNeighborX="1771">
+        <dgm:presLayoutVars>
+          <dgm:bulletEnabled val="1"/>
+        </dgm:presLayoutVars>
+      </dgm:prSet>
+      <dgm:spPr/>
+      <dgm:t>
+        <a:bodyPr/>
+        <a:lstStyle/>
+        <a:p>
+          <a:endParaRPr lang="en-US"/>
+        </a:p>
+      </dgm:t>
+    </dgm:pt>
+    <dgm:pt modelId="{BDE6A033-F523-43CC-94B8-C1F0B53DDFA7}" type="pres">
+      <dgm:prSet presAssocID="{1200CE1C-2A75-4EDF-8707-E1BF9284EB07}" presName="space" presStyleCnt="0"/>
+      <dgm:spPr/>
+    </dgm:pt>
+    <dgm:pt modelId="{A32D7302-1E56-41F3-AB88-410BB8386781}" type="pres">
+      <dgm:prSet presAssocID="{D7C6D3C2-5F68-484D-A5D6-87FFA500B780}" presName="text" presStyleLbl="node1" presStyleIdx="1" presStyleCnt="3" custScaleX="157225">
+        <dgm:presLayoutVars>
+          <dgm:bulletEnabled val="1"/>
+        </dgm:presLayoutVars>
+      </dgm:prSet>
+      <dgm:spPr/>
+      <dgm:t>
+        <a:bodyPr/>
+        <a:lstStyle/>
+        <a:p>
+          <a:endParaRPr lang="en-US"/>
+        </a:p>
+      </dgm:t>
+    </dgm:pt>
+    <dgm:pt modelId="{631A5DDA-18F4-441A-A936-288A93B70C85}" type="pres">
+      <dgm:prSet presAssocID="{D4221B66-9E87-48E5-BFA1-301148CA6AB9}" presName="space" presStyleCnt="0"/>
+      <dgm:spPr/>
+    </dgm:pt>
+    <dgm:pt modelId="{7759F700-81ED-4187-B367-53D3CFB4C2CF}" type="pres">
+      <dgm:prSet presAssocID="{F5FE2649-1E20-493C-970C-15864CC8ECE9}" presName="text" presStyleLbl="node1" presStyleIdx="2" presStyleCnt="3" custScaleX="151675">
+        <dgm:presLayoutVars>
+          <dgm:bulletEnabled val="1"/>
+        </dgm:presLayoutVars>
+      </dgm:prSet>
+      <dgm:spPr/>
+      <dgm:t>
+        <a:bodyPr/>
+        <a:lstStyle/>
+        <a:p>
+          <a:endParaRPr lang="en-US"/>
+        </a:p>
+      </dgm:t>
+    </dgm:pt>
+  </dgm:ptLst>
+  <dgm:cxnLst>
+    <dgm:cxn modelId="{E3AD77E4-0470-44F8-9814-96A8A2EE2AEB}" srcId="{B598D377-0859-4B53-A4BA-986277B86983}" destId="{D7C6D3C2-5F68-484D-A5D6-87FFA500B780}" srcOrd="1" destOrd="0" parTransId="{E3B08F20-084A-4335-8AE2-619451119327}" sibTransId="{D4221B66-9E87-48E5-BFA1-301148CA6AB9}"/>
+    <dgm:cxn modelId="{1DBA8383-92EC-4D1E-AE72-E616686A641E}" srcId="{B598D377-0859-4B53-A4BA-986277B86983}" destId="{F5FE2649-1E20-493C-970C-15864CC8ECE9}" srcOrd="2" destOrd="0" parTransId="{8608E40D-C6B4-42B8-8999-A40FFB93E56E}" sibTransId="{3AF18BF4-F7B4-4A33-94BB-6E5EC743C4AD}"/>
+    <dgm:cxn modelId="{C9B21F6D-F585-4C26-948A-1FDDFE63C8DE}" type="presOf" srcId="{DA29B701-36C7-4C67-B7AD-64EEC5706F16}" destId="{EB853744-680B-4869-A9FC-080749498AA1}" srcOrd="0" destOrd="0" presId="urn:diagrams.loki3.com/VaryingWidthList"/>
+    <dgm:cxn modelId="{43403731-75AE-4BFB-A94A-EC6444A5DD57}" type="presOf" srcId="{D7C6D3C2-5F68-484D-A5D6-87FFA500B780}" destId="{A32D7302-1E56-41F3-AB88-410BB8386781}" srcOrd="0" destOrd="0" presId="urn:diagrams.loki3.com/VaryingWidthList"/>
+    <dgm:cxn modelId="{C7E919E2-EE6D-414F-811D-BC4EE341003E}" type="presOf" srcId="{B598D377-0859-4B53-A4BA-986277B86983}" destId="{B97F4C6B-AA08-4BB5-A811-6326F12950D2}" srcOrd="0" destOrd="0" presId="urn:diagrams.loki3.com/VaryingWidthList"/>
+    <dgm:cxn modelId="{1A1D17A3-E523-468D-8BF9-525EA016E321}" srcId="{B598D377-0859-4B53-A4BA-986277B86983}" destId="{DA29B701-36C7-4C67-B7AD-64EEC5706F16}" srcOrd="0" destOrd="0" parTransId="{F12459F9-1974-473C-B04C-58BD0A3EC9C8}" sibTransId="{1200CE1C-2A75-4EDF-8707-E1BF9284EB07}"/>
+    <dgm:cxn modelId="{28917304-8B2C-4644-A009-4597C904C763}" type="presOf" srcId="{F5FE2649-1E20-493C-970C-15864CC8ECE9}" destId="{7759F700-81ED-4187-B367-53D3CFB4C2CF}" srcOrd="0" destOrd="0" presId="urn:diagrams.loki3.com/VaryingWidthList"/>
+    <dgm:cxn modelId="{C911F68D-0131-4610-B5D9-566875594841}" type="presParOf" srcId="{B97F4C6B-AA08-4BB5-A811-6326F12950D2}" destId="{EB853744-680B-4869-A9FC-080749498AA1}" srcOrd="0" destOrd="0" presId="urn:diagrams.loki3.com/VaryingWidthList"/>
+    <dgm:cxn modelId="{F3C32B3C-FD7F-428E-B933-1954B5D8D770}" type="presParOf" srcId="{B97F4C6B-AA08-4BB5-A811-6326F12950D2}" destId="{BDE6A033-F523-43CC-94B8-C1F0B53DDFA7}" srcOrd="1" destOrd="0" presId="urn:diagrams.loki3.com/VaryingWidthList"/>
+    <dgm:cxn modelId="{F7DF06D7-2C4E-445D-AA59-942633D4DD00}" type="presParOf" srcId="{B97F4C6B-AA08-4BB5-A811-6326F12950D2}" destId="{A32D7302-1E56-41F3-AB88-410BB8386781}" srcOrd="2" destOrd="0" presId="urn:diagrams.loki3.com/VaryingWidthList"/>
+    <dgm:cxn modelId="{48EA1BB6-BAEF-4660-AD97-E585DAD428C6}" type="presParOf" srcId="{B97F4C6B-AA08-4BB5-A811-6326F12950D2}" destId="{631A5DDA-18F4-441A-A936-288A93B70C85}" srcOrd="3" destOrd="0" presId="urn:diagrams.loki3.com/VaryingWidthList"/>
+    <dgm:cxn modelId="{30D0563E-3F18-4319-986D-EE0D5754715E}" type="presParOf" srcId="{B97F4C6B-AA08-4BB5-A811-6326F12950D2}" destId="{7759F700-81ED-4187-B367-53D3CFB4C2CF}" srcOrd="4" destOrd="0" presId="urn:diagrams.loki3.com/VaryingWidthList"/>
+  </dgm:cxnLst>
+  <dgm:bg/>
+  <dgm:whole/>
+  <dgm:extLst>
+    <a:ext uri="http://schemas.microsoft.com/office/drawing/2008/diagram">
+      <dsp:dataModelExt xmlns:dsp="http://schemas.microsoft.com/office/drawing/2008/diagram" relId="rId7" minVer="http://schemas.openxmlformats.org/drawingml/2006/diagram"/>
+    </a:ext>
+  </dgm:extLst>
+</dgm:dataModel>
+</file>
+
+<file path=ppt/diagrams/data3.xml><?xml version="1.0" encoding="utf-8"?>
 <dgm:dataModel xmlns:dgm="http://schemas.openxmlformats.org/drawingml/2006/diagram" xmlns:a="http://schemas.openxmlformats.org/drawingml/2006/main">
   <dgm:ptLst>
     <dgm:pt modelId="{4C08D1B8-AE00-49A5-88B2-04654168C37D}" type="doc">
@@ -4125,7 +5123,7 @@
 </dgm:dataModel>
 </file>
 
-<file path=ppt/diagrams/data3.xml><?xml version="1.0" encoding="utf-8"?>
+<file path=ppt/diagrams/data4.xml><?xml version="1.0" encoding="utf-8"?>
 <dgm:dataModel xmlns:dgm="http://schemas.openxmlformats.org/drawingml/2006/diagram" xmlns:a="http://schemas.openxmlformats.org/drawingml/2006/main">
   <dgm:ptLst>
     <dgm:pt modelId="{D67C4600-62E5-4084-84C0-FD2FB9AD0B6C}" type="doc">
@@ -5426,6 +6424,234 @@
       <dsp:cNvGrpSpPr/>
     </dsp:nvGrpSpPr>
     <dsp:grpSpPr/>
+    <dsp:sp modelId="{EB853744-680B-4869-A9FC-080749498AA1}">
+      <dsp:nvSpPr>
+        <dsp:cNvPr id="0" name=""/>
+        <dsp:cNvSpPr/>
+      </dsp:nvSpPr>
+      <dsp:spPr>
+        <a:xfrm>
+          <a:off x="21516" y="1326"/>
+          <a:ext cx="1650699" cy="875724"/>
+        </a:xfrm>
+        <a:prstGeom prst="rect">
+          <a:avLst/>
+        </a:prstGeom>
+        <a:solidFill>
+          <a:srgbClr val="77A2BB"/>
+        </a:solidFill>
+        <a:ln w="25400" cap="flat" cmpd="sng" algn="ctr">
+          <a:solidFill>
+            <a:schemeClr val="lt1">
+              <a:hueOff val="0"/>
+              <a:satOff val="0"/>
+              <a:lumOff val="0"/>
+              <a:alphaOff val="0"/>
+            </a:schemeClr>
+          </a:solidFill>
+          <a:prstDash val="solid"/>
+        </a:ln>
+        <a:effectLst/>
+      </dsp:spPr>
+      <dsp:style>
+        <a:lnRef idx="2">
+          <a:scrgbClr r="0" g="0" b="0"/>
+        </a:lnRef>
+        <a:fillRef idx="1">
+          <a:scrgbClr r="0" g="0" b="0"/>
+        </a:fillRef>
+        <a:effectRef idx="0">
+          <a:scrgbClr r="0" g="0" b="0"/>
+        </a:effectRef>
+        <a:fontRef idx="minor">
+          <a:schemeClr val="lt1"/>
+        </a:fontRef>
+      </dsp:style>
+      <dsp:txBody>
+        <a:bodyPr spcFirstLastPara="0" vert="horz" wrap="square" lIns="60960" tIns="60960" rIns="60960" bIns="60960" numCol="1" spcCol="1270" anchor="ctr" anchorCtr="0">
+          <a:noAutofit/>
+        </a:bodyPr>
+        <a:lstStyle/>
+        <a:p>
+          <a:pPr lvl="0" algn="ctr" defTabSz="1066800">
+            <a:lnSpc>
+              <a:spcPct val="90000"/>
+            </a:lnSpc>
+            <a:spcBef>
+              <a:spcPct val="0"/>
+            </a:spcBef>
+            <a:spcAft>
+              <a:spcPct val="35000"/>
+            </a:spcAft>
+          </a:pPr>
+          <a:r>
+            <a:rPr lang="en-US" sz="2400" kern="1200" dirty="0" smtClean="0"/>
+            <a:t>% Negative</a:t>
+          </a:r>
+          <a:endParaRPr lang="en-US" sz="2400" kern="1200" dirty="0"/>
+        </a:p>
+      </dsp:txBody>
+      <dsp:txXfrm>
+        <a:off x="21516" y="1326"/>
+        <a:ext cx="1650699" cy="875724"/>
+      </dsp:txXfrm>
+    </dsp:sp>
+    <dsp:sp modelId="{A32D7302-1E56-41F3-AB88-410BB8386781}">
+      <dsp:nvSpPr>
+        <dsp:cNvPr id="0" name=""/>
+        <dsp:cNvSpPr/>
+      </dsp:nvSpPr>
+      <dsp:spPr>
+        <a:xfrm>
+          <a:off x="4780" y="920837"/>
+          <a:ext cx="1662654" cy="875724"/>
+        </a:xfrm>
+        <a:prstGeom prst="rect">
+          <a:avLst/>
+        </a:prstGeom>
+        <a:solidFill>
+          <a:srgbClr val="977ACC"/>
+        </a:solidFill>
+        <a:ln w="25400" cap="flat" cmpd="sng" algn="ctr">
+          <a:solidFill>
+            <a:schemeClr val="lt1">
+              <a:hueOff val="0"/>
+              <a:satOff val="0"/>
+              <a:lumOff val="0"/>
+              <a:alphaOff val="0"/>
+            </a:schemeClr>
+          </a:solidFill>
+          <a:prstDash val="solid"/>
+        </a:ln>
+        <a:effectLst/>
+      </dsp:spPr>
+      <dsp:style>
+        <a:lnRef idx="2">
+          <a:scrgbClr r="0" g="0" b="0"/>
+        </a:lnRef>
+        <a:fillRef idx="1">
+          <a:scrgbClr r="0" g="0" b="0"/>
+        </a:fillRef>
+        <a:effectRef idx="0">
+          <a:scrgbClr r="0" g="0" b="0"/>
+        </a:effectRef>
+        <a:fontRef idx="minor">
+          <a:schemeClr val="lt1"/>
+        </a:fontRef>
+      </dsp:style>
+      <dsp:txBody>
+        <a:bodyPr spcFirstLastPara="0" vert="horz" wrap="square" lIns="60960" tIns="60960" rIns="60960" bIns="60960" numCol="1" spcCol="1270" anchor="ctr" anchorCtr="0">
+          <a:noAutofit/>
+        </a:bodyPr>
+        <a:lstStyle/>
+        <a:p>
+          <a:pPr lvl="0" algn="ctr" defTabSz="1066800">
+            <a:lnSpc>
+              <a:spcPct val="90000"/>
+            </a:lnSpc>
+            <a:spcBef>
+              <a:spcPct val="0"/>
+            </a:spcBef>
+            <a:spcAft>
+              <a:spcPct val="35000"/>
+            </a:spcAft>
+          </a:pPr>
+          <a:r>
+            <a:rPr lang="en-US" sz="2400" kern="1200" dirty="0" smtClean="0"/>
+            <a:t>% Neutral</a:t>
+          </a:r>
+          <a:endParaRPr lang="en-US" sz="2400" kern="1200" dirty="0"/>
+        </a:p>
+      </dsp:txBody>
+      <dsp:txXfrm>
+        <a:off x="4780" y="920837"/>
+        <a:ext cx="1662654" cy="875724"/>
+      </dsp:txXfrm>
+    </dsp:sp>
+    <dsp:sp modelId="{7759F700-81ED-4187-B367-53D3CFB4C2CF}">
+      <dsp:nvSpPr>
+        <dsp:cNvPr id="0" name=""/>
+        <dsp:cNvSpPr/>
+      </dsp:nvSpPr>
+      <dsp:spPr>
+        <a:xfrm>
+          <a:off x="0" y="1840348"/>
+          <a:ext cx="1672215" cy="875724"/>
+        </a:xfrm>
+        <a:prstGeom prst="rect">
+          <a:avLst/>
+        </a:prstGeom>
+        <a:solidFill>
+          <a:srgbClr val="DB7FBD"/>
+        </a:solidFill>
+        <a:ln w="25400" cap="flat" cmpd="sng" algn="ctr">
+          <a:solidFill>
+            <a:schemeClr val="lt1">
+              <a:hueOff val="0"/>
+              <a:satOff val="0"/>
+              <a:lumOff val="0"/>
+              <a:alphaOff val="0"/>
+            </a:schemeClr>
+          </a:solidFill>
+          <a:prstDash val="solid"/>
+        </a:ln>
+        <a:effectLst/>
+      </dsp:spPr>
+      <dsp:style>
+        <a:lnRef idx="2">
+          <a:scrgbClr r="0" g="0" b="0"/>
+        </a:lnRef>
+        <a:fillRef idx="1">
+          <a:scrgbClr r="0" g="0" b="0"/>
+        </a:fillRef>
+        <a:effectRef idx="0">
+          <a:scrgbClr r="0" g="0" b="0"/>
+        </a:effectRef>
+        <a:fontRef idx="minor">
+          <a:schemeClr val="lt1"/>
+        </a:fontRef>
+      </dsp:style>
+      <dsp:txBody>
+        <a:bodyPr spcFirstLastPara="0" vert="horz" wrap="square" lIns="60960" tIns="60960" rIns="60960" bIns="60960" numCol="1" spcCol="1270" anchor="ctr" anchorCtr="0">
+          <a:noAutofit/>
+        </a:bodyPr>
+        <a:lstStyle/>
+        <a:p>
+          <a:pPr lvl="0" algn="ctr" defTabSz="1066800">
+            <a:lnSpc>
+              <a:spcPct val="90000"/>
+            </a:lnSpc>
+            <a:spcBef>
+              <a:spcPct val="0"/>
+            </a:spcBef>
+            <a:spcAft>
+              <a:spcPct val="35000"/>
+            </a:spcAft>
+          </a:pPr>
+          <a:r>
+            <a:rPr lang="en-US" sz="2400" kern="1200" dirty="0" smtClean="0"/>
+            <a:t>% Positive</a:t>
+          </a:r>
+          <a:endParaRPr lang="en-US" sz="2400" kern="1200" dirty="0"/>
+        </a:p>
+      </dsp:txBody>
+      <dsp:txXfrm>
+        <a:off x="0" y="1840348"/>
+        <a:ext cx="1672215" cy="875724"/>
+      </dsp:txXfrm>
+    </dsp:sp>
+  </dsp:spTree>
+</dsp:drawing>
+</file>
+
+<file path=ppt/diagrams/drawing3.xml><?xml version="1.0" encoding="utf-8"?>
+<dsp:drawing xmlns:dgm="http://schemas.openxmlformats.org/drawingml/2006/diagram" xmlns:dsp="http://schemas.microsoft.com/office/drawing/2008/diagram" xmlns:a="http://schemas.openxmlformats.org/drawingml/2006/main">
+  <dsp:spTree>
+    <dsp:nvGrpSpPr>
+      <dsp:cNvPr id="0" name=""/>
+      <dsp:cNvGrpSpPr/>
+    </dsp:nvGrpSpPr>
+    <dsp:grpSpPr/>
     <dsp:sp modelId="{503F67E7-F078-4E22-95F8-3F0A12E5A367}">
       <dsp:nvSpPr>
         <dsp:cNvPr id="0" name=""/>
@@ -6412,7 +7638,7 @@
 </dsp:drawing>
 </file>
 
-<file path=ppt/diagrams/drawing3.xml><?xml version="1.0" encoding="utf-8"?>
+<file path=ppt/diagrams/drawing4.xml><?xml version="1.0" encoding="utf-8"?>
 <dsp:drawing xmlns:dgm="http://schemas.openxmlformats.org/drawingml/2006/diagram" xmlns:dsp="http://schemas.microsoft.com/office/drawing/2008/diagram" xmlns:a="http://schemas.openxmlformats.org/drawingml/2006/main">
   <dsp:spTree>
     <dsp:nvGrpSpPr>
@@ -7589,6 +8815,92 @@
 </file>
 
 <file path=ppt/diagrams/layout2.xml><?xml version="1.0" encoding="utf-8"?>
+<dgm:layoutDef xmlns:dgm="http://schemas.openxmlformats.org/drawingml/2006/diagram" xmlns:a="http://schemas.openxmlformats.org/drawingml/2006/main" uniqueId="urn:diagrams.loki3.com/VaryingWidthList">
+  <dgm:title val="Varying Width List"/>
+  <dgm:desc val="Use for emphasizing items of different weights.  Good for large amounts of Level 1 text.  The width of each shape is independently determined based on its text."/>
+  <dgm:catLst>
+    <dgm:cat type="list" pri="4160"/>
+    <dgm:cat type="officeonline" pri="5000"/>
+  </dgm:catLst>
+  <dgm:sampData useDef="1">
+    <dgm:dataModel>
+      <dgm:ptLst/>
+      <dgm:bg/>
+      <dgm:whole/>
+    </dgm:dataModel>
+  </dgm:sampData>
+  <dgm:styleData useDef="1">
+    <dgm:dataModel>
+      <dgm:ptLst/>
+      <dgm:bg/>
+      <dgm:whole/>
+    </dgm:dataModel>
+  </dgm:styleData>
+  <dgm:clrData useDef="1">
+    <dgm:dataModel>
+      <dgm:ptLst/>
+      <dgm:bg/>
+      <dgm:whole/>
+    </dgm:dataModel>
+  </dgm:clrData>
+  <dgm:layoutNode name="Name0">
+    <dgm:varLst>
+      <dgm:resizeHandles/>
+    </dgm:varLst>
+    <dgm:alg type="lin">
+      <dgm:param type="linDir" val="fromT"/>
+    </dgm:alg>
+    <dgm:shape xmlns:r="http://schemas.openxmlformats.org/officeDocument/2006/relationships" r:blip="">
+      <dgm:adjLst/>
+    </dgm:shape>
+    <dgm:presOf/>
+    <dgm:constrLst>
+      <dgm:constr type="w" for="ch" forName="text" val="20"/>
+      <dgm:constr type="h" for="ch" forName="text" refType="h"/>
+      <dgm:constr type="primFontSz" for="ch" forName="text" op="equ" val="65"/>
+      <dgm:constr type="h" for="ch" forName="space" refType="h" fact="0.05"/>
+    </dgm:constrLst>
+    <dgm:forEach name="Name1" axis="ch" ptType="node">
+      <dgm:layoutNode name="text" styleLbl="node1">
+        <dgm:varLst>
+          <dgm:bulletEnabled val="1"/>
+        </dgm:varLst>
+        <dgm:alg type="tx"/>
+        <dgm:shape xmlns:r="http://schemas.openxmlformats.org/officeDocument/2006/relationships" type="rect" r:blip="">
+          <dgm:adjLst/>
+        </dgm:shape>
+        <dgm:presOf axis="desOrSelf" ptType="node"/>
+        <dgm:constrLst>
+          <dgm:constr type="tMarg" refType="primFontSz" fact="0.2"/>
+          <dgm:constr type="bMarg" refType="primFontSz" fact="0.2"/>
+          <dgm:constr type="lMarg" refType="primFontSz" fact="0.2"/>
+          <dgm:constr type="rMarg" refType="primFontSz" fact="0.2"/>
+        </dgm:constrLst>
+        <dgm:ruleLst>
+          <dgm:rule type="w" val="INF" fact="NaN" max="NaN"/>
+          <dgm:rule type="primFontSz" val="5" fact="NaN" max="NaN"/>
+        </dgm:ruleLst>
+      </dgm:layoutNode>
+      <dgm:choose name="Name2">
+        <dgm:if name="Name3" axis="par ch" ptType="doc node" func="cnt" op="gte" val="2">
+          <dgm:forEach name="Name4" axis="followSib" ptType="sibTrans" cnt="1">
+            <dgm:layoutNode name="space">
+              <dgm:alg type="sp"/>
+              <dgm:shape xmlns:r="http://schemas.openxmlformats.org/officeDocument/2006/relationships" r:blip="">
+                <dgm:adjLst/>
+              </dgm:shape>
+              <dgm:presOf/>
+            </dgm:layoutNode>
+          </dgm:forEach>
+        </dgm:if>
+        <dgm:else name="Name5"/>
+      </dgm:choose>
+    </dgm:forEach>
+  </dgm:layoutNode>
+</dgm:layoutDef>
+</file>
+
+<file path=ppt/diagrams/layout3.xml><?xml version="1.0" encoding="utf-8"?>
 <dgm:layoutDef xmlns:dgm="http://schemas.openxmlformats.org/drawingml/2006/diagram" xmlns:a="http://schemas.openxmlformats.org/drawingml/2006/main" uniqueId="urn:microsoft.com/office/officeart/2005/8/layout/bProcess3">
   <dgm:title val=""/>
   <dgm:desc val=""/>
@@ -7776,7 +9088,7 @@
 </dgm:layoutDef>
 </file>
 
-<file path=ppt/diagrams/layout3.xml><?xml version="1.0" encoding="utf-8"?>
+<file path=ppt/diagrams/layout4.xml><?xml version="1.0" encoding="utf-8"?>
 <dgm:layoutDef xmlns:dgm="http://schemas.openxmlformats.org/drawingml/2006/diagram" xmlns:a="http://schemas.openxmlformats.org/drawingml/2006/main" uniqueId="urn:microsoft.com/office/officeart/2009/3/layout/PhasedProcess">
   <dgm:title val=""/>
   <dgm:desc val=""/>
@@ -11006,6 +12318,1040 @@
 </file>
 
 <file path=ppt/diagrams/quickStyle3.xml><?xml version="1.0" encoding="utf-8"?>
+<dgm:styleDef xmlns:dgm="http://schemas.openxmlformats.org/drawingml/2006/diagram" xmlns:a="http://schemas.openxmlformats.org/drawingml/2006/main" uniqueId="urn:microsoft.com/office/officeart/2005/8/quickstyle/simple1">
+  <dgm:title val=""/>
+  <dgm:desc val=""/>
+  <dgm:catLst>
+    <dgm:cat type="simple" pri="10100"/>
+  </dgm:catLst>
+  <dgm:scene3d>
+    <a:camera prst="orthographicFront"/>
+    <a:lightRig rig="threePt" dir="t"/>
+  </dgm:scene3d>
+  <dgm:styleLbl name="node0">
+    <dgm:scene3d>
+      <a:camera prst="orthographicFront"/>
+      <a:lightRig rig="threePt" dir="t"/>
+    </dgm:scene3d>
+    <dgm:sp3d/>
+    <dgm:txPr/>
+    <dgm:style>
+      <a:lnRef idx="2">
+        <a:scrgbClr r="0" g="0" b="0"/>
+      </a:lnRef>
+      <a:fillRef idx="1">
+        <a:scrgbClr r="0" g="0" b="0"/>
+      </a:fillRef>
+      <a:effectRef idx="0">
+        <a:scrgbClr r="0" g="0" b="0"/>
+      </a:effectRef>
+      <a:fontRef idx="minor">
+        <a:schemeClr val="lt1"/>
+      </a:fontRef>
+    </dgm:style>
+  </dgm:styleLbl>
+  <dgm:styleLbl name="lnNode1">
+    <dgm:scene3d>
+      <a:camera prst="orthographicFront"/>
+      <a:lightRig rig="threePt" dir="t"/>
+    </dgm:scene3d>
+    <dgm:sp3d/>
+    <dgm:txPr/>
+    <dgm:style>
+      <a:lnRef idx="2">
+        <a:scrgbClr r="0" g="0" b="0"/>
+      </a:lnRef>
+      <a:fillRef idx="1">
+        <a:scrgbClr r="0" g="0" b="0"/>
+      </a:fillRef>
+      <a:effectRef idx="0">
+        <a:scrgbClr r="0" g="0" b="0"/>
+      </a:effectRef>
+      <a:fontRef idx="minor">
+        <a:schemeClr val="lt1"/>
+      </a:fontRef>
+    </dgm:style>
+  </dgm:styleLbl>
+  <dgm:styleLbl name="vennNode1">
+    <dgm:scene3d>
+      <a:camera prst="orthographicFront"/>
+      <a:lightRig rig="threePt" dir="t"/>
+    </dgm:scene3d>
+    <dgm:sp3d/>
+    <dgm:txPr/>
+    <dgm:style>
+      <a:lnRef idx="2">
+        <a:scrgbClr r="0" g="0" b="0"/>
+      </a:lnRef>
+      <a:fillRef idx="1">
+        <a:scrgbClr r="0" g="0" b="0"/>
+      </a:fillRef>
+      <a:effectRef idx="0">
+        <a:scrgbClr r="0" g="0" b="0"/>
+      </a:effectRef>
+      <a:fontRef idx="minor">
+        <a:schemeClr val="tx1"/>
+      </a:fontRef>
+    </dgm:style>
+  </dgm:styleLbl>
+  <dgm:styleLbl name="alignNode1">
+    <dgm:scene3d>
+      <a:camera prst="orthographicFront"/>
+      <a:lightRig rig="threePt" dir="t"/>
+    </dgm:scene3d>
+    <dgm:sp3d/>
+    <dgm:txPr/>
+    <dgm:style>
+      <a:lnRef idx="2">
+        <a:scrgbClr r="0" g="0" b="0"/>
+      </a:lnRef>
+      <a:fillRef idx="1">
+        <a:scrgbClr r="0" g="0" b="0"/>
+      </a:fillRef>
+      <a:effectRef idx="0">
+        <a:scrgbClr r="0" g="0" b="0"/>
+      </a:effectRef>
+      <a:fontRef idx="minor">
+        <a:schemeClr val="lt1"/>
+      </a:fontRef>
+    </dgm:style>
+  </dgm:styleLbl>
+  <dgm:styleLbl name="node1">
+    <dgm:scene3d>
+      <a:camera prst="orthographicFront"/>
+      <a:lightRig rig="threePt" dir="t"/>
+    </dgm:scene3d>
+    <dgm:sp3d/>
+    <dgm:txPr/>
+    <dgm:style>
+      <a:lnRef idx="2">
+        <a:scrgbClr r="0" g="0" b="0"/>
+      </a:lnRef>
+      <a:fillRef idx="1">
+        <a:scrgbClr r="0" g="0" b="0"/>
+      </a:fillRef>
+      <a:effectRef idx="0">
+        <a:scrgbClr r="0" g="0" b="0"/>
+      </a:effectRef>
+      <a:fontRef idx="minor">
+        <a:schemeClr val="lt1"/>
+      </a:fontRef>
+    </dgm:style>
+  </dgm:styleLbl>
+  <dgm:styleLbl name="node2">
+    <dgm:scene3d>
+      <a:camera prst="orthographicFront"/>
+      <a:lightRig rig="threePt" dir="t"/>
+    </dgm:scene3d>
+    <dgm:sp3d/>
+    <dgm:txPr/>
+    <dgm:style>
+      <a:lnRef idx="2">
+        <a:scrgbClr r="0" g="0" b="0"/>
+      </a:lnRef>
+      <a:fillRef idx="1">
+        <a:scrgbClr r="0" g="0" b="0"/>
+      </a:fillRef>
+      <a:effectRef idx="0">
+        <a:scrgbClr r="0" g="0" b="0"/>
+      </a:effectRef>
+      <a:fontRef idx="minor">
+        <a:schemeClr val="lt1"/>
+      </a:fontRef>
+    </dgm:style>
+  </dgm:styleLbl>
+  <dgm:styleLbl name="node3">
+    <dgm:scene3d>
+      <a:camera prst="orthographicFront"/>
+      <a:lightRig rig="threePt" dir="t"/>
+    </dgm:scene3d>
+    <dgm:sp3d/>
+    <dgm:txPr/>
+    <dgm:style>
+      <a:lnRef idx="2">
+        <a:scrgbClr r="0" g="0" b="0"/>
+      </a:lnRef>
+      <a:fillRef idx="1">
+        <a:scrgbClr r="0" g="0" b="0"/>
+      </a:fillRef>
+      <a:effectRef idx="0">
+        <a:scrgbClr r="0" g="0" b="0"/>
+      </a:effectRef>
+      <a:fontRef idx="minor">
+        <a:schemeClr val="lt1"/>
+      </a:fontRef>
+    </dgm:style>
+  </dgm:styleLbl>
+  <dgm:styleLbl name="node4">
+    <dgm:scene3d>
+      <a:camera prst="orthographicFront"/>
+      <a:lightRig rig="threePt" dir="t"/>
+    </dgm:scene3d>
+    <dgm:sp3d/>
+    <dgm:txPr/>
+    <dgm:style>
+      <a:lnRef idx="2">
+        <a:scrgbClr r="0" g="0" b="0"/>
+      </a:lnRef>
+      <a:fillRef idx="1">
+        <a:scrgbClr r="0" g="0" b="0"/>
+      </a:fillRef>
+      <a:effectRef idx="0">
+        <a:scrgbClr r="0" g="0" b="0"/>
+      </a:effectRef>
+      <a:fontRef idx="minor">
+        <a:schemeClr val="lt1"/>
+      </a:fontRef>
+    </dgm:style>
+  </dgm:styleLbl>
+  <dgm:styleLbl name="fgImgPlace1">
+    <dgm:scene3d>
+      <a:camera prst="orthographicFront"/>
+      <a:lightRig rig="threePt" dir="t"/>
+    </dgm:scene3d>
+    <dgm:sp3d/>
+    <dgm:txPr/>
+    <dgm:style>
+      <a:lnRef idx="2">
+        <a:scrgbClr r="0" g="0" b="0"/>
+      </a:lnRef>
+      <a:fillRef idx="1">
+        <a:scrgbClr r="0" g="0" b="0"/>
+      </a:fillRef>
+      <a:effectRef idx="0">
+        <a:scrgbClr r="0" g="0" b="0"/>
+      </a:effectRef>
+      <a:fontRef idx="minor"/>
+    </dgm:style>
+  </dgm:styleLbl>
+  <dgm:styleLbl name="alignImgPlace1">
+    <dgm:scene3d>
+      <a:camera prst="orthographicFront"/>
+      <a:lightRig rig="threePt" dir="t"/>
+    </dgm:scene3d>
+    <dgm:sp3d/>
+    <dgm:txPr/>
+    <dgm:style>
+      <a:lnRef idx="2">
+        <a:scrgbClr r="0" g="0" b="0"/>
+      </a:lnRef>
+      <a:fillRef idx="1">
+        <a:scrgbClr r="0" g="0" b="0"/>
+      </a:fillRef>
+      <a:effectRef idx="0">
+        <a:scrgbClr r="0" g="0" b="0"/>
+      </a:effectRef>
+      <a:fontRef idx="minor"/>
+    </dgm:style>
+  </dgm:styleLbl>
+  <dgm:styleLbl name="bgImgPlace1">
+    <dgm:scene3d>
+      <a:camera prst="orthographicFront"/>
+      <a:lightRig rig="threePt" dir="t"/>
+    </dgm:scene3d>
+    <dgm:sp3d/>
+    <dgm:txPr/>
+    <dgm:style>
+      <a:lnRef idx="2">
+        <a:scrgbClr r="0" g="0" b="0"/>
+      </a:lnRef>
+      <a:fillRef idx="1">
+        <a:scrgbClr r="0" g="0" b="0"/>
+      </a:fillRef>
+      <a:effectRef idx="0">
+        <a:scrgbClr r="0" g="0" b="0"/>
+      </a:effectRef>
+      <a:fontRef idx="minor"/>
+    </dgm:style>
+  </dgm:styleLbl>
+  <dgm:styleLbl name="sibTrans2D1">
+    <dgm:scene3d>
+      <a:camera prst="orthographicFront"/>
+      <a:lightRig rig="threePt" dir="t"/>
+    </dgm:scene3d>
+    <dgm:sp3d/>
+    <dgm:txPr/>
+    <dgm:style>
+      <a:lnRef idx="0">
+        <a:scrgbClr r="0" g="0" b="0"/>
+      </a:lnRef>
+      <a:fillRef idx="1">
+        <a:scrgbClr r="0" g="0" b="0"/>
+      </a:fillRef>
+      <a:effectRef idx="0">
+        <a:scrgbClr r="0" g="0" b="0"/>
+      </a:effectRef>
+      <a:fontRef idx="minor">
+        <a:schemeClr val="lt1"/>
+      </a:fontRef>
+    </dgm:style>
+  </dgm:styleLbl>
+  <dgm:styleLbl name="fgSibTrans2D1">
+    <dgm:scene3d>
+      <a:camera prst="orthographicFront"/>
+      <a:lightRig rig="threePt" dir="t"/>
+    </dgm:scene3d>
+    <dgm:sp3d/>
+    <dgm:txPr/>
+    <dgm:style>
+      <a:lnRef idx="0">
+        <a:scrgbClr r="0" g="0" b="0"/>
+      </a:lnRef>
+      <a:fillRef idx="1">
+        <a:scrgbClr r="0" g="0" b="0"/>
+      </a:fillRef>
+      <a:effectRef idx="0">
+        <a:scrgbClr r="0" g="0" b="0"/>
+      </a:effectRef>
+      <a:fontRef idx="minor">
+        <a:schemeClr val="lt1"/>
+      </a:fontRef>
+    </dgm:style>
+  </dgm:styleLbl>
+  <dgm:styleLbl name="bgSibTrans2D1">
+    <dgm:scene3d>
+      <a:camera prst="orthographicFront"/>
+      <a:lightRig rig="threePt" dir="t"/>
+    </dgm:scene3d>
+    <dgm:sp3d/>
+    <dgm:txPr/>
+    <dgm:style>
+      <a:lnRef idx="0">
+        <a:scrgbClr r="0" g="0" b="0"/>
+      </a:lnRef>
+      <a:fillRef idx="1">
+        <a:scrgbClr r="0" g="0" b="0"/>
+      </a:fillRef>
+      <a:effectRef idx="0">
+        <a:scrgbClr r="0" g="0" b="0"/>
+      </a:effectRef>
+      <a:fontRef idx="minor">
+        <a:schemeClr val="lt1"/>
+      </a:fontRef>
+    </dgm:style>
+  </dgm:styleLbl>
+  <dgm:styleLbl name="sibTrans1D1">
+    <dgm:scene3d>
+      <a:camera prst="orthographicFront"/>
+      <a:lightRig rig="threePt" dir="t"/>
+    </dgm:scene3d>
+    <dgm:sp3d/>
+    <dgm:txPr/>
+    <dgm:style>
+      <a:lnRef idx="1">
+        <a:scrgbClr r="0" g="0" b="0"/>
+      </a:lnRef>
+      <a:fillRef idx="0">
+        <a:scrgbClr r="0" g="0" b="0"/>
+      </a:fillRef>
+      <a:effectRef idx="0">
+        <a:scrgbClr r="0" g="0" b="0"/>
+      </a:effectRef>
+      <a:fontRef idx="minor"/>
+    </dgm:style>
+  </dgm:styleLbl>
+  <dgm:styleLbl name="callout">
+    <dgm:scene3d>
+      <a:camera prst="orthographicFront"/>
+      <a:lightRig rig="threePt" dir="t"/>
+    </dgm:scene3d>
+    <dgm:sp3d/>
+    <dgm:txPr/>
+    <dgm:style>
+      <a:lnRef idx="2">
+        <a:scrgbClr r="0" g="0" b="0"/>
+      </a:lnRef>
+      <a:fillRef idx="1">
+        <a:scrgbClr r="0" g="0" b="0"/>
+      </a:fillRef>
+      <a:effectRef idx="0">
+        <a:scrgbClr r="0" g="0" b="0"/>
+      </a:effectRef>
+      <a:fontRef idx="minor"/>
+    </dgm:style>
+  </dgm:styleLbl>
+  <dgm:styleLbl name="asst0">
+    <dgm:scene3d>
+      <a:camera prst="orthographicFront"/>
+      <a:lightRig rig="threePt" dir="t"/>
+    </dgm:scene3d>
+    <dgm:sp3d/>
+    <dgm:txPr/>
+    <dgm:style>
+      <a:lnRef idx="2">
+        <a:scrgbClr r="0" g="0" b="0"/>
+      </a:lnRef>
+      <a:fillRef idx="1">
+        <a:scrgbClr r="0" g="0" b="0"/>
+      </a:fillRef>
+      <a:effectRef idx="0">
+        <a:scrgbClr r="0" g="0" b="0"/>
+      </a:effectRef>
+      <a:fontRef idx="minor">
+        <a:schemeClr val="lt1"/>
+      </a:fontRef>
+    </dgm:style>
+  </dgm:styleLbl>
+  <dgm:styleLbl name="asst1">
+    <dgm:scene3d>
+      <a:camera prst="orthographicFront"/>
+      <a:lightRig rig="threePt" dir="t"/>
+    </dgm:scene3d>
+    <dgm:sp3d/>
+    <dgm:txPr/>
+    <dgm:style>
+      <a:lnRef idx="2">
+        <a:scrgbClr r="0" g="0" b="0"/>
+      </a:lnRef>
+      <a:fillRef idx="1">
+        <a:scrgbClr r="0" g="0" b="0"/>
+      </a:fillRef>
+      <a:effectRef idx="0">
+        <a:scrgbClr r="0" g="0" b="0"/>
+      </a:effectRef>
+      <a:fontRef idx="minor">
+        <a:schemeClr val="lt1"/>
+      </a:fontRef>
+    </dgm:style>
+  </dgm:styleLbl>
+  <dgm:styleLbl name="asst2">
+    <dgm:scene3d>
+      <a:camera prst="orthographicFront"/>
+      <a:lightRig rig="threePt" dir="t"/>
+    </dgm:scene3d>
+    <dgm:sp3d/>
+    <dgm:txPr/>
+    <dgm:style>
+      <a:lnRef idx="2">
+        <a:scrgbClr r="0" g="0" b="0"/>
+      </a:lnRef>
+      <a:fillRef idx="1">
+        <a:scrgbClr r="0" g="0" b="0"/>
+      </a:fillRef>
+      <a:effectRef idx="0">
+        <a:scrgbClr r="0" g="0" b="0"/>
+      </a:effectRef>
+      <a:fontRef idx="minor">
+        <a:schemeClr val="lt1"/>
+      </a:fontRef>
+    </dgm:style>
+  </dgm:styleLbl>
+  <dgm:styleLbl name="asst3">
+    <dgm:scene3d>
+      <a:camera prst="orthographicFront"/>
+      <a:lightRig rig="threePt" dir="t"/>
+    </dgm:scene3d>
+    <dgm:sp3d/>
+    <dgm:txPr/>
+    <dgm:style>
+      <a:lnRef idx="2">
+        <a:scrgbClr r="0" g="0" b="0"/>
+      </a:lnRef>
+      <a:fillRef idx="1">
+        <a:scrgbClr r="0" g="0" b="0"/>
+      </a:fillRef>
+      <a:effectRef idx="0">
+        <a:scrgbClr r="0" g="0" b="0"/>
+      </a:effectRef>
+      <a:fontRef idx="minor">
+        <a:schemeClr val="lt1"/>
+      </a:fontRef>
+    </dgm:style>
+  </dgm:styleLbl>
+  <dgm:styleLbl name="asst4">
+    <dgm:scene3d>
+      <a:camera prst="orthographicFront"/>
+      <a:lightRig rig="threePt" dir="t"/>
+    </dgm:scene3d>
+    <dgm:sp3d/>
+    <dgm:txPr/>
+    <dgm:style>
+      <a:lnRef idx="2">
+        <a:scrgbClr r="0" g="0" b="0"/>
+      </a:lnRef>
+      <a:fillRef idx="1">
+        <a:scrgbClr r="0" g="0" b="0"/>
+      </a:fillRef>
+      <a:effectRef idx="0">
+        <a:scrgbClr r="0" g="0" b="0"/>
+      </a:effectRef>
+      <a:fontRef idx="minor">
+        <a:schemeClr val="lt1"/>
+      </a:fontRef>
+    </dgm:style>
+  </dgm:styleLbl>
+  <dgm:styleLbl name="parChTrans2D1">
+    <dgm:scene3d>
+      <a:camera prst="orthographicFront"/>
+      <a:lightRig rig="threePt" dir="t"/>
+    </dgm:scene3d>
+    <dgm:sp3d/>
+    <dgm:txPr/>
+    <dgm:style>
+      <a:lnRef idx="2">
+        <a:scrgbClr r="0" g="0" b="0"/>
+      </a:lnRef>
+      <a:fillRef idx="1">
+        <a:scrgbClr r="0" g="0" b="0"/>
+      </a:fillRef>
+      <a:effectRef idx="0">
+        <a:scrgbClr r="0" g="0" b="0"/>
+      </a:effectRef>
+      <a:fontRef idx="minor">
+        <a:schemeClr val="lt1"/>
+      </a:fontRef>
+    </dgm:style>
+  </dgm:styleLbl>
+  <dgm:styleLbl name="parChTrans2D2">
+    <dgm:scene3d>
+      <a:camera prst="orthographicFront"/>
+      <a:lightRig rig="threePt" dir="t"/>
+    </dgm:scene3d>
+    <dgm:sp3d/>
+    <dgm:txPr/>
+    <dgm:style>
+      <a:lnRef idx="2">
+        <a:scrgbClr r="0" g="0" b="0"/>
+      </a:lnRef>
+      <a:fillRef idx="1">
+        <a:scrgbClr r="0" g="0" b="0"/>
+      </a:fillRef>
+      <a:effectRef idx="0">
+        <a:scrgbClr r="0" g="0" b="0"/>
+      </a:effectRef>
+      <a:fontRef idx="minor">
+        <a:schemeClr val="lt1"/>
+      </a:fontRef>
+    </dgm:style>
+  </dgm:styleLbl>
+  <dgm:styleLbl name="parChTrans2D3">
+    <dgm:scene3d>
+      <a:camera prst="orthographicFront"/>
+      <a:lightRig rig="threePt" dir="t"/>
+    </dgm:scene3d>
+    <dgm:sp3d/>
+    <dgm:txPr/>
+    <dgm:style>
+      <a:lnRef idx="2">
+        <a:scrgbClr r="0" g="0" b="0"/>
+      </a:lnRef>
+      <a:fillRef idx="1">
+        <a:scrgbClr r="0" g="0" b="0"/>
+      </a:fillRef>
+      <a:effectRef idx="0">
+        <a:scrgbClr r="0" g="0" b="0"/>
+      </a:effectRef>
+      <a:fontRef idx="minor">
+        <a:schemeClr val="lt1"/>
+      </a:fontRef>
+    </dgm:style>
+  </dgm:styleLbl>
+  <dgm:styleLbl name="parChTrans2D4">
+    <dgm:scene3d>
+      <a:camera prst="orthographicFront"/>
+      <a:lightRig rig="threePt" dir="t"/>
+    </dgm:scene3d>
+    <dgm:sp3d/>
+    <dgm:txPr/>
+    <dgm:style>
+      <a:lnRef idx="2">
+        <a:scrgbClr r="0" g="0" b="0"/>
+      </a:lnRef>
+      <a:fillRef idx="1">
+        <a:scrgbClr r="0" g="0" b="0"/>
+      </a:fillRef>
+      <a:effectRef idx="0">
+        <a:scrgbClr r="0" g="0" b="0"/>
+      </a:effectRef>
+      <a:fontRef idx="minor">
+        <a:schemeClr val="lt1"/>
+      </a:fontRef>
+    </dgm:style>
+  </dgm:styleLbl>
+  <dgm:styleLbl name="parChTrans1D1">
+    <dgm:scene3d>
+      <a:camera prst="orthographicFront"/>
+      <a:lightRig rig="threePt" dir="t"/>
+    </dgm:scene3d>
+    <dgm:sp3d/>
+    <dgm:txPr/>
+    <dgm:style>
+      <a:lnRef idx="2">
+        <a:scrgbClr r="0" g="0" b="0"/>
+      </a:lnRef>
+      <a:fillRef idx="0">
+        <a:scrgbClr r="0" g="0" b="0"/>
+      </a:fillRef>
+      <a:effectRef idx="0">
+        <a:scrgbClr r="0" g="0" b="0"/>
+      </a:effectRef>
+      <a:fontRef idx="minor"/>
+    </dgm:style>
+  </dgm:styleLbl>
+  <dgm:styleLbl name="parChTrans1D2">
+    <dgm:scene3d>
+      <a:camera prst="orthographicFront"/>
+      <a:lightRig rig="threePt" dir="t"/>
+    </dgm:scene3d>
+    <dgm:sp3d/>
+    <dgm:txPr/>
+    <dgm:style>
+      <a:lnRef idx="2">
+        <a:scrgbClr r="0" g="0" b="0"/>
+      </a:lnRef>
+      <a:fillRef idx="0">
+        <a:scrgbClr r="0" g="0" b="0"/>
+      </a:fillRef>
+      <a:effectRef idx="0">
+        <a:scrgbClr r="0" g="0" b="0"/>
+      </a:effectRef>
+      <a:fontRef idx="minor"/>
+    </dgm:style>
+  </dgm:styleLbl>
+  <dgm:styleLbl name="parChTrans1D3">
+    <dgm:scene3d>
+      <a:camera prst="orthographicFront"/>
+      <a:lightRig rig="threePt" dir="t"/>
+    </dgm:scene3d>
+    <dgm:sp3d/>
+    <dgm:txPr/>
+    <dgm:style>
+      <a:lnRef idx="2">
+        <a:scrgbClr r="0" g="0" b="0"/>
+      </a:lnRef>
+      <a:fillRef idx="0">
+        <a:scrgbClr r="0" g="0" b="0"/>
+      </a:fillRef>
+      <a:effectRef idx="0">
+        <a:scrgbClr r="0" g="0" b="0"/>
+      </a:effectRef>
+      <a:fontRef idx="minor"/>
+    </dgm:style>
+  </dgm:styleLbl>
+  <dgm:styleLbl name="parChTrans1D4">
+    <dgm:scene3d>
+      <a:camera prst="orthographicFront"/>
+      <a:lightRig rig="threePt" dir="t"/>
+    </dgm:scene3d>
+    <dgm:sp3d/>
+    <dgm:txPr/>
+    <dgm:style>
+      <a:lnRef idx="2">
+        <a:scrgbClr r="0" g="0" b="0"/>
+      </a:lnRef>
+      <a:fillRef idx="0">
+        <a:scrgbClr r="0" g="0" b="0"/>
+      </a:fillRef>
+      <a:effectRef idx="0">
+        <a:scrgbClr r="0" g="0" b="0"/>
+      </a:effectRef>
+      <a:fontRef idx="minor"/>
+    </dgm:style>
+  </dgm:styleLbl>
+  <dgm:styleLbl name="fgAcc1">
+    <dgm:scene3d>
+      <a:camera prst="orthographicFront"/>
+      <a:lightRig rig="threePt" dir="t"/>
+    </dgm:scene3d>
+    <dgm:sp3d/>
+    <dgm:txPr/>
+    <dgm:style>
+      <a:lnRef idx="2">
+        <a:scrgbClr r="0" g="0" b="0"/>
+      </a:lnRef>
+      <a:fillRef idx="1">
+        <a:scrgbClr r="0" g="0" b="0"/>
+      </a:fillRef>
+      <a:effectRef idx="0">
+        <a:scrgbClr r="0" g="0" b="0"/>
+      </a:effectRef>
+      <a:fontRef idx="minor"/>
+    </dgm:style>
+  </dgm:styleLbl>
+  <dgm:styleLbl name="conFgAcc1">
+    <dgm:scene3d>
+      <a:camera prst="orthographicFront"/>
+      <a:lightRig rig="threePt" dir="t"/>
+    </dgm:scene3d>
+    <dgm:sp3d/>
+    <dgm:txPr/>
+    <dgm:style>
+      <a:lnRef idx="2">
+        <a:scrgbClr r="0" g="0" b="0"/>
+      </a:lnRef>
+      <a:fillRef idx="1">
+        <a:scrgbClr r="0" g="0" b="0"/>
+      </a:fillRef>
+      <a:effectRef idx="0">
+        <a:scrgbClr r="0" g="0" b="0"/>
+      </a:effectRef>
+      <a:fontRef idx="minor"/>
+    </dgm:style>
+  </dgm:styleLbl>
+  <dgm:styleLbl name="alignAcc1">
+    <dgm:scene3d>
+      <a:camera prst="orthographicFront"/>
+      <a:lightRig rig="threePt" dir="t"/>
+    </dgm:scene3d>
+    <dgm:sp3d/>
+    <dgm:txPr/>
+    <dgm:style>
+      <a:lnRef idx="2">
+        <a:scrgbClr r="0" g="0" b="0"/>
+      </a:lnRef>
+      <a:fillRef idx="1">
+        <a:scrgbClr r="0" g="0" b="0"/>
+      </a:fillRef>
+      <a:effectRef idx="0">
+        <a:scrgbClr r="0" g="0" b="0"/>
+      </a:effectRef>
+      <a:fontRef idx="minor"/>
+    </dgm:style>
+  </dgm:styleLbl>
+  <dgm:styleLbl name="trAlignAcc1">
+    <dgm:scene3d>
+      <a:camera prst="orthographicFront"/>
+      <a:lightRig rig="threePt" dir="t"/>
+    </dgm:scene3d>
+    <dgm:sp3d/>
+    <dgm:txPr/>
+    <dgm:style>
+      <a:lnRef idx="1">
+        <a:scrgbClr r="0" g="0" b="0"/>
+      </a:lnRef>
+      <a:fillRef idx="1">
+        <a:scrgbClr r="0" g="0" b="0"/>
+      </a:fillRef>
+      <a:effectRef idx="0">
+        <a:scrgbClr r="0" g="0" b="0"/>
+      </a:effectRef>
+      <a:fontRef idx="minor"/>
+    </dgm:style>
+  </dgm:styleLbl>
+  <dgm:styleLbl name="bgAcc1">
+    <dgm:scene3d>
+      <a:camera prst="orthographicFront"/>
+      <a:lightRig rig="threePt" dir="t"/>
+    </dgm:scene3d>
+    <dgm:sp3d/>
+    <dgm:txPr/>
+    <dgm:style>
+      <a:lnRef idx="2">
+        <a:scrgbClr r="0" g="0" b="0"/>
+      </a:lnRef>
+      <a:fillRef idx="1">
+        <a:scrgbClr r="0" g="0" b="0"/>
+      </a:fillRef>
+      <a:effectRef idx="0">
+        <a:scrgbClr r="0" g="0" b="0"/>
+      </a:effectRef>
+      <a:fontRef idx="minor"/>
+    </dgm:style>
+  </dgm:styleLbl>
+  <dgm:styleLbl name="solidFgAcc1">
+    <dgm:scene3d>
+      <a:camera prst="orthographicFront"/>
+      <a:lightRig rig="threePt" dir="t"/>
+    </dgm:scene3d>
+    <dgm:sp3d/>
+    <dgm:txPr/>
+    <dgm:style>
+      <a:lnRef idx="2">
+        <a:scrgbClr r="0" g="0" b="0"/>
+      </a:lnRef>
+      <a:fillRef idx="1">
+        <a:scrgbClr r="0" g="0" b="0"/>
+      </a:fillRef>
+      <a:effectRef idx="0">
+        <a:scrgbClr r="0" g="0" b="0"/>
+      </a:effectRef>
+      <a:fontRef idx="minor"/>
+    </dgm:style>
+  </dgm:styleLbl>
+  <dgm:styleLbl name="solidAlignAcc1">
+    <dgm:scene3d>
+      <a:camera prst="orthographicFront"/>
+      <a:lightRig rig="threePt" dir="t"/>
+    </dgm:scene3d>
+    <dgm:sp3d/>
+    <dgm:txPr/>
+    <dgm:style>
+      <a:lnRef idx="2">
+        <a:scrgbClr r="0" g="0" b="0"/>
+      </a:lnRef>
+      <a:fillRef idx="1">
+        <a:scrgbClr r="0" g="0" b="0"/>
+      </a:fillRef>
+      <a:effectRef idx="0">
+        <a:scrgbClr r="0" g="0" b="0"/>
+      </a:effectRef>
+      <a:fontRef idx="minor"/>
+    </dgm:style>
+  </dgm:styleLbl>
+  <dgm:styleLbl name="solidBgAcc1">
+    <dgm:scene3d>
+      <a:camera prst="orthographicFront"/>
+      <a:lightRig rig="threePt" dir="t"/>
+    </dgm:scene3d>
+    <dgm:sp3d/>
+    <dgm:txPr/>
+    <dgm:style>
+      <a:lnRef idx="2">
+        <a:scrgbClr r="0" g="0" b="0"/>
+      </a:lnRef>
+      <a:fillRef idx="1">
+        <a:scrgbClr r="0" g="0" b="0"/>
+      </a:fillRef>
+      <a:effectRef idx="0">
+        <a:scrgbClr r="0" g="0" b="0"/>
+      </a:effectRef>
+      <a:fontRef idx="minor"/>
+    </dgm:style>
+  </dgm:styleLbl>
+  <dgm:styleLbl name="fgAccFollowNode1">
+    <dgm:scene3d>
+      <a:camera prst="orthographicFront"/>
+      <a:lightRig rig="threePt" dir="t"/>
+    </dgm:scene3d>
+    <dgm:sp3d/>
+    <dgm:txPr/>
+    <dgm:style>
+      <a:lnRef idx="2">
+        <a:scrgbClr r="0" g="0" b="0"/>
+      </a:lnRef>
+      <a:fillRef idx="1">
+        <a:scrgbClr r="0" g="0" b="0"/>
+      </a:fillRef>
+      <a:effectRef idx="0">
+        <a:scrgbClr r="0" g="0" b="0"/>
+      </a:effectRef>
+      <a:fontRef idx="minor"/>
+    </dgm:style>
+  </dgm:styleLbl>
+  <dgm:styleLbl name="alignAccFollowNode1">
+    <dgm:scene3d>
+      <a:camera prst="orthographicFront"/>
+      <a:lightRig rig="threePt" dir="t"/>
+    </dgm:scene3d>
+    <dgm:sp3d/>
+    <dgm:txPr/>
+    <dgm:style>
+      <a:lnRef idx="2">
+        <a:scrgbClr r="0" g="0" b="0"/>
+      </a:lnRef>
+      <a:fillRef idx="1">
+        <a:scrgbClr r="0" g="0" b="0"/>
+      </a:fillRef>
+      <a:effectRef idx="0">
+        <a:scrgbClr r="0" g="0" b="0"/>
+      </a:effectRef>
+      <a:fontRef idx="minor"/>
+    </dgm:style>
+  </dgm:styleLbl>
+  <dgm:styleLbl name="bgAccFollowNode1">
+    <dgm:scene3d>
+      <a:camera prst="orthographicFront"/>
+      <a:lightRig rig="threePt" dir="t"/>
+    </dgm:scene3d>
+    <dgm:sp3d/>
+    <dgm:txPr/>
+    <dgm:style>
+      <a:lnRef idx="2">
+        <a:scrgbClr r="0" g="0" b="0"/>
+      </a:lnRef>
+      <a:fillRef idx="1">
+        <a:scrgbClr r="0" g="0" b="0"/>
+      </a:fillRef>
+      <a:effectRef idx="0">
+        <a:scrgbClr r="0" g="0" b="0"/>
+      </a:effectRef>
+      <a:fontRef idx="minor"/>
+    </dgm:style>
+  </dgm:styleLbl>
+  <dgm:styleLbl name="fgAcc0">
+    <dgm:scene3d>
+      <a:camera prst="orthographicFront"/>
+      <a:lightRig rig="threePt" dir="t"/>
+    </dgm:scene3d>
+    <dgm:sp3d/>
+    <dgm:txPr/>
+    <dgm:style>
+      <a:lnRef idx="2">
+        <a:scrgbClr r="0" g="0" b="0"/>
+      </a:lnRef>
+      <a:fillRef idx="1">
+        <a:scrgbClr r="0" g="0" b="0"/>
+      </a:fillRef>
+      <a:effectRef idx="0">
+        <a:scrgbClr r="0" g="0" b="0"/>
+      </a:effectRef>
+      <a:fontRef idx="minor"/>
+    </dgm:style>
+  </dgm:styleLbl>
+  <dgm:styleLbl name="fgAcc2">
+    <dgm:scene3d>
+      <a:camera prst="orthographicFront"/>
+      <a:lightRig rig="threePt" dir="t"/>
+    </dgm:scene3d>
+    <dgm:sp3d/>
+    <dgm:txPr/>
+    <dgm:style>
+      <a:lnRef idx="2">
+        <a:scrgbClr r="0" g="0" b="0"/>
+      </a:lnRef>
+      <a:fillRef idx="1">
+        <a:scrgbClr r="0" g="0" b="0"/>
+      </a:fillRef>
+      <a:effectRef idx="0">
+        <a:scrgbClr r="0" g="0" b="0"/>
+      </a:effectRef>
+      <a:fontRef idx="minor"/>
+    </dgm:style>
+  </dgm:styleLbl>
+  <dgm:styleLbl name="fgAcc3">
+    <dgm:scene3d>
+      <a:camera prst="orthographicFront"/>
+      <a:lightRig rig="threePt" dir="t"/>
+    </dgm:scene3d>
+    <dgm:sp3d/>
+    <dgm:txPr/>
+    <dgm:style>
+      <a:lnRef idx="2">
+        <a:scrgbClr r="0" g="0" b="0"/>
+      </a:lnRef>
+      <a:fillRef idx="1">
+        <a:scrgbClr r="0" g="0" b="0"/>
+      </a:fillRef>
+      <a:effectRef idx="0">
+        <a:scrgbClr r="0" g="0" b="0"/>
+      </a:effectRef>
+      <a:fontRef idx="minor"/>
+    </dgm:style>
+  </dgm:styleLbl>
+  <dgm:styleLbl name="fgAcc4">
+    <dgm:scene3d>
+      <a:camera prst="orthographicFront"/>
+      <a:lightRig rig="threePt" dir="t"/>
+    </dgm:scene3d>
+    <dgm:sp3d/>
+    <dgm:txPr/>
+    <dgm:style>
+      <a:lnRef idx="2">
+        <a:scrgbClr r="0" g="0" b="0"/>
+      </a:lnRef>
+      <a:fillRef idx="1">
+        <a:scrgbClr r="0" g="0" b="0"/>
+      </a:fillRef>
+      <a:effectRef idx="0">
+        <a:scrgbClr r="0" g="0" b="0"/>
+      </a:effectRef>
+      <a:fontRef idx="minor"/>
+    </dgm:style>
+  </dgm:styleLbl>
+  <dgm:styleLbl name="bgShp">
+    <dgm:scene3d>
+      <a:camera prst="orthographicFront"/>
+      <a:lightRig rig="threePt" dir="t"/>
+    </dgm:scene3d>
+    <dgm:sp3d/>
+    <dgm:txPr/>
+    <dgm:style>
+      <a:lnRef idx="0">
+        <a:scrgbClr r="0" g="0" b="0"/>
+      </a:lnRef>
+      <a:fillRef idx="1">
+        <a:scrgbClr r="0" g="0" b="0"/>
+      </a:fillRef>
+      <a:effectRef idx="0">
+        <a:scrgbClr r="0" g="0" b="0"/>
+      </a:effectRef>
+      <a:fontRef idx="minor"/>
+    </dgm:style>
+  </dgm:styleLbl>
+  <dgm:styleLbl name="dkBgShp">
+    <dgm:scene3d>
+      <a:camera prst="orthographicFront"/>
+      <a:lightRig rig="threePt" dir="t"/>
+    </dgm:scene3d>
+    <dgm:sp3d/>
+    <dgm:txPr/>
+    <dgm:style>
+      <a:lnRef idx="0">
+        <a:scrgbClr r="0" g="0" b="0"/>
+      </a:lnRef>
+      <a:fillRef idx="1">
+        <a:scrgbClr r="0" g="0" b="0"/>
+      </a:fillRef>
+      <a:effectRef idx="0">
+        <a:scrgbClr r="0" g="0" b="0"/>
+      </a:effectRef>
+      <a:fontRef idx="minor"/>
+    </dgm:style>
+  </dgm:styleLbl>
+  <dgm:styleLbl name="trBgShp">
+    <dgm:scene3d>
+      <a:camera prst="orthographicFront"/>
+      <a:lightRig rig="threePt" dir="t"/>
+    </dgm:scene3d>
+    <dgm:sp3d/>
+    <dgm:txPr/>
+    <dgm:style>
+      <a:lnRef idx="0">
+        <a:scrgbClr r="0" g="0" b="0"/>
+      </a:lnRef>
+      <a:fillRef idx="1">
+        <a:scrgbClr r="0" g="0" b="0"/>
+      </a:fillRef>
+      <a:effectRef idx="0">
+        <a:scrgbClr r="0" g="0" b="0"/>
+      </a:effectRef>
+      <a:fontRef idx="minor"/>
+    </dgm:style>
+  </dgm:styleLbl>
+  <dgm:styleLbl name="fgShp">
+    <dgm:scene3d>
+      <a:camera prst="orthographicFront"/>
+      <a:lightRig rig="threePt" dir="t"/>
+    </dgm:scene3d>
+    <dgm:sp3d/>
+    <dgm:txPr/>
+    <dgm:style>
+      <a:lnRef idx="2">
+        <a:scrgbClr r="0" g="0" b="0"/>
+      </a:lnRef>
+      <a:fillRef idx="1">
+        <a:scrgbClr r="0" g="0" b="0"/>
+      </a:fillRef>
+      <a:effectRef idx="0">
+        <a:scrgbClr r="0" g="0" b="0"/>
+      </a:effectRef>
+      <a:fontRef idx="minor"/>
+    </dgm:style>
+  </dgm:styleLbl>
+  <dgm:styleLbl name="revTx">
+    <dgm:scene3d>
+      <a:camera prst="orthographicFront"/>
+      <a:lightRig rig="threePt" dir="t"/>
+    </dgm:scene3d>
+    <dgm:sp3d/>
+    <dgm:txPr/>
+    <dgm:style>
+      <a:lnRef idx="0">
+        <a:scrgbClr r="0" g="0" b="0"/>
+      </a:lnRef>
+      <a:fillRef idx="0">
+        <a:scrgbClr r="0" g="0" b="0"/>
+      </a:fillRef>
+      <a:effectRef idx="0">
+        <a:scrgbClr r="0" g="0" b="0"/>
+      </a:effectRef>
+      <a:fontRef idx="minor"/>
+    </dgm:style>
+  </dgm:styleLbl>
+</dgm:styleDef>
+</file>
+
+<file path=ppt/diagrams/quickStyle4.xml><?xml version="1.0" encoding="utf-8"?>
 <dgm:styleDef xmlns:dgm="http://schemas.openxmlformats.org/drawingml/2006/diagram" xmlns:a="http://schemas.openxmlformats.org/drawingml/2006/main" uniqueId="urn:microsoft.com/office/officeart/2005/8/quickstyle/simple1">
   <dgm:title val=""/>
   <dgm:desc val=""/>
@@ -15797,7 +18143,7 @@
               <a:defRPr sz="1000"/>
             </a:pPr>
             <a:r>
-              <a:rPr sz="1200" dirty="0"/>
+              <a:rPr sz="1800" dirty="0"/>
               <a:t>James Ashley</a:t>
             </a:r>
           </a:p>
@@ -15809,7 +18155,7 @@
               <a:defRPr sz="1000"/>
             </a:pPr>
             <a:r>
-              <a:rPr sz="1200" dirty="0"/>
+              <a:rPr sz="1800" dirty="0"/>
               <a:t>Rebekah Callari-Kaczmarczyk</a:t>
             </a:r>
           </a:p>
@@ -15821,14 +18167,14 @@
               <a:defRPr sz="1000"/>
             </a:pPr>
             <a:r>
-              <a:rPr sz="1200" dirty="0"/>
+              <a:rPr sz="1800" dirty="0"/>
               <a:t>Rohan </a:t>
             </a:r>
             <a:r>
-              <a:rPr sz="1200" dirty="0" smtClean="0"/>
+              <a:rPr sz="1800" dirty="0" smtClean="0"/>
               <a:t>Patel</a:t>
             </a:r>
-            <a:endParaRPr sz="1200" dirty="0"/>
+            <a:endParaRPr sz="1800" dirty="0"/>
           </a:p>
           <a:p>
             <a:pPr>
@@ -15838,7 +18184,7 @@
               <a:defRPr sz="1000"/>
             </a:pPr>
             <a:r>
-              <a:rPr sz="1200" dirty="0"/>
+              <a:rPr sz="1800" dirty="0"/>
               <a:t>Scot Wilson</a:t>
             </a:r>
           </a:p>
@@ -16172,6 +18518,13 @@
     <a:masterClrMapping/>
   </p:clrMapOvr>
   <p:transition spd="med"/>
+  <p:timing>
+    <p:tnLst>
+      <p:par>
+        <p:cTn id="1" dur="indefinite" restart="never" nodeType="tmRoot"/>
+      </p:par>
+    </p:tnLst>
+  </p:timing>
 </p:sld>
 </file>
 
@@ -16274,6 +18627,13 @@
     <a:masterClrMapping/>
   </p:clrMapOvr>
   <p:transition spd="med"/>
+  <p:timing>
+    <p:tnLst>
+      <p:par>
+        <p:cTn id="1" dur="indefinite" restart="never" nodeType="tmRoot"/>
+      </p:par>
+    </p:tnLst>
+  </p:timing>
 </p:sld>
 </file>
 
@@ -16348,6 +18708,13 @@
     <a:masterClrMapping/>
   </p:clrMapOvr>
   <p:transition spd="med"/>
+  <p:timing>
+    <p:tnLst>
+      <p:par>
+        <p:cTn id="1" dur="indefinite" restart="never" nodeType="tmRoot"/>
+      </p:par>
+    </p:tnLst>
+  </p:timing>
 </p:sld>
 </file>
 
@@ -16578,6 +18945,13 @@
     <a:masterClrMapping/>
   </p:clrMapOvr>
   <p:transition spd="med"/>
+  <p:timing>
+    <p:tnLst>
+      <p:par>
+        <p:cTn id="1" dur="indefinite" restart="never" nodeType="tmRoot"/>
+      </p:par>
+    </p:tnLst>
+  </p:timing>
 </p:sld>
 </file>
 
@@ -16679,6 +19053,13 @@
     <a:masterClrMapping/>
   </p:clrMapOvr>
   <p:transition spd="med"/>
+  <p:timing>
+    <p:tnLst>
+      <p:par>
+        <p:cTn id="1" dur="indefinite" restart="never" nodeType="tmRoot"/>
+      </p:par>
+    </p:tnLst>
+  </p:timing>
 </p:sld>
 </file>
 
@@ -16733,33 +19114,20 @@
             </a:r>
             <a:r>
               <a:rPr lang="en-US" dirty="0" smtClean="0"/>
-              <a:t>– </a:t>
+              <a:t>– Rohan</a:t>
             </a:r>
-            <a:r>
-              <a:rPr lang="en-US" dirty="0" smtClean="0"/>
-              <a:t>Rohan</a:t>
-            </a:r>
-            <a:endParaRPr lang="en-US" dirty="0" smtClean="0"/>
           </a:p>
           <a:p>
             <a:r>
               <a:rPr lang="en-US" dirty="0" smtClean="0"/>
-              <a:t>Description – </a:t>
-            </a:r>
-            <a:r>
-              <a:rPr lang="en-US" dirty="0" smtClean="0"/>
-              <a:t>Rohan </a:t>
+              <a:t>Description – Rohan </a:t>
             </a:r>
             <a:endParaRPr lang="en-US" dirty="0"/>
           </a:p>
           <a:p>
             <a:r>
               <a:rPr lang="en-US" dirty="0" smtClean="0"/>
-              <a:t>Project Overview – </a:t>
-            </a:r>
-            <a:r>
-              <a:rPr lang="en-US" dirty="0" smtClean="0"/>
-              <a:t>Rohan</a:t>
+              <a:t>Project Overview – Rohan</a:t>
             </a:r>
           </a:p>
           <a:p>
@@ -16768,33 +19136,20 @@
           <a:p>
             <a:r>
               <a:rPr lang="en-US" dirty="0" smtClean="0"/>
-              <a:t>Dataset – </a:t>
-            </a:r>
-            <a:r>
-              <a:rPr lang="en-US" dirty="0" smtClean="0"/>
-              <a:t>James</a:t>
+              <a:t>Dataset – James</a:t>
             </a:r>
             <a:endParaRPr lang="en-US" dirty="0"/>
           </a:p>
           <a:p>
             <a:r>
               <a:rPr lang="en-US" dirty="0" smtClean="0"/>
-              <a:t>Sentiment by News Source –  </a:t>
+              <a:t>Sentiment by News Source –  James</a:t>
             </a:r>
-            <a:r>
-              <a:rPr lang="en-US" dirty="0" smtClean="0"/>
-              <a:t>James</a:t>
-            </a:r>
-            <a:endParaRPr lang="en-US" dirty="0" smtClean="0"/>
           </a:p>
           <a:p>
             <a:r>
               <a:rPr lang="en-US" dirty="0" smtClean="0"/>
-              <a:t>Major Findings – </a:t>
-            </a:r>
-            <a:r>
-              <a:rPr lang="en-US" dirty="0" smtClean="0"/>
-              <a:t>James</a:t>
+              <a:t>Major Findings – James</a:t>
             </a:r>
           </a:p>
           <a:p>
@@ -16807,11 +19162,7 @@
             </a:r>
             <a:r>
               <a:rPr lang="en-US" dirty="0" smtClean="0"/>
-              <a:t>Text Preprocessing –  </a:t>
-            </a:r>
-            <a:r>
-              <a:rPr lang="en-US" dirty="0" smtClean="0"/>
-              <a:t>RCK</a:t>
+              <a:t>Text Preprocessing –  RCK</a:t>
             </a:r>
             <a:endParaRPr lang="en-US" dirty="0"/>
           </a:p>
@@ -16822,11 +19173,7 @@
             </a:r>
             <a:r>
               <a:rPr lang="en-US" dirty="0" smtClean="0"/>
-              <a:t>odels </a:t>
-            </a:r>
-            <a:r>
-              <a:rPr lang="en-US" dirty="0" smtClean="0"/>
-              <a:t>– RCK</a:t>
+              <a:t>odels – RCK</a:t>
             </a:r>
           </a:p>
           <a:p>
@@ -16835,33 +19182,19 @@
           <a:p>
             <a:r>
               <a:rPr lang="en-US" dirty="0" smtClean="0"/>
-              <a:t>App Architecture – </a:t>
+              <a:t>App Architecture – Scot</a:t>
             </a:r>
-            <a:r>
-              <a:rPr lang="en-US" dirty="0" smtClean="0"/>
-              <a:t>Scot</a:t>
-            </a:r>
-            <a:endParaRPr lang="en-US" dirty="0" smtClean="0"/>
           </a:p>
           <a:p>
             <a:r>
               <a:rPr lang="en-US" dirty="0" smtClean="0"/>
-              <a:t>Key Takeaways – </a:t>
+              <a:t>Key Takeaways – Scot</a:t>
             </a:r>
-            <a:r>
-              <a:rPr lang="en-US" dirty="0" smtClean="0"/>
-              <a:t>Scot</a:t>
-            </a:r>
-            <a:endParaRPr lang="en-US" dirty="0" smtClean="0"/>
           </a:p>
           <a:p>
             <a:r>
               <a:rPr lang="en-US" dirty="0" smtClean="0"/>
-              <a:t>References/Q&amp;A –  </a:t>
-            </a:r>
-            <a:r>
-              <a:rPr lang="en-US" dirty="0" smtClean="0"/>
-              <a:t>Scot</a:t>
+              <a:t>References/Q&amp;A –  Scot</a:t>
             </a:r>
             <a:endParaRPr lang="en-US" dirty="0"/>
           </a:p>
@@ -16884,6 +19217,13 @@
     <a:masterClrMapping/>
   </p:clrMapOvr>
   <p:transition spd="med"/>
+  <p:timing>
+    <p:tnLst>
+      <p:par>
+        <p:cTn id="1" dur="indefinite" restart="never" nodeType="tmRoot"/>
+      </p:par>
+    </p:tnLst>
+  </p:timing>
 </p:sld>
 </file>
 
@@ -16964,7 +19304,15 @@
             </a:pPr>
             <a:r>
               <a:rPr dirty="0"/>
-              <a:t>Newspapers are notoriously biased, and are commonly criticized for always focusing on sensational or negative topics rather than providing more balanced reporting. This </a:t>
+              <a:t>Newspapers are notoriously </a:t>
+            </a:r>
+            <a:r>
+              <a:rPr dirty="0" smtClean="0"/>
+              <a:t>biased </a:t>
+            </a:r>
+            <a:r>
+              <a:rPr dirty="0"/>
+              <a:t>and are commonly criticized for always focusing on sensational or negative topics rather than providing more balanced reporting. This </a:t>
             </a:r>
             <a:r>
               <a:rPr dirty="0" smtClean="0"/>
@@ -17113,6 +19461,13 @@
     <a:masterClrMapping/>
   </p:clrMapOvr>
   <p:transition spd="med"/>
+  <p:timing>
+    <p:tnLst>
+      <p:par>
+        <p:cTn id="1" dur="indefinite" restart="never" nodeType="tmRoot"/>
+      </p:par>
+    </p:tnLst>
+  </p:timing>
 </p:sld>
 </file>
 
@@ -17189,6 +19544,13 @@
     <a:masterClrMapping/>
   </p:clrMapOvr>
   <p:transition spd="med"/>
+  <p:timing>
+    <p:tnLst>
+      <p:par>
+        <p:cTn id="1" dur="indefinite" restart="never" nodeType="tmRoot"/>
+      </p:par>
+    </p:tnLst>
+  </p:timing>
 </p:sld>
 </file>
 
@@ -17274,13 +19636,7 @@
       </p:sp>
       <p:pic>
         <p:nvPicPr>
-          <p:cNvPr id="5" name="Picture 4">
-            <a:extLst>
-              <a:ext uri="{FF2B5EF4-FFF2-40B4-BE49-F238E27FC236}">
-                <a16:creationId xmlns:a16="http://schemas.microsoft.com/office/drawing/2014/main" id="{C0AD2D0A-6852-4C02-A751-A00861622221}"/>
-              </a:ext>
-            </a:extLst>
-          </p:cNvPr>
+          <p:cNvPr id="3" name="Picture 2"/>
           <p:cNvPicPr>
             <a:picLocks noChangeAspect="1"/>
           </p:cNvPicPr>
@@ -17300,8 +19656,8 @@
         </p:blipFill>
         <p:spPr>
           <a:xfrm>
-            <a:off x="5815585" y="1538816"/>
-            <a:ext cx="6186340" cy="4124227"/>
+            <a:off x="5970495" y="1674849"/>
+            <a:ext cx="5734410" cy="3753684"/>
           </a:xfrm>
           <a:prstGeom prst="rect">
             <a:avLst/>
@@ -17319,6 +19675,13 @@
     <a:masterClrMapping/>
   </p:clrMapOvr>
   <p:transition spd="med"/>
+  <p:timing>
+    <p:tnLst>
+      <p:par>
+        <p:cTn id="1" dur="indefinite" restart="never" nodeType="tmRoot"/>
+      </p:par>
+    </p:tnLst>
+  </p:timing>
 </p:sld>
 </file>
 
@@ -17366,13 +19729,7 @@
       </p:sp>
       <p:pic>
         <p:nvPicPr>
-          <p:cNvPr id="3" name="Picture 2">
-            <a:extLst>
-              <a:ext uri="{FF2B5EF4-FFF2-40B4-BE49-F238E27FC236}">
-                <a16:creationId xmlns:a16="http://schemas.microsoft.com/office/drawing/2014/main" id="{34BCE0B9-A91B-47D6-94C3-8995890AB346}"/>
-              </a:ext>
-            </a:extLst>
-          </p:cNvPr>
+          <p:cNvPr id="2" name="Picture 1"/>
           <p:cNvPicPr>
             <a:picLocks noChangeAspect="1"/>
           </p:cNvPicPr>
@@ -17392,20 +19749,49 @@
         </p:blipFill>
         <p:spPr>
           <a:xfrm>
-            <a:off x="2766669" y="1531071"/>
-            <a:ext cx="6658662" cy="5326929"/>
+            <a:off x="2841079" y="1549101"/>
+            <a:ext cx="6662241" cy="5308899"/>
           </a:xfrm>
           <a:prstGeom prst="rect">
             <a:avLst/>
           </a:prstGeom>
         </p:spPr>
       </p:pic>
+      <p:graphicFrame>
+        <p:nvGraphicFramePr>
+          <p:cNvPr id="5" name="Diagram 4"/>
+          <p:cNvGraphicFramePr/>
+          <p:nvPr>
+            <p:extLst>
+              <p:ext uri="{D42A27DB-BD31-4B8C-83A1-F6EECF244321}">
+                <p14:modId xmlns:p14="http://schemas.microsoft.com/office/powerpoint/2010/main" val="3703730016"/>
+              </p:ext>
+            </p:extLst>
+          </p:nvPr>
+        </p:nvGraphicFramePr>
+        <p:xfrm>
+          <a:off x="9950817" y="2844850"/>
+          <a:ext cx="1672215" cy="2717400"/>
+        </p:xfrm>
+        <a:graphic>
+          <a:graphicData uri="http://schemas.openxmlformats.org/drawingml/2006/diagram">
+            <dgm:relIds xmlns:dgm="http://schemas.openxmlformats.org/drawingml/2006/diagram" xmlns:r="http://schemas.openxmlformats.org/officeDocument/2006/relationships" r:dm="rId3" r:lo="rId4" r:qs="rId5" r:cs="rId6"/>
+          </a:graphicData>
+        </a:graphic>
+      </p:graphicFrame>
     </p:spTree>
   </p:cSld>
   <p:clrMapOvr>
     <a:masterClrMapping/>
   </p:clrMapOvr>
   <p:transition spd="med"/>
+  <p:timing>
+    <p:tnLst>
+      <p:par>
+        <p:cTn id="1" dur="indefinite" restart="never" nodeType="tmRoot"/>
+      </p:par>
+    </p:tnLst>
+  </p:timing>
 </p:sld>
 </file>
 
@@ -17550,6 +19936,13 @@
     <a:masterClrMapping/>
   </p:clrMapOvr>
   <p:transition spd="med"/>
+  <p:timing>
+    <p:tnLst>
+      <p:par>
+        <p:cTn id="1" dur="indefinite" restart="never" nodeType="tmRoot"/>
+      </p:par>
+    </p:tnLst>
+  </p:timing>
 </p:sld>
 </file>
 
@@ -17631,6 +20024,13 @@
     <a:masterClrMapping/>
   </p:clrMapOvr>
   <p:transition spd="med"/>
+  <p:timing>
+    <p:tnLst>
+      <p:par>
+        <p:cTn id="1" dur="indefinite" restart="never" nodeType="tmRoot"/>
+      </p:par>
+    </p:tnLst>
+  </p:timing>
 </p:sld>
 </file>
 
@@ -17678,13 +20078,7 @@
       </p:sp>
       <p:pic>
         <p:nvPicPr>
-          <p:cNvPr id="3" name="Picture 2">
-            <a:extLst>
-              <a:ext uri="{FF2B5EF4-FFF2-40B4-BE49-F238E27FC236}">
-                <a16:creationId xmlns:a16="http://schemas.microsoft.com/office/drawing/2014/main" id="{F5585898-893F-4970-9FC0-F303381A6D77}"/>
-              </a:ext>
-            </a:extLst>
-          </p:cNvPr>
+          <p:cNvPr id="2" name="Picture 1"/>
           <p:cNvPicPr>
             <a:picLocks noChangeAspect="1"/>
           </p:cNvPicPr>
@@ -17704,8 +20098,8 @@
         </p:blipFill>
         <p:spPr>
           <a:xfrm>
-            <a:off x="2233367" y="1428750"/>
-            <a:ext cx="7725266" cy="5150178"/>
+            <a:off x="2586772" y="1712164"/>
+            <a:ext cx="7170856" cy="4688636"/>
           </a:xfrm>
           <a:prstGeom prst="rect">
             <a:avLst/>
@@ -17718,6 +20112,13 @@
     <a:masterClrMapping/>
   </p:clrMapOvr>
   <p:transition spd="med"/>
+  <p:timing>
+    <p:tnLst>
+      <p:par>
+        <p:cTn id="1" dur="indefinite" restart="never" nodeType="tmRoot"/>
+      </p:par>
+    </p:tnLst>
+  </p:timing>
 </p:sld>
 </file>
 
@@ -17797,6 +20198,13 @@
     <a:masterClrMapping/>
   </p:clrMapOvr>
   <p:transition spd="med"/>
+  <p:timing>
+    <p:tnLst>
+      <p:par>
+        <p:cTn id="1" dur="indefinite" restart="never" nodeType="tmRoot"/>
+      </p:par>
+    </p:tnLst>
+  </p:timing>
 </p:sld>
 </file>
 

--- a/demo_day_deck.pptx
+++ b/demo_day_deck.pptx
@@ -11,8 +11,8 @@
     <p:sldId id="256" r:id="rId2"/>
     <p:sldId id="258" r:id="rId3"/>
     <p:sldId id="271" r:id="rId4"/>
-    <p:sldId id="276" r:id="rId5"/>
-    <p:sldId id="260" r:id="rId6"/>
+    <p:sldId id="260" r:id="rId5"/>
+    <p:sldId id="276" r:id="rId6"/>
     <p:sldId id="262" r:id="rId7"/>
     <p:sldId id="263" r:id="rId8"/>
     <p:sldId id="264" r:id="rId9"/>
@@ -4131,10 +4131,10 @@
         <a:lstStyle/>
         <a:p>
           <a:r>
-            <a:rPr lang="en-US" sz="2400" dirty="0" smtClean="0"/>
+            <a:rPr lang="en-US" sz="1800" dirty="0" smtClean="0"/>
             <a:t>% Negative</a:t>
           </a:r>
-          <a:endParaRPr lang="en-US" sz="2400" dirty="0"/>
+          <a:endParaRPr lang="en-US" sz="1800" dirty="0"/>
         </a:p>
       </dgm:t>
     </dgm:pt>
@@ -4172,10 +4172,10 @@
         <a:lstStyle/>
         <a:p>
           <a:r>
-            <a:rPr lang="en-US" sz="2400" dirty="0" smtClean="0"/>
+            <a:rPr lang="en-US" sz="1800" dirty="0" smtClean="0"/>
             <a:t>% Neutral</a:t>
           </a:r>
-          <a:endParaRPr lang="en-US" sz="2400" dirty="0"/>
+          <a:endParaRPr lang="en-US" sz="1800" dirty="0"/>
         </a:p>
       </dgm:t>
     </dgm:pt>
@@ -4213,10 +4213,10 @@
         <a:lstStyle/>
         <a:p>
           <a:r>
-            <a:rPr lang="en-US" sz="2400" dirty="0" smtClean="0"/>
+            <a:rPr lang="en-US" sz="1800" dirty="0" smtClean="0"/>
             <a:t>% Positive</a:t>
           </a:r>
-          <a:endParaRPr lang="en-US" sz="2400" dirty="0"/>
+          <a:endParaRPr lang="en-US" sz="1800" dirty="0"/>
         </a:p>
       </dgm:t>
     </dgm:pt>
@@ -6431,8 +6431,8 @@
       </dsp:nvSpPr>
       <dsp:spPr>
         <a:xfrm>
-          <a:off x="21516" y="1326"/>
-          <a:ext cx="1650699" cy="875724"/>
+          <a:off x="16081" y="1088"/>
+          <a:ext cx="1253308" cy="718588"/>
         </a:xfrm>
         <a:prstGeom prst="rect">
           <a:avLst/>
@@ -6468,12 +6468,12 @@
         </a:fontRef>
       </dsp:style>
       <dsp:txBody>
-        <a:bodyPr spcFirstLastPara="0" vert="horz" wrap="square" lIns="60960" tIns="60960" rIns="60960" bIns="60960" numCol="1" spcCol="1270" anchor="ctr" anchorCtr="0">
+        <a:bodyPr spcFirstLastPara="0" vert="horz" wrap="square" lIns="45720" tIns="45720" rIns="45720" bIns="45720" numCol="1" spcCol="1270" anchor="ctr" anchorCtr="0">
           <a:noAutofit/>
         </a:bodyPr>
         <a:lstStyle/>
         <a:p>
-          <a:pPr lvl="0" algn="ctr" defTabSz="1066800">
+          <a:pPr lvl="0" algn="ctr" defTabSz="800100">
             <a:lnSpc>
               <a:spcPct val="90000"/>
             </a:lnSpc>
@@ -6485,15 +6485,15 @@
             </a:spcAft>
           </a:pPr>
           <a:r>
-            <a:rPr lang="en-US" sz="2400" kern="1200" dirty="0" smtClean="0"/>
+            <a:rPr lang="en-US" sz="1800" kern="1200" dirty="0" smtClean="0"/>
             <a:t>% Negative</a:t>
           </a:r>
-          <a:endParaRPr lang="en-US" sz="2400" kern="1200" dirty="0"/>
+          <a:endParaRPr lang="en-US" sz="1800" kern="1200" dirty="0"/>
         </a:p>
       </dsp:txBody>
       <dsp:txXfrm>
-        <a:off x="21516" y="1326"/>
-        <a:ext cx="1650699" cy="875724"/>
+        <a:off x="16081" y="1088"/>
+        <a:ext cx="1253308" cy="718588"/>
       </dsp:txXfrm>
     </dsp:sp>
     <dsp:sp modelId="{A32D7302-1E56-41F3-AB88-410BB8386781}">
@@ -6503,8 +6503,8 @@
       </dsp:nvSpPr>
       <dsp:spPr>
         <a:xfrm>
-          <a:off x="4780" y="920837"/>
-          <a:ext cx="1662654" cy="875724"/>
+          <a:off x="15621" y="755606"/>
+          <a:ext cx="1238146" cy="718588"/>
         </a:xfrm>
         <a:prstGeom prst="rect">
           <a:avLst/>
@@ -6540,12 +6540,12 @@
         </a:fontRef>
       </dsp:style>
       <dsp:txBody>
-        <a:bodyPr spcFirstLastPara="0" vert="horz" wrap="square" lIns="60960" tIns="60960" rIns="60960" bIns="60960" numCol="1" spcCol="1270" anchor="ctr" anchorCtr="0">
+        <a:bodyPr spcFirstLastPara="0" vert="horz" wrap="square" lIns="45720" tIns="45720" rIns="45720" bIns="45720" numCol="1" spcCol="1270" anchor="ctr" anchorCtr="0">
           <a:noAutofit/>
         </a:bodyPr>
         <a:lstStyle/>
         <a:p>
-          <a:pPr lvl="0" algn="ctr" defTabSz="1066800">
+          <a:pPr lvl="0" algn="ctr" defTabSz="800100">
             <a:lnSpc>
               <a:spcPct val="90000"/>
             </a:lnSpc>
@@ -6557,15 +6557,15 @@
             </a:spcAft>
           </a:pPr>
           <a:r>
-            <a:rPr lang="en-US" sz="2400" kern="1200" dirty="0" smtClean="0"/>
+            <a:rPr lang="en-US" sz="1800" kern="1200" dirty="0" smtClean="0"/>
             <a:t>% Neutral</a:t>
           </a:r>
-          <a:endParaRPr lang="en-US" sz="2400" kern="1200" dirty="0"/>
+          <a:endParaRPr lang="en-US" sz="1800" kern="1200" dirty="0"/>
         </a:p>
       </dsp:txBody>
       <dsp:txXfrm>
-        <a:off x="4780" y="920837"/>
-        <a:ext cx="1662654" cy="875724"/>
+        <a:off x="15621" y="755606"/>
+        <a:ext cx="1238146" cy="718588"/>
       </dsp:txXfrm>
     </dsp:sp>
     <dsp:sp modelId="{7759F700-81ED-4187-B367-53D3CFB4C2CF}">
@@ -6575,8 +6575,8 @@
       </dsp:nvSpPr>
       <dsp:spPr>
         <a:xfrm>
-          <a:off x="0" y="1840348"/>
-          <a:ext cx="1672215" cy="875724"/>
+          <a:off x="3347" y="1510124"/>
+          <a:ext cx="1262694" cy="718588"/>
         </a:xfrm>
         <a:prstGeom prst="rect">
           <a:avLst/>
@@ -6612,12 +6612,12 @@
         </a:fontRef>
       </dsp:style>
       <dsp:txBody>
-        <a:bodyPr spcFirstLastPara="0" vert="horz" wrap="square" lIns="60960" tIns="60960" rIns="60960" bIns="60960" numCol="1" spcCol="1270" anchor="ctr" anchorCtr="0">
+        <a:bodyPr spcFirstLastPara="0" vert="horz" wrap="square" lIns="45720" tIns="45720" rIns="45720" bIns="45720" numCol="1" spcCol="1270" anchor="ctr" anchorCtr="0">
           <a:noAutofit/>
         </a:bodyPr>
         <a:lstStyle/>
         <a:p>
-          <a:pPr lvl="0" algn="ctr" defTabSz="1066800">
+          <a:pPr lvl="0" algn="ctr" defTabSz="800100">
             <a:lnSpc>
               <a:spcPct val="90000"/>
             </a:lnSpc>
@@ -6629,15 +6629,15 @@
             </a:spcAft>
           </a:pPr>
           <a:r>
-            <a:rPr lang="en-US" sz="2400" kern="1200" dirty="0" smtClean="0"/>
+            <a:rPr lang="en-US" sz="1800" kern="1200" dirty="0" smtClean="0"/>
             <a:t>% Positive</a:t>
           </a:r>
-          <a:endParaRPr lang="en-US" sz="2400" kern="1200" dirty="0"/>
+          <a:endParaRPr lang="en-US" sz="1800" kern="1200" dirty="0"/>
         </a:p>
       </dsp:txBody>
       <dsp:txXfrm>
-        <a:off x="0" y="1840348"/>
-        <a:ext cx="1672215" cy="875724"/>
+        <a:off x="3347" y="1510124"/>
+        <a:ext cx="1262694" cy="718588"/>
       </dsp:txXfrm>
     </dsp:sp>
   </dsp:spTree>
@@ -15540,140 +15540,6 @@
 </p:sldLayout>
 </file>
 
-<file path=ppt/slideLayouts/slideLayout10.xml><?xml version="1.0" encoding="utf-8"?>
-<p:sldLayout xmlns:a="http://schemas.openxmlformats.org/drawingml/2006/main" xmlns:r="http://schemas.openxmlformats.org/officeDocument/2006/relationships" xmlns:p="http://schemas.openxmlformats.org/presentationml/2006/main" type="tx">
-  <p:cSld name="Vertical Title and Text">
-    <p:spTree>
-      <p:nvGrpSpPr>
-        <p:cNvPr id="1" name=""/>
-        <p:cNvGrpSpPr/>
-        <p:nvPr/>
-      </p:nvGrpSpPr>
-      <p:grpSpPr>
-        <a:xfrm>
-          <a:off x="0" y="0"/>
-          <a:ext cx="0" cy="0"/>
-          <a:chOff x="0" y="0"/>
-          <a:chExt cx="0" cy="0"/>
-        </a:xfrm>
-      </p:grpSpPr>
-      <p:sp>
-        <p:nvSpPr>
-          <p:cNvPr id="114" name="Title Text"/>
-          <p:cNvSpPr txBox="1">
-            <a:spLocks noGrp="1"/>
-          </p:cNvSpPr>
-          <p:nvPr>
-            <p:ph type="title"/>
-          </p:nvPr>
-        </p:nvSpPr>
-        <p:spPr>
-          <a:xfrm>
-            <a:off x="9596560" y="624155"/>
-            <a:ext cx="1565767" cy="5243245"/>
-          </a:xfrm>
-          <a:prstGeom prst="rect">
-            <a:avLst/>
-          </a:prstGeom>
-        </p:spPr>
-        <p:txBody>
-          <a:bodyPr/>
-          <a:lstStyle/>
-          <a:p>
-            <a:r>
-              <a:t>Title Text</a:t>
-            </a:r>
-          </a:p>
-        </p:txBody>
-      </p:sp>
-      <p:sp>
-        <p:nvSpPr>
-          <p:cNvPr id="115" name="Body Level One…"/>
-          <p:cNvSpPr txBox="1">
-            <a:spLocks noGrp="1"/>
-          </p:cNvSpPr>
-          <p:nvPr>
-            <p:ph type="body" idx="1"/>
-          </p:nvPr>
-        </p:nvSpPr>
-        <p:spPr>
-          <a:xfrm>
-            <a:off x="1371600" y="624155"/>
-            <a:ext cx="8179642" cy="5243245"/>
-          </a:xfrm>
-          <a:prstGeom prst="rect">
-            <a:avLst/>
-          </a:prstGeom>
-        </p:spPr>
-        <p:txBody>
-          <a:bodyPr/>
-          <a:lstStyle/>
-          <a:p>
-            <a:r>
-              <a:t>Body Level One</a:t>
-            </a:r>
-          </a:p>
-          <a:p>
-            <a:pPr lvl="1"/>
-            <a:r>
-              <a:t>Body Level Two</a:t>
-            </a:r>
-          </a:p>
-          <a:p>
-            <a:pPr lvl="2"/>
-            <a:r>
-              <a:t>Body Level Three</a:t>
-            </a:r>
-          </a:p>
-          <a:p>
-            <a:pPr lvl="3"/>
-            <a:r>
-              <a:t>Body Level Four</a:t>
-            </a:r>
-          </a:p>
-          <a:p>
-            <a:pPr lvl="4"/>
-            <a:r>
-              <a:t>Body Level Five</a:t>
-            </a:r>
-          </a:p>
-        </p:txBody>
-      </p:sp>
-      <p:sp>
-        <p:nvSpPr>
-          <p:cNvPr id="116" name="Slide Number"/>
-          <p:cNvSpPr txBox="1">
-            <a:spLocks noGrp="1"/>
-          </p:cNvSpPr>
-          <p:nvPr>
-            <p:ph type="sldNum" sz="quarter" idx="2"/>
-          </p:nvPr>
-        </p:nvSpPr>
-        <p:spPr>
-          <a:prstGeom prst="rect">
-            <a:avLst/>
-          </a:prstGeom>
-        </p:spPr>
-        <p:txBody>
-          <a:bodyPr/>
-          <a:lstStyle/>
-          <a:p>
-            <a:fld id="{86CB4B4D-7CA3-9044-876B-883B54F8677D}" type="slidenum">
-              <a:t>‹#›</a:t>
-            </a:fld>
-            <a:endParaRPr/>
-          </a:p>
-        </p:txBody>
-      </p:sp>
-    </p:spTree>
-  </p:cSld>
-  <p:clrMapOvr>
-    <a:masterClrMapping/>
-  </p:clrMapOvr>
-  <p:transition spd="med"/>
-</p:sldLayout>
-</file>
-
 <file path=ppt/slideLayouts/slideLayout2.xml><?xml version="1.0" encoding="utf-8"?>
 <p:sldLayout xmlns:a="http://schemas.openxmlformats.org/drawingml/2006/main" xmlns:r="http://schemas.openxmlformats.org/officeDocument/2006/relationships" xmlns:p="http://schemas.openxmlformats.org/presentationml/2006/main" type="tx">
   <p:cSld name="Title and Content">
@@ -16266,240 +16132,6 @@
 
 <file path=ppt/slideLayouts/slideLayout5.xml><?xml version="1.0" encoding="utf-8"?>
 <p:sldLayout xmlns:a="http://schemas.openxmlformats.org/drawingml/2006/main" xmlns:r="http://schemas.openxmlformats.org/officeDocument/2006/relationships" xmlns:p="http://schemas.openxmlformats.org/presentationml/2006/main" type="tx">
-  <p:cSld name="Comparison">
-    <p:spTree>
-      <p:nvGrpSpPr>
-        <p:cNvPr id="1" name=""/>
-        <p:cNvGrpSpPr/>
-        <p:nvPr/>
-      </p:nvGrpSpPr>
-      <p:grpSpPr>
-        <a:xfrm>
-          <a:off x="0" y="0"/>
-          <a:ext cx="0" cy="0"/>
-          <a:chOff x="0" y="0"/>
-          <a:chExt cx="0" cy="0"/>
-        </a:xfrm>
-      </p:grpSpPr>
-      <p:sp>
-        <p:nvSpPr>
-          <p:cNvPr id="56" name="Title Text"/>
-          <p:cNvSpPr txBox="1">
-            <a:spLocks noGrp="1"/>
-          </p:cNvSpPr>
-          <p:nvPr>
-            <p:ph type="title"/>
-          </p:nvPr>
-        </p:nvSpPr>
-        <p:spPr>
-          <a:xfrm>
-            <a:off x="1371600" y="685800"/>
-            <a:ext cx="9601200" cy="1485900"/>
-          </a:xfrm>
-          <a:prstGeom prst="rect">
-            <a:avLst/>
-          </a:prstGeom>
-        </p:spPr>
-        <p:txBody>
-          <a:bodyPr/>
-          <a:lstStyle/>
-          <a:p>
-            <a:r>
-              <a:t>Title Text</a:t>
-            </a:r>
-          </a:p>
-        </p:txBody>
-      </p:sp>
-      <p:sp>
-        <p:nvSpPr>
-          <p:cNvPr id="57" name="Body Level One…"/>
-          <p:cNvSpPr txBox="1">
-            <a:spLocks noGrp="1"/>
-          </p:cNvSpPr>
-          <p:nvPr>
-            <p:ph type="body" sz="quarter" idx="1"/>
-          </p:nvPr>
-        </p:nvSpPr>
-        <p:spPr>
-          <a:xfrm>
-            <a:off x="1371600" y="2340864"/>
-            <a:ext cx="4443985" cy="823913"/>
-          </a:xfrm>
-          <a:prstGeom prst="rect">
-            <a:avLst/>
-          </a:prstGeom>
-        </p:spPr>
-        <p:txBody>
-          <a:bodyPr anchor="b"/>
-          <a:lstStyle>
-            <a:lvl1pPr marL="0" indent="0">
-              <a:lnSpc>
-                <a:spcPct val="84000"/>
-              </a:lnSpc>
-              <a:spcBef>
-                <a:spcPts val="0"/>
-              </a:spcBef>
-              <a:buSzTx/>
-              <a:buFontTx/>
-              <a:buNone/>
-              <a:defRPr sz="3000"/>
-            </a:lvl1pPr>
-            <a:lvl2pPr marL="0" indent="457200">
-              <a:lnSpc>
-                <a:spcPct val="84000"/>
-              </a:lnSpc>
-              <a:spcBef>
-                <a:spcPts val="0"/>
-              </a:spcBef>
-              <a:buSzTx/>
-              <a:buFontTx/>
-              <a:buNone/>
-              <a:defRPr sz="3000"/>
-            </a:lvl2pPr>
-            <a:lvl3pPr marL="0" indent="914400">
-              <a:lnSpc>
-                <a:spcPct val="84000"/>
-              </a:lnSpc>
-              <a:spcBef>
-                <a:spcPts val="0"/>
-              </a:spcBef>
-              <a:buSzTx/>
-              <a:buFontTx/>
-              <a:buNone/>
-              <a:defRPr sz="3000"/>
-            </a:lvl3pPr>
-            <a:lvl4pPr marL="0" indent="1371600">
-              <a:lnSpc>
-                <a:spcPct val="84000"/>
-              </a:lnSpc>
-              <a:spcBef>
-                <a:spcPts val="0"/>
-              </a:spcBef>
-              <a:buSzTx/>
-              <a:buFontTx/>
-              <a:buNone/>
-              <a:defRPr sz="3000"/>
-            </a:lvl4pPr>
-            <a:lvl5pPr marL="0" indent="1828800">
-              <a:lnSpc>
-                <a:spcPct val="84000"/>
-              </a:lnSpc>
-              <a:spcBef>
-                <a:spcPts val="0"/>
-              </a:spcBef>
-              <a:buSzTx/>
-              <a:buFontTx/>
-              <a:buNone/>
-              <a:defRPr sz="3000"/>
-            </a:lvl5pPr>
-          </a:lstStyle>
-          <a:p>
-            <a:r>
-              <a:t>Body Level One</a:t>
-            </a:r>
-          </a:p>
-          <a:p>
-            <a:pPr lvl="1"/>
-            <a:r>
-              <a:t>Body Level Two</a:t>
-            </a:r>
-          </a:p>
-          <a:p>
-            <a:pPr lvl="2"/>
-            <a:r>
-              <a:t>Body Level Three</a:t>
-            </a:r>
-          </a:p>
-          <a:p>
-            <a:pPr lvl="3"/>
-            <a:r>
-              <a:t>Body Level Four</a:t>
-            </a:r>
-          </a:p>
-          <a:p>
-            <a:pPr lvl="4"/>
-            <a:r>
-              <a:t>Body Level Five</a:t>
-            </a:r>
-          </a:p>
-        </p:txBody>
-      </p:sp>
-      <p:sp>
-        <p:nvSpPr>
-          <p:cNvPr id="58" name="Text Placeholder 4"/>
-          <p:cNvSpPr>
-            <a:spLocks noGrp="1"/>
-          </p:cNvSpPr>
-          <p:nvPr>
-            <p:ph type="body" sz="quarter" idx="13"/>
-          </p:nvPr>
-        </p:nvSpPr>
-        <p:spPr>
-          <a:xfrm>
-            <a:off x="6525014" y="2340864"/>
-            <a:ext cx="4443985" cy="823913"/>
-          </a:xfrm>
-          <a:prstGeom prst="rect">
-            <a:avLst/>
-          </a:prstGeom>
-        </p:spPr>
-        <p:txBody>
-          <a:bodyPr anchor="b"/>
-          <a:lstStyle/>
-          <a:p>
-            <a:pPr marL="0" indent="0">
-              <a:lnSpc>
-                <a:spcPct val="84000"/>
-              </a:lnSpc>
-              <a:spcBef>
-                <a:spcPts val="0"/>
-              </a:spcBef>
-              <a:buSzTx/>
-              <a:buFontTx/>
-              <a:buNone/>
-              <a:defRPr sz="3000"/>
-            </a:pPr>
-            <a:endParaRPr/>
-          </a:p>
-        </p:txBody>
-      </p:sp>
-      <p:sp>
-        <p:nvSpPr>
-          <p:cNvPr id="59" name="Slide Number"/>
-          <p:cNvSpPr txBox="1">
-            <a:spLocks noGrp="1"/>
-          </p:cNvSpPr>
-          <p:nvPr>
-            <p:ph type="sldNum" sz="quarter" idx="2"/>
-          </p:nvPr>
-        </p:nvSpPr>
-        <p:spPr>
-          <a:prstGeom prst="rect">
-            <a:avLst/>
-          </a:prstGeom>
-        </p:spPr>
-        <p:txBody>
-          <a:bodyPr/>
-          <a:lstStyle/>
-          <a:p>
-            <a:fld id="{86CB4B4D-7CA3-9044-876B-883B54F8677D}" type="slidenum">
-              <a:t>‹#›</a:t>
-            </a:fld>
-            <a:endParaRPr/>
-          </a:p>
-        </p:txBody>
-      </p:sp>
-    </p:spTree>
-  </p:cSld>
-  <p:clrMapOvr>
-    <a:masterClrMapping/>
-  </p:clrMapOvr>
-  <p:transition spd="med"/>
-</p:sldLayout>
-</file>
-
-<file path=ppt/slideLayouts/slideLayout6.xml><?xml version="1.0" encoding="utf-8"?>
-<p:sldLayout xmlns:a="http://schemas.openxmlformats.org/drawingml/2006/main" xmlns:r="http://schemas.openxmlformats.org/officeDocument/2006/relationships" xmlns:p="http://schemas.openxmlformats.org/presentationml/2006/main" type="tx">
   <p:cSld name="Title Only">
     <p:spTree>
       <p:nvGrpSpPr>
@@ -16579,7 +16211,7 @@
 </p:sldLayout>
 </file>
 
-<file path=ppt/slideLayouts/slideLayout7.xml><?xml version="1.0" encoding="utf-8"?>
+<file path=ppt/slideLayouts/slideLayout6.xml><?xml version="1.0" encoding="utf-8"?>
 <p:sldLayout xmlns:a="http://schemas.openxmlformats.org/drawingml/2006/main" xmlns:r="http://schemas.openxmlformats.org/officeDocument/2006/relationships" xmlns:p="http://schemas.openxmlformats.org/presentationml/2006/main" type="tx">
   <p:cSld name="Blank">
     <p:spTree>
@@ -16631,7 +16263,7 @@
 </p:sldLayout>
 </file>
 
-<file path=ppt/slideLayouts/slideLayout8.xml><?xml version="1.0" encoding="utf-8"?>
+<file path=ppt/slideLayouts/slideLayout7.xml><?xml version="1.0" encoding="utf-8"?>
 <p:sldLayout xmlns:a="http://schemas.openxmlformats.org/drawingml/2006/main" xmlns:r="http://schemas.openxmlformats.org/officeDocument/2006/relationships" xmlns:p="http://schemas.openxmlformats.org/presentationml/2006/main" showMasterSp="0" type="tx">
   <p:cSld name="Picture with Caption">
     <p:spTree>
@@ -16924,7 +16556,7 @@
 </p:sldLayout>
 </file>
 
-<file path=ppt/slideLayouts/slideLayout9.xml><?xml version="1.0" encoding="utf-8"?>
+<file path=ppt/slideLayouts/slideLayout8.xml><?xml version="1.0" encoding="utf-8"?>
 <p:sldLayout xmlns:a="http://schemas.openxmlformats.org/drawingml/2006/main" xmlns:r="http://schemas.openxmlformats.org/officeDocument/2006/relationships" xmlns:p="http://schemas.openxmlformats.org/presentationml/2006/main" type="tx">
   <p:cSld name="Title and Vertical Text">
     <p:spTree>
@@ -17058,6 +16690,140 @@
 </p:sldLayout>
 </file>
 
+<file path=ppt/slideLayouts/slideLayout9.xml><?xml version="1.0" encoding="utf-8"?>
+<p:sldLayout xmlns:a="http://schemas.openxmlformats.org/drawingml/2006/main" xmlns:r="http://schemas.openxmlformats.org/officeDocument/2006/relationships" xmlns:p="http://schemas.openxmlformats.org/presentationml/2006/main" type="tx">
+  <p:cSld name="Vertical Title and Text">
+    <p:spTree>
+      <p:nvGrpSpPr>
+        <p:cNvPr id="1" name=""/>
+        <p:cNvGrpSpPr/>
+        <p:nvPr/>
+      </p:nvGrpSpPr>
+      <p:grpSpPr>
+        <a:xfrm>
+          <a:off x="0" y="0"/>
+          <a:ext cx="0" cy="0"/>
+          <a:chOff x="0" y="0"/>
+          <a:chExt cx="0" cy="0"/>
+        </a:xfrm>
+      </p:grpSpPr>
+      <p:sp>
+        <p:nvSpPr>
+          <p:cNvPr id="114" name="Title Text"/>
+          <p:cNvSpPr txBox="1">
+            <a:spLocks noGrp="1"/>
+          </p:cNvSpPr>
+          <p:nvPr>
+            <p:ph type="title"/>
+          </p:nvPr>
+        </p:nvSpPr>
+        <p:spPr>
+          <a:xfrm>
+            <a:off x="9596560" y="624155"/>
+            <a:ext cx="1565767" cy="5243245"/>
+          </a:xfrm>
+          <a:prstGeom prst="rect">
+            <a:avLst/>
+          </a:prstGeom>
+        </p:spPr>
+        <p:txBody>
+          <a:bodyPr/>
+          <a:lstStyle/>
+          <a:p>
+            <a:r>
+              <a:t>Title Text</a:t>
+            </a:r>
+          </a:p>
+        </p:txBody>
+      </p:sp>
+      <p:sp>
+        <p:nvSpPr>
+          <p:cNvPr id="115" name="Body Level One…"/>
+          <p:cNvSpPr txBox="1">
+            <a:spLocks noGrp="1"/>
+          </p:cNvSpPr>
+          <p:nvPr>
+            <p:ph type="body" idx="1"/>
+          </p:nvPr>
+        </p:nvSpPr>
+        <p:spPr>
+          <a:xfrm>
+            <a:off x="1371600" y="624155"/>
+            <a:ext cx="8179642" cy="5243245"/>
+          </a:xfrm>
+          <a:prstGeom prst="rect">
+            <a:avLst/>
+          </a:prstGeom>
+        </p:spPr>
+        <p:txBody>
+          <a:bodyPr/>
+          <a:lstStyle/>
+          <a:p>
+            <a:r>
+              <a:t>Body Level One</a:t>
+            </a:r>
+          </a:p>
+          <a:p>
+            <a:pPr lvl="1"/>
+            <a:r>
+              <a:t>Body Level Two</a:t>
+            </a:r>
+          </a:p>
+          <a:p>
+            <a:pPr lvl="2"/>
+            <a:r>
+              <a:t>Body Level Three</a:t>
+            </a:r>
+          </a:p>
+          <a:p>
+            <a:pPr lvl="3"/>
+            <a:r>
+              <a:t>Body Level Four</a:t>
+            </a:r>
+          </a:p>
+          <a:p>
+            <a:pPr lvl="4"/>
+            <a:r>
+              <a:t>Body Level Five</a:t>
+            </a:r>
+          </a:p>
+        </p:txBody>
+      </p:sp>
+      <p:sp>
+        <p:nvSpPr>
+          <p:cNvPr id="116" name="Slide Number"/>
+          <p:cNvSpPr txBox="1">
+            <a:spLocks noGrp="1"/>
+          </p:cNvSpPr>
+          <p:nvPr>
+            <p:ph type="sldNum" sz="quarter" idx="2"/>
+          </p:nvPr>
+        </p:nvSpPr>
+        <p:spPr>
+          <a:prstGeom prst="rect">
+            <a:avLst/>
+          </a:prstGeom>
+        </p:spPr>
+        <p:txBody>
+          <a:bodyPr/>
+          <a:lstStyle/>
+          <a:p>
+            <a:fld id="{86CB4B4D-7CA3-9044-876B-883B54F8677D}" type="slidenum">
+              <a:t>‹#›</a:t>
+            </a:fld>
+            <a:endParaRPr/>
+          </a:p>
+        </p:txBody>
+      </p:sp>
+    </p:spTree>
+  </p:cSld>
+  <p:clrMapOvr>
+    <a:masterClrMapping/>
+  </p:clrMapOvr>
+  <p:transition spd="med"/>
+</p:sldLayout>
+</file>
+
 <file path=ppt/slideMasters/slideMaster1.xml><?xml version="1.0" encoding="utf-8"?>
 <p:sldMaster xmlns:a="http://schemas.openxmlformats.org/drawingml/2006/main" xmlns:r="http://schemas.openxmlformats.org/officeDocument/2006/relationships" xmlns:p="http://schemas.openxmlformats.org/presentationml/2006/main">
   <p:cSld>
@@ -17135,7 +16901,7 @@
           </a:ln>
           <a:extLst>
             <a:ext uri="{C572A759-6A51-4108-AA02-DFA0A04FC94B}">
-              <ma14:wrappingTextBoxFlag xmlns="" xmlns:m="http://schemas.openxmlformats.org/officeDocument/2006/math" xmlns:a14="http://schemas.microsoft.com/office/drawing/2010/main" xmlns:ma14="http://schemas.microsoft.com/office/mac/drawingml/2011/main" val="1"/>
+              <ma14:wrappingTextBoxFlag xmlns:ma14="http://schemas.microsoft.com/office/mac/drawingml/2011/main" xmlns:a14="http://schemas.microsoft.com/office/drawing/2010/main" xmlns:m="http://schemas.openxmlformats.org/officeDocument/2006/math" xmlns="" val="1"/>
             </a:ext>
           </a:extLst>
         </p:spPr>
@@ -17174,7 +16940,7 @@
           </a:ln>
           <a:extLst>
             <a:ext uri="{C572A759-6A51-4108-AA02-DFA0A04FC94B}">
-              <ma14:wrappingTextBoxFlag xmlns="" xmlns:m="http://schemas.openxmlformats.org/officeDocument/2006/math" xmlns:a14="http://schemas.microsoft.com/office/drawing/2010/main" xmlns:ma14="http://schemas.microsoft.com/office/mac/drawingml/2011/main" val="1"/>
+              <ma14:wrappingTextBoxFlag xmlns:ma14="http://schemas.microsoft.com/office/mac/drawingml/2011/main" xmlns:a14="http://schemas.microsoft.com/office/drawing/2010/main" xmlns:m="http://schemas.openxmlformats.org/officeDocument/2006/math" xmlns="" val="1"/>
             </a:ext>
           </a:extLst>
         </p:spPr>
@@ -17265,12 +17031,11 @@
     <p:sldLayoutId id="2147483650" r:id="rId2"/>
     <p:sldLayoutId id="2147483651" r:id="rId3"/>
     <p:sldLayoutId id="2147483652" r:id="rId4"/>
-    <p:sldLayoutId id="2147483653" r:id="rId5"/>
-    <p:sldLayoutId id="2147483654" r:id="rId6"/>
-    <p:sldLayoutId id="2147483655" r:id="rId7"/>
-    <p:sldLayoutId id="2147483657" r:id="rId8"/>
-    <p:sldLayoutId id="2147483658" r:id="rId9"/>
-    <p:sldLayoutId id="2147483659" r:id="rId10"/>
+    <p:sldLayoutId id="2147483654" r:id="rId5"/>
+    <p:sldLayoutId id="2147483655" r:id="rId6"/>
+    <p:sldLayoutId id="2147483657" r:id="rId7"/>
+    <p:sldLayoutId id="2147483658" r:id="rId8"/>
+    <p:sldLayoutId id="2147483659" r:id="rId9"/>
   </p:sldLayoutIdLst>
   <p:transition spd="med"/>
   <p:txStyles>
@@ -18211,7 +17976,7 @@
           </a:ln>
           <a:extLst>
             <a:ext uri="{C572A759-6A51-4108-AA02-DFA0A04FC94B}">
-              <ma14:wrappingTextBoxFlag xmlns="" xmlns:m="http://schemas.openxmlformats.org/officeDocument/2006/math" xmlns:a14="http://schemas.microsoft.com/office/drawing/2010/main" xmlns:ma14="http://schemas.microsoft.com/office/mac/drawingml/2011/main" val="1"/>
+              <ma14:wrappingTextBoxFlag xmlns:ma14="http://schemas.microsoft.com/office/mac/drawingml/2011/main" xmlns:a14="http://schemas.microsoft.com/office/drawing/2010/main" xmlns:m="http://schemas.openxmlformats.org/officeDocument/2006/math" xmlns="" val="1"/>
             </a:ext>
           </a:extLst>
         </p:spPr>
@@ -19573,137 +19338,6 @@
       </p:grpSpPr>
       <p:sp>
         <p:nvSpPr>
-          <p:cNvPr id="2" name="Title 1"/>
-          <p:cNvSpPr>
-            <a:spLocks noGrp="1"/>
-          </p:cNvSpPr>
-          <p:nvPr>
-            <p:ph type="title"/>
-          </p:nvPr>
-        </p:nvSpPr>
-        <p:spPr/>
-        <p:txBody>
-          <a:bodyPr/>
-          <a:lstStyle/>
-          <a:p>
-            <a:r>
-              <a:rPr lang="en-US" dirty="0" smtClean="0"/>
-              <a:t>Dataset</a:t>
-            </a:r>
-            <a:endParaRPr lang="en-US" dirty="0"/>
-          </a:p>
-        </p:txBody>
-      </p:sp>
-      <p:sp>
-        <p:nvSpPr>
-          <p:cNvPr id="4" name="Text Placeholder 3"/>
-          <p:cNvSpPr>
-            <a:spLocks noGrp="1"/>
-          </p:cNvSpPr>
-          <p:nvPr>
-            <p:ph type="body" sz="quarter" idx="13"/>
-          </p:nvPr>
-        </p:nvSpPr>
-        <p:spPr>
-          <a:xfrm>
-            <a:off x="1371601" y="2794000"/>
-            <a:ext cx="3937000" cy="1524000"/>
-          </a:xfrm>
-        </p:spPr>
-        <p:txBody>
-          <a:bodyPr>
-            <a:normAutofit/>
-          </a:bodyPr>
-          <a:lstStyle/>
-          <a:p>
-            <a:r>
-              <a:rPr lang="en-US" dirty="0"/>
-              <a:t>3,094 articles published Sept. – Dec. 2020</a:t>
-            </a:r>
-          </a:p>
-          <a:p>
-            <a:r>
-              <a:rPr lang="en-US" dirty="0"/>
-              <a:t>9 news sources w/ Pew Research Center bias </a:t>
-            </a:r>
-            <a:r>
-              <a:rPr lang="en-US" dirty="0" smtClean="0"/>
-              <a:t>ratings</a:t>
-            </a:r>
-            <a:endParaRPr lang="en-US" dirty="0"/>
-          </a:p>
-        </p:txBody>
-      </p:sp>
-      <p:pic>
-        <p:nvPicPr>
-          <p:cNvPr id="3" name="Picture 2"/>
-          <p:cNvPicPr>
-            <a:picLocks noChangeAspect="1"/>
-          </p:cNvPicPr>
-          <p:nvPr/>
-        </p:nvPicPr>
-        <p:blipFill>
-          <a:blip r:embed="rId2">
-            <a:extLst>
-              <a:ext uri="{28A0092B-C50C-407E-A947-70E740481C1C}">
-                <a14:useLocalDpi xmlns:a14="http://schemas.microsoft.com/office/drawing/2010/main" val="0"/>
-              </a:ext>
-            </a:extLst>
-          </a:blip>
-          <a:stretch>
-            <a:fillRect/>
-          </a:stretch>
-        </p:blipFill>
-        <p:spPr>
-          <a:xfrm>
-            <a:off x="5970495" y="1674849"/>
-            <a:ext cx="5734410" cy="3753684"/>
-          </a:xfrm>
-          <a:prstGeom prst="rect">
-            <a:avLst/>
-          </a:prstGeom>
-        </p:spPr>
-      </p:pic>
-    </p:spTree>
-    <p:extLst>
-      <p:ext uri="{BB962C8B-B14F-4D97-AF65-F5344CB8AC3E}">
-        <p14:creationId xmlns:p14="http://schemas.microsoft.com/office/powerpoint/2010/main" val="3548561940"/>
-      </p:ext>
-    </p:extLst>
-  </p:cSld>
-  <p:clrMapOvr>
-    <a:masterClrMapping/>
-  </p:clrMapOvr>
-  <p:transition spd="med"/>
-  <p:timing>
-    <p:tnLst>
-      <p:par>
-        <p:cTn id="1" dur="indefinite" restart="never" nodeType="tmRoot"/>
-      </p:par>
-    </p:tnLst>
-  </p:timing>
-</p:sld>
-</file>
-
-<file path=ppt/slides/slide5.xml><?xml version="1.0" encoding="utf-8"?>
-<p:sld xmlns:a="http://schemas.openxmlformats.org/drawingml/2006/main" xmlns:r="http://schemas.openxmlformats.org/officeDocument/2006/relationships" xmlns:p="http://schemas.openxmlformats.org/presentationml/2006/main">
-  <p:cSld>
-    <p:spTree>
-      <p:nvGrpSpPr>
-        <p:cNvPr id="1" name=""/>
-        <p:cNvGrpSpPr/>
-        <p:nvPr/>
-      </p:nvGrpSpPr>
-      <p:grpSpPr>
-        <a:xfrm>
-          <a:off x="0" y="0"/>
-          <a:ext cx="0" cy="0"/>
-          <a:chOff x="0" y="0"/>
-          <a:chExt cx="0" cy="0"/>
-        </a:xfrm>
-      </p:grpSpPr>
-      <p:sp>
-        <p:nvSpPr>
           <p:cNvPr id="136" name="Sentiment By News Source"/>
           <p:cNvSpPr txBox="1">
             <a:spLocks noGrp="1"/>
@@ -19749,7 +19383,7 @@
         </p:blipFill>
         <p:spPr>
           <a:xfrm>
-            <a:off x="2841079" y="1549101"/>
+            <a:off x="721814" y="1549101"/>
             <a:ext cx="6662241" cy="5308899"/>
           </a:xfrm>
           <a:prstGeom prst="rect">
@@ -19764,14 +19398,14 @@
           <p:nvPr>
             <p:extLst>
               <p:ext uri="{D42A27DB-BD31-4B8C-83A1-F6EECF244321}">
-                <p14:modId xmlns:p14="http://schemas.microsoft.com/office/powerpoint/2010/main" val="3703730016"/>
+                <p14:modId xmlns:p14="http://schemas.microsoft.com/office/powerpoint/2010/main" val="4122579704"/>
               </p:ext>
             </p:extLst>
           </p:nvPr>
         </p:nvGraphicFramePr>
         <p:xfrm>
-          <a:off x="9950817" y="2844850"/>
-          <a:ext cx="1672215" cy="2717400"/>
+          <a:off x="7379758" y="4450699"/>
+          <a:ext cx="1269390" cy="2229802"/>
         </p:xfrm>
         <a:graphic>
           <a:graphicData uri="http://schemas.openxmlformats.org/drawingml/2006/diagram">
@@ -19779,6 +19413,49 @@
           </a:graphicData>
         </a:graphic>
       </p:graphicFrame>
+      <p:sp>
+        <p:nvSpPr>
+          <p:cNvPr id="6" name="Text Placeholder 3"/>
+          <p:cNvSpPr>
+            <a:spLocks noGrp="1"/>
+          </p:cNvSpPr>
+          <p:nvPr>
+            <p:ph type="body" sz="quarter" idx="4294967295"/>
+          </p:nvPr>
+        </p:nvSpPr>
+        <p:spPr>
+          <a:xfrm>
+            <a:off x="8033841" y="2033201"/>
+            <a:ext cx="3712447" cy="1861054"/>
+          </a:xfrm>
+          <a:prstGeom prst="rect">
+            <a:avLst/>
+          </a:prstGeom>
+        </p:spPr>
+        <p:txBody>
+          <a:bodyPr>
+            <a:normAutofit/>
+          </a:bodyPr>
+          <a:lstStyle/>
+          <a:p>
+            <a:r>
+              <a:rPr lang="en-US" dirty="0"/>
+              <a:t>3,094 articles published Sept. – Dec. 2020</a:t>
+            </a:r>
+          </a:p>
+          <a:p>
+            <a:r>
+              <a:rPr lang="en-US" dirty="0"/>
+              <a:t>9 news sources w/ Pew Research Center bias </a:t>
+            </a:r>
+            <a:r>
+              <a:rPr lang="en-US" dirty="0" smtClean="0"/>
+              <a:t>ratings</a:t>
+            </a:r>
+            <a:endParaRPr lang="en-US" dirty="0"/>
+          </a:p>
+        </p:txBody>
+      </p:sp>
     </p:spTree>
   </p:cSld>
   <p:clrMapOvr>
@@ -19792,6 +19469,90 @@
       </p:par>
     </p:tnLst>
   </p:timing>
+</p:sld>
+</file>
+
+<file path=ppt/slides/slide5.xml><?xml version="1.0" encoding="utf-8"?>
+<p:sld xmlns:a="http://schemas.openxmlformats.org/drawingml/2006/main" xmlns:r="http://schemas.openxmlformats.org/officeDocument/2006/relationships" xmlns:p="http://schemas.openxmlformats.org/presentationml/2006/main">
+  <p:cSld>
+    <p:spTree>
+      <p:nvGrpSpPr>
+        <p:cNvPr id="1" name=""/>
+        <p:cNvGrpSpPr/>
+        <p:nvPr/>
+      </p:nvGrpSpPr>
+      <p:grpSpPr>
+        <a:xfrm>
+          <a:off x="0" y="0"/>
+          <a:ext cx="0" cy="0"/>
+          <a:chOff x="0" y="0"/>
+          <a:chExt cx="0" cy="0"/>
+        </a:xfrm>
+      </p:grpSpPr>
+      <p:sp>
+        <p:nvSpPr>
+          <p:cNvPr id="2" name="Title 1"/>
+          <p:cNvSpPr>
+            <a:spLocks noGrp="1"/>
+          </p:cNvSpPr>
+          <p:nvPr>
+            <p:ph type="title"/>
+          </p:nvPr>
+        </p:nvSpPr>
+        <p:spPr/>
+        <p:txBody>
+          <a:bodyPr/>
+          <a:lstStyle/>
+          <a:p>
+            <a:r>
+              <a:rPr lang="en-US" dirty="0" smtClean="0"/>
+              <a:t>Bias and Negative Sentiment</a:t>
+            </a:r>
+            <a:endParaRPr lang="en-US" dirty="0"/>
+          </a:p>
+        </p:txBody>
+      </p:sp>
+      <p:pic>
+        <p:nvPicPr>
+          <p:cNvPr id="5" name="Picture 4"/>
+          <p:cNvPicPr>
+            <a:picLocks noChangeAspect="1"/>
+          </p:cNvPicPr>
+          <p:nvPr/>
+        </p:nvPicPr>
+        <p:blipFill>
+          <a:blip r:embed="rId2">
+            <a:extLst>
+              <a:ext uri="{28A0092B-C50C-407E-A947-70E740481C1C}">
+                <a14:useLocalDpi xmlns:a14="http://schemas.microsoft.com/office/drawing/2010/main" val="0"/>
+              </a:ext>
+            </a:extLst>
+          </a:blip>
+          <a:stretch>
+            <a:fillRect/>
+          </a:stretch>
+        </p:blipFill>
+        <p:spPr>
+          <a:xfrm>
+            <a:off x="2457002" y="1535882"/>
+            <a:ext cx="7430396" cy="4953598"/>
+          </a:xfrm>
+          <a:prstGeom prst="rect">
+            <a:avLst/>
+          </a:prstGeom>
+        </p:spPr>
+      </p:pic>
+    </p:spTree>
+    <p:extLst>
+      <p:ext uri="{BB962C8B-B14F-4D97-AF65-F5344CB8AC3E}">
+        <p14:creationId xmlns:p14="http://schemas.microsoft.com/office/powerpoint/2010/main" val="1655655677"/>
+      </p:ext>
+    </p:extLst>
+  </p:cSld>
+  <p:clrMapOvr>
+    <a:masterClrMapping/>
+  </p:clrMapOvr>
+  <p:transition spd="med"/>
 </p:sld>
 </file>
 
